--- a/ASP.NET Presentation_2.pptx
+++ b/ASP.NET Presentation_2.pptx
@@ -5,7 +5,7 @@
     <p:sldMasterId id="2147483677" r:id="rId1"/>
   </p:sldMasterIdLst>
   <p:notesMasterIdLst>
-    <p:notesMasterId r:id="rId16"/>
+    <p:notesMasterId r:id="rId18"/>
   </p:notesMasterIdLst>
   <p:sldIdLst>
     <p:sldId id="401" r:id="rId2"/>
@@ -16,12 +16,14 @@
     <p:sldId id="406" r:id="rId7"/>
     <p:sldId id="408" r:id="rId8"/>
     <p:sldId id="407" r:id="rId9"/>
-    <p:sldId id="409" r:id="rId10"/>
-    <p:sldId id="410" r:id="rId11"/>
-    <p:sldId id="412" r:id="rId12"/>
-    <p:sldId id="267" r:id="rId13"/>
-    <p:sldId id="414" r:id="rId14"/>
-    <p:sldId id="413" r:id="rId15"/>
+    <p:sldId id="414" r:id="rId10"/>
+    <p:sldId id="416" r:id="rId11"/>
+    <p:sldId id="409" r:id="rId12"/>
+    <p:sldId id="410" r:id="rId13"/>
+    <p:sldId id="412" r:id="rId14"/>
+    <p:sldId id="267" r:id="rId15"/>
+    <p:sldId id="415" r:id="rId16"/>
+    <p:sldId id="413" r:id="rId17"/>
   </p:sldIdLst>
   <p:sldSz cx="12192000" cy="6858000"/>
   <p:notesSz cx="6858000" cy="9144000"/>
@@ -3540,7 +3542,15 @@
                   <a:srgbClr val="00B0F0"/>
                 </a:solidFill>
               </a:rPr>
-              <a:t>By Alim </a:t>
+              <a:t>By </a:t>
+            </a:r>
+            <a:r>
+              <a:rPr lang="en-US" sz="2400" dirty="0" smtClean="0">
+                <a:solidFill>
+                  <a:srgbClr val="00B0F0"/>
+                </a:solidFill>
+              </a:rPr>
+              <a:t>Md. Alim </a:t>
             </a:r>
             <a:r>
               <a:rPr lang="en-US" sz="2400" dirty="0" err="1" smtClean="0">
@@ -3783,6 +3793,2137 @@
             <a:spLocks noGrp="1"/>
           </p:cNvSpPr>
           <p:nvPr>
+            <p:ph type="ctrTitle"/>
+          </p:nvPr>
+        </p:nvSpPr>
+        <p:spPr/>
+        <p:txBody>
+          <a:bodyPr/>
+          <a:lstStyle/>
+          <a:p>
+            <a:r>
+              <a:rPr lang="en-US" dirty="0" smtClean="0"/>
+              <a:t>How to work with ASP.NET MVC</a:t>
+            </a:r>
+            <a:endParaRPr lang="en-US" dirty="0"/>
+          </a:p>
+        </p:txBody>
+      </p:sp>
+      <p:sp>
+        <p:nvSpPr>
+          <p:cNvPr id="3" name="Subtitle 2"/>
+          <p:cNvSpPr>
+            <a:spLocks noGrp="1"/>
+          </p:cNvSpPr>
+          <p:nvPr>
+            <p:ph type="subTitle" idx="1"/>
+          </p:nvPr>
+        </p:nvSpPr>
+        <p:spPr/>
+        <p:txBody>
+          <a:bodyPr>
+            <a:normAutofit/>
+          </a:bodyPr>
+          <a:lstStyle/>
+          <a:p>
+            <a:r>
+              <a:rPr lang="en-US" u="sng" dirty="0">
+                <a:hlinkClick r:id="rId2"/>
+              </a:rPr>
+              <a:t>http://bit.ly/asp-net-mvc-basic</a:t>
+            </a:r>
+            <a:r>
+              <a:rPr lang="en-US" dirty="0"/>
+              <a:t> </a:t>
+            </a:r>
+            <a:r>
+              <a:rPr lang="en-US" dirty="0" smtClean="0"/>
+              <a:t> </a:t>
+            </a:r>
+            <a:endParaRPr lang="en-US" dirty="0" smtClean="0"/>
+          </a:p>
+        </p:txBody>
+      </p:sp>
+      <p:sp>
+        <p:nvSpPr>
+          <p:cNvPr id="7" name="Slide Number Placeholder 6"/>
+          <p:cNvSpPr>
+            <a:spLocks noGrp="1"/>
+          </p:cNvSpPr>
+          <p:nvPr>
+            <p:ph type="sldNum" sz="quarter" idx="12"/>
+          </p:nvPr>
+        </p:nvSpPr>
+        <p:spPr/>
+        <p:txBody>
+          <a:bodyPr/>
+          <a:lstStyle/>
+          <a:p>
+            <a:fld id="{3405949F-09D4-4823-AF2C-A9E8A428D48D}" type="slidenum">
+              <a:rPr lang="en-US" smtClean="0"/>
+              <a:t>10</a:t>
+            </a:fld>
+            <a:endParaRPr lang="en-US"/>
+          </a:p>
+        </p:txBody>
+      </p:sp>
+    </p:spTree>
+    <p:extLst>
+      <p:ext uri="{BB962C8B-B14F-4D97-AF65-F5344CB8AC3E}">
+        <p14:creationId xmlns:p14="http://schemas.microsoft.com/office/powerpoint/2010/main" val="330820776"/>
+      </p:ext>
+    </p:extLst>
+  </p:cSld>
+  <p:clrMapOvr>
+    <a:masterClrMapping/>
+  </p:clrMapOvr>
+  <mc:AlternateContent xmlns:mc="http://schemas.openxmlformats.org/markup-compatibility/2006">
+    <mc:Choice xmlns:p15="http://schemas.microsoft.com/office/powerpoint/2012/main" Requires="p15">
+      <p:transition xmlns:p14="http://schemas.microsoft.com/office/powerpoint/2010/main" spd="slow" p14:dur="2000">
+        <p15:prstTrans prst="drape"/>
+      </p:transition>
+    </mc:Choice>
+    <mc:Fallback>
+      <p:transition spd="slow">
+        <p:fade/>
+      </p:transition>
+    </mc:Fallback>
+  </mc:AlternateContent>
+  <p:timing>
+    <p:tnLst>
+      <p:par>
+        <p:cTn id="1" dur="indefinite" restart="never" nodeType="tmRoot"/>
+      </p:par>
+    </p:tnLst>
+  </p:timing>
+</p:sld>
+</file>
+
+<file path=ppt/slides/slide11.xml><?xml version="1.0" encoding="utf-8"?>
+<p:sld xmlns:a="http://schemas.openxmlformats.org/drawingml/2006/main" xmlns:r="http://schemas.openxmlformats.org/officeDocument/2006/relationships" xmlns:p="http://schemas.openxmlformats.org/presentationml/2006/main">
+  <p:cSld>
+    <p:spTree>
+      <p:nvGrpSpPr>
+        <p:cNvPr id="1" name=""/>
+        <p:cNvGrpSpPr/>
+        <p:nvPr/>
+      </p:nvGrpSpPr>
+      <p:grpSpPr>
+        <a:xfrm>
+          <a:off x="0" y="0"/>
+          <a:ext cx="0" cy="0"/>
+          <a:chOff x="0" y="0"/>
+          <a:chExt cx="0" cy="0"/>
+        </a:xfrm>
+      </p:grpSpPr>
+      <p:sp>
+        <p:nvSpPr>
+          <p:cNvPr id="2" name="Title 1"/>
+          <p:cNvSpPr>
+            <a:spLocks noGrp="1"/>
+          </p:cNvSpPr>
+          <p:nvPr>
+            <p:ph type="title"/>
+          </p:nvPr>
+        </p:nvSpPr>
+        <p:spPr>
+          <a:xfrm>
+            <a:off x="831850" y="3743515"/>
+            <a:ext cx="10515600" cy="818960"/>
+          </a:xfrm>
+        </p:spPr>
+        <p:txBody>
+          <a:bodyPr>
+            <a:normAutofit/>
+          </a:bodyPr>
+          <a:lstStyle/>
+          <a:p>
+            <a:r>
+              <a:rPr lang="en-US" sz="4800" dirty="0" smtClean="0"/>
+              <a:t>Let’s see Pure MVC vs Framework</a:t>
+            </a:r>
+            <a:endParaRPr lang="en-US" sz="4800" dirty="0"/>
+          </a:p>
+        </p:txBody>
+      </p:sp>
+      <p:sp>
+        <p:nvSpPr>
+          <p:cNvPr id="3" name="Text Placeholder 2"/>
+          <p:cNvSpPr>
+            <a:spLocks noGrp="1"/>
+          </p:cNvSpPr>
+          <p:nvPr>
+            <p:ph type="body" idx="1"/>
+          </p:nvPr>
+        </p:nvSpPr>
+        <p:spPr/>
+        <p:txBody>
+          <a:bodyPr/>
+          <a:lstStyle/>
+          <a:p>
+            <a:endParaRPr lang="en-US" dirty="0"/>
+          </a:p>
+        </p:txBody>
+      </p:sp>
+      <p:sp>
+        <p:nvSpPr>
+          <p:cNvPr id="13" name="TextBox 12"/>
+          <p:cNvSpPr txBox="1"/>
+          <p:nvPr/>
+        </p:nvSpPr>
+        <p:spPr>
+          <a:xfrm>
+            <a:off x="831850" y="350825"/>
+            <a:ext cx="1922578" cy="369332"/>
+          </a:xfrm>
+          <a:prstGeom prst="rect">
+            <a:avLst/>
+          </a:prstGeom>
+          <a:noFill/>
+        </p:spPr>
+        <p:txBody>
+          <a:bodyPr wrap="none" rtlCol="0">
+            <a:spAutoFit/>
+          </a:bodyPr>
+          <a:lstStyle/>
+          <a:p>
+            <a:r>
+              <a:rPr lang="en-US" dirty="0" err="1" smtClean="0">
+                <a:solidFill>
+                  <a:schemeClr val="accent1">
+                    <a:lumMod val="75000"/>
+                  </a:schemeClr>
+                </a:solidFill>
+              </a:rPr>
+              <a:t>Bootstrapper</a:t>
+            </a:r>
+            <a:r>
+              <a:rPr lang="en-US" dirty="0" smtClean="0">
+                <a:solidFill>
+                  <a:schemeClr val="accent1">
+                    <a:lumMod val="75000"/>
+                  </a:schemeClr>
+                </a:solidFill>
+              </a:rPr>
+              <a:t> MVC</a:t>
+            </a:r>
+          </a:p>
+        </p:txBody>
+      </p:sp>
+      <p:sp>
+        <p:nvSpPr>
+          <p:cNvPr id="18" name="TextBox 17"/>
+          <p:cNvSpPr txBox="1"/>
+          <p:nvPr/>
+        </p:nvSpPr>
+        <p:spPr>
+          <a:xfrm>
+            <a:off x="6260258" y="350825"/>
+            <a:ext cx="1120563" cy="369332"/>
+          </a:xfrm>
+          <a:prstGeom prst="rect">
+            <a:avLst/>
+          </a:prstGeom>
+          <a:noFill/>
+        </p:spPr>
+        <p:txBody>
+          <a:bodyPr wrap="none" rtlCol="0">
+            <a:spAutoFit/>
+          </a:bodyPr>
+          <a:lstStyle/>
+          <a:p>
+            <a:r>
+              <a:rPr lang="en-US" dirty="0" smtClean="0">
+                <a:solidFill>
+                  <a:schemeClr val="accent1">
+                    <a:lumMod val="75000"/>
+                  </a:schemeClr>
+                </a:solidFill>
+              </a:rPr>
+              <a:t>Pure MVC</a:t>
+            </a:r>
+          </a:p>
+        </p:txBody>
+      </p:sp>
+      <p:cxnSp>
+        <p:nvCxnSpPr>
+          <p:cNvPr id="5" name="Straight Connector 4"/>
+          <p:cNvCxnSpPr/>
+          <p:nvPr/>
+        </p:nvCxnSpPr>
+        <p:spPr>
+          <a:xfrm>
+            <a:off x="5868140" y="594803"/>
+            <a:ext cx="0" cy="3080552"/>
+          </a:xfrm>
+          <a:prstGeom prst="line">
+            <a:avLst/>
+          </a:prstGeom>
+        </p:spPr>
+        <p:style>
+          <a:lnRef idx="1">
+            <a:schemeClr val="accent1"/>
+          </a:lnRef>
+          <a:fillRef idx="0">
+            <a:schemeClr val="accent1"/>
+          </a:fillRef>
+          <a:effectRef idx="0">
+            <a:schemeClr val="accent1"/>
+          </a:effectRef>
+          <a:fontRef idx="minor">
+            <a:schemeClr val="tx1"/>
+          </a:fontRef>
+        </p:style>
+      </p:cxnSp>
+      <p:sp>
+        <p:nvSpPr>
+          <p:cNvPr id="6" name="TextBox 5"/>
+          <p:cNvSpPr txBox="1"/>
+          <p:nvPr/>
+        </p:nvSpPr>
+        <p:spPr>
+          <a:xfrm>
+            <a:off x="831849" y="788316"/>
+            <a:ext cx="4644173" cy="2862322"/>
+          </a:xfrm>
+          <a:prstGeom prst="rect">
+            <a:avLst/>
+          </a:prstGeom>
+          <a:noFill/>
+        </p:spPr>
+        <p:txBody>
+          <a:bodyPr wrap="square" rtlCol="0">
+            <a:spAutoFit/>
+          </a:bodyPr>
+          <a:lstStyle/>
+          <a:p>
+            <a:pPr marL="342900" indent="-342900">
+              <a:buAutoNum type="arabicPeriod"/>
+            </a:pPr>
+            <a:r>
+              <a:rPr lang="en-US" dirty="0" smtClean="0"/>
+              <a:t>Less additional frameworks</a:t>
+            </a:r>
+          </a:p>
+          <a:p>
+            <a:pPr marL="342900" indent="-342900">
+              <a:buAutoNum type="arabicPeriod"/>
+            </a:pPr>
+            <a:r>
+              <a:rPr lang="en-US" dirty="0" smtClean="0"/>
+              <a:t>Tons of components</a:t>
+            </a:r>
+          </a:p>
+          <a:p>
+            <a:pPr marL="342900" indent="-342900">
+              <a:buAutoNum type="arabicPeriod"/>
+            </a:pPr>
+            <a:r>
+              <a:rPr lang="en-US" dirty="0" smtClean="0"/>
+              <a:t>Faster integration</a:t>
+            </a:r>
+          </a:p>
+          <a:p>
+            <a:pPr marL="342900" indent="-342900">
+              <a:buAutoNum type="arabicPeriod"/>
+            </a:pPr>
+            <a:r>
+              <a:rPr lang="en-US" dirty="0" smtClean="0"/>
+              <a:t>Web Optimization</a:t>
+            </a:r>
+          </a:p>
+          <a:p>
+            <a:pPr marL="342900" indent="-342900">
+              <a:buAutoNum type="arabicPeriod"/>
+            </a:pPr>
+            <a:r>
+              <a:rPr lang="en-US" dirty="0" smtClean="0"/>
+              <a:t>OSAWP Security</a:t>
+            </a:r>
+          </a:p>
+          <a:p>
+            <a:pPr marL="342900" indent="-342900">
+              <a:buAutoNum type="arabicPeriod"/>
+            </a:pPr>
+            <a:r>
+              <a:rPr lang="en-US" dirty="0" smtClean="0"/>
+              <a:t>Robust scaffolding.</a:t>
+            </a:r>
+            <a:endParaRPr lang="en-US" dirty="0"/>
+          </a:p>
+          <a:p>
+            <a:pPr marL="342900" indent="-342900">
+              <a:buFontTx/>
+              <a:buAutoNum type="arabicPeriod"/>
+            </a:pPr>
+            <a:r>
+              <a:rPr lang="en-US" dirty="0"/>
+              <a:t>Cache things out of the box</a:t>
+            </a:r>
+            <a:r>
+              <a:rPr lang="en-US" dirty="0" smtClean="0"/>
+              <a:t>.</a:t>
+            </a:r>
+          </a:p>
+          <a:p>
+            <a:pPr marL="342900" indent="-342900">
+              <a:buFontTx/>
+              <a:buAutoNum type="arabicPeriod"/>
+            </a:pPr>
+            <a:r>
+              <a:rPr lang="en-US" dirty="0" err="1"/>
+              <a:t>Javascript</a:t>
+            </a:r>
+            <a:r>
+              <a:rPr lang="en-US" dirty="0"/>
+              <a:t> </a:t>
+            </a:r>
+            <a:r>
+              <a:rPr lang="en-US" dirty="0" smtClean="0"/>
+              <a:t>framework</a:t>
+            </a:r>
+          </a:p>
+          <a:p>
+            <a:pPr marL="342900" indent="-342900">
+              <a:buFontTx/>
+              <a:buAutoNum type="arabicPeriod"/>
+            </a:pPr>
+            <a:r>
+              <a:rPr lang="en-US" dirty="0" smtClean="0"/>
+              <a:t>And many more.</a:t>
+            </a:r>
+          </a:p>
+          <a:p>
+            <a:pPr marL="342900" indent="-342900">
+              <a:buAutoNum type="arabicPeriod"/>
+            </a:pPr>
+            <a:endParaRPr lang="en-US" dirty="0"/>
+          </a:p>
+        </p:txBody>
+      </p:sp>
+      <p:sp>
+        <p:nvSpPr>
+          <p:cNvPr id="19" name="TextBox 18"/>
+          <p:cNvSpPr txBox="1"/>
+          <p:nvPr/>
+        </p:nvSpPr>
+        <p:spPr>
+          <a:xfrm>
+            <a:off x="6089650" y="788316"/>
+            <a:ext cx="4644173" cy="2862322"/>
+          </a:xfrm>
+          <a:prstGeom prst="rect">
+            <a:avLst/>
+          </a:prstGeom>
+          <a:noFill/>
+        </p:spPr>
+        <p:txBody>
+          <a:bodyPr wrap="square" rtlCol="0">
+            <a:spAutoFit/>
+          </a:bodyPr>
+          <a:lstStyle/>
+          <a:p>
+            <a:pPr marL="342900" indent="-342900">
+              <a:buAutoNum type="arabicPeriod"/>
+            </a:pPr>
+            <a:r>
+              <a:rPr lang="en-US" dirty="0" smtClean="0">
+                <a:solidFill>
+                  <a:srgbClr val="FF0000"/>
+                </a:solidFill>
+              </a:rPr>
+              <a:t>NO ! </a:t>
+            </a:r>
+            <a:r>
+              <a:rPr lang="en-US" dirty="0" smtClean="0"/>
+              <a:t>Additional styling framework</a:t>
+            </a:r>
+          </a:p>
+          <a:p>
+            <a:pPr marL="342900" indent="-342900">
+              <a:buAutoNum type="arabicPeriod"/>
+            </a:pPr>
+            <a:r>
+              <a:rPr lang="en-US" dirty="0" smtClean="0">
+                <a:solidFill>
+                  <a:srgbClr val="FF0000"/>
+                </a:solidFill>
+              </a:rPr>
+              <a:t>No existing component.</a:t>
+            </a:r>
+            <a:endParaRPr lang="en-US" dirty="0" smtClean="0"/>
+          </a:p>
+          <a:p>
+            <a:pPr marL="342900" indent="-342900">
+              <a:buAutoNum type="arabicPeriod"/>
+            </a:pPr>
+            <a:r>
+              <a:rPr lang="en-US" dirty="0">
+                <a:solidFill>
+                  <a:srgbClr val="FF0000"/>
+                </a:solidFill>
+              </a:rPr>
+              <a:t>NO ! </a:t>
+            </a:r>
+            <a:r>
+              <a:rPr lang="en-US" dirty="0" smtClean="0"/>
+              <a:t>Faster integration</a:t>
+            </a:r>
+          </a:p>
+          <a:p>
+            <a:pPr marL="342900" indent="-342900">
+              <a:buAutoNum type="arabicPeriod"/>
+            </a:pPr>
+            <a:r>
+              <a:rPr lang="en-US" dirty="0">
+                <a:solidFill>
+                  <a:srgbClr val="FF0000"/>
+                </a:solidFill>
+              </a:rPr>
+              <a:t>NO ! </a:t>
+            </a:r>
+            <a:r>
+              <a:rPr lang="en-US" dirty="0" smtClean="0"/>
+              <a:t>Web Optimization</a:t>
+            </a:r>
+          </a:p>
+          <a:p>
+            <a:pPr marL="342900" indent="-342900">
+              <a:buAutoNum type="arabicPeriod"/>
+            </a:pPr>
+            <a:r>
+              <a:rPr lang="en-US" dirty="0">
+                <a:solidFill>
+                  <a:srgbClr val="FF0000"/>
+                </a:solidFill>
+              </a:rPr>
+              <a:t>NO ! </a:t>
+            </a:r>
+            <a:r>
+              <a:rPr lang="en-US" dirty="0" smtClean="0"/>
+              <a:t>OSAWP Security</a:t>
+            </a:r>
+          </a:p>
+          <a:p>
+            <a:pPr marL="342900" indent="-342900">
+              <a:buAutoNum type="arabicPeriod"/>
+            </a:pPr>
+            <a:r>
+              <a:rPr lang="en-US" dirty="0">
+                <a:solidFill>
+                  <a:srgbClr val="FF0000"/>
+                </a:solidFill>
+              </a:rPr>
+              <a:t>NO ! </a:t>
+            </a:r>
+            <a:r>
+              <a:rPr lang="en-US" dirty="0" smtClean="0"/>
+              <a:t>Robust scaffolding.</a:t>
+            </a:r>
+          </a:p>
+          <a:p>
+            <a:pPr marL="342900" indent="-342900">
+              <a:buFontTx/>
+              <a:buAutoNum type="arabicPeriod"/>
+            </a:pPr>
+            <a:r>
+              <a:rPr lang="en-US" dirty="0">
+                <a:solidFill>
+                  <a:srgbClr val="FF0000"/>
+                </a:solidFill>
+              </a:rPr>
+              <a:t>NO ! </a:t>
+            </a:r>
+            <a:r>
+              <a:rPr lang="en-US" dirty="0" err="1"/>
+              <a:t>Javascript</a:t>
+            </a:r>
+            <a:r>
+              <a:rPr lang="en-US" dirty="0"/>
+              <a:t> framework</a:t>
+            </a:r>
+          </a:p>
+          <a:p>
+            <a:pPr marL="342900" indent="-342900">
+              <a:buFontTx/>
+              <a:buAutoNum type="arabicPeriod"/>
+            </a:pPr>
+            <a:r>
+              <a:rPr lang="en-US" dirty="0">
+                <a:solidFill>
+                  <a:srgbClr val="FF0000"/>
+                </a:solidFill>
+              </a:rPr>
+              <a:t>NO ! </a:t>
+            </a:r>
+            <a:r>
+              <a:rPr lang="en-US" dirty="0"/>
+              <a:t>Cache things out of the box.</a:t>
+            </a:r>
+          </a:p>
+          <a:p>
+            <a:pPr marL="342900" indent="-342900">
+              <a:buAutoNum type="arabicPeriod"/>
+            </a:pPr>
+            <a:r>
+              <a:rPr lang="en-US" dirty="0" smtClean="0"/>
+              <a:t>Make your own.</a:t>
+            </a:r>
+          </a:p>
+          <a:p>
+            <a:pPr marL="342900" indent="-342900">
+              <a:buAutoNum type="arabicPeriod"/>
+            </a:pPr>
+            <a:endParaRPr lang="en-US" dirty="0"/>
+          </a:p>
+        </p:txBody>
+      </p:sp>
+    </p:spTree>
+    <p:extLst>
+      <p:ext uri="{BB962C8B-B14F-4D97-AF65-F5344CB8AC3E}">
+        <p14:creationId xmlns:p14="http://schemas.microsoft.com/office/powerpoint/2010/main" val="2899137692"/>
+      </p:ext>
+    </p:extLst>
+  </p:cSld>
+  <p:clrMapOvr>
+    <a:masterClrMapping/>
+  </p:clrMapOvr>
+  <mc:AlternateContent xmlns:mc="http://schemas.openxmlformats.org/markup-compatibility/2006" xmlns:p15="http://schemas.microsoft.com/office/powerpoint/2012/main">
+    <mc:Choice Requires="p15">
+      <p:transition xmlns:p14="http://schemas.microsoft.com/office/powerpoint/2010/main" spd="slow" p14:dur="1250">
+        <p15:prstTrans prst="pageCurlDouble"/>
+      </p:transition>
+    </mc:Choice>
+    <mc:Fallback xmlns="">
+      <p:transition spd="slow">
+        <p:fade/>
+      </p:transition>
+    </mc:Fallback>
+  </mc:AlternateContent>
+  <p:timing>
+    <p:tnLst>
+      <p:par>
+        <p:cTn id="1" dur="indefinite" restart="never" nodeType="tmRoot">
+          <p:childTnLst>
+            <p:seq concurrent="1" nextAc="seek">
+              <p:cTn id="2" dur="indefinite" nodeType="mainSeq">
+                <p:childTnLst>
+                  <p:par>
+                    <p:cTn id="3" fill="hold">
+                      <p:stCondLst>
+                        <p:cond delay="indefinite"/>
+                      </p:stCondLst>
+                      <p:childTnLst>
+                        <p:par>
+                          <p:cTn id="4" fill="hold">
+                            <p:stCondLst>
+                              <p:cond delay="0"/>
+                            </p:stCondLst>
+                            <p:childTnLst>
+                              <p:par>
+                                <p:cTn id="5" presetID="10" presetClass="entr" presetSubtype="0" fill="hold" grpId="0" nodeType="clickEffect">
+                                  <p:stCondLst>
+                                    <p:cond delay="0"/>
+                                  </p:stCondLst>
+                                  <p:iterate type="lt">
+                                    <p:tmPct val="0"/>
+                                  </p:iterate>
+                                  <p:childTnLst>
+                                    <p:set>
+                                      <p:cBhvr>
+                                        <p:cTn id="6" dur="1" fill="hold">
+                                          <p:stCondLst>
+                                            <p:cond delay="0"/>
+                                          </p:stCondLst>
+                                        </p:cTn>
+                                        <p:tgtEl>
+                                          <p:spTgt spid="13"/>
+                                        </p:tgtEl>
+                                        <p:attrNameLst>
+                                          <p:attrName>style.visibility</p:attrName>
+                                        </p:attrNameLst>
+                                      </p:cBhvr>
+                                      <p:to>
+                                        <p:strVal val="visible"/>
+                                      </p:to>
+                                    </p:set>
+                                    <p:animEffect transition="in" filter="fade">
+                                      <p:cBhvr>
+                                        <p:cTn id="7" dur="500"/>
+                                        <p:tgtEl>
+                                          <p:spTgt spid="13"/>
+                                        </p:tgtEl>
+                                      </p:cBhvr>
+                                    </p:animEffect>
+                                  </p:childTnLst>
+                                </p:cTn>
+                              </p:par>
+                              <p:par>
+                                <p:cTn id="8" presetID="3" presetClass="emph" presetSubtype="2" fill="hold" grpId="1" nodeType="withEffect">
+                                  <p:stCondLst>
+                                    <p:cond delay="0"/>
+                                  </p:stCondLst>
+                                  <p:iterate type="lt">
+                                    <p:tmPct val="0"/>
+                                  </p:iterate>
+                                  <p:childTnLst>
+                                    <p:animClr clrSpc="rgb" dir="cw">
+                                      <p:cBhvr override="childStyle">
+                                        <p:cTn id="9" dur="900" fill="hold"/>
+                                        <p:tgtEl>
+                                          <p:spTgt spid="13"/>
+                                        </p:tgtEl>
+                                        <p:attrNameLst>
+                                          <p:attrName>style.color</p:attrName>
+                                        </p:attrNameLst>
+                                      </p:cBhvr>
+                                      <p:to>
+                                        <a:srgbClr val="FF0000"/>
+                                      </p:to>
+                                    </p:animClr>
+                                  </p:childTnLst>
+                                </p:cTn>
+                              </p:par>
+                              <p:par>
+                                <p:cTn id="10" presetID="15" presetClass="emph" presetSubtype="0" grpId="3" nodeType="withEffect">
+                                  <p:stCondLst>
+                                    <p:cond delay="0"/>
+                                  </p:stCondLst>
+                                  <p:iterate type="lt">
+                                    <p:tmAbs val="25"/>
+                                  </p:iterate>
+                                  <p:childTnLst>
+                                    <p:set>
+                                      <p:cBhvr override="childStyle">
+                                        <p:cTn id="11" dur="400"/>
+                                        <p:tgtEl>
+                                          <p:spTgt spid="13"/>
+                                        </p:tgtEl>
+                                        <p:attrNameLst>
+                                          <p:attrName>style.fontWeight</p:attrName>
+                                        </p:attrNameLst>
+                                      </p:cBhvr>
+                                      <p:to>
+                                        <p:strVal val="bold"/>
+                                      </p:to>
+                                    </p:set>
+                                  </p:childTnLst>
+                                </p:cTn>
+                              </p:par>
+                            </p:childTnLst>
+                          </p:cTn>
+                        </p:par>
+                      </p:childTnLst>
+                    </p:cTn>
+                  </p:par>
+                  <p:par>
+                    <p:cTn id="12" fill="hold">
+                      <p:stCondLst>
+                        <p:cond delay="indefinite"/>
+                      </p:stCondLst>
+                      <p:childTnLst>
+                        <p:par>
+                          <p:cTn id="13" fill="hold">
+                            <p:stCondLst>
+                              <p:cond delay="0"/>
+                            </p:stCondLst>
+                            <p:childTnLst>
+                              <p:par>
+                                <p:cTn id="14" presetID="3" presetClass="emph" presetSubtype="2" fill="hold" grpId="2" nodeType="clickEffect">
+                                  <p:stCondLst>
+                                    <p:cond delay="0"/>
+                                  </p:stCondLst>
+                                  <p:iterate type="lt">
+                                    <p:tmPct val="0"/>
+                                  </p:iterate>
+                                  <p:childTnLst>
+                                    <p:animClr clrSpc="rgb" dir="cw">
+                                      <p:cBhvr override="childStyle">
+                                        <p:cTn id="15" dur="1000" fill="hold"/>
+                                        <p:tgtEl>
+                                          <p:spTgt spid="13"/>
+                                        </p:tgtEl>
+                                        <p:attrNameLst>
+                                          <p:attrName>style.color</p:attrName>
+                                        </p:attrNameLst>
+                                      </p:cBhvr>
+                                      <p:to>
+                                        <a:srgbClr val="00B0F0"/>
+                                      </p:to>
+                                    </p:animClr>
+                                  </p:childTnLst>
+                                </p:cTn>
+                              </p:par>
+                            </p:childTnLst>
+                          </p:cTn>
+                        </p:par>
+                      </p:childTnLst>
+                    </p:cTn>
+                  </p:par>
+                  <p:par>
+                    <p:cTn id="16" fill="hold">
+                      <p:stCondLst>
+                        <p:cond delay="indefinite"/>
+                      </p:stCondLst>
+                      <p:childTnLst>
+                        <p:par>
+                          <p:cTn id="17" fill="hold">
+                            <p:stCondLst>
+                              <p:cond delay="0"/>
+                            </p:stCondLst>
+                            <p:childTnLst>
+                              <p:par>
+                                <p:cTn id="18" presetID="10" presetClass="entr" presetSubtype="0" fill="hold" grpId="0" nodeType="clickEffect">
+                                  <p:stCondLst>
+                                    <p:cond delay="0"/>
+                                  </p:stCondLst>
+                                  <p:iterate type="lt">
+                                    <p:tmPct val="0"/>
+                                  </p:iterate>
+                                  <p:childTnLst>
+                                    <p:set>
+                                      <p:cBhvr>
+                                        <p:cTn id="19" dur="1" fill="hold">
+                                          <p:stCondLst>
+                                            <p:cond delay="0"/>
+                                          </p:stCondLst>
+                                        </p:cTn>
+                                        <p:tgtEl>
+                                          <p:spTgt spid="18"/>
+                                        </p:tgtEl>
+                                        <p:attrNameLst>
+                                          <p:attrName>style.visibility</p:attrName>
+                                        </p:attrNameLst>
+                                      </p:cBhvr>
+                                      <p:to>
+                                        <p:strVal val="visible"/>
+                                      </p:to>
+                                    </p:set>
+                                    <p:animEffect transition="in" filter="fade">
+                                      <p:cBhvr>
+                                        <p:cTn id="20" dur="500"/>
+                                        <p:tgtEl>
+                                          <p:spTgt spid="18"/>
+                                        </p:tgtEl>
+                                      </p:cBhvr>
+                                    </p:animEffect>
+                                  </p:childTnLst>
+                                </p:cTn>
+                              </p:par>
+                              <p:par>
+                                <p:cTn id="21" presetID="3" presetClass="emph" presetSubtype="2" fill="hold" grpId="1" nodeType="withEffect">
+                                  <p:stCondLst>
+                                    <p:cond delay="0"/>
+                                  </p:stCondLst>
+                                  <p:iterate type="lt">
+                                    <p:tmPct val="0"/>
+                                  </p:iterate>
+                                  <p:childTnLst>
+                                    <p:animClr clrSpc="rgb" dir="cw">
+                                      <p:cBhvr override="childStyle">
+                                        <p:cTn id="22" dur="900" fill="hold"/>
+                                        <p:tgtEl>
+                                          <p:spTgt spid="18"/>
+                                        </p:tgtEl>
+                                        <p:attrNameLst>
+                                          <p:attrName>style.color</p:attrName>
+                                        </p:attrNameLst>
+                                      </p:cBhvr>
+                                      <p:to>
+                                        <a:srgbClr val="FF0000"/>
+                                      </p:to>
+                                    </p:animClr>
+                                  </p:childTnLst>
+                                </p:cTn>
+                              </p:par>
+                              <p:par>
+                                <p:cTn id="23" presetID="15" presetClass="emph" presetSubtype="0" grpId="3" nodeType="withEffect">
+                                  <p:stCondLst>
+                                    <p:cond delay="0"/>
+                                  </p:stCondLst>
+                                  <p:iterate type="lt">
+                                    <p:tmAbs val="25"/>
+                                  </p:iterate>
+                                  <p:childTnLst>
+                                    <p:set>
+                                      <p:cBhvr override="childStyle">
+                                        <p:cTn id="24" dur="1000"/>
+                                        <p:tgtEl>
+                                          <p:spTgt spid="18"/>
+                                        </p:tgtEl>
+                                        <p:attrNameLst>
+                                          <p:attrName>style.fontWeight</p:attrName>
+                                        </p:attrNameLst>
+                                      </p:cBhvr>
+                                      <p:to>
+                                        <p:strVal val="bold"/>
+                                      </p:to>
+                                    </p:set>
+                                  </p:childTnLst>
+                                </p:cTn>
+                              </p:par>
+                            </p:childTnLst>
+                          </p:cTn>
+                        </p:par>
+                      </p:childTnLst>
+                    </p:cTn>
+                  </p:par>
+                  <p:par>
+                    <p:cTn id="25" fill="hold">
+                      <p:stCondLst>
+                        <p:cond delay="indefinite"/>
+                      </p:stCondLst>
+                      <p:childTnLst>
+                        <p:par>
+                          <p:cTn id="26" fill="hold">
+                            <p:stCondLst>
+                              <p:cond delay="0"/>
+                            </p:stCondLst>
+                            <p:childTnLst>
+                              <p:par>
+                                <p:cTn id="27" presetID="3" presetClass="emph" presetSubtype="2" fill="hold" grpId="2" nodeType="clickEffect">
+                                  <p:stCondLst>
+                                    <p:cond delay="0"/>
+                                  </p:stCondLst>
+                                  <p:iterate type="lt">
+                                    <p:tmPct val="0"/>
+                                  </p:iterate>
+                                  <p:childTnLst>
+                                    <p:animClr clrSpc="rgb" dir="cw">
+                                      <p:cBhvr override="childStyle">
+                                        <p:cTn id="28" dur="1000" fill="hold"/>
+                                        <p:tgtEl>
+                                          <p:spTgt spid="18"/>
+                                        </p:tgtEl>
+                                        <p:attrNameLst>
+                                          <p:attrName>style.color</p:attrName>
+                                        </p:attrNameLst>
+                                      </p:cBhvr>
+                                      <p:to>
+                                        <a:srgbClr val="00B0F0"/>
+                                      </p:to>
+                                    </p:animClr>
+                                  </p:childTnLst>
+                                </p:cTn>
+                              </p:par>
+                            </p:childTnLst>
+                          </p:cTn>
+                        </p:par>
+                      </p:childTnLst>
+                    </p:cTn>
+                  </p:par>
+                  <p:par>
+                    <p:cTn id="29" fill="hold">
+                      <p:stCondLst>
+                        <p:cond delay="indefinite"/>
+                      </p:stCondLst>
+                      <p:childTnLst>
+                        <p:par>
+                          <p:cTn id="30" fill="hold">
+                            <p:stCondLst>
+                              <p:cond delay="0"/>
+                            </p:stCondLst>
+                            <p:childTnLst>
+                              <p:par>
+                                <p:cTn id="31" presetID="22" presetClass="entr" presetSubtype="1" fill="hold" nodeType="clickEffect">
+                                  <p:stCondLst>
+                                    <p:cond delay="0"/>
+                                  </p:stCondLst>
+                                  <p:childTnLst>
+                                    <p:set>
+                                      <p:cBhvr>
+                                        <p:cTn id="32" dur="1" fill="hold">
+                                          <p:stCondLst>
+                                            <p:cond delay="0"/>
+                                          </p:stCondLst>
+                                        </p:cTn>
+                                        <p:tgtEl>
+                                          <p:spTgt spid="5"/>
+                                        </p:tgtEl>
+                                        <p:attrNameLst>
+                                          <p:attrName>style.visibility</p:attrName>
+                                        </p:attrNameLst>
+                                      </p:cBhvr>
+                                      <p:to>
+                                        <p:strVal val="visible"/>
+                                      </p:to>
+                                    </p:set>
+                                    <p:animEffect transition="in" filter="wipe(up)">
+                                      <p:cBhvr>
+                                        <p:cTn id="33" dur="500"/>
+                                        <p:tgtEl>
+                                          <p:spTgt spid="5"/>
+                                        </p:tgtEl>
+                                      </p:cBhvr>
+                                    </p:animEffect>
+                                  </p:childTnLst>
+                                </p:cTn>
+                              </p:par>
+                            </p:childTnLst>
+                          </p:cTn>
+                        </p:par>
+                      </p:childTnLst>
+                    </p:cTn>
+                  </p:par>
+                  <p:par>
+                    <p:cTn id="34" fill="hold">
+                      <p:stCondLst>
+                        <p:cond delay="indefinite"/>
+                      </p:stCondLst>
+                      <p:childTnLst>
+                        <p:par>
+                          <p:cTn id="35" fill="hold">
+                            <p:stCondLst>
+                              <p:cond delay="0"/>
+                            </p:stCondLst>
+                            <p:childTnLst>
+                              <p:par>
+                                <p:cTn id="36" presetID="10" presetClass="entr" presetSubtype="0" fill="hold" grpId="0" nodeType="clickEffect">
+                                  <p:stCondLst>
+                                    <p:cond delay="0"/>
+                                  </p:stCondLst>
+                                  <p:childTnLst>
+                                    <p:set>
+                                      <p:cBhvr>
+                                        <p:cTn id="37" dur="1" fill="hold">
+                                          <p:stCondLst>
+                                            <p:cond delay="0"/>
+                                          </p:stCondLst>
+                                        </p:cTn>
+                                        <p:tgtEl>
+                                          <p:spTgt spid="6">
+                                            <p:txEl>
+                                              <p:pRg st="0" end="0"/>
+                                            </p:txEl>
+                                          </p:spTgt>
+                                        </p:tgtEl>
+                                        <p:attrNameLst>
+                                          <p:attrName>style.visibility</p:attrName>
+                                        </p:attrNameLst>
+                                      </p:cBhvr>
+                                      <p:to>
+                                        <p:strVal val="visible"/>
+                                      </p:to>
+                                    </p:set>
+                                    <p:animEffect transition="in" filter="fade">
+                                      <p:cBhvr>
+                                        <p:cTn id="38" dur="500"/>
+                                        <p:tgtEl>
+                                          <p:spTgt spid="6">
+                                            <p:txEl>
+                                              <p:pRg st="0" end="0"/>
+                                            </p:txEl>
+                                          </p:spTgt>
+                                        </p:tgtEl>
+                                      </p:cBhvr>
+                                    </p:animEffect>
+                                  </p:childTnLst>
+                                </p:cTn>
+                              </p:par>
+                            </p:childTnLst>
+                          </p:cTn>
+                        </p:par>
+                      </p:childTnLst>
+                    </p:cTn>
+                  </p:par>
+                  <p:par>
+                    <p:cTn id="39" fill="hold">
+                      <p:stCondLst>
+                        <p:cond delay="indefinite"/>
+                      </p:stCondLst>
+                      <p:childTnLst>
+                        <p:par>
+                          <p:cTn id="40" fill="hold">
+                            <p:stCondLst>
+                              <p:cond delay="0"/>
+                            </p:stCondLst>
+                            <p:childTnLst>
+                              <p:par>
+                                <p:cTn id="41" presetID="10" presetClass="entr" presetSubtype="0" fill="hold" grpId="0" nodeType="clickEffect">
+                                  <p:stCondLst>
+                                    <p:cond delay="0"/>
+                                  </p:stCondLst>
+                                  <p:childTnLst>
+                                    <p:set>
+                                      <p:cBhvr>
+                                        <p:cTn id="42" dur="1" fill="hold">
+                                          <p:stCondLst>
+                                            <p:cond delay="0"/>
+                                          </p:stCondLst>
+                                        </p:cTn>
+                                        <p:tgtEl>
+                                          <p:spTgt spid="19">
+                                            <p:txEl>
+                                              <p:pRg st="0" end="0"/>
+                                            </p:txEl>
+                                          </p:spTgt>
+                                        </p:tgtEl>
+                                        <p:attrNameLst>
+                                          <p:attrName>style.visibility</p:attrName>
+                                        </p:attrNameLst>
+                                      </p:cBhvr>
+                                      <p:to>
+                                        <p:strVal val="visible"/>
+                                      </p:to>
+                                    </p:set>
+                                    <p:animEffect transition="in" filter="fade">
+                                      <p:cBhvr>
+                                        <p:cTn id="43" dur="500"/>
+                                        <p:tgtEl>
+                                          <p:spTgt spid="19">
+                                            <p:txEl>
+                                              <p:pRg st="0" end="0"/>
+                                            </p:txEl>
+                                          </p:spTgt>
+                                        </p:tgtEl>
+                                      </p:cBhvr>
+                                    </p:animEffect>
+                                  </p:childTnLst>
+                                </p:cTn>
+                              </p:par>
+                            </p:childTnLst>
+                          </p:cTn>
+                        </p:par>
+                      </p:childTnLst>
+                    </p:cTn>
+                  </p:par>
+                  <p:par>
+                    <p:cTn id="44" fill="hold">
+                      <p:stCondLst>
+                        <p:cond delay="indefinite"/>
+                      </p:stCondLst>
+                      <p:childTnLst>
+                        <p:par>
+                          <p:cTn id="45" fill="hold">
+                            <p:stCondLst>
+                              <p:cond delay="0"/>
+                            </p:stCondLst>
+                            <p:childTnLst>
+                              <p:par>
+                                <p:cTn id="46" presetID="10" presetClass="entr" presetSubtype="0" fill="hold" grpId="0" nodeType="clickEffect">
+                                  <p:stCondLst>
+                                    <p:cond delay="0"/>
+                                  </p:stCondLst>
+                                  <p:childTnLst>
+                                    <p:set>
+                                      <p:cBhvr>
+                                        <p:cTn id="47" dur="1" fill="hold">
+                                          <p:stCondLst>
+                                            <p:cond delay="0"/>
+                                          </p:stCondLst>
+                                        </p:cTn>
+                                        <p:tgtEl>
+                                          <p:spTgt spid="6">
+                                            <p:txEl>
+                                              <p:pRg st="1" end="1"/>
+                                            </p:txEl>
+                                          </p:spTgt>
+                                        </p:tgtEl>
+                                        <p:attrNameLst>
+                                          <p:attrName>style.visibility</p:attrName>
+                                        </p:attrNameLst>
+                                      </p:cBhvr>
+                                      <p:to>
+                                        <p:strVal val="visible"/>
+                                      </p:to>
+                                    </p:set>
+                                    <p:animEffect transition="in" filter="fade">
+                                      <p:cBhvr>
+                                        <p:cTn id="48" dur="500"/>
+                                        <p:tgtEl>
+                                          <p:spTgt spid="6">
+                                            <p:txEl>
+                                              <p:pRg st="1" end="1"/>
+                                            </p:txEl>
+                                          </p:spTgt>
+                                        </p:tgtEl>
+                                      </p:cBhvr>
+                                    </p:animEffect>
+                                  </p:childTnLst>
+                                </p:cTn>
+                              </p:par>
+                            </p:childTnLst>
+                          </p:cTn>
+                        </p:par>
+                      </p:childTnLst>
+                    </p:cTn>
+                  </p:par>
+                  <p:par>
+                    <p:cTn id="49" fill="hold">
+                      <p:stCondLst>
+                        <p:cond delay="indefinite"/>
+                      </p:stCondLst>
+                      <p:childTnLst>
+                        <p:par>
+                          <p:cTn id="50" fill="hold">
+                            <p:stCondLst>
+                              <p:cond delay="0"/>
+                            </p:stCondLst>
+                            <p:childTnLst>
+                              <p:par>
+                                <p:cTn id="51" presetID="10" presetClass="entr" presetSubtype="0" fill="hold" grpId="0" nodeType="clickEffect">
+                                  <p:stCondLst>
+                                    <p:cond delay="0"/>
+                                  </p:stCondLst>
+                                  <p:childTnLst>
+                                    <p:set>
+                                      <p:cBhvr>
+                                        <p:cTn id="52" dur="1" fill="hold">
+                                          <p:stCondLst>
+                                            <p:cond delay="0"/>
+                                          </p:stCondLst>
+                                        </p:cTn>
+                                        <p:tgtEl>
+                                          <p:spTgt spid="19">
+                                            <p:txEl>
+                                              <p:pRg st="1" end="1"/>
+                                            </p:txEl>
+                                          </p:spTgt>
+                                        </p:tgtEl>
+                                        <p:attrNameLst>
+                                          <p:attrName>style.visibility</p:attrName>
+                                        </p:attrNameLst>
+                                      </p:cBhvr>
+                                      <p:to>
+                                        <p:strVal val="visible"/>
+                                      </p:to>
+                                    </p:set>
+                                    <p:animEffect transition="in" filter="fade">
+                                      <p:cBhvr>
+                                        <p:cTn id="53" dur="500"/>
+                                        <p:tgtEl>
+                                          <p:spTgt spid="19">
+                                            <p:txEl>
+                                              <p:pRg st="1" end="1"/>
+                                            </p:txEl>
+                                          </p:spTgt>
+                                        </p:tgtEl>
+                                      </p:cBhvr>
+                                    </p:animEffect>
+                                  </p:childTnLst>
+                                </p:cTn>
+                              </p:par>
+                            </p:childTnLst>
+                          </p:cTn>
+                        </p:par>
+                      </p:childTnLst>
+                    </p:cTn>
+                  </p:par>
+                  <p:par>
+                    <p:cTn id="54" fill="hold">
+                      <p:stCondLst>
+                        <p:cond delay="indefinite"/>
+                      </p:stCondLst>
+                      <p:childTnLst>
+                        <p:par>
+                          <p:cTn id="55" fill="hold">
+                            <p:stCondLst>
+                              <p:cond delay="0"/>
+                            </p:stCondLst>
+                            <p:childTnLst>
+                              <p:par>
+                                <p:cTn id="56" presetID="10" presetClass="entr" presetSubtype="0" fill="hold" grpId="0" nodeType="clickEffect">
+                                  <p:stCondLst>
+                                    <p:cond delay="0"/>
+                                  </p:stCondLst>
+                                  <p:childTnLst>
+                                    <p:set>
+                                      <p:cBhvr>
+                                        <p:cTn id="57" dur="1" fill="hold">
+                                          <p:stCondLst>
+                                            <p:cond delay="0"/>
+                                          </p:stCondLst>
+                                        </p:cTn>
+                                        <p:tgtEl>
+                                          <p:spTgt spid="6">
+                                            <p:txEl>
+                                              <p:pRg st="2" end="2"/>
+                                            </p:txEl>
+                                          </p:spTgt>
+                                        </p:tgtEl>
+                                        <p:attrNameLst>
+                                          <p:attrName>style.visibility</p:attrName>
+                                        </p:attrNameLst>
+                                      </p:cBhvr>
+                                      <p:to>
+                                        <p:strVal val="visible"/>
+                                      </p:to>
+                                    </p:set>
+                                    <p:animEffect transition="in" filter="fade">
+                                      <p:cBhvr>
+                                        <p:cTn id="58" dur="500"/>
+                                        <p:tgtEl>
+                                          <p:spTgt spid="6">
+                                            <p:txEl>
+                                              <p:pRg st="2" end="2"/>
+                                            </p:txEl>
+                                          </p:spTgt>
+                                        </p:tgtEl>
+                                      </p:cBhvr>
+                                    </p:animEffect>
+                                  </p:childTnLst>
+                                </p:cTn>
+                              </p:par>
+                            </p:childTnLst>
+                          </p:cTn>
+                        </p:par>
+                      </p:childTnLst>
+                    </p:cTn>
+                  </p:par>
+                  <p:par>
+                    <p:cTn id="59" fill="hold">
+                      <p:stCondLst>
+                        <p:cond delay="indefinite"/>
+                      </p:stCondLst>
+                      <p:childTnLst>
+                        <p:par>
+                          <p:cTn id="60" fill="hold">
+                            <p:stCondLst>
+                              <p:cond delay="0"/>
+                            </p:stCondLst>
+                            <p:childTnLst>
+                              <p:par>
+                                <p:cTn id="61" presetID="10" presetClass="entr" presetSubtype="0" fill="hold" grpId="0" nodeType="clickEffect">
+                                  <p:stCondLst>
+                                    <p:cond delay="0"/>
+                                  </p:stCondLst>
+                                  <p:childTnLst>
+                                    <p:set>
+                                      <p:cBhvr>
+                                        <p:cTn id="62" dur="1" fill="hold">
+                                          <p:stCondLst>
+                                            <p:cond delay="0"/>
+                                          </p:stCondLst>
+                                        </p:cTn>
+                                        <p:tgtEl>
+                                          <p:spTgt spid="19">
+                                            <p:txEl>
+                                              <p:pRg st="2" end="2"/>
+                                            </p:txEl>
+                                          </p:spTgt>
+                                        </p:tgtEl>
+                                        <p:attrNameLst>
+                                          <p:attrName>style.visibility</p:attrName>
+                                        </p:attrNameLst>
+                                      </p:cBhvr>
+                                      <p:to>
+                                        <p:strVal val="visible"/>
+                                      </p:to>
+                                    </p:set>
+                                    <p:animEffect transition="in" filter="fade">
+                                      <p:cBhvr>
+                                        <p:cTn id="63" dur="500"/>
+                                        <p:tgtEl>
+                                          <p:spTgt spid="19">
+                                            <p:txEl>
+                                              <p:pRg st="2" end="2"/>
+                                            </p:txEl>
+                                          </p:spTgt>
+                                        </p:tgtEl>
+                                      </p:cBhvr>
+                                    </p:animEffect>
+                                  </p:childTnLst>
+                                </p:cTn>
+                              </p:par>
+                            </p:childTnLst>
+                          </p:cTn>
+                        </p:par>
+                      </p:childTnLst>
+                    </p:cTn>
+                  </p:par>
+                  <p:par>
+                    <p:cTn id="64" fill="hold">
+                      <p:stCondLst>
+                        <p:cond delay="indefinite"/>
+                      </p:stCondLst>
+                      <p:childTnLst>
+                        <p:par>
+                          <p:cTn id="65" fill="hold">
+                            <p:stCondLst>
+                              <p:cond delay="0"/>
+                            </p:stCondLst>
+                            <p:childTnLst>
+                              <p:par>
+                                <p:cTn id="66" presetID="10" presetClass="entr" presetSubtype="0" fill="hold" grpId="0" nodeType="clickEffect">
+                                  <p:stCondLst>
+                                    <p:cond delay="0"/>
+                                  </p:stCondLst>
+                                  <p:childTnLst>
+                                    <p:set>
+                                      <p:cBhvr>
+                                        <p:cTn id="67" dur="1" fill="hold">
+                                          <p:stCondLst>
+                                            <p:cond delay="0"/>
+                                          </p:stCondLst>
+                                        </p:cTn>
+                                        <p:tgtEl>
+                                          <p:spTgt spid="6">
+                                            <p:txEl>
+                                              <p:pRg st="3" end="3"/>
+                                            </p:txEl>
+                                          </p:spTgt>
+                                        </p:tgtEl>
+                                        <p:attrNameLst>
+                                          <p:attrName>style.visibility</p:attrName>
+                                        </p:attrNameLst>
+                                      </p:cBhvr>
+                                      <p:to>
+                                        <p:strVal val="visible"/>
+                                      </p:to>
+                                    </p:set>
+                                    <p:animEffect transition="in" filter="fade">
+                                      <p:cBhvr>
+                                        <p:cTn id="68" dur="500"/>
+                                        <p:tgtEl>
+                                          <p:spTgt spid="6">
+                                            <p:txEl>
+                                              <p:pRg st="3" end="3"/>
+                                            </p:txEl>
+                                          </p:spTgt>
+                                        </p:tgtEl>
+                                      </p:cBhvr>
+                                    </p:animEffect>
+                                  </p:childTnLst>
+                                </p:cTn>
+                              </p:par>
+                            </p:childTnLst>
+                          </p:cTn>
+                        </p:par>
+                      </p:childTnLst>
+                    </p:cTn>
+                  </p:par>
+                  <p:par>
+                    <p:cTn id="69" fill="hold">
+                      <p:stCondLst>
+                        <p:cond delay="indefinite"/>
+                      </p:stCondLst>
+                      <p:childTnLst>
+                        <p:par>
+                          <p:cTn id="70" fill="hold">
+                            <p:stCondLst>
+                              <p:cond delay="0"/>
+                            </p:stCondLst>
+                            <p:childTnLst>
+                              <p:par>
+                                <p:cTn id="71" presetID="10" presetClass="entr" presetSubtype="0" fill="hold" grpId="0" nodeType="clickEffect">
+                                  <p:stCondLst>
+                                    <p:cond delay="0"/>
+                                  </p:stCondLst>
+                                  <p:childTnLst>
+                                    <p:set>
+                                      <p:cBhvr>
+                                        <p:cTn id="72" dur="1" fill="hold">
+                                          <p:stCondLst>
+                                            <p:cond delay="0"/>
+                                          </p:stCondLst>
+                                        </p:cTn>
+                                        <p:tgtEl>
+                                          <p:spTgt spid="19">
+                                            <p:txEl>
+                                              <p:pRg st="3" end="3"/>
+                                            </p:txEl>
+                                          </p:spTgt>
+                                        </p:tgtEl>
+                                        <p:attrNameLst>
+                                          <p:attrName>style.visibility</p:attrName>
+                                        </p:attrNameLst>
+                                      </p:cBhvr>
+                                      <p:to>
+                                        <p:strVal val="visible"/>
+                                      </p:to>
+                                    </p:set>
+                                    <p:animEffect transition="in" filter="fade">
+                                      <p:cBhvr>
+                                        <p:cTn id="73" dur="500"/>
+                                        <p:tgtEl>
+                                          <p:spTgt spid="19">
+                                            <p:txEl>
+                                              <p:pRg st="3" end="3"/>
+                                            </p:txEl>
+                                          </p:spTgt>
+                                        </p:tgtEl>
+                                      </p:cBhvr>
+                                    </p:animEffect>
+                                  </p:childTnLst>
+                                </p:cTn>
+                              </p:par>
+                            </p:childTnLst>
+                          </p:cTn>
+                        </p:par>
+                      </p:childTnLst>
+                    </p:cTn>
+                  </p:par>
+                  <p:par>
+                    <p:cTn id="74" fill="hold">
+                      <p:stCondLst>
+                        <p:cond delay="indefinite"/>
+                      </p:stCondLst>
+                      <p:childTnLst>
+                        <p:par>
+                          <p:cTn id="75" fill="hold">
+                            <p:stCondLst>
+                              <p:cond delay="0"/>
+                            </p:stCondLst>
+                            <p:childTnLst>
+                              <p:par>
+                                <p:cTn id="76" presetID="10" presetClass="entr" presetSubtype="0" fill="hold" grpId="0" nodeType="clickEffect">
+                                  <p:stCondLst>
+                                    <p:cond delay="0"/>
+                                  </p:stCondLst>
+                                  <p:childTnLst>
+                                    <p:set>
+                                      <p:cBhvr>
+                                        <p:cTn id="77" dur="1" fill="hold">
+                                          <p:stCondLst>
+                                            <p:cond delay="0"/>
+                                          </p:stCondLst>
+                                        </p:cTn>
+                                        <p:tgtEl>
+                                          <p:spTgt spid="6">
+                                            <p:txEl>
+                                              <p:pRg st="4" end="4"/>
+                                            </p:txEl>
+                                          </p:spTgt>
+                                        </p:tgtEl>
+                                        <p:attrNameLst>
+                                          <p:attrName>style.visibility</p:attrName>
+                                        </p:attrNameLst>
+                                      </p:cBhvr>
+                                      <p:to>
+                                        <p:strVal val="visible"/>
+                                      </p:to>
+                                    </p:set>
+                                    <p:animEffect transition="in" filter="fade">
+                                      <p:cBhvr>
+                                        <p:cTn id="78" dur="500"/>
+                                        <p:tgtEl>
+                                          <p:spTgt spid="6">
+                                            <p:txEl>
+                                              <p:pRg st="4" end="4"/>
+                                            </p:txEl>
+                                          </p:spTgt>
+                                        </p:tgtEl>
+                                      </p:cBhvr>
+                                    </p:animEffect>
+                                  </p:childTnLst>
+                                </p:cTn>
+                              </p:par>
+                            </p:childTnLst>
+                          </p:cTn>
+                        </p:par>
+                      </p:childTnLst>
+                    </p:cTn>
+                  </p:par>
+                  <p:par>
+                    <p:cTn id="79" fill="hold">
+                      <p:stCondLst>
+                        <p:cond delay="indefinite"/>
+                      </p:stCondLst>
+                      <p:childTnLst>
+                        <p:par>
+                          <p:cTn id="80" fill="hold">
+                            <p:stCondLst>
+                              <p:cond delay="0"/>
+                            </p:stCondLst>
+                            <p:childTnLst>
+                              <p:par>
+                                <p:cTn id="81" presetID="10" presetClass="entr" presetSubtype="0" fill="hold" grpId="0" nodeType="clickEffect">
+                                  <p:stCondLst>
+                                    <p:cond delay="0"/>
+                                  </p:stCondLst>
+                                  <p:childTnLst>
+                                    <p:set>
+                                      <p:cBhvr>
+                                        <p:cTn id="82" dur="1" fill="hold">
+                                          <p:stCondLst>
+                                            <p:cond delay="0"/>
+                                          </p:stCondLst>
+                                        </p:cTn>
+                                        <p:tgtEl>
+                                          <p:spTgt spid="19">
+                                            <p:txEl>
+                                              <p:pRg st="4" end="4"/>
+                                            </p:txEl>
+                                          </p:spTgt>
+                                        </p:tgtEl>
+                                        <p:attrNameLst>
+                                          <p:attrName>style.visibility</p:attrName>
+                                        </p:attrNameLst>
+                                      </p:cBhvr>
+                                      <p:to>
+                                        <p:strVal val="visible"/>
+                                      </p:to>
+                                    </p:set>
+                                    <p:animEffect transition="in" filter="fade">
+                                      <p:cBhvr>
+                                        <p:cTn id="83" dur="500"/>
+                                        <p:tgtEl>
+                                          <p:spTgt spid="19">
+                                            <p:txEl>
+                                              <p:pRg st="4" end="4"/>
+                                            </p:txEl>
+                                          </p:spTgt>
+                                        </p:tgtEl>
+                                      </p:cBhvr>
+                                    </p:animEffect>
+                                  </p:childTnLst>
+                                </p:cTn>
+                              </p:par>
+                            </p:childTnLst>
+                          </p:cTn>
+                        </p:par>
+                      </p:childTnLst>
+                    </p:cTn>
+                  </p:par>
+                  <p:par>
+                    <p:cTn id="84" fill="hold">
+                      <p:stCondLst>
+                        <p:cond delay="indefinite"/>
+                      </p:stCondLst>
+                      <p:childTnLst>
+                        <p:par>
+                          <p:cTn id="85" fill="hold">
+                            <p:stCondLst>
+                              <p:cond delay="0"/>
+                            </p:stCondLst>
+                            <p:childTnLst>
+                              <p:par>
+                                <p:cTn id="86" presetID="10" presetClass="entr" presetSubtype="0" fill="hold" grpId="0" nodeType="clickEffect">
+                                  <p:stCondLst>
+                                    <p:cond delay="0"/>
+                                  </p:stCondLst>
+                                  <p:childTnLst>
+                                    <p:set>
+                                      <p:cBhvr>
+                                        <p:cTn id="87" dur="1" fill="hold">
+                                          <p:stCondLst>
+                                            <p:cond delay="0"/>
+                                          </p:stCondLst>
+                                        </p:cTn>
+                                        <p:tgtEl>
+                                          <p:spTgt spid="6">
+                                            <p:txEl>
+                                              <p:pRg st="5" end="5"/>
+                                            </p:txEl>
+                                          </p:spTgt>
+                                        </p:tgtEl>
+                                        <p:attrNameLst>
+                                          <p:attrName>style.visibility</p:attrName>
+                                        </p:attrNameLst>
+                                      </p:cBhvr>
+                                      <p:to>
+                                        <p:strVal val="visible"/>
+                                      </p:to>
+                                    </p:set>
+                                    <p:animEffect transition="in" filter="fade">
+                                      <p:cBhvr>
+                                        <p:cTn id="88" dur="500"/>
+                                        <p:tgtEl>
+                                          <p:spTgt spid="6">
+                                            <p:txEl>
+                                              <p:pRg st="5" end="5"/>
+                                            </p:txEl>
+                                          </p:spTgt>
+                                        </p:tgtEl>
+                                      </p:cBhvr>
+                                    </p:animEffect>
+                                  </p:childTnLst>
+                                </p:cTn>
+                              </p:par>
+                            </p:childTnLst>
+                          </p:cTn>
+                        </p:par>
+                      </p:childTnLst>
+                    </p:cTn>
+                  </p:par>
+                  <p:par>
+                    <p:cTn id="89" fill="hold">
+                      <p:stCondLst>
+                        <p:cond delay="indefinite"/>
+                      </p:stCondLst>
+                      <p:childTnLst>
+                        <p:par>
+                          <p:cTn id="90" fill="hold">
+                            <p:stCondLst>
+                              <p:cond delay="0"/>
+                            </p:stCondLst>
+                            <p:childTnLst>
+                              <p:par>
+                                <p:cTn id="91" presetID="10" presetClass="entr" presetSubtype="0" fill="hold" grpId="0" nodeType="clickEffect">
+                                  <p:stCondLst>
+                                    <p:cond delay="0"/>
+                                  </p:stCondLst>
+                                  <p:childTnLst>
+                                    <p:set>
+                                      <p:cBhvr>
+                                        <p:cTn id="92" dur="1" fill="hold">
+                                          <p:stCondLst>
+                                            <p:cond delay="0"/>
+                                          </p:stCondLst>
+                                        </p:cTn>
+                                        <p:tgtEl>
+                                          <p:spTgt spid="19">
+                                            <p:txEl>
+                                              <p:pRg st="5" end="5"/>
+                                            </p:txEl>
+                                          </p:spTgt>
+                                        </p:tgtEl>
+                                        <p:attrNameLst>
+                                          <p:attrName>style.visibility</p:attrName>
+                                        </p:attrNameLst>
+                                      </p:cBhvr>
+                                      <p:to>
+                                        <p:strVal val="visible"/>
+                                      </p:to>
+                                    </p:set>
+                                    <p:animEffect transition="in" filter="fade">
+                                      <p:cBhvr>
+                                        <p:cTn id="93" dur="500"/>
+                                        <p:tgtEl>
+                                          <p:spTgt spid="19">
+                                            <p:txEl>
+                                              <p:pRg st="5" end="5"/>
+                                            </p:txEl>
+                                          </p:spTgt>
+                                        </p:tgtEl>
+                                      </p:cBhvr>
+                                    </p:animEffect>
+                                  </p:childTnLst>
+                                </p:cTn>
+                              </p:par>
+                            </p:childTnLst>
+                          </p:cTn>
+                        </p:par>
+                      </p:childTnLst>
+                    </p:cTn>
+                  </p:par>
+                  <p:par>
+                    <p:cTn id="94" fill="hold">
+                      <p:stCondLst>
+                        <p:cond delay="indefinite"/>
+                      </p:stCondLst>
+                      <p:childTnLst>
+                        <p:par>
+                          <p:cTn id="95" fill="hold">
+                            <p:stCondLst>
+                              <p:cond delay="0"/>
+                            </p:stCondLst>
+                            <p:childTnLst>
+                              <p:par>
+                                <p:cTn id="96" presetID="10" presetClass="entr" presetSubtype="0" fill="hold" grpId="0" nodeType="clickEffect">
+                                  <p:stCondLst>
+                                    <p:cond delay="0"/>
+                                  </p:stCondLst>
+                                  <p:childTnLst>
+                                    <p:set>
+                                      <p:cBhvr>
+                                        <p:cTn id="97" dur="1" fill="hold">
+                                          <p:stCondLst>
+                                            <p:cond delay="0"/>
+                                          </p:stCondLst>
+                                        </p:cTn>
+                                        <p:tgtEl>
+                                          <p:spTgt spid="6">
+                                            <p:txEl>
+                                              <p:pRg st="6" end="6"/>
+                                            </p:txEl>
+                                          </p:spTgt>
+                                        </p:tgtEl>
+                                        <p:attrNameLst>
+                                          <p:attrName>style.visibility</p:attrName>
+                                        </p:attrNameLst>
+                                      </p:cBhvr>
+                                      <p:to>
+                                        <p:strVal val="visible"/>
+                                      </p:to>
+                                    </p:set>
+                                    <p:animEffect transition="in" filter="fade">
+                                      <p:cBhvr>
+                                        <p:cTn id="98" dur="500"/>
+                                        <p:tgtEl>
+                                          <p:spTgt spid="6">
+                                            <p:txEl>
+                                              <p:pRg st="6" end="6"/>
+                                            </p:txEl>
+                                          </p:spTgt>
+                                        </p:tgtEl>
+                                      </p:cBhvr>
+                                    </p:animEffect>
+                                  </p:childTnLst>
+                                </p:cTn>
+                              </p:par>
+                            </p:childTnLst>
+                          </p:cTn>
+                        </p:par>
+                      </p:childTnLst>
+                    </p:cTn>
+                  </p:par>
+                  <p:par>
+                    <p:cTn id="99" fill="hold">
+                      <p:stCondLst>
+                        <p:cond delay="indefinite"/>
+                      </p:stCondLst>
+                      <p:childTnLst>
+                        <p:par>
+                          <p:cTn id="100" fill="hold">
+                            <p:stCondLst>
+                              <p:cond delay="0"/>
+                            </p:stCondLst>
+                            <p:childTnLst>
+                              <p:par>
+                                <p:cTn id="101" presetID="10" presetClass="entr" presetSubtype="0" fill="hold" grpId="0" nodeType="clickEffect">
+                                  <p:stCondLst>
+                                    <p:cond delay="0"/>
+                                  </p:stCondLst>
+                                  <p:childTnLst>
+                                    <p:set>
+                                      <p:cBhvr>
+                                        <p:cTn id="102" dur="1" fill="hold">
+                                          <p:stCondLst>
+                                            <p:cond delay="0"/>
+                                          </p:stCondLst>
+                                        </p:cTn>
+                                        <p:tgtEl>
+                                          <p:spTgt spid="19">
+                                            <p:txEl>
+                                              <p:pRg st="6" end="6"/>
+                                            </p:txEl>
+                                          </p:spTgt>
+                                        </p:tgtEl>
+                                        <p:attrNameLst>
+                                          <p:attrName>style.visibility</p:attrName>
+                                        </p:attrNameLst>
+                                      </p:cBhvr>
+                                      <p:to>
+                                        <p:strVal val="visible"/>
+                                      </p:to>
+                                    </p:set>
+                                    <p:animEffect transition="in" filter="fade">
+                                      <p:cBhvr>
+                                        <p:cTn id="103" dur="500"/>
+                                        <p:tgtEl>
+                                          <p:spTgt spid="19">
+                                            <p:txEl>
+                                              <p:pRg st="6" end="6"/>
+                                            </p:txEl>
+                                          </p:spTgt>
+                                        </p:tgtEl>
+                                      </p:cBhvr>
+                                    </p:animEffect>
+                                  </p:childTnLst>
+                                </p:cTn>
+                              </p:par>
+                            </p:childTnLst>
+                          </p:cTn>
+                        </p:par>
+                      </p:childTnLst>
+                    </p:cTn>
+                  </p:par>
+                  <p:par>
+                    <p:cTn id="104" fill="hold">
+                      <p:stCondLst>
+                        <p:cond delay="indefinite"/>
+                      </p:stCondLst>
+                      <p:childTnLst>
+                        <p:par>
+                          <p:cTn id="105" fill="hold">
+                            <p:stCondLst>
+                              <p:cond delay="0"/>
+                            </p:stCondLst>
+                            <p:childTnLst>
+                              <p:par>
+                                <p:cTn id="106" presetID="10" presetClass="entr" presetSubtype="0" fill="hold" grpId="0" nodeType="clickEffect">
+                                  <p:stCondLst>
+                                    <p:cond delay="0"/>
+                                  </p:stCondLst>
+                                  <p:childTnLst>
+                                    <p:set>
+                                      <p:cBhvr>
+                                        <p:cTn id="107" dur="1" fill="hold">
+                                          <p:stCondLst>
+                                            <p:cond delay="0"/>
+                                          </p:stCondLst>
+                                        </p:cTn>
+                                        <p:tgtEl>
+                                          <p:spTgt spid="6">
+                                            <p:txEl>
+                                              <p:pRg st="7" end="7"/>
+                                            </p:txEl>
+                                          </p:spTgt>
+                                        </p:tgtEl>
+                                        <p:attrNameLst>
+                                          <p:attrName>style.visibility</p:attrName>
+                                        </p:attrNameLst>
+                                      </p:cBhvr>
+                                      <p:to>
+                                        <p:strVal val="visible"/>
+                                      </p:to>
+                                    </p:set>
+                                    <p:animEffect transition="in" filter="fade">
+                                      <p:cBhvr>
+                                        <p:cTn id="108" dur="500"/>
+                                        <p:tgtEl>
+                                          <p:spTgt spid="6">
+                                            <p:txEl>
+                                              <p:pRg st="7" end="7"/>
+                                            </p:txEl>
+                                          </p:spTgt>
+                                        </p:tgtEl>
+                                      </p:cBhvr>
+                                    </p:animEffect>
+                                  </p:childTnLst>
+                                </p:cTn>
+                              </p:par>
+                            </p:childTnLst>
+                          </p:cTn>
+                        </p:par>
+                      </p:childTnLst>
+                    </p:cTn>
+                  </p:par>
+                  <p:par>
+                    <p:cTn id="109" fill="hold">
+                      <p:stCondLst>
+                        <p:cond delay="indefinite"/>
+                      </p:stCondLst>
+                      <p:childTnLst>
+                        <p:par>
+                          <p:cTn id="110" fill="hold">
+                            <p:stCondLst>
+                              <p:cond delay="0"/>
+                            </p:stCondLst>
+                            <p:childTnLst>
+                              <p:par>
+                                <p:cTn id="111" presetID="10" presetClass="entr" presetSubtype="0" fill="hold" grpId="0" nodeType="clickEffect">
+                                  <p:stCondLst>
+                                    <p:cond delay="0"/>
+                                  </p:stCondLst>
+                                  <p:childTnLst>
+                                    <p:set>
+                                      <p:cBhvr>
+                                        <p:cTn id="112" dur="1" fill="hold">
+                                          <p:stCondLst>
+                                            <p:cond delay="0"/>
+                                          </p:stCondLst>
+                                        </p:cTn>
+                                        <p:tgtEl>
+                                          <p:spTgt spid="19">
+                                            <p:txEl>
+                                              <p:pRg st="7" end="7"/>
+                                            </p:txEl>
+                                          </p:spTgt>
+                                        </p:tgtEl>
+                                        <p:attrNameLst>
+                                          <p:attrName>style.visibility</p:attrName>
+                                        </p:attrNameLst>
+                                      </p:cBhvr>
+                                      <p:to>
+                                        <p:strVal val="visible"/>
+                                      </p:to>
+                                    </p:set>
+                                    <p:animEffect transition="in" filter="fade">
+                                      <p:cBhvr>
+                                        <p:cTn id="113" dur="500"/>
+                                        <p:tgtEl>
+                                          <p:spTgt spid="19">
+                                            <p:txEl>
+                                              <p:pRg st="7" end="7"/>
+                                            </p:txEl>
+                                          </p:spTgt>
+                                        </p:tgtEl>
+                                      </p:cBhvr>
+                                    </p:animEffect>
+                                  </p:childTnLst>
+                                </p:cTn>
+                              </p:par>
+                            </p:childTnLst>
+                          </p:cTn>
+                        </p:par>
+                      </p:childTnLst>
+                    </p:cTn>
+                  </p:par>
+                  <p:par>
+                    <p:cTn id="114" fill="hold">
+                      <p:stCondLst>
+                        <p:cond delay="indefinite"/>
+                      </p:stCondLst>
+                      <p:childTnLst>
+                        <p:par>
+                          <p:cTn id="115" fill="hold">
+                            <p:stCondLst>
+                              <p:cond delay="0"/>
+                            </p:stCondLst>
+                            <p:childTnLst>
+                              <p:par>
+                                <p:cTn id="116" presetID="10" presetClass="entr" presetSubtype="0" fill="hold" grpId="0" nodeType="clickEffect">
+                                  <p:stCondLst>
+                                    <p:cond delay="0"/>
+                                  </p:stCondLst>
+                                  <p:childTnLst>
+                                    <p:set>
+                                      <p:cBhvr>
+                                        <p:cTn id="117" dur="1" fill="hold">
+                                          <p:stCondLst>
+                                            <p:cond delay="0"/>
+                                          </p:stCondLst>
+                                        </p:cTn>
+                                        <p:tgtEl>
+                                          <p:spTgt spid="6">
+                                            <p:txEl>
+                                              <p:pRg st="8" end="8"/>
+                                            </p:txEl>
+                                          </p:spTgt>
+                                        </p:tgtEl>
+                                        <p:attrNameLst>
+                                          <p:attrName>style.visibility</p:attrName>
+                                        </p:attrNameLst>
+                                      </p:cBhvr>
+                                      <p:to>
+                                        <p:strVal val="visible"/>
+                                      </p:to>
+                                    </p:set>
+                                    <p:animEffect transition="in" filter="fade">
+                                      <p:cBhvr>
+                                        <p:cTn id="118" dur="500"/>
+                                        <p:tgtEl>
+                                          <p:spTgt spid="6">
+                                            <p:txEl>
+                                              <p:pRg st="8" end="8"/>
+                                            </p:txEl>
+                                          </p:spTgt>
+                                        </p:tgtEl>
+                                      </p:cBhvr>
+                                    </p:animEffect>
+                                  </p:childTnLst>
+                                </p:cTn>
+                              </p:par>
+                            </p:childTnLst>
+                          </p:cTn>
+                        </p:par>
+                      </p:childTnLst>
+                    </p:cTn>
+                  </p:par>
+                  <p:par>
+                    <p:cTn id="119" fill="hold">
+                      <p:stCondLst>
+                        <p:cond delay="indefinite"/>
+                      </p:stCondLst>
+                      <p:childTnLst>
+                        <p:par>
+                          <p:cTn id="120" fill="hold">
+                            <p:stCondLst>
+                              <p:cond delay="0"/>
+                            </p:stCondLst>
+                            <p:childTnLst>
+                              <p:par>
+                                <p:cTn id="121" presetID="10" presetClass="entr" presetSubtype="0" fill="hold" grpId="0" nodeType="clickEffect">
+                                  <p:stCondLst>
+                                    <p:cond delay="0"/>
+                                  </p:stCondLst>
+                                  <p:childTnLst>
+                                    <p:set>
+                                      <p:cBhvr>
+                                        <p:cTn id="122" dur="1" fill="hold">
+                                          <p:stCondLst>
+                                            <p:cond delay="0"/>
+                                          </p:stCondLst>
+                                        </p:cTn>
+                                        <p:tgtEl>
+                                          <p:spTgt spid="19">
+                                            <p:txEl>
+                                              <p:pRg st="8" end="8"/>
+                                            </p:txEl>
+                                          </p:spTgt>
+                                        </p:tgtEl>
+                                        <p:attrNameLst>
+                                          <p:attrName>style.visibility</p:attrName>
+                                        </p:attrNameLst>
+                                      </p:cBhvr>
+                                      <p:to>
+                                        <p:strVal val="visible"/>
+                                      </p:to>
+                                    </p:set>
+                                    <p:animEffect transition="in" filter="fade">
+                                      <p:cBhvr>
+                                        <p:cTn id="123" dur="500"/>
+                                        <p:tgtEl>
+                                          <p:spTgt spid="19">
+                                            <p:txEl>
+                                              <p:pRg st="8" end="8"/>
+                                            </p:txEl>
+                                          </p:spTgt>
+                                        </p:tgtEl>
+                                      </p:cBhvr>
+                                    </p:animEffect>
+                                  </p:childTnLst>
+                                </p:cTn>
+                              </p:par>
+                            </p:childTnLst>
+                          </p:cTn>
+                        </p:par>
+                      </p:childTnLst>
+                    </p:cTn>
+                  </p:par>
+                </p:childTnLst>
+              </p:cTn>
+              <p:prevCondLst>
+                <p:cond evt="onPrev" delay="0">
+                  <p:tgtEl>
+                    <p:sldTgt/>
+                  </p:tgtEl>
+                </p:cond>
+              </p:prevCondLst>
+              <p:nextCondLst>
+                <p:cond evt="onNext" delay="0">
+                  <p:tgtEl>
+                    <p:sldTgt/>
+                  </p:tgtEl>
+                </p:cond>
+              </p:nextCondLst>
+            </p:seq>
+          </p:childTnLst>
+        </p:cTn>
+      </p:par>
+    </p:tnLst>
+    <p:bldLst>
+      <p:bldP spid="13" grpId="0"/>
+      <p:bldP spid="13" grpId="1"/>
+      <p:bldP spid="13" grpId="2"/>
+      <p:bldP spid="13" grpId="3"/>
+      <p:bldP spid="18" grpId="0"/>
+      <p:bldP spid="18" grpId="1"/>
+      <p:bldP spid="18" grpId="2"/>
+      <p:bldP spid="18" grpId="3"/>
+      <p:bldP spid="6" grpId="0" uiExpand="1" build="p"/>
+      <p:bldP spid="19" grpId="0" uiExpand="1" build="p"/>
+    </p:bldLst>
+  </p:timing>
+</p:sld>
+</file>
+
+<file path=ppt/slides/slide12.xml><?xml version="1.0" encoding="utf-8"?>
+<p:sld xmlns:a="http://schemas.openxmlformats.org/drawingml/2006/main" xmlns:r="http://schemas.openxmlformats.org/officeDocument/2006/relationships" xmlns:p="http://schemas.openxmlformats.org/presentationml/2006/main">
+  <p:cSld>
+    <p:spTree>
+      <p:nvGrpSpPr>
+        <p:cNvPr id="1" name=""/>
+        <p:cNvGrpSpPr/>
+        <p:nvPr/>
+      </p:nvGrpSpPr>
+      <p:grpSpPr>
+        <a:xfrm>
+          <a:off x="0" y="0"/>
+          <a:ext cx="0" cy="0"/>
+          <a:chOff x="0" y="0"/>
+          <a:chExt cx="0" cy="0"/>
+        </a:xfrm>
+      </p:grpSpPr>
+      <p:sp>
+        <p:nvSpPr>
+          <p:cNvPr id="2" name="Title 1"/>
+          <p:cNvSpPr>
+            <a:spLocks noGrp="1"/>
+          </p:cNvSpPr>
+          <p:nvPr>
             <p:ph type="title"/>
           </p:nvPr>
         </p:nvSpPr>
@@ -3861,13 +6002,6 @@
               </a:rPr>
               <a:t>Let’s see the framework.</a:t>
             </a:r>
-            <a:endParaRPr lang="en-US" dirty="0" smtClean="0">
-              <a:solidFill>
-                <a:schemeClr val="accent1">
-                  <a:lumMod val="75000"/>
-                </a:schemeClr>
-              </a:solidFill>
-            </a:endParaRPr>
           </a:p>
         </p:txBody>
       </p:sp>
@@ -3995,13 +6129,6 @@
               </a:rPr>
               <a:t> MVC Framework</a:t>
             </a:r>
-            <a:endParaRPr lang="en-US" dirty="0" smtClean="0">
-              <a:solidFill>
-                <a:schemeClr val="accent1">
-                  <a:lumMod val="75000"/>
-                </a:schemeClr>
-              </a:solidFill>
-            </a:endParaRPr>
           </a:p>
         </p:txBody>
       </p:sp>
@@ -4016,9 +6143,9 @@
     <a:masterClrMapping/>
   </p:clrMapOvr>
   <mc:AlternateContent xmlns:mc="http://schemas.openxmlformats.org/markup-compatibility/2006">
-    <mc:Choice xmlns:p15="http://schemas.microsoft.com/office/powerpoint/2012/main" Requires="p15">
-      <p:transition xmlns:p14="http://schemas.microsoft.com/office/powerpoint/2010/main" spd="slow" p14:dur="1250">
-        <p15:prstTrans prst="pageCurlDouble"/>
+    <mc:Choice xmlns:p14="http://schemas.microsoft.com/office/powerpoint/2010/main" Requires="p14">
+      <p:transition spd="slow" p14:dur="1600">
+        <p14:conveyor dir="l"/>
       </p:transition>
     </mc:Choice>
     <mc:Fallback>
@@ -4680,7 +6807,7 @@
 </p:sld>
 </file>
 
-<file path=ppt/slides/slide11.xml><?xml version="1.0" encoding="utf-8"?>
+<file path=ppt/slides/slide13.xml><?xml version="1.0" encoding="utf-8"?>
 <p:sld xmlns:a="http://schemas.openxmlformats.org/drawingml/2006/main" xmlns:r="http://schemas.openxmlformats.org/officeDocument/2006/relationships" xmlns:p="http://schemas.openxmlformats.org/presentationml/2006/main">
   <p:cSld>
     <p:spTree>
@@ -4856,13 +6983,6 @@
               </a:rPr>
               <a:t>Future Plans</a:t>
             </a:r>
-            <a:endParaRPr lang="en-US" dirty="0" smtClean="0">
-              <a:solidFill>
-                <a:schemeClr val="accent1">
-                  <a:lumMod val="75000"/>
-                </a:schemeClr>
-              </a:solidFill>
-            </a:endParaRPr>
           </a:p>
         </p:txBody>
       </p:sp>
@@ -4879,7 +6999,7 @@
   <mc:AlternateContent xmlns:mc="http://schemas.openxmlformats.org/markup-compatibility/2006">
     <mc:Choice xmlns:p15="http://schemas.microsoft.com/office/powerpoint/2012/main" Requires="p15">
       <p:transition xmlns:p14="http://schemas.microsoft.com/office/powerpoint/2010/main" spd="slow" p14:dur="1250">
-        <p15:prstTrans prst="pageCurlDouble"/>
+        <p15:prstTrans prst="peelOff"/>
       </p:transition>
     </mc:Choice>
     <mc:Fallback>
@@ -5324,238 +7444,6 @@
 </p:sld>
 </file>
 
-<file path=ppt/slides/slide12.xml><?xml version="1.0" encoding="utf-8"?>
-<p:sld xmlns:a="http://schemas.openxmlformats.org/drawingml/2006/main" xmlns:r="http://schemas.openxmlformats.org/officeDocument/2006/relationships" xmlns:p="http://schemas.openxmlformats.org/presentationml/2006/main">
-  <p:cSld>
-    <p:spTree>
-      <p:nvGrpSpPr>
-        <p:cNvPr id="1" name=""/>
-        <p:cNvGrpSpPr/>
-        <p:nvPr/>
-      </p:nvGrpSpPr>
-      <p:grpSpPr>
-        <a:xfrm>
-          <a:off x="0" y="0"/>
-          <a:ext cx="0" cy="0"/>
-          <a:chOff x="0" y="0"/>
-          <a:chExt cx="0" cy="0"/>
-        </a:xfrm>
-      </p:grpSpPr>
-      <p:sp>
-        <p:nvSpPr>
-          <p:cNvPr id="2" name="Title 1"/>
-          <p:cNvSpPr>
-            <a:spLocks noGrp="1"/>
-          </p:cNvSpPr>
-          <p:nvPr>
-            <p:ph type="ctrTitle"/>
-          </p:nvPr>
-        </p:nvSpPr>
-        <p:spPr/>
-        <p:txBody>
-          <a:bodyPr/>
-          <a:lstStyle/>
-          <a:p>
-            <a:r>
-              <a:rPr lang="en-US" dirty="0" smtClean="0"/>
-              <a:t>Source Code</a:t>
-            </a:r>
-            <a:endParaRPr lang="en-US" dirty="0"/>
-          </a:p>
-        </p:txBody>
-      </p:sp>
-      <p:sp>
-        <p:nvSpPr>
-          <p:cNvPr id="3" name="Subtitle 2"/>
-          <p:cNvSpPr>
-            <a:spLocks noGrp="1"/>
-          </p:cNvSpPr>
-          <p:nvPr>
-            <p:ph type="subTitle" idx="1"/>
-          </p:nvPr>
-        </p:nvSpPr>
-        <p:spPr/>
-        <p:txBody>
-          <a:bodyPr>
-            <a:normAutofit/>
-          </a:bodyPr>
-          <a:lstStyle/>
-          <a:p>
-            <a:r>
-              <a:rPr lang="en-US" u="sng" dirty="0">
-                <a:hlinkClick r:id="rId2"/>
-              </a:rPr>
-              <a:t>http://j.mp/asp-net-boot</a:t>
-            </a:r>
-            <a:endParaRPr lang="en-US" dirty="0" smtClean="0"/>
-          </a:p>
-        </p:txBody>
-      </p:sp>
-      <p:sp>
-        <p:nvSpPr>
-          <p:cNvPr id="7" name="Slide Number Placeholder 6"/>
-          <p:cNvSpPr>
-            <a:spLocks noGrp="1"/>
-          </p:cNvSpPr>
-          <p:nvPr>
-            <p:ph type="sldNum" sz="quarter" idx="12"/>
-          </p:nvPr>
-        </p:nvSpPr>
-        <p:spPr/>
-        <p:txBody>
-          <a:bodyPr/>
-          <a:lstStyle/>
-          <a:p>
-            <a:fld id="{3405949F-09D4-4823-AF2C-A9E8A428D48D}" type="slidenum">
-              <a:rPr lang="en-US" smtClean="0"/>
-              <a:t>12</a:t>
-            </a:fld>
-            <a:endParaRPr lang="en-US"/>
-          </a:p>
-        </p:txBody>
-      </p:sp>
-    </p:spTree>
-    <p:extLst>
-      <p:ext uri="{BB962C8B-B14F-4D97-AF65-F5344CB8AC3E}">
-        <p14:creationId xmlns:p14="http://schemas.microsoft.com/office/powerpoint/2010/main" val="3102683864"/>
-      </p:ext>
-    </p:extLst>
-  </p:cSld>
-  <p:clrMapOvr>
-    <a:masterClrMapping/>
-  </p:clrMapOvr>
-  <p:transition spd="slow">
-    <p:comb/>
-  </p:transition>
-  <p:timing>
-    <p:tnLst>
-      <p:par>
-        <p:cTn id="1" dur="indefinite" restart="never" nodeType="tmRoot"/>
-      </p:par>
-    </p:tnLst>
-  </p:timing>
-</p:sld>
-</file>
-
-<file path=ppt/slides/slide13.xml><?xml version="1.0" encoding="utf-8"?>
-<p:sld xmlns:a="http://schemas.openxmlformats.org/drawingml/2006/main" xmlns:r="http://schemas.openxmlformats.org/officeDocument/2006/relationships" xmlns:p="http://schemas.openxmlformats.org/presentationml/2006/main">
-  <p:cSld>
-    <p:spTree>
-      <p:nvGrpSpPr>
-        <p:cNvPr id="1" name=""/>
-        <p:cNvGrpSpPr/>
-        <p:nvPr/>
-      </p:nvGrpSpPr>
-      <p:grpSpPr>
-        <a:xfrm>
-          <a:off x="0" y="0"/>
-          <a:ext cx="0" cy="0"/>
-          <a:chOff x="0" y="0"/>
-          <a:chExt cx="0" cy="0"/>
-        </a:xfrm>
-      </p:grpSpPr>
-      <p:sp>
-        <p:nvSpPr>
-          <p:cNvPr id="2" name="Title 1"/>
-          <p:cNvSpPr>
-            <a:spLocks noGrp="1"/>
-          </p:cNvSpPr>
-          <p:nvPr>
-            <p:ph type="ctrTitle"/>
-          </p:nvPr>
-        </p:nvSpPr>
-        <p:spPr/>
-        <p:txBody>
-          <a:bodyPr/>
-          <a:lstStyle/>
-          <a:p>
-            <a:r>
-              <a:rPr lang="en-US" dirty="0" smtClean="0"/>
-              <a:t>How to install it</a:t>
-            </a:r>
-            <a:endParaRPr lang="en-US" dirty="0"/>
-          </a:p>
-        </p:txBody>
-      </p:sp>
-      <p:sp>
-        <p:nvSpPr>
-          <p:cNvPr id="3" name="Subtitle 2"/>
-          <p:cNvSpPr>
-            <a:spLocks noGrp="1"/>
-          </p:cNvSpPr>
-          <p:nvPr>
-            <p:ph type="subTitle" idx="1"/>
-          </p:nvPr>
-        </p:nvSpPr>
-        <p:spPr/>
-        <p:txBody>
-          <a:bodyPr>
-            <a:normAutofit/>
-          </a:bodyPr>
-          <a:lstStyle/>
-          <a:p>
-            <a:r>
-              <a:rPr lang="en-US" u="sng" dirty="0" smtClean="0">
-                <a:hlinkClick r:id="rId2"/>
-              </a:rPr>
-              <a:t>http</a:t>
-            </a:r>
-            <a:r>
-              <a:rPr lang="en-US" u="sng" dirty="0">
-                <a:hlinkClick r:id="rId2"/>
-              </a:rPr>
-              <a:t>://bit.ly/how-asp-boot</a:t>
-            </a:r>
-            <a:endParaRPr lang="en-US" dirty="0" smtClean="0"/>
-          </a:p>
-        </p:txBody>
-      </p:sp>
-      <p:sp>
-        <p:nvSpPr>
-          <p:cNvPr id="7" name="Slide Number Placeholder 6"/>
-          <p:cNvSpPr>
-            <a:spLocks noGrp="1"/>
-          </p:cNvSpPr>
-          <p:nvPr>
-            <p:ph type="sldNum" sz="quarter" idx="12"/>
-          </p:nvPr>
-        </p:nvSpPr>
-        <p:spPr/>
-        <p:txBody>
-          <a:bodyPr/>
-          <a:lstStyle/>
-          <a:p>
-            <a:fld id="{3405949F-09D4-4823-AF2C-A9E8A428D48D}" type="slidenum">
-              <a:rPr lang="en-US" smtClean="0"/>
-              <a:t>13</a:t>
-            </a:fld>
-            <a:endParaRPr lang="en-US"/>
-          </a:p>
-        </p:txBody>
-      </p:sp>
-    </p:spTree>
-    <p:extLst>
-      <p:ext uri="{BB962C8B-B14F-4D97-AF65-F5344CB8AC3E}">
-        <p14:creationId xmlns:p14="http://schemas.microsoft.com/office/powerpoint/2010/main" val="1013876206"/>
-      </p:ext>
-    </p:extLst>
-  </p:cSld>
-  <p:clrMapOvr>
-    <a:masterClrMapping/>
-  </p:clrMapOvr>
-  <p:transition spd="slow">
-    <p:comb/>
-  </p:transition>
-  <p:timing>
-    <p:tnLst>
-      <p:par>
-        <p:cTn id="1" dur="indefinite" restart="never" nodeType="tmRoot"/>
-      </p:par>
-    </p:tnLst>
-  </p:timing>
-</p:sld>
-</file>
-
 <file path=ppt/slides/slide14.xml><?xml version="1.0" encoding="utf-8"?>
 <p:sld xmlns:a="http://schemas.openxmlformats.org/drawingml/2006/main" xmlns:r="http://schemas.openxmlformats.org/officeDocument/2006/relationships" xmlns:p="http://schemas.openxmlformats.org/presentationml/2006/main">
   <p:cSld>
@@ -5590,11 +7478,7 @@
           <a:p>
             <a:r>
               <a:rPr lang="en-US" dirty="0" smtClean="0"/>
-              <a:t>Thank </a:t>
-            </a:r>
-            <a:r>
-              <a:rPr lang="en-US" dirty="0" smtClean="0"/>
-              <a:t>you</a:t>
+              <a:t>Source Code</a:t>
             </a:r>
             <a:endParaRPr lang="en-US" dirty="0"/>
           </a:p>
@@ -5618,41 +7502,11 @@
           <a:lstStyle/>
           <a:p>
             <a:r>
-              <a:rPr lang="en-US" dirty="0" smtClean="0"/>
-              <a:t>Presented by</a:t>
-            </a:r>
-            <a:endParaRPr lang="en-US" dirty="0" smtClean="0"/>
-          </a:p>
-          <a:p>
-            <a:r>
-              <a:rPr lang="en-US" dirty="0" smtClean="0"/>
-              <a:t>Md. Alim </a:t>
-            </a:r>
-            <a:r>
-              <a:rPr lang="en-US" dirty="0" err="1" smtClean="0"/>
-              <a:t>Ul</a:t>
-            </a:r>
-            <a:r>
-              <a:rPr lang="en-US" dirty="0" smtClean="0"/>
-              <a:t> Karim</a:t>
-            </a:r>
-          </a:p>
-          <a:p>
-            <a:r>
-              <a:rPr lang="en-US" u="sng" dirty="0" smtClean="0">
-                <a:solidFill>
-                  <a:srgbClr val="00B0F0"/>
-                </a:solidFill>
+              <a:rPr lang="en-US" u="sng" dirty="0">
+                <a:hlinkClick r:id="rId2"/>
               </a:rPr>
-              <a:t>alim.karim.nsu@gmail.com</a:t>
-            </a:r>
-            <a:endParaRPr lang="en-US" u="sng" dirty="0" smtClean="0">
-              <a:solidFill>
-                <a:srgbClr val="00B0F0"/>
-              </a:solidFill>
-            </a:endParaRPr>
-          </a:p>
-          <a:p>
+              <a:t>http://j.mp/asp-net-boot</a:t>
+            </a:r>
             <a:endParaRPr lang="en-US" dirty="0" smtClean="0"/>
           </a:p>
         </p:txBody>
@@ -5675,6 +7529,278 @@
             <a:fld id="{3405949F-09D4-4823-AF2C-A9E8A428D48D}" type="slidenum">
               <a:rPr lang="en-US" smtClean="0"/>
               <a:t>14</a:t>
+            </a:fld>
+            <a:endParaRPr lang="en-US"/>
+          </a:p>
+        </p:txBody>
+      </p:sp>
+    </p:spTree>
+    <p:extLst>
+      <p:ext uri="{BB962C8B-B14F-4D97-AF65-F5344CB8AC3E}">
+        <p14:creationId xmlns:p14="http://schemas.microsoft.com/office/powerpoint/2010/main" val="3102683864"/>
+      </p:ext>
+    </p:extLst>
+  </p:cSld>
+  <p:clrMapOvr>
+    <a:masterClrMapping/>
+  </p:clrMapOvr>
+  <mc:AlternateContent xmlns:mc="http://schemas.openxmlformats.org/markup-compatibility/2006">
+    <mc:Choice xmlns:p14="http://schemas.microsoft.com/office/powerpoint/2010/main" Requires="p14">
+      <p:transition spd="slow" p14:dur="2000">
+        <p14:ferris dir="l"/>
+      </p:transition>
+    </mc:Choice>
+    <mc:Fallback>
+      <p:transition spd="slow">
+        <p:fade/>
+      </p:transition>
+    </mc:Fallback>
+  </mc:AlternateContent>
+  <p:timing>
+    <p:tnLst>
+      <p:par>
+        <p:cTn id="1" dur="indefinite" restart="never" nodeType="tmRoot"/>
+      </p:par>
+    </p:tnLst>
+  </p:timing>
+</p:sld>
+</file>
+
+<file path=ppt/slides/slide15.xml><?xml version="1.0" encoding="utf-8"?>
+<p:sld xmlns:a="http://schemas.openxmlformats.org/drawingml/2006/main" xmlns:r="http://schemas.openxmlformats.org/officeDocument/2006/relationships" xmlns:p="http://schemas.openxmlformats.org/presentationml/2006/main">
+  <p:cSld>
+    <p:spTree>
+      <p:nvGrpSpPr>
+        <p:cNvPr id="1" name=""/>
+        <p:cNvGrpSpPr/>
+        <p:nvPr/>
+      </p:nvGrpSpPr>
+      <p:grpSpPr>
+        <a:xfrm>
+          <a:off x="0" y="0"/>
+          <a:ext cx="0" cy="0"/>
+          <a:chOff x="0" y="0"/>
+          <a:chExt cx="0" cy="0"/>
+        </a:xfrm>
+      </p:grpSpPr>
+      <p:sp>
+        <p:nvSpPr>
+          <p:cNvPr id="2" name="Title 1"/>
+          <p:cNvSpPr>
+            <a:spLocks noGrp="1"/>
+          </p:cNvSpPr>
+          <p:nvPr>
+            <p:ph type="ctrTitle"/>
+          </p:nvPr>
+        </p:nvSpPr>
+        <p:spPr/>
+        <p:txBody>
+          <a:bodyPr/>
+          <a:lstStyle/>
+          <a:p>
+            <a:r>
+              <a:rPr lang="en-US" dirty="0" smtClean="0"/>
+              <a:t>Test Application</a:t>
+            </a:r>
+            <a:endParaRPr lang="en-US" dirty="0"/>
+          </a:p>
+        </p:txBody>
+      </p:sp>
+      <p:sp>
+        <p:nvSpPr>
+          <p:cNvPr id="3" name="Subtitle 2"/>
+          <p:cNvSpPr>
+            <a:spLocks noGrp="1"/>
+          </p:cNvSpPr>
+          <p:nvPr>
+            <p:ph type="subTitle" idx="1"/>
+          </p:nvPr>
+        </p:nvSpPr>
+        <p:spPr/>
+        <p:txBody>
+          <a:bodyPr>
+            <a:normAutofit/>
+          </a:bodyPr>
+          <a:lstStyle/>
+          <a:p>
+            <a:r>
+              <a:rPr lang="en-US" u="sng" dirty="0" smtClean="0">
+                <a:hlinkClick r:id="rId2"/>
+              </a:rPr>
+              <a:t>http://WeReviewApp.com</a:t>
+            </a:r>
+            <a:r>
+              <a:rPr lang="en-US" u="sng" dirty="0" smtClean="0"/>
+              <a:t> </a:t>
+            </a:r>
+            <a:endParaRPr lang="en-US" dirty="0" smtClean="0"/>
+          </a:p>
+        </p:txBody>
+      </p:sp>
+      <p:sp>
+        <p:nvSpPr>
+          <p:cNvPr id="7" name="Slide Number Placeholder 6"/>
+          <p:cNvSpPr>
+            <a:spLocks noGrp="1"/>
+          </p:cNvSpPr>
+          <p:nvPr>
+            <p:ph type="sldNum" sz="quarter" idx="12"/>
+          </p:nvPr>
+        </p:nvSpPr>
+        <p:spPr/>
+        <p:txBody>
+          <a:bodyPr/>
+          <a:lstStyle/>
+          <a:p>
+            <a:fld id="{3405949F-09D4-4823-AF2C-A9E8A428D48D}" type="slidenum">
+              <a:rPr lang="en-US" smtClean="0"/>
+              <a:t>15</a:t>
+            </a:fld>
+            <a:endParaRPr lang="en-US"/>
+          </a:p>
+        </p:txBody>
+      </p:sp>
+    </p:spTree>
+    <p:extLst>
+      <p:ext uri="{BB962C8B-B14F-4D97-AF65-F5344CB8AC3E}">
+        <p14:creationId xmlns:p14="http://schemas.microsoft.com/office/powerpoint/2010/main" val="3650183956"/>
+      </p:ext>
+    </p:extLst>
+  </p:cSld>
+  <p:clrMapOvr>
+    <a:masterClrMapping/>
+  </p:clrMapOvr>
+  <mc:AlternateContent xmlns:mc="http://schemas.openxmlformats.org/markup-compatibility/2006">
+    <mc:Choice xmlns:p14="http://schemas.microsoft.com/office/powerpoint/2010/main" Requires="p14">
+      <p:transition spd="slow" p14:dur="2000">
+        <p14:ferris dir="l"/>
+      </p:transition>
+    </mc:Choice>
+    <mc:Fallback>
+      <p:transition spd="slow">
+        <p:fade/>
+      </p:transition>
+    </mc:Fallback>
+  </mc:AlternateContent>
+  <p:timing>
+    <p:tnLst>
+      <p:par>
+        <p:cTn id="1" dur="indefinite" restart="never" nodeType="tmRoot"/>
+      </p:par>
+    </p:tnLst>
+  </p:timing>
+</p:sld>
+</file>
+
+<file path=ppt/slides/slide16.xml><?xml version="1.0" encoding="utf-8"?>
+<p:sld xmlns:a="http://schemas.openxmlformats.org/drawingml/2006/main" xmlns:r="http://schemas.openxmlformats.org/officeDocument/2006/relationships" xmlns:p="http://schemas.openxmlformats.org/presentationml/2006/main">
+  <p:cSld>
+    <p:spTree>
+      <p:nvGrpSpPr>
+        <p:cNvPr id="1" name=""/>
+        <p:cNvGrpSpPr/>
+        <p:nvPr/>
+      </p:nvGrpSpPr>
+      <p:grpSpPr>
+        <a:xfrm>
+          <a:off x="0" y="0"/>
+          <a:ext cx="0" cy="0"/>
+          <a:chOff x="0" y="0"/>
+          <a:chExt cx="0" cy="0"/>
+        </a:xfrm>
+      </p:grpSpPr>
+      <p:sp>
+        <p:nvSpPr>
+          <p:cNvPr id="2" name="Title 1"/>
+          <p:cNvSpPr>
+            <a:spLocks noGrp="1"/>
+          </p:cNvSpPr>
+          <p:nvPr>
+            <p:ph type="ctrTitle"/>
+          </p:nvPr>
+        </p:nvSpPr>
+        <p:spPr/>
+        <p:txBody>
+          <a:bodyPr/>
+          <a:lstStyle/>
+          <a:p>
+            <a:r>
+              <a:rPr lang="en-US" dirty="0" smtClean="0"/>
+              <a:t>Thank you</a:t>
+            </a:r>
+            <a:endParaRPr lang="en-US" dirty="0"/>
+          </a:p>
+        </p:txBody>
+      </p:sp>
+      <p:sp>
+        <p:nvSpPr>
+          <p:cNvPr id="3" name="Subtitle 2"/>
+          <p:cNvSpPr>
+            <a:spLocks noGrp="1"/>
+          </p:cNvSpPr>
+          <p:nvPr>
+            <p:ph type="subTitle" idx="1"/>
+          </p:nvPr>
+        </p:nvSpPr>
+        <p:spPr/>
+        <p:txBody>
+          <a:bodyPr>
+            <a:normAutofit/>
+          </a:bodyPr>
+          <a:lstStyle/>
+          <a:p>
+            <a:r>
+              <a:rPr lang="en-US" dirty="0" smtClean="0"/>
+              <a:t>Presented by</a:t>
+            </a:r>
+          </a:p>
+          <a:p>
+            <a:r>
+              <a:rPr lang="en-US" dirty="0" smtClean="0"/>
+              <a:t>Md. Alim </a:t>
+            </a:r>
+            <a:r>
+              <a:rPr lang="en-US" dirty="0" err="1" smtClean="0"/>
+              <a:t>Ul</a:t>
+            </a:r>
+            <a:r>
+              <a:rPr lang="en-US" dirty="0" smtClean="0"/>
+              <a:t> Karim</a:t>
+            </a:r>
+          </a:p>
+          <a:p>
+            <a:r>
+              <a:rPr lang="en-US" u="sng" dirty="0" smtClean="0">
+                <a:solidFill>
+                  <a:srgbClr val="00B0F0"/>
+                </a:solidFill>
+              </a:rPr>
+              <a:t>alim.karim.nsu@gmail.com</a:t>
+            </a:r>
+          </a:p>
+          <a:p>
+            <a:endParaRPr lang="en-US" dirty="0" smtClean="0"/>
+          </a:p>
+        </p:txBody>
+      </p:sp>
+      <p:sp>
+        <p:nvSpPr>
+          <p:cNvPr id="7" name="Slide Number Placeholder 6"/>
+          <p:cNvSpPr>
+            <a:spLocks noGrp="1"/>
+          </p:cNvSpPr>
+          <p:nvPr>
+            <p:ph type="sldNum" sz="quarter" idx="12"/>
+          </p:nvPr>
+        </p:nvSpPr>
+        <p:spPr/>
+        <p:txBody>
+          <a:bodyPr/>
+          <a:lstStyle/>
+          <a:p>
+            <a:fld id="{3405949F-09D4-4823-AF2C-A9E8A428D48D}" type="slidenum">
+              <a:rPr lang="en-US" smtClean="0"/>
+              <a:t>16</a:t>
             </a:fld>
             <a:endParaRPr lang="en-US"/>
           </a:p>
@@ -6251,7 +8377,7 @@
         <p:spPr/>
         <p:txBody>
           <a:bodyPr>
-            <a:normAutofit lnSpcReduction="10000"/>
+            <a:normAutofit/>
           </a:bodyPr>
           <a:lstStyle/>
           <a:p>
@@ -6290,20 +8416,23 @@
           <a:p>
             <a:r>
               <a:rPr lang="en-US" dirty="0" smtClean="0"/>
-              <a:t>What it is providing?</a:t>
-            </a:r>
-          </a:p>
-          <a:p>
+              <a:t>How </a:t>
+            </a:r>
             <a:r>
               <a:rPr lang="en-US" dirty="0" smtClean="0"/>
-              <a:t>How we are going to install it?</a:t>
+              <a:t>we are going to install it?</a:t>
             </a:r>
           </a:p>
           <a:p>
             <a:r>
               <a:rPr lang="en-US" dirty="0" smtClean="0"/>
-              <a:t>Proof of concept</a:t>
-            </a:r>
+              <a:t>Proof of </a:t>
+            </a:r>
+            <a:r>
+              <a:rPr lang="en-US" dirty="0" smtClean="0"/>
+              <a:t>concepts comparing with another regular project</a:t>
+            </a:r>
+            <a:endParaRPr lang="en-US" dirty="0" smtClean="0"/>
           </a:p>
           <a:p>
             <a:r>
@@ -6865,67 +8994,6 @@
                                           <p:spTgt spid="3">
                                             <p:txEl>
                                               <p:pRg st="8" end="8"/>
-                                            </p:txEl>
-                                          </p:spTgt>
-                                        </p:tgtEl>
-                                      </p:cBhvr>
-                                    </p:animEffect>
-                                  </p:childTnLst>
-                                </p:cTn>
-                              </p:par>
-                            </p:childTnLst>
-                          </p:cTn>
-                        </p:par>
-                      </p:childTnLst>
-                    </p:cTn>
-                  </p:par>
-                  <p:par>
-                    <p:cTn id="42" fill="hold">
-                      <p:stCondLst>
-                        <p:cond delay="indefinite"/>
-                      </p:stCondLst>
-                      <p:childTnLst>
-                        <p:par>
-                          <p:cTn id="43" fill="hold">
-                            <p:stCondLst>
-                              <p:cond delay="0"/>
-                            </p:stCondLst>
-                            <p:childTnLst>
-                              <p:par>
-                                <p:cTn id="44" presetID="10" presetClass="entr" presetSubtype="0" fill="hold" grpId="0" nodeType="clickEffect">
-                                  <p:stCondLst>
-                                    <p:cond delay="0"/>
-                                  </p:stCondLst>
-                                  <p:childTnLst>
-                                    <p:set>
-                                      <p:cBhvr>
-                                        <p:cTn id="45" dur="1" fill="hold">
-                                          <p:stCondLst>
-                                            <p:cond delay="0"/>
-                                          </p:stCondLst>
-                                        </p:cTn>
-                                        <p:tgtEl>
-                                          <p:spTgt spid="3">
-                                            <p:txEl>
-                                              <p:pRg st="9" end="9"/>
-                                            </p:txEl>
-                                          </p:spTgt>
-                                        </p:tgtEl>
-                                        <p:attrNameLst>
-                                          <p:attrName>style.visibility</p:attrName>
-                                        </p:attrNameLst>
-                                      </p:cBhvr>
-                                      <p:to>
-                                        <p:strVal val="visible"/>
-                                      </p:to>
-                                    </p:set>
-                                    <p:animEffect transition="in" filter="fade">
-                                      <p:cBhvr>
-                                        <p:cTn id="46" dur="500"/>
-                                        <p:tgtEl>
-                                          <p:spTgt spid="3">
-                                            <p:txEl>
-                                              <p:pRg st="9" end="9"/>
                                             </p:txEl>
                                           </p:spTgt>
                                         </p:tgtEl>
@@ -12771,41 +14839,7 @@
             <a:spLocks noGrp="1"/>
           </p:cNvSpPr>
           <p:nvPr>
-            <p:ph type="title"/>
-          </p:nvPr>
-        </p:nvSpPr>
-        <p:spPr>
-          <a:xfrm>
-            <a:off x="831850" y="3743515"/>
-            <a:ext cx="10515600" cy="818960"/>
-          </a:xfrm>
-        </p:spPr>
-        <p:txBody>
-          <a:bodyPr>
-            <a:normAutofit/>
-          </a:bodyPr>
-          <a:lstStyle/>
-          <a:p>
-            <a:r>
-              <a:rPr lang="en-US" sz="4800" dirty="0" smtClean="0"/>
-              <a:t>Let’s see </a:t>
-            </a:r>
-            <a:r>
-              <a:rPr lang="en-US" sz="4800" dirty="0" smtClean="0"/>
-              <a:t>Pure MVC vs Framework</a:t>
-            </a:r>
-            <a:endParaRPr lang="en-US" sz="4800" dirty="0"/>
-          </a:p>
-        </p:txBody>
-      </p:sp>
-      <p:sp>
-        <p:nvSpPr>
-          <p:cNvPr id="3" name="Text Placeholder 2"/>
-          <p:cNvSpPr>
-            <a:spLocks noGrp="1"/>
-          </p:cNvSpPr>
-          <p:nvPr>
-            <p:ph type="body" idx="1"/>
+            <p:ph type="ctrTitle"/>
           </p:nvPr>
         </p:nvSpPr>
         <p:spPr/>
@@ -12813,441 +14847,74 @@
           <a:bodyPr/>
           <a:lstStyle/>
           <a:p>
+            <a:r>
+              <a:rPr lang="en-US" dirty="0" smtClean="0"/>
+              <a:t>How to install it</a:t>
+            </a:r>
             <a:endParaRPr lang="en-US" dirty="0"/>
           </a:p>
         </p:txBody>
       </p:sp>
       <p:sp>
         <p:nvSpPr>
-          <p:cNvPr id="13" name="TextBox 12"/>
-          <p:cNvSpPr txBox="1"/>
-          <p:nvPr/>
+          <p:cNvPr id="3" name="Subtitle 2"/>
+          <p:cNvSpPr>
+            <a:spLocks noGrp="1"/>
+          </p:cNvSpPr>
+          <p:nvPr>
+            <p:ph type="subTitle" idx="1"/>
+          </p:nvPr>
         </p:nvSpPr>
-        <p:spPr>
-          <a:xfrm>
-            <a:off x="831850" y="350825"/>
-            <a:ext cx="1922578" cy="369332"/>
-          </a:xfrm>
-          <a:prstGeom prst="rect">
-            <a:avLst/>
-          </a:prstGeom>
-          <a:noFill/>
-        </p:spPr>
+        <p:spPr/>
         <p:txBody>
-          <a:bodyPr wrap="none" rtlCol="0">
-            <a:spAutoFit/>
+          <a:bodyPr>
+            <a:normAutofit/>
           </a:bodyPr>
           <a:lstStyle/>
           <a:p>
             <a:r>
-              <a:rPr lang="en-US" dirty="0" err="1" smtClean="0">
-                <a:solidFill>
-                  <a:schemeClr val="accent1">
-                    <a:lumMod val="75000"/>
-                  </a:schemeClr>
-                </a:solidFill>
+              <a:rPr lang="en-US" u="sng" dirty="0" smtClean="0">
+                <a:hlinkClick r:id="rId2"/>
               </a:rPr>
-              <a:t>Bootstrapper</a:t>
-            </a:r>
-            <a:r>
-              <a:rPr lang="en-US" dirty="0" smtClean="0">
-                <a:solidFill>
-                  <a:schemeClr val="accent1">
-                    <a:lumMod val="75000"/>
-                  </a:schemeClr>
-                </a:solidFill>
+              <a:t>http</a:t>
+            </a:r>
+            <a:r>
+              <a:rPr lang="en-US" u="sng" dirty="0">
+                <a:hlinkClick r:id="rId2"/>
               </a:rPr>
-              <a:t> MVC</a:t>
-            </a:r>
-            <a:endParaRPr lang="en-US" dirty="0" smtClean="0">
-              <a:solidFill>
-                <a:schemeClr val="accent1">
-                  <a:lumMod val="75000"/>
-                </a:schemeClr>
-              </a:solidFill>
-            </a:endParaRPr>
+              <a:t>://bit.ly/how-asp-boot</a:t>
+            </a:r>
+            <a:endParaRPr lang="en-US" dirty="0" smtClean="0"/>
           </a:p>
         </p:txBody>
       </p:sp>
       <p:sp>
         <p:nvSpPr>
-          <p:cNvPr id="18" name="TextBox 17"/>
-          <p:cNvSpPr txBox="1"/>
-          <p:nvPr/>
+          <p:cNvPr id="7" name="Slide Number Placeholder 6"/>
+          <p:cNvSpPr>
+            <a:spLocks noGrp="1"/>
+          </p:cNvSpPr>
+          <p:nvPr>
+            <p:ph type="sldNum" sz="quarter" idx="12"/>
+          </p:nvPr>
         </p:nvSpPr>
-        <p:spPr>
-          <a:xfrm>
-            <a:off x="6260258" y="350825"/>
-            <a:ext cx="1120563" cy="369332"/>
-          </a:xfrm>
-          <a:prstGeom prst="rect">
-            <a:avLst/>
-          </a:prstGeom>
-          <a:noFill/>
-        </p:spPr>
+        <p:spPr/>
         <p:txBody>
-          <a:bodyPr wrap="none" rtlCol="0">
-            <a:spAutoFit/>
-          </a:bodyPr>
+          <a:bodyPr/>
           <a:lstStyle/>
           <a:p>
-            <a:r>
-              <a:rPr lang="en-US" dirty="0" smtClean="0">
-                <a:solidFill>
-                  <a:schemeClr val="accent1">
-                    <a:lumMod val="75000"/>
-                  </a:schemeClr>
-                </a:solidFill>
-              </a:rPr>
-              <a:t>Pure MVC</a:t>
-            </a:r>
-            <a:endParaRPr lang="en-US" dirty="0" smtClean="0">
-              <a:solidFill>
-                <a:schemeClr val="accent1">
-                  <a:lumMod val="75000"/>
-                </a:schemeClr>
-              </a:solidFill>
-            </a:endParaRPr>
-          </a:p>
-        </p:txBody>
-      </p:sp>
-      <p:cxnSp>
-        <p:nvCxnSpPr>
-          <p:cNvPr id="5" name="Straight Connector 4"/>
-          <p:cNvCxnSpPr/>
-          <p:nvPr/>
-        </p:nvCxnSpPr>
-        <p:spPr>
-          <a:xfrm>
-            <a:off x="5868140" y="594803"/>
-            <a:ext cx="0" cy="3080552"/>
-          </a:xfrm>
-          <a:prstGeom prst="line">
-            <a:avLst/>
-          </a:prstGeom>
-        </p:spPr>
-        <p:style>
-          <a:lnRef idx="1">
-            <a:schemeClr val="accent1"/>
-          </a:lnRef>
-          <a:fillRef idx="0">
-            <a:schemeClr val="accent1"/>
-          </a:fillRef>
-          <a:effectRef idx="0">
-            <a:schemeClr val="accent1"/>
-          </a:effectRef>
-          <a:fontRef idx="minor">
-            <a:schemeClr val="tx1"/>
-          </a:fontRef>
-        </p:style>
-      </p:cxnSp>
-      <p:sp>
-        <p:nvSpPr>
-          <p:cNvPr id="6" name="TextBox 5"/>
-          <p:cNvSpPr txBox="1"/>
-          <p:nvPr/>
-        </p:nvSpPr>
-        <p:spPr>
-          <a:xfrm>
-            <a:off x="831849" y="788316"/>
-            <a:ext cx="4644173" cy="2862322"/>
-          </a:xfrm>
-          <a:prstGeom prst="rect">
-            <a:avLst/>
-          </a:prstGeom>
-          <a:noFill/>
-        </p:spPr>
-        <p:txBody>
-          <a:bodyPr wrap="square" rtlCol="0">
-            <a:spAutoFit/>
-          </a:bodyPr>
-          <a:lstStyle/>
-          <a:p>
-            <a:pPr marL="342900" indent="-342900">
-              <a:buAutoNum type="arabicPeriod"/>
-            </a:pPr>
-            <a:r>
-              <a:rPr lang="en-US" dirty="0" smtClean="0"/>
-              <a:t>Less additional frameworks</a:t>
-            </a:r>
-          </a:p>
-          <a:p>
-            <a:pPr marL="342900" indent="-342900">
-              <a:buAutoNum type="arabicPeriod"/>
-            </a:pPr>
-            <a:r>
-              <a:rPr lang="en-US" dirty="0" smtClean="0"/>
-              <a:t>Tons of components</a:t>
-            </a:r>
-          </a:p>
-          <a:p>
-            <a:pPr marL="342900" indent="-342900">
-              <a:buAutoNum type="arabicPeriod"/>
-            </a:pPr>
-            <a:r>
-              <a:rPr lang="en-US" dirty="0" smtClean="0"/>
-              <a:t>Faster integration</a:t>
-            </a:r>
-          </a:p>
-          <a:p>
-            <a:pPr marL="342900" indent="-342900">
-              <a:buAutoNum type="arabicPeriod"/>
-            </a:pPr>
-            <a:r>
-              <a:rPr lang="en-US" dirty="0" smtClean="0"/>
-              <a:t>Web Optimization</a:t>
-            </a:r>
-          </a:p>
-          <a:p>
-            <a:pPr marL="342900" indent="-342900">
-              <a:buAutoNum type="arabicPeriod"/>
-            </a:pPr>
-            <a:r>
-              <a:rPr lang="en-US" dirty="0" smtClean="0"/>
-              <a:t>OSAWP Security</a:t>
-            </a:r>
-          </a:p>
-          <a:p>
-            <a:pPr marL="342900" indent="-342900">
-              <a:buAutoNum type="arabicPeriod"/>
-            </a:pPr>
-            <a:r>
-              <a:rPr lang="en-US" dirty="0" smtClean="0"/>
-              <a:t>Robust scaffolding.</a:t>
-            </a:r>
-            <a:endParaRPr lang="en-US" dirty="0"/>
-          </a:p>
-          <a:p>
-            <a:pPr marL="342900" indent="-342900">
-              <a:buFontTx/>
-              <a:buAutoNum type="arabicPeriod"/>
-            </a:pPr>
-            <a:r>
-              <a:rPr lang="en-US" dirty="0"/>
-              <a:t>Cache things out of the box</a:t>
-            </a:r>
-            <a:r>
-              <a:rPr lang="en-US" dirty="0" smtClean="0"/>
-              <a:t>.</a:t>
-            </a:r>
-          </a:p>
-          <a:p>
-            <a:pPr marL="342900" indent="-342900">
-              <a:buFontTx/>
-              <a:buAutoNum type="arabicPeriod"/>
-            </a:pPr>
-            <a:r>
-              <a:rPr lang="en-US" dirty="0" err="1"/>
-              <a:t>Javascript</a:t>
-            </a:r>
-            <a:r>
-              <a:rPr lang="en-US" dirty="0"/>
-              <a:t> </a:t>
-            </a:r>
-            <a:r>
-              <a:rPr lang="en-US" dirty="0" smtClean="0"/>
-              <a:t>framework</a:t>
-            </a:r>
-          </a:p>
-          <a:p>
-            <a:pPr marL="342900" indent="-342900">
-              <a:buFontTx/>
-              <a:buAutoNum type="arabicPeriod"/>
-            </a:pPr>
-            <a:r>
-              <a:rPr lang="en-US" dirty="0" smtClean="0"/>
-              <a:t>And many more.</a:t>
-            </a:r>
-          </a:p>
-          <a:p>
-            <a:pPr marL="342900" indent="-342900">
-              <a:buAutoNum type="arabicPeriod"/>
-            </a:pPr>
-            <a:endParaRPr lang="en-US" dirty="0"/>
-          </a:p>
-        </p:txBody>
-      </p:sp>
-      <p:sp>
-        <p:nvSpPr>
-          <p:cNvPr id="19" name="TextBox 18"/>
-          <p:cNvSpPr txBox="1"/>
-          <p:nvPr/>
-        </p:nvSpPr>
-        <p:spPr>
-          <a:xfrm>
-            <a:off x="6089650" y="788316"/>
-            <a:ext cx="4644173" cy="2862322"/>
-          </a:xfrm>
-          <a:prstGeom prst="rect">
-            <a:avLst/>
-          </a:prstGeom>
-          <a:noFill/>
-        </p:spPr>
-        <p:txBody>
-          <a:bodyPr wrap="square" rtlCol="0">
-            <a:spAutoFit/>
-          </a:bodyPr>
-          <a:lstStyle/>
-          <a:p>
-            <a:pPr marL="342900" indent="-342900">
-              <a:buAutoNum type="arabicPeriod"/>
-            </a:pPr>
-            <a:r>
-              <a:rPr lang="en-US" dirty="0" smtClean="0">
-                <a:solidFill>
-                  <a:srgbClr val="FF0000"/>
-                </a:solidFill>
-              </a:rPr>
-              <a:t>NO ! </a:t>
-            </a:r>
-            <a:r>
-              <a:rPr lang="en-US" dirty="0" smtClean="0"/>
-              <a:t>Additional styling framework</a:t>
-            </a:r>
-          </a:p>
-          <a:p>
-            <a:pPr marL="342900" indent="-342900">
-              <a:buAutoNum type="arabicPeriod"/>
-            </a:pPr>
-            <a:r>
-              <a:rPr lang="en-US" dirty="0" smtClean="0">
-                <a:solidFill>
-                  <a:srgbClr val="FF0000"/>
-                </a:solidFill>
-              </a:rPr>
-              <a:t>No existing component.</a:t>
-            </a:r>
-            <a:endParaRPr lang="en-US" dirty="0" smtClean="0"/>
-          </a:p>
-          <a:p>
-            <a:pPr marL="342900" indent="-342900">
-              <a:buAutoNum type="arabicPeriod"/>
-            </a:pPr>
-            <a:r>
-              <a:rPr lang="en-US" dirty="0">
-                <a:solidFill>
-                  <a:srgbClr val="FF0000"/>
-                </a:solidFill>
-              </a:rPr>
-              <a:t>NO ! </a:t>
-            </a:r>
-            <a:r>
-              <a:rPr lang="en-US" dirty="0" smtClean="0"/>
-              <a:t>Faster integration</a:t>
-            </a:r>
-          </a:p>
-          <a:p>
-            <a:pPr marL="342900" indent="-342900">
-              <a:buAutoNum type="arabicPeriod"/>
-            </a:pPr>
-            <a:r>
-              <a:rPr lang="en-US" dirty="0">
-                <a:solidFill>
-                  <a:srgbClr val="FF0000"/>
-                </a:solidFill>
-              </a:rPr>
-              <a:t>NO ! </a:t>
-            </a:r>
-            <a:r>
-              <a:rPr lang="en-US" dirty="0" smtClean="0"/>
-              <a:t>Web Optimization</a:t>
-            </a:r>
-          </a:p>
-          <a:p>
-            <a:pPr marL="342900" indent="-342900">
-              <a:buAutoNum type="arabicPeriod"/>
-            </a:pPr>
-            <a:r>
-              <a:rPr lang="en-US" dirty="0">
-                <a:solidFill>
-                  <a:srgbClr val="FF0000"/>
-                </a:solidFill>
-              </a:rPr>
-              <a:t>NO ! </a:t>
-            </a:r>
-            <a:r>
-              <a:rPr lang="en-US" dirty="0" smtClean="0"/>
-              <a:t>OSAWP Security</a:t>
-            </a:r>
-          </a:p>
-          <a:p>
-            <a:pPr marL="342900" indent="-342900">
-              <a:buAutoNum type="arabicPeriod"/>
-            </a:pPr>
-            <a:r>
-              <a:rPr lang="en-US" dirty="0">
-                <a:solidFill>
-                  <a:srgbClr val="FF0000"/>
-                </a:solidFill>
-              </a:rPr>
-              <a:t>NO ! </a:t>
-            </a:r>
-            <a:r>
-              <a:rPr lang="en-US" dirty="0" smtClean="0"/>
-              <a:t>Robust scaffolding.</a:t>
-            </a:r>
-          </a:p>
-          <a:p>
-            <a:pPr marL="342900" indent="-342900">
-              <a:buFontTx/>
-              <a:buAutoNum type="arabicPeriod"/>
-            </a:pPr>
-            <a:r>
-              <a:rPr lang="en-US" dirty="0">
-                <a:solidFill>
-                  <a:srgbClr val="FF0000"/>
-                </a:solidFill>
-              </a:rPr>
-              <a:t>NO ! </a:t>
-            </a:r>
-            <a:r>
-              <a:rPr lang="en-US" dirty="0" err="1"/>
-              <a:t>Javascript</a:t>
-            </a:r>
-            <a:r>
-              <a:rPr lang="en-US" dirty="0"/>
-              <a:t> framework</a:t>
-            </a:r>
-          </a:p>
-          <a:p>
-            <a:pPr marL="342900" indent="-342900">
-              <a:buFontTx/>
-              <a:buAutoNum type="arabicPeriod"/>
-            </a:pPr>
-            <a:r>
-              <a:rPr lang="en-US" dirty="0">
-                <a:solidFill>
-                  <a:srgbClr val="FF0000"/>
-                </a:solidFill>
-              </a:rPr>
-              <a:t>NO ! </a:t>
-            </a:r>
-            <a:r>
-              <a:rPr lang="en-US" dirty="0"/>
-              <a:t>Cache things out of the box.</a:t>
-            </a:r>
-          </a:p>
-          <a:p>
-            <a:pPr marL="342900" indent="-342900">
-              <a:buAutoNum type="arabicPeriod"/>
-            </a:pPr>
-            <a:r>
-              <a:rPr lang="en-US" dirty="0" smtClean="0"/>
-              <a:t>Make your own.</a:t>
-            </a:r>
-          </a:p>
-          <a:p>
-            <a:pPr marL="342900" indent="-342900">
-              <a:buAutoNum type="arabicPeriod"/>
-            </a:pPr>
-            <a:endParaRPr lang="en-US" dirty="0"/>
+            <a:fld id="{3405949F-09D4-4823-AF2C-A9E8A428D48D}" type="slidenum">
+              <a:rPr lang="en-US" smtClean="0"/>
+              <a:t>9</a:t>
+            </a:fld>
+            <a:endParaRPr lang="en-US"/>
           </a:p>
         </p:txBody>
       </p:sp>
     </p:spTree>
     <p:extLst>
       <p:ext uri="{BB962C8B-B14F-4D97-AF65-F5344CB8AC3E}">
-        <p14:creationId xmlns:p14="http://schemas.microsoft.com/office/powerpoint/2010/main" val="2899137692"/>
+        <p14:creationId xmlns:p14="http://schemas.microsoft.com/office/powerpoint/2010/main" val="1013876206"/>
       </p:ext>
     </p:extLst>
   </p:cSld>
@@ -13256,8 +14923,8 @@
   </p:clrMapOvr>
   <mc:AlternateContent xmlns:mc="http://schemas.openxmlformats.org/markup-compatibility/2006">
     <mc:Choice xmlns:p15="http://schemas.microsoft.com/office/powerpoint/2012/main" Requires="p15">
-      <p:transition xmlns:p14="http://schemas.microsoft.com/office/powerpoint/2010/main" spd="slow" p14:dur="1250">
-        <p15:prstTrans prst="pageCurlDouble"/>
+      <p:transition xmlns:p14="http://schemas.microsoft.com/office/powerpoint/2010/main" spd="slow" p14:dur="2000">
+        <p15:prstTrans prst="drape"/>
       </p:transition>
     </mc:Choice>
     <mc:Fallback>
@@ -13269,1499 +14936,9 @@
   <p:timing>
     <p:tnLst>
       <p:par>
-        <p:cTn id="1" dur="indefinite" restart="never" nodeType="tmRoot">
-          <p:childTnLst>
-            <p:seq concurrent="1" nextAc="seek">
-              <p:cTn id="2" dur="indefinite" nodeType="mainSeq">
-                <p:childTnLst>
-                  <p:par>
-                    <p:cTn id="3" fill="hold">
-                      <p:stCondLst>
-                        <p:cond delay="indefinite"/>
-                      </p:stCondLst>
-                      <p:childTnLst>
-                        <p:par>
-                          <p:cTn id="4" fill="hold">
-                            <p:stCondLst>
-                              <p:cond delay="0"/>
-                            </p:stCondLst>
-                            <p:childTnLst>
-                              <p:par>
-                                <p:cTn id="5" presetID="10" presetClass="entr" presetSubtype="0" fill="hold" grpId="0" nodeType="clickEffect">
-                                  <p:stCondLst>
-                                    <p:cond delay="0"/>
-                                  </p:stCondLst>
-                                  <p:iterate type="lt">
-                                    <p:tmPct val="0"/>
-                                  </p:iterate>
-                                  <p:childTnLst>
-                                    <p:set>
-                                      <p:cBhvr>
-                                        <p:cTn id="6" dur="1" fill="hold">
-                                          <p:stCondLst>
-                                            <p:cond delay="0"/>
-                                          </p:stCondLst>
-                                        </p:cTn>
-                                        <p:tgtEl>
-                                          <p:spTgt spid="13"/>
-                                        </p:tgtEl>
-                                        <p:attrNameLst>
-                                          <p:attrName>style.visibility</p:attrName>
-                                        </p:attrNameLst>
-                                      </p:cBhvr>
-                                      <p:to>
-                                        <p:strVal val="visible"/>
-                                      </p:to>
-                                    </p:set>
-                                    <p:animEffect transition="in" filter="fade">
-                                      <p:cBhvr>
-                                        <p:cTn id="7" dur="500"/>
-                                        <p:tgtEl>
-                                          <p:spTgt spid="13"/>
-                                        </p:tgtEl>
-                                      </p:cBhvr>
-                                    </p:animEffect>
-                                  </p:childTnLst>
-                                </p:cTn>
-                              </p:par>
-                              <p:par>
-                                <p:cTn id="8" presetID="3" presetClass="emph" presetSubtype="2" fill="hold" grpId="1" nodeType="withEffect">
-                                  <p:stCondLst>
-                                    <p:cond delay="0"/>
-                                  </p:stCondLst>
-                                  <p:iterate type="lt">
-                                    <p:tmPct val="0"/>
-                                  </p:iterate>
-                                  <p:childTnLst>
-                                    <p:animClr clrSpc="rgb" dir="cw">
-                                      <p:cBhvr override="childStyle">
-                                        <p:cTn id="9" dur="900" fill="hold"/>
-                                        <p:tgtEl>
-                                          <p:spTgt spid="13"/>
-                                        </p:tgtEl>
-                                        <p:attrNameLst>
-                                          <p:attrName>style.color</p:attrName>
-                                        </p:attrNameLst>
-                                      </p:cBhvr>
-                                      <p:to>
-                                        <a:srgbClr val="FF0000"/>
-                                      </p:to>
-                                    </p:animClr>
-                                  </p:childTnLst>
-                                </p:cTn>
-                              </p:par>
-                              <p:par>
-                                <p:cTn id="10" presetID="15" presetClass="emph" presetSubtype="0" grpId="3" nodeType="withEffect">
-                                  <p:stCondLst>
-                                    <p:cond delay="0"/>
-                                  </p:stCondLst>
-                                  <p:iterate type="lt">
-                                    <p:tmAbs val="25"/>
-                                  </p:iterate>
-                                  <p:childTnLst>
-                                    <p:set>
-                                      <p:cBhvr override="childStyle">
-                                        <p:cTn id="11" dur="400"/>
-                                        <p:tgtEl>
-                                          <p:spTgt spid="13"/>
-                                        </p:tgtEl>
-                                        <p:attrNameLst>
-                                          <p:attrName>style.fontWeight</p:attrName>
-                                        </p:attrNameLst>
-                                      </p:cBhvr>
-                                      <p:to>
-                                        <p:strVal val="bold"/>
-                                      </p:to>
-                                    </p:set>
-                                  </p:childTnLst>
-                                </p:cTn>
-                              </p:par>
-                            </p:childTnLst>
-                          </p:cTn>
-                        </p:par>
-                      </p:childTnLst>
-                    </p:cTn>
-                  </p:par>
-                  <p:par>
-                    <p:cTn id="12" fill="hold">
-                      <p:stCondLst>
-                        <p:cond delay="indefinite"/>
-                      </p:stCondLst>
-                      <p:childTnLst>
-                        <p:par>
-                          <p:cTn id="13" fill="hold">
-                            <p:stCondLst>
-                              <p:cond delay="0"/>
-                            </p:stCondLst>
-                            <p:childTnLst>
-                              <p:par>
-                                <p:cTn id="14" presetID="3" presetClass="emph" presetSubtype="2" fill="hold" grpId="2" nodeType="clickEffect">
-                                  <p:stCondLst>
-                                    <p:cond delay="0"/>
-                                  </p:stCondLst>
-                                  <p:iterate type="lt">
-                                    <p:tmPct val="0"/>
-                                  </p:iterate>
-                                  <p:childTnLst>
-                                    <p:animClr clrSpc="rgb" dir="cw">
-                                      <p:cBhvr override="childStyle">
-                                        <p:cTn id="15" dur="1000" fill="hold"/>
-                                        <p:tgtEl>
-                                          <p:spTgt spid="13"/>
-                                        </p:tgtEl>
-                                        <p:attrNameLst>
-                                          <p:attrName>style.color</p:attrName>
-                                        </p:attrNameLst>
-                                      </p:cBhvr>
-                                      <p:to>
-                                        <a:srgbClr val="00B0F0"/>
-                                      </p:to>
-                                    </p:animClr>
-                                  </p:childTnLst>
-                                </p:cTn>
-                              </p:par>
-                            </p:childTnLst>
-                          </p:cTn>
-                        </p:par>
-                      </p:childTnLst>
-                    </p:cTn>
-                  </p:par>
-                  <p:par>
-                    <p:cTn id="16" fill="hold">
-                      <p:stCondLst>
-                        <p:cond delay="indefinite"/>
-                      </p:stCondLst>
-                      <p:childTnLst>
-                        <p:par>
-                          <p:cTn id="17" fill="hold">
-                            <p:stCondLst>
-                              <p:cond delay="0"/>
-                            </p:stCondLst>
-                            <p:childTnLst>
-                              <p:par>
-                                <p:cTn id="18" presetID="10" presetClass="entr" presetSubtype="0" fill="hold" grpId="0" nodeType="clickEffect">
-                                  <p:stCondLst>
-                                    <p:cond delay="0"/>
-                                  </p:stCondLst>
-                                  <p:iterate type="lt">
-                                    <p:tmPct val="0"/>
-                                  </p:iterate>
-                                  <p:childTnLst>
-                                    <p:set>
-                                      <p:cBhvr>
-                                        <p:cTn id="19" dur="1" fill="hold">
-                                          <p:stCondLst>
-                                            <p:cond delay="0"/>
-                                          </p:stCondLst>
-                                        </p:cTn>
-                                        <p:tgtEl>
-                                          <p:spTgt spid="18"/>
-                                        </p:tgtEl>
-                                        <p:attrNameLst>
-                                          <p:attrName>style.visibility</p:attrName>
-                                        </p:attrNameLst>
-                                      </p:cBhvr>
-                                      <p:to>
-                                        <p:strVal val="visible"/>
-                                      </p:to>
-                                    </p:set>
-                                    <p:animEffect transition="in" filter="fade">
-                                      <p:cBhvr>
-                                        <p:cTn id="20" dur="500"/>
-                                        <p:tgtEl>
-                                          <p:spTgt spid="18"/>
-                                        </p:tgtEl>
-                                      </p:cBhvr>
-                                    </p:animEffect>
-                                  </p:childTnLst>
-                                </p:cTn>
-                              </p:par>
-                              <p:par>
-                                <p:cTn id="21" presetID="3" presetClass="emph" presetSubtype="2" fill="hold" grpId="1" nodeType="withEffect">
-                                  <p:stCondLst>
-                                    <p:cond delay="0"/>
-                                  </p:stCondLst>
-                                  <p:iterate type="lt">
-                                    <p:tmPct val="0"/>
-                                  </p:iterate>
-                                  <p:childTnLst>
-                                    <p:animClr clrSpc="rgb" dir="cw">
-                                      <p:cBhvr override="childStyle">
-                                        <p:cTn id="22" dur="900" fill="hold"/>
-                                        <p:tgtEl>
-                                          <p:spTgt spid="18"/>
-                                        </p:tgtEl>
-                                        <p:attrNameLst>
-                                          <p:attrName>style.color</p:attrName>
-                                        </p:attrNameLst>
-                                      </p:cBhvr>
-                                      <p:to>
-                                        <a:srgbClr val="FF0000"/>
-                                      </p:to>
-                                    </p:animClr>
-                                  </p:childTnLst>
-                                </p:cTn>
-                              </p:par>
-                              <p:par>
-                                <p:cTn id="23" presetID="15" presetClass="emph" presetSubtype="0" grpId="3" nodeType="withEffect">
-                                  <p:stCondLst>
-                                    <p:cond delay="0"/>
-                                  </p:stCondLst>
-                                  <p:iterate type="lt">
-                                    <p:tmAbs val="25"/>
-                                  </p:iterate>
-                                  <p:childTnLst>
-                                    <p:set>
-                                      <p:cBhvr override="childStyle">
-                                        <p:cTn id="24" dur="1000"/>
-                                        <p:tgtEl>
-                                          <p:spTgt spid="18"/>
-                                        </p:tgtEl>
-                                        <p:attrNameLst>
-                                          <p:attrName>style.fontWeight</p:attrName>
-                                        </p:attrNameLst>
-                                      </p:cBhvr>
-                                      <p:to>
-                                        <p:strVal val="bold"/>
-                                      </p:to>
-                                    </p:set>
-                                  </p:childTnLst>
-                                </p:cTn>
-                              </p:par>
-                            </p:childTnLst>
-                          </p:cTn>
-                        </p:par>
-                      </p:childTnLst>
-                    </p:cTn>
-                  </p:par>
-                  <p:par>
-                    <p:cTn id="25" fill="hold">
-                      <p:stCondLst>
-                        <p:cond delay="indefinite"/>
-                      </p:stCondLst>
-                      <p:childTnLst>
-                        <p:par>
-                          <p:cTn id="26" fill="hold">
-                            <p:stCondLst>
-                              <p:cond delay="0"/>
-                            </p:stCondLst>
-                            <p:childTnLst>
-                              <p:par>
-                                <p:cTn id="27" presetID="3" presetClass="emph" presetSubtype="2" fill="hold" grpId="2" nodeType="clickEffect">
-                                  <p:stCondLst>
-                                    <p:cond delay="0"/>
-                                  </p:stCondLst>
-                                  <p:iterate type="lt">
-                                    <p:tmPct val="0"/>
-                                  </p:iterate>
-                                  <p:childTnLst>
-                                    <p:animClr clrSpc="rgb" dir="cw">
-                                      <p:cBhvr override="childStyle">
-                                        <p:cTn id="28" dur="1000" fill="hold"/>
-                                        <p:tgtEl>
-                                          <p:spTgt spid="18"/>
-                                        </p:tgtEl>
-                                        <p:attrNameLst>
-                                          <p:attrName>style.color</p:attrName>
-                                        </p:attrNameLst>
-                                      </p:cBhvr>
-                                      <p:to>
-                                        <a:srgbClr val="00B0F0"/>
-                                      </p:to>
-                                    </p:animClr>
-                                  </p:childTnLst>
-                                </p:cTn>
-                              </p:par>
-                            </p:childTnLst>
-                          </p:cTn>
-                        </p:par>
-                      </p:childTnLst>
-                    </p:cTn>
-                  </p:par>
-                  <p:par>
-                    <p:cTn id="29" fill="hold">
-                      <p:stCondLst>
-                        <p:cond delay="indefinite"/>
-                      </p:stCondLst>
-                      <p:childTnLst>
-                        <p:par>
-                          <p:cTn id="30" fill="hold">
-                            <p:stCondLst>
-                              <p:cond delay="0"/>
-                            </p:stCondLst>
-                            <p:childTnLst>
-                              <p:par>
-                                <p:cTn id="31" presetID="22" presetClass="entr" presetSubtype="1" fill="hold" nodeType="clickEffect">
-                                  <p:stCondLst>
-                                    <p:cond delay="0"/>
-                                  </p:stCondLst>
-                                  <p:childTnLst>
-                                    <p:set>
-                                      <p:cBhvr>
-                                        <p:cTn id="32" dur="1" fill="hold">
-                                          <p:stCondLst>
-                                            <p:cond delay="0"/>
-                                          </p:stCondLst>
-                                        </p:cTn>
-                                        <p:tgtEl>
-                                          <p:spTgt spid="5"/>
-                                        </p:tgtEl>
-                                        <p:attrNameLst>
-                                          <p:attrName>style.visibility</p:attrName>
-                                        </p:attrNameLst>
-                                      </p:cBhvr>
-                                      <p:to>
-                                        <p:strVal val="visible"/>
-                                      </p:to>
-                                    </p:set>
-                                    <p:animEffect transition="in" filter="wipe(up)">
-                                      <p:cBhvr>
-                                        <p:cTn id="33" dur="500"/>
-                                        <p:tgtEl>
-                                          <p:spTgt spid="5"/>
-                                        </p:tgtEl>
-                                      </p:cBhvr>
-                                    </p:animEffect>
-                                  </p:childTnLst>
-                                </p:cTn>
-                              </p:par>
-                            </p:childTnLst>
-                          </p:cTn>
-                        </p:par>
-                      </p:childTnLst>
-                    </p:cTn>
-                  </p:par>
-                  <p:par>
-                    <p:cTn id="34" fill="hold">
-                      <p:stCondLst>
-                        <p:cond delay="indefinite"/>
-                      </p:stCondLst>
-                      <p:childTnLst>
-                        <p:par>
-                          <p:cTn id="35" fill="hold">
-                            <p:stCondLst>
-                              <p:cond delay="0"/>
-                            </p:stCondLst>
-                            <p:childTnLst>
-                              <p:par>
-                                <p:cTn id="36" presetID="10" presetClass="entr" presetSubtype="0" fill="hold" grpId="0" nodeType="clickEffect">
-                                  <p:stCondLst>
-                                    <p:cond delay="0"/>
-                                  </p:stCondLst>
-                                  <p:childTnLst>
-                                    <p:set>
-                                      <p:cBhvr>
-                                        <p:cTn id="37" dur="1" fill="hold">
-                                          <p:stCondLst>
-                                            <p:cond delay="0"/>
-                                          </p:stCondLst>
-                                        </p:cTn>
-                                        <p:tgtEl>
-                                          <p:spTgt spid="6">
-                                            <p:txEl>
-                                              <p:pRg st="0" end="0"/>
-                                            </p:txEl>
-                                          </p:spTgt>
-                                        </p:tgtEl>
-                                        <p:attrNameLst>
-                                          <p:attrName>style.visibility</p:attrName>
-                                        </p:attrNameLst>
-                                      </p:cBhvr>
-                                      <p:to>
-                                        <p:strVal val="visible"/>
-                                      </p:to>
-                                    </p:set>
-                                    <p:animEffect transition="in" filter="fade">
-                                      <p:cBhvr>
-                                        <p:cTn id="38" dur="500"/>
-                                        <p:tgtEl>
-                                          <p:spTgt spid="6">
-                                            <p:txEl>
-                                              <p:pRg st="0" end="0"/>
-                                            </p:txEl>
-                                          </p:spTgt>
-                                        </p:tgtEl>
-                                      </p:cBhvr>
-                                    </p:animEffect>
-                                  </p:childTnLst>
-                                </p:cTn>
-                              </p:par>
-                            </p:childTnLst>
-                          </p:cTn>
-                        </p:par>
-                      </p:childTnLst>
-                    </p:cTn>
-                  </p:par>
-                  <p:par>
-                    <p:cTn id="39" fill="hold">
-                      <p:stCondLst>
-                        <p:cond delay="indefinite"/>
-                      </p:stCondLst>
-                      <p:childTnLst>
-                        <p:par>
-                          <p:cTn id="40" fill="hold">
-                            <p:stCondLst>
-                              <p:cond delay="0"/>
-                            </p:stCondLst>
-                            <p:childTnLst>
-                              <p:par>
-                                <p:cTn id="41" presetID="10" presetClass="entr" presetSubtype="0" fill="hold" grpId="0" nodeType="clickEffect">
-                                  <p:stCondLst>
-                                    <p:cond delay="0"/>
-                                  </p:stCondLst>
-                                  <p:childTnLst>
-                                    <p:set>
-                                      <p:cBhvr>
-                                        <p:cTn id="42" dur="1" fill="hold">
-                                          <p:stCondLst>
-                                            <p:cond delay="0"/>
-                                          </p:stCondLst>
-                                        </p:cTn>
-                                        <p:tgtEl>
-                                          <p:spTgt spid="19">
-                                            <p:txEl>
-                                              <p:pRg st="0" end="0"/>
-                                            </p:txEl>
-                                          </p:spTgt>
-                                        </p:tgtEl>
-                                        <p:attrNameLst>
-                                          <p:attrName>style.visibility</p:attrName>
-                                        </p:attrNameLst>
-                                      </p:cBhvr>
-                                      <p:to>
-                                        <p:strVal val="visible"/>
-                                      </p:to>
-                                    </p:set>
-                                    <p:animEffect transition="in" filter="fade">
-                                      <p:cBhvr>
-                                        <p:cTn id="43" dur="500"/>
-                                        <p:tgtEl>
-                                          <p:spTgt spid="19">
-                                            <p:txEl>
-                                              <p:pRg st="0" end="0"/>
-                                            </p:txEl>
-                                          </p:spTgt>
-                                        </p:tgtEl>
-                                      </p:cBhvr>
-                                    </p:animEffect>
-                                  </p:childTnLst>
-                                </p:cTn>
-                              </p:par>
-                            </p:childTnLst>
-                          </p:cTn>
-                        </p:par>
-                      </p:childTnLst>
-                    </p:cTn>
-                  </p:par>
-                  <p:par>
-                    <p:cTn id="44" fill="hold">
-                      <p:stCondLst>
-                        <p:cond delay="indefinite"/>
-                      </p:stCondLst>
-                      <p:childTnLst>
-                        <p:par>
-                          <p:cTn id="45" fill="hold">
-                            <p:stCondLst>
-                              <p:cond delay="0"/>
-                            </p:stCondLst>
-                            <p:childTnLst>
-                              <p:par>
-                                <p:cTn id="46" presetID="10" presetClass="entr" presetSubtype="0" fill="hold" grpId="0" nodeType="clickEffect">
-                                  <p:stCondLst>
-                                    <p:cond delay="0"/>
-                                  </p:stCondLst>
-                                  <p:childTnLst>
-                                    <p:set>
-                                      <p:cBhvr>
-                                        <p:cTn id="47" dur="1" fill="hold">
-                                          <p:stCondLst>
-                                            <p:cond delay="0"/>
-                                          </p:stCondLst>
-                                        </p:cTn>
-                                        <p:tgtEl>
-                                          <p:spTgt spid="6">
-                                            <p:txEl>
-                                              <p:pRg st="1" end="1"/>
-                                            </p:txEl>
-                                          </p:spTgt>
-                                        </p:tgtEl>
-                                        <p:attrNameLst>
-                                          <p:attrName>style.visibility</p:attrName>
-                                        </p:attrNameLst>
-                                      </p:cBhvr>
-                                      <p:to>
-                                        <p:strVal val="visible"/>
-                                      </p:to>
-                                    </p:set>
-                                    <p:animEffect transition="in" filter="fade">
-                                      <p:cBhvr>
-                                        <p:cTn id="48" dur="500"/>
-                                        <p:tgtEl>
-                                          <p:spTgt spid="6">
-                                            <p:txEl>
-                                              <p:pRg st="1" end="1"/>
-                                            </p:txEl>
-                                          </p:spTgt>
-                                        </p:tgtEl>
-                                      </p:cBhvr>
-                                    </p:animEffect>
-                                  </p:childTnLst>
-                                </p:cTn>
-                              </p:par>
-                            </p:childTnLst>
-                          </p:cTn>
-                        </p:par>
-                      </p:childTnLst>
-                    </p:cTn>
-                  </p:par>
-                  <p:par>
-                    <p:cTn id="49" fill="hold">
-                      <p:stCondLst>
-                        <p:cond delay="indefinite"/>
-                      </p:stCondLst>
-                      <p:childTnLst>
-                        <p:par>
-                          <p:cTn id="50" fill="hold">
-                            <p:stCondLst>
-                              <p:cond delay="0"/>
-                            </p:stCondLst>
-                            <p:childTnLst>
-                              <p:par>
-                                <p:cTn id="51" presetID="10" presetClass="entr" presetSubtype="0" fill="hold" grpId="0" nodeType="clickEffect">
-                                  <p:stCondLst>
-                                    <p:cond delay="0"/>
-                                  </p:stCondLst>
-                                  <p:childTnLst>
-                                    <p:set>
-                                      <p:cBhvr>
-                                        <p:cTn id="52" dur="1" fill="hold">
-                                          <p:stCondLst>
-                                            <p:cond delay="0"/>
-                                          </p:stCondLst>
-                                        </p:cTn>
-                                        <p:tgtEl>
-                                          <p:spTgt spid="19">
-                                            <p:txEl>
-                                              <p:pRg st="1" end="1"/>
-                                            </p:txEl>
-                                          </p:spTgt>
-                                        </p:tgtEl>
-                                        <p:attrNameLst>
-                                          <p:attrName>style.visibility</p:attrName>
-                                        </p:attrNameLst>
-                                      </p:cBhvr>
-                                      <p:to>
-                                        <p:strVal val="visible"/>
-                                      </p:to>
-                                    </p:set>
-                                    <p:animEffect transition="in" filter="fade">
-                                      <p:cBhvr>
-                                        <p:cTn id="53" dur="500"/>
-                                        <p:tgtEl>
-                                          <p:spTgt spid="19">
-                                            <p:txEl>
-                                              <p:pRg st="1" end="1"/>
-                                            </p:txEl>
-                                          </p:spTgt>
-                                        </p:tgtEl>
-                                      </p:cBhvr>
-                                    </p:animEffect>
-                                  </p:childTnLst>
-                                </p:cTn>
-                              </p:par>
-                            </p:childTnLst>
-                          </p:cTn>
-                        </p:par>
-                      </p:childTnLst>
-                    </p:cTn>
-                  </p:par>
-                  <p:par>
-                    <p:cTn id="54" fill="hold">
-                      <p:stCondLst>
-                        <p:cond delay="indefinite"/>
-                      </p:stCondLst>
-                      <p:childTnLst>
-                        <p:par>
-                          <p:cTn id="55" fill="hold">
-                            <p:stCondLst>
-                              <p:cond delay="0"/>
-                            </p:stCondLst>
-                            <p:childTnLst>
-                              <p:par>
-                                <p:cTn id="56" presetID="10" presetClass="entr" presetSubtype="0" fill="hold" grpId="0" nodeType="clickEffect">
-                                  <p:stCondLst>
-                                    <p:cond delay="0"/>
-                                  </p:stCondLst>
-                                  <p:childTnLst>
-                                    <p:set>
-                                      <p:cBhvr>
-                                        <p:cTn id="57" dur="1" fill="hold">
-                                          <p:stCondLst>
-                                            <p:cond delay="0"/>
-                                          </p:stCondLst>
-                                        </p:cTn>
-                                        <p:tgtEl>
-                                          <p:spTgt spid="6">
-                                            <p:txEl>
-                                              <p:pRg st="2" end="2"/>
-                                            </p:txEl>
-                                          </p:spTgt>
-                                        </p:tgtEl>
-                                        <p:attrNameLst>
-                                          <p:attrName>style.visibility</p:attrName>
-                                        </p:attrNameLst>
-                                      </p:cBhvr>
-                                      <p:to>
-                                        <p:strVal val="visible"/>
-                                      </p:to>
-                                    </p:set>
-                                    <p:animEffect transition="in" filter="fade">
-                                      <p:cBhvr>
-                                        <p:cTn id="58" dur="500"/>
-                                        <p:tgtEl>
-                                          <p:spTgt spid="6">
-                                            <p:txEl>
-                                              <p:pRg st="2" end="2"/>
-                                            </p:txEl>
-                                          </p:spTgt>
-                                        </p:tgtEl>
-                                      </p:cBhvr>
-                                    </p:animEffect>
-                                  </p:childTnLst>
-                                </p:cTn>
-                              </p:par>
-                            </p:childTnLst>
-                          </p:cTn>
-                        </p:par>
-                      </p:childTnLst>
-                    </p:cTn>
-                  </p:par>
-                  <p:par>
-                    <p:cTn id="59" fill="hold">
-                      <p:stCondLst>
-                        <p:cond delay="indefinite"/>
-                      </p:stCondLst>
-                      <p:childTnLst>
-                        <p:par>
-                          <p:cTn id="60" fill="hold">
-                            <p:stCondLst>
-                              <p:cond delay="0"/>
-                            </p:stCondLst>
-                            <p:childTnLst>
-                              <p:par>
-                                <p:cTn id="61" presetID="10" presetClass="entr" presetSubtype="0" fill="hold" grpId="0" nodeType="clickEffect">
-                                  <p:stCondLst>
-                                    <p:cond delay="0"/>
-                                  </p:stCondLst>
-                                  <p:childTnLst>
-                                    <p:set>
-                                      <p:cBhvr>
-                                        <p:cTn id="62" dur="1" fill="hold">
-                                          <p:stCondLst>
-                                            <p:cond delay="0"/>
-                                          </p:stCondLst>
-                                        </p:cTn>
-                                        <p:tgtEl>
-                                          <p:spTgt spid="19">
-                                            <p:txEl>
-                                              <p:pRg st="2" end="2"/>
-                                            </p:txEl>
-                                          </p:spTgt>
-                                        </p:tgtEl>
-                                        <p:attrNameLst>
-                                          <p:attrName>style.visibility</p:attrName>
-                                        </p:attrNameLst>
-                                      </p:cBhvr>
-                                      <p:to>
-                                        <p:strVal val="visible"/>
-                                      </p:to>
-                                    </p:set>
-                                    <p:animEffect transition="in" filter="fade">
-                                      <p:cBhvr>
-                                        <p:cTn id="63" dur="500"/>
-                                        <p:tgtEl>
-                                          <p:spTgt spid="19">
-                                            <p:txEl>
-                                              <p:pRg st="2" end="2"/>
-                                            </p:txEl>
-                                          </p:spTgt>
-                                        </p:tgtEl>
-                                      </p:cBhvr>
-                                    </p:animEffect>
-                                  </p:childTnLst>
-                                </p:cTn>
-                              </p:par>
-                            </p:childTnLst>
-                          </p:cTn>
-                        </p:par>
-                      </p:childTnLst>
-                    </p:cTn>
-                  </p:par>
-                  <p:par>
-                    <p:cTn id="64" fill="hold">
-                      <p:stCondLst>
-                        <p:cond delay="indefinite"/>
-                      </p:stCondLst>
-                      <p:childTnLst>
-                        <p:par>
-                          <p:cTn id="65" fill="hold">
-                            <p:stCondLst>
-                              <p:cond delay="0"/>
-                            </p:stCondLst>
-                            <p:childTnLst>
-                              <p:par>
-                                <p:cTn id="66" presetID="10" presetClass="entr" presetSubtype="0" fill="hold" grpId="0" nodeType="clickEffect">
-                                  <p:stCondLst>
-                                    <p:cond delay="0"/>
-                                  </p:stCondLst>
-                                  <p:childTnLst>
-                                    <p:set>
-                                      <p:cBhvr>
-                                        <p:cTn id="67" dur="1" fill="hold">
-                                          <p:stCondLst>
-                                            <p:cond delay="0"/>
-                                          </p:stCondLst>
-                                        </p:cTn>
-                                        <p:tgtEl>
-                                          <p:spTgt spid="6">
-                                            <p:txEl>
-                                              <p:pRg st="3" end="3"/>
-                                            </p:txEl>
-                                          </p:spTgt>
-                                        </p:tgtEl>
-                                        <p:attrNameLst>
-                                          <p:attrName>style.visibility</p:attrName>
-                                        </p:attrNameLst>
-                                      </p:cBhvr>
-                                      <p:to>
-                                        <p:strVal val="visible"/>
-                                      </p:to>
-                                    </p:set>
-                                    <p:animEffect transition="in" filter="fade">
-                                      <p:cBhvr>
-                                        <p:cTn id="68" dur="500"/>
-                                        <p:tgtEl>
-                                          <p:spTgt spid="6">
-                                            <p:txEl>
-                                              <p:pRg st="3" end="3"/>
-                                            </p:txEl>
-                                          </p:spTgt>
-                                        </p:tgtEl>
-                                      </p:cBhvr>
-                                    </p:animEffect>
-                                  </p:childTnLst>
-                                </p:cTn>
-                              </p:par>
-                            </p:childTnLst>
-                          </p:cTn>
-                        </p:par>
-                      </p:childTnLst>
-                    </p:cTn>
-                  </p:par>
-                  <p:par>
-                    <p:cTn id="69" fill="hold">
-                      <p:stCondLst>
-                        <p:cond delay="indefinite"/>
-                      </p:stCondLst>
-                      <p:childTnLst>
-                        <p:par>
-                          <p:cTn id="70" fill="hold">
-                            <p:stCondLst>
-                              <p:cond delay="0"/>
-                            </p:stCondLst>
-                            <p:childTnLst>
-                              <p:par>
-                                <p:cTn id="71" presetID="10" presetClass="entr" presetSubtype="0" fill="hold" grpId="0" nodeType="clickEffect">
-                                  <p:stCondLst>
-                                    <p:cond delay="0"/>
-                                  </p:stCondLst>
-                                  <p:childTnLst>
-                                    <p:set>
-                                      <p:cBhvr>
-                                        <p:cTn id="72" dur="1" fill="hold">
-                                          <p:stCondLst>
-                                            <p:cond delay="0"/>
-                                          </p:stCondLst>
-                                        </p:cTn>
-                                        <p:tgtEl>
-                                          <p:spTgt spid="19">
-                                            <p:txEl>
-                                              <p:pRg st="3" end="3"/>
-                                            </p:txEl>
-                                          </p:spTgt>
-                                        </p:tgtEl>
-                                        <p:attrNameLst>
-                                          <p:attrName>style.visibility</p:attrName>
-                                        </p:attrNameLst>
-                                      </p:cBhvr>
-                                      <p:to>
-                                        <p:strVal val="visible"/>
-                                      </p:to>
-                                    </p:set>
-                                    <p:animEffect transition="in" filter="fade">
-                                      <p:cBhvr>
-                                        <p:cTn id="73" dur="500"/>
-                                        <p:tgtEl>
-                                          <p:spTgt spid="19">
-                                            <p:txEl>
-                                              <p:pRg st="3" end="3"/>
-                                            </p:txEl>
-                                          </p:spTgt>
-                                        </p:tgtEl>
-                                      </p:cBhvr>
-                                    </p:animEffect>
-                                  </p:childTnLst>
-                                </p:cTn>
-                              </p:par>
-                            </p:childTnLst>
-                          </p:cTn>
-                        </p:par>
-                      </p:childTnLst>
-                    </p:cTn>
-                  </p:par>
-                  <p:par>
-                    <p:cTn id="74" fill="hold">
-                      <p:stCondLst>
-                        <p:cond delay="indefinite"/>
-                      </p:stCondLst>
-                      <p:childTnLst>
-                        <p:par>
-                          <p:cTn id="75" fill="hold">
-                            <p:stCondLst>
-                              <p:cond delay="0"/>
-                            </p:stCondLst>
-                            <p:childTnLst>
-                              <p:par>
-                                <p:cTn id="76" presetID="10" presetClass="entr" presetSubtype="0" fill="hold" grpId="0" nodeType="clickEffect">
-                                  <p:stCondLst>
-                                    <p:cond delay="0"/>
-                                  </p:stCondLst>
-                                  <p:childTnLst>
-                                    <p:set>
-                                      <p:cBhvr>
-                                        <p:cTn id="77" dur="1" fill="hold">
-                                          <p:stCondLst>
-                                            <p:cond delay="0"/>
-                                          </p:stCondLst>
-                                        </p:cTn>
-                                        <p:tgtEl>
-                                          <p:spTgt spid="6">
-                                            <p:txEl>
-                                              <p:pRg st="4" end="4"/>
-                                            </p:txEl>
-                                          </p:spTgt>
-                                        </p:tgtEl>
-                                        <p:attrNameLst>
-                                          <p:attrName>style.visibility</p:attrName>
-                                        </p:attrNameLst>
-                                      </p:cBhvr>
-                                      <p:to>
-                                        <p:strVal val="visible"/>
-                                      </p:to>
-                                    </p:set>
-                                    <p:animEffect transition="in" filter="fade">
-                                      <p:cBhvr>
-                                        <p:cTn id="78" dur="500"/>
-                                        <p:tgtEl>
-                                          <p:spTgt spid="6">
-                                            <p:txEl>
-                                              <p:pRg st="4" end="4"/>
-                                            </p:txEl>
-                                          </p:spTgt>
-                                        </p:tgtEl>
-                                      </p:cBhvr>
-                                    </p:animEffect>
-                                  </p:childTnLst>
-                                </p:cTn>
-                              </p:par>
-                            </p:childTnLst>
-                          </p:cTn>
-                        </p:par>
-                      </p:childTnLst>
-                    </p:cTn>
-                  </p:par>
-                  <p:par>
-                    <p:cTn id="79" fill="hold">
-                      <p:stCondLst>
-                        <p:cond delay="indefinite"/>
-                      </p:stCondLst>
-                      <p:childTnLst>
-                        <p:par>
-                          <p:cTn id="80" fill="hold">
-                            <p:stCondLst>
-                              <p:cond delay="0"/>
-                            </p:stCondLst>
-                            <p:childTnLst>
-                              <p:par>
-                                <p:cTn id="81" presetID="10" presetClass="entr" presetSubtype="0" fill="hold" grpId="0" nodeType="clickEffect">
-                                  <p:stCondLst>
-                                    <p:cond delay="0"/>
-                                  </p:stCondLst>
-                                  <p:childTnLst>
-                                    <p:set>
-                                      <p:cBhvr>
-                                        <p:cTn id="82" dur="1" fill="hold">
-                                          <p:stCondLst>
-                                            <p:cond delay="0"/>
-                                          </p:stCondLst>
-                                        </p:cTn>
-                                        <p:tgtEl>
-                                          <p:spTgt spid="19">
-                                            <p:txEl>
-                                              <p:pRg st="4" end="4"/>
-                                            </p:txEl>
-                                          </p:spTgt>
-                                        </p:tgtEl>
-                                        <p:attrNameLst>
-                                          <p:attrName>style.visibility</p:attrName>
-                                        </p:attrNameLst>
-                                      </p:cBhvr>
-                                      <p:to>
-                                        <p:strVal val="visible"/>
-                                      </p:to>
-                                    </p:set>
-                                    <p:animEffect transition="in" filter="fade">
-                                      <p:cBhvr>
-                                        <p:cTn id="83" dur="500"/>
-                                        <p:tgtEl>
-                                          <p:spTgt spid="19">
-                                            <p:txEl>
-                                              <p:pRg st="4" end="4"/>
-                                            </p:txEl>
-                                          </p:spTgt>
-                                        </p:tgtEl>
-                                      </p:cBhvr>
-                                    </p:animEffect>
-                                  </p:childTnLst>
-                                </p:cTn>
-                              </p:par>
-                            </p:childTnLst>
-                          </p:cTn>
-                        </p:par>
-                      </p:childTnLst>
-                    </p:cTn>
-                  </p:par>
-                  <p:par>
-                    <p:cTn id="84" fill="hold">
-                      <p:stCondLst>
-                        <p:cond delay="indefinite"/>
-                      </p:stCondLst>
-                      <p:childTnLst>
-                        <p:par>
-                          <p:cTn id="85" fill="hold">
-                            <p:stCondLst>
-                              <p:cond delay="0"/>
-                            </p:stCondLst>
-                            <p:childTnLst>
-                              <p:par>
-                                <p:cTn id="86" presetID="10" presetClass="entr" presetSubtype="0" fill="hold" grpId="0" nodeType="clickEffect">
-                                  <p:stCondLst>
-                                    <p:cond delay="0"/>
-                                  </p:stCondLst>
-                                  <p:childTnLst>
-                                    <p:set>
-                                      <p:cBhvr>
-                                        <p:cTn id="87" dur="1" fill="hold">
-                                          <p:stCondLst>
-                                            <p:cond delay="0"/>
-                                          </p:stCondLst>
-                                        </p:cTn>
-                                        <p:tgtEl>
-                                          <p:spTgt spid="6">
-                                            <p:txEl>
-                                              <p:pRg st="5" end="5"/>
-                                            </p:txEl>
-                                          </p:spTgt>
-                                        </p:tgtEl>
-                                        <p:attrNameLst>
-                                          <p:attrName>style.visibility</p:attrName>
-                                        </p:attrNameLst>
-                                      </p:cBhvr>
-                                      <p:to>
-                                        <p:strVal val="visible"/>
-                                      </p:to>
-                                    </p:set>
-                                    <p:animEffect transition="in" filter="fade">
-                                      <p:cBhvr>
-                                        <p:cTn id="88" dur="500"/>
-                                        <p:tgtEl>
-                                          <p:spTgt spid="6">
-                                            <p:txEl>
-                                              <p:pRg st="5" end="5"/>
-                                            </p:txEl>
-                                          </p:spTgt>
-                                        </p:tgtEl>
-                                      </p:cBhvr>
-                                    </p:animEffect>
-                                  </p:childTnLst>
-                                </p:cTn>
-                              </p:par>
-                            </p:childTnLst>
-                          </p:cTn>
-                        </p:par>
-                      </p:childTnLst>
-                    </p:cTn>
-                  </p:par>
-                  <p:par>
-                    <p:cTn id="89" fill="hold">
-                      <p:stCondLst>
-                        <p:cond delay="indefinite"/>
-                      </p:stCondLst>
-                      <p:childTnLst>
-                        <p:par>
-                          <p:cTn id="90" fill="hold">
-                            <p:stCondLst>
-                              <p:cond delay="0"/>
-                            </p:stCondLst>
-                            <p:childTnLst>
-                              <p:par>
-                                <p:cTn id="91" presetID="10" presetClass="entr" presetSubtype="0" fill="hold" grpId="0" nodeType="clickEffect">
-                                  <p:stCondLst>
-                                    <p:cond delay="0"/>
-                                  </p:stCondLst>
-                                  <p:childTnLst>
-                                    <p:set>
-                                      <p:cBhvr>
-                                        <p:cTn id="92" dur="1" fill="hold">
-                                          <p:stCondLst>
-                                            <p:cond delay="0"/>
-                                          </p:stCondLst>
-                                        </p:cTn>
-                                        <p:tgtEl>
-                                          <p:spTgt spid="19">
-                                            <p:txEl>
-                                              <p:pRg st="5" end="5"/>
-                                            </p:txEl>
-                                          </p:spTgt>
-                                        </p:tgtEl>
-                                        <p:attrNameLst>
-                                          <p:attrName>style.visibility</p:attrName>
-                                        </p:attrNameLst>
-                                      </p:cBhvr>
-                                      <p:to>
-                                        <p:strVal val="visible"/>
-                                      </p:to>
-                                    </p:set>
-                                    <p:animEffect transition="in" filter="fade">
-                                      <p:cBhvr>
-                                        <p:cTn id="93" dur="500"/>
-                                        <p:tgtEl>
-                                          <p:spTgt spid="19">
-                                            <p:txEl>
-                                              <p:pRg st="5" end="5"/>
-                                            </p:txEl>
-                                          </p:spTgt>
-                                        </p:tgtEl>
-                                      </p:cBhvr>
-                                    </p:animEffect>
-                                  </p:childTnLst>
-                                </p:cTn>
-                              </p:par>
-                            </p:childTnLst>
-                          </p:cTn>
-                        </p:par>
-                      </p:childTnLst>
-                    </p:cTn>
-                  </p:par>
-                  <p:par>
-                    <p:cTn id="94" fill="hold">
-                      <p:stCondLst>
-                        <p:cond delay="indefinite"/>
-                      </p:stCondLst>
-                      <p:childTnLst>
-                        <p:par>
-                          <p:cTn id="95" fill="hold">
-                            <p:stCondLst>
-                              <p:cond delay="0"/>
-                            </p:stCondLst>
-                            <p:childTnLst>
-                              <p:par>
-                                <p:cTn id="96" presetID="10" presetClass="entr" presetSubtype="0" fill="hold" grpId="0" nodeType="clickEffect">
-                                  <p:stCondLst>
-                                    <p:cond delay="0"/>
-                                  </p:stCondLst>
-                                  <p:childTnLst>
-                                    <p:set>
-                                      <p:cBhvr>
-                                        <p:cTn id="97" dur="1" fill="hold">
-                                          <p:stCondLst>
-                                            <p:cond delay="0"/>
-                                          </p:stCondLst>
-                                        </p:cTn>
-                                        <p:tgtEl>
-                                          <p:spTgt spid="6">
-                                            <p:txEl>
-                                              <p:pRg st="6" end="6"/>
-                                            </p:txEl>
-                                          </p:spTgt>
-                                        </p:tgtEl>
-                                        <p:attrNameLst>
-                                          <p:attrName>style.visibility</p:attrName>
-                                        </p:attrNameLst>
-                                      </p:cBhvr>
-                                      <p:to>
-                                        <p:strVal val="visible"/>
-                                      </p:to>
-                                    </p:set>
-                                    <p:animEffect transition="in" filter="fade">
-                                      <p:cBhvr>
-                                        <p:cTn id="98" dur="500"/>
-                                        <p:tgtEl>
-                                          <p:spTgt spid="6">
-                                            <p:txEl>
-                                              <p:pRg st="6" end="6"/>
-                                            </p:txEl>
-                                          </p:spTgt>
-                                        </p:tgtEl>
-                                      </p:cBhvr>
-                                    </p:animEffect>
-                                  </p:childTnLst>
-                                </p:cTn>
-                              </p:par>
-                            </p:childTnLst>
-                          </p:cTn>
-                        </p:par>
-                      </p:childTnLst>
-                    </p:cTn>
-                  </p:par>
-                  <p:par>
-                    <p:cTn id="99" fill="hold">
-                      <p:stCondLst>
-                        <p:cond delay="indefinite"/>
-                      </p:stCondLst>
-                      <p:childTnLst>
-                        <p:par>
-                          <p:cTn id="100" fill="hold">
-                            <p:stCondLst>
-                              <p:cond delay="0"/>
-                            </p:stCondLst>
-                            <p:childTnLst>
-                              <p:par>
-                                <p:cTn id="101" presetID="10" presetClass="entr" presetSubtype="0" fill="hold" grpId="0" nodeType="clickEffect">
-                                  <p:stCondLst>
-                                    <p:cond delay="0"/>
-                                  </p:stCondLst>
-                                  <p:childTnLst>
-                                    <p:set>
-                                      <p:cBhvr>
-                                        <p:cTn id="102" dur="1" fill="hold">
-                                          <p:stCondLst>
-                                            <p:cond delay="0"/>
-                                          </p:stCondLst>
-                                        </p:cTn>
-                                        <p:tgtEl>
-                                          <p:spTgt spid="19">
-                                            <p:txEl>
-                                              <p:pRg st="6" end="6"/>
-                                            </p:txEl>
-                                          </p:spTgt>
-                                        </p:tgtEl>
-                                        <p:attrNameLst>
-                                          <p:attrName>style.visibility</p:attrName>
-                                        </p:attrNameLst>
-                                      </p:cBhvr>
-                                      <p:to>
-                                        <p:strVal val="visible"/>
-                                      </p:to>
-                                    </p:set>
-                                    <p:animEffect transition="in" filter="fade">
-                                      <p:cBhvr>
-                                        <p:cTn id="103" dur="500"/>
-                                        <p:tgtEl>
-                                          <p:spTgt spid="19">
-                                            <p:txEl>
-                                              <p:pRg st="6" end="6"/>
-                                            </p:txEl>
-                                          </p:spTgt>
-                                        </p:tgtEl>
-                                      </p:cBhvr>
-                                    </p:animEffect>
-                                  </p:childTnLst>
-                                </p:cTn>
-                              </p:par>
-                            </p:childTnLst>
-                          </p:cTn>
-                        </p:par>
-                      </p:childTnLst>
-                    </p:cTn>
-                  </p:par>
-                  <p:par>
-                    <p:cTn id="104" fill="hold">
-                      <p:stCondLst>
-                        <p:cond delay="indefinite"/>
-                      </p:stCondLst>
-                      <p:childTnLst>
-                        <p:par>
-                          <p:cTn id="105" fill="hold">
-                            <p:stCondLst>
-                              <p:cond delay="0"/>
-                            </p:stCondLst>
-                            <p:childTnLst>
-                              <p:par>
-                                <p:cTn id="106" presetID="10" presetClass="entr" presetSubtype="0" fill="hold" grpId="0" nodeType="clickEffect">
-                                  <p:stCondLst>
-                                    <p:cond delay="0"/>
-                                  </p:stCondLst>
-                                  <p:childTnLst>
-                                    <p:set>
-                                      <p:cBhvr>
-                                        <p:cTn id="107" dur="1" fill="hold">
-                                          <p:stCondLst>
-                                            <p:cond delay="0"/>
-                                          </p:stCondLst>
-                                        </p:cTn>
-                                        <p:tgtEl>
-                                          <p:spTgt spid="6">
-                                            <p:txEl>
-                                              <p:pRg st="7" end="7"/>
-                                            </p:txEl>
-                                          </p:spTgt>
-                                        </p:tgtEl>
-                                        <p:attrNameLst>
-                                          <p:attrName>style.visibility</p:attrName>
-                                        </p:attrNameLst>
-                                      </p:cBhvr>
-                                      <p:to>
-                                        <p:strVal val="visible"/>
-                                      </p:to>
-                                    </p:set>
-                                    <p:animEffect transition="in" filter="fade">
-                                      <p:cBhvr>
-                                        <p:cTn id="108" dur="500"/>
-                                        <p:tgtEl>
-                                          <p:spTgt spid="6">
-                                            <p:txEl>
-                                              <p:pRg st="7" end="7"/>
-                                            </p:txEl>
-                                          </p:spTgt>
-                                        </p:tgtEl>
-                                      </p:cBhvr>
-                                    </p:animEffect>
-                                  </p:childTnLst>
-                                </p:cTn>
-                              </p:par>
-                            </p:childTnLst>
-                          </p:cTn>
-                        </p:par>
-                      </p:childTnLst>
-                    </p:cTn>
-                  </p:par>
-                  <p:par>
-                    <p:cTn id="109" fill="hold">
-                      <p:stCondLst>
-                        <p:cond delay="indefinite"/>
-                      </p:stCondLst>
-                      <p:childTnLst>
-                        <p:par>
-                          <p:cTn id="110" fill="hold">
-                            <p:stCondLst>
-                              <p:cond delay="0"/>
-                            </p:stCondLst>
-                            <p:childTnLst>
-                              <p:par>
-                                <p:cTn id="111" presetID="10" presetClass="entr" presetSubtype="0" fill="hold" grpId="0" nodeType="clickEffect">
-                                  <p:stCondLst>
-                                    <p:cond delay="0"/>
-                                  </p:stCondLst>
-                                  <p:childTnLst>
-                                    <p:set>
-                                      <p:cBhvr>
-                                        <p:cTn id="112" dur="1" fill="hold">
-                                          <p:stCondLst>
-                                            <p:cond delay="0"/>
-                                          </p:stCondLst>
-                                        </p:cTn>
-                                        <p:tgtEl>
-                                          <p:spTgt spid="19">
-                                            <p:txEl>
-                                              <p:pRg st="7" end="7"/>
-                                            </p:txEl>
-                                          </p:spTgt>
-                                        </p:tgtEl>
-                                        <p:attrNameLst>
-                                          <p:attrName>style.visibility</p:attrName>
-                                        </p:attrNameLst>
-                                      </p:cBhvr>
-                                      <p:to>
-                                        <p:strVal val="visible"/>
-                                      </p:to>
-                                    </p:set>
-                                    <p:animEffect transition="in" filter="fade">
-                                      <p:cBhvr>
-                                        <p:cTn id="113" dur="500"/>
-                                        <p:tgtEl>
-                                          <p:spTgt spid="19">
-                                            <p:txEl>
-                                              <p:pRg st="7" end="7"/>
-                                            </p:txEl>
-                                          </p:spTgt>
-                                        </p:tgtEl>
-                                      </p:cBhvr>
-                                    </p:animEffect>
-                                  </p:childTnLst>
-                                </p:cTn>
-                              </p:par>
-                            </p:childTnLst>
-                          </p:cTn>
-                        </p:par>
-                      </p:childTnLst>
-                    </p:cTn>
-                  </p:par>
-                  <p:par>
-                    <p:cTn id="114" fill="hold">
-                      <p:stCondLst>
-                        <p:cond delay="indefinite"/>
-                      </p:stCondLst>
-                      <p:childTnLst>
-                        <p:par>
-                          <p:cTn id="115" fill="hold">
-                            <p:stCondLst>
-                              <p:cond delay="0"/>
-                            </p:stCondLst>
-                            <p:childTnLst>
-                              <p:par>
-                                <p:cTn id="116" presetID="10" presetClass="entr" presetSubtype="0" fill="hold" grpId="0" nodeType="clickEffect">
-                                  <p:stCondLst>
-                                    <p:cond delay="0"/>
-                                  </p:stCondLst>
-                                  <p:childTnLst>
-                                    <p:set>
-                                      <p:cBhvr>
-                                        <p:cTn id="117" dur="1" fill="hold">
-                                          <p:stCondLst>
-                                            <p:cond delay="0"/>
-                                          </p:stCondLst>
-                                        </p:cTn>
-                                        <p:tgtEl>
-                                          <p:spTgt spid="6">
-                                            <p:txEl>
-                                              <p:pRg st="8" end="8"/>
-                                            </p:txEl>
-                                          </p:spTgt>
-                                        </p:tgtEl>
-                                        <p:attrNameLst>
-                                          <p:attrName>style.visibility</p:attrName>
-                                        </p:attrNameLst>
-                                      </p:cBhvr>
-                                      <p:to>
-                                        <p:strVal val="visible"/>
-                                      </p:to>
-                                    </p:set>
-                                    <p:animEffect transition="in" filter="fade">
-                                      <p:cBhvr>
-                                        <p:cTn id="118" dur="500"/>
-                                        <p:tgtEl>
-                                          <p:spTgt spid="6">
-                                            <p:txEl>
-                                              <p:pRg st="8" end="8"/>
-                                            </p:txEl>
-                                          </p:spTgt>
-                                        </p:tgtEl>
-                                      </p:cBhvr>
-                                    </p:animEffect>
-                                  </p:childTnLst>
-                                </p:cTn>
-                              </p:par>
-                            </p:childTnLst>
-                          </p:cTn>
-                        </p:par>
-                      </p:childTnLst>
-                    </p:cTn>
-                  </p:par>
-                  <p:par>
-                    <p:cTn id="119" fill="hold">
-                      <p:stCondLst>
-                        <p:cond delay="indefinite"/>
-                      </p:stCondLst>
-                      <p:childTnLst>
-                        <p:par>
-                          <p:cTn id="120" fill="hold">
-                            <p:stCondLst>
-                              <p:cond delay="0"/>
-                            </p:stCondLst>
-                            <p:childTnLst>
-                              <p:par>
-                                <p:cTn id="121" presetID="10" presetClass="entr" presetSubtype="0" fill="hold" grpId="0" nodeType="clickEffect">
-                                  <p:stCondLst>
-                                    <p:cond delay="0"/>
-                                  </p:stCondLst>
-                                  <p:childTnLst>
-                                    <p:set>
-                                      <p:cBhvr>
-                                        <p:cTn id="122" dur="1" fill="hold">
-                                          <p:stCondLst>
-                                            <p:cond delay="0"/>
-                                          </p:stCondLst>
-                                        </p:cTn>
-                                        <p:tgtEl>
-                                          <p:spTgt spid="19">
-                                            <p:txEl>
-                                              <p:pRg st="8" end="8"/>
-                                            </p:txEl>
-                                          </p:spTgt>
-                                        </p:tgtEl>
-                                        <p:attrNameLst>
-                                          <p:attrName>style.visibility</p:attrName>
-                                        </p:attrNameLst>
-                                      </p:cBhvr>
-                                      <p:to>
-                                        <p:strVal val="visible"/>
-                                      </p:to>
-                                    </p:set>
-                                    <p:animEffect transition="in" filter="fade">
-                                      <p:cBhvr>
-                                        <p:cTn id="123" dur="500"/>
-                                        <p:tgtEl>
-                                          <p:spTgt spid="19">
-                                            <p:txEl>
-                                              <p:pRg st="8" end="8"/>
-                                            </p:txEl>
-                                          </p:spTgt>
-                                        </p:tgtEl>
-                                      </p:cBhvr>
-                                    </p:animEffect>
-                                  </p:childTnLst>
-                                </p:cTn>
-                              </p:par>
-                            </p:childTnLst>
-                          </p:cTn>
-                        </p:par>
-                      </p:childTnLst>
-                    </p:cTn>
-                  </p:par>
-                </p:childTnLst>
-              </p:cTn>
-              <p:prevCondLst>
-                <p:cond evt="onPrev" delay="0">
-                  <p:tgtEl>
-                    <p:sldTgt/>
-                  </p:tgtEl>
-                </p:cond>
-              </p:prevCondLst>
-              <p:nextCondLst>
-                <p:cond evt="onNext" delay="0">
-                  <p:tgtEl>
-                    <p:sldTgt/>
-                  </p:tgtEl>
-                </p:cond>
-              </p:nextCondLst>
-            </p:seq>
-          </p:childTnLst>
-        </p:cTn>
+        <p:cTn id="1" dur="indefinite" restart="never" nodeType="tmRoot"/>
       </p:par>
     </p:tnLst>
-    <p:bldLst>
-      <p:bldP spid="13" grpId="0"/>
-      <p:bldP spid="13" grpId="1"/>
-      <p:bldP spid="13" grpId="2"/>
-      <p:bldP spid="13" grpId="3"/>
-      <p:bldP spid="18" grpId="0"/>
-      <p:bldP spid="18" grpId="1"/>
-      <p:bldP spid="18" grpId="2"/>
-      <p:bldP spid="18" grpId="3"/>
-      <p:bldP spid="6" grpId="0" uiExpand="1" build="p"/>
-      <p:bldP spid="19" grpId="0" uiExpand="1" build="p"/>
-    </p:bldLst>
   </p:timing>
 </p:sld>
 </file>

--- a/ASP.NET Presentation_2.pptx
+++ b/ASP.NET Presentation_2.pptx
@@ -219,7 +219,7 @@
           <a:p>
             <a:fld id="{08B5203A-E65A-410B-BB27-74539FE81CB7}" type="datetimeFigureOut">
               <a:rPr lang="en-US" smtClean="0"/>
-              <a:t>12-Sep-15</a:t>
+              <a:t>13-Sep-15</a:t>
             </a:fld>
             <a:endParaRPr lang="en-US"/>
           </a:p>
@@ -719,7 +719,7 @@
           <a:p>
             <a:fld id="{9863F11F-9756-4F3A-AEAA-DD62EB99D8E4}" type="datetimeFigureOut">
               <a:rPr lang="en-US" smtClean="0"/>
-              <a:t>12-Sep-15</a:t>
+              <a:t>13-Sep-15</a:t>
             </a:fld>
             <a:endParaRPr lang="en-US"/>
           </a:p>
@@ -889,7 +889,7 @@
           <a:p>
             <a:fld id="{9863F11F-9756-4F3A-AEAA-DD62EB99D8E4}" type="datetimeFigureOut">
               <a:rPr lang="en-US" smtClean="0"/>
-              <a:t>12-Sep-15</a:t>
+              <a:t>13-Sep-15</a:t>
             </a:fld>
             <a:endParaRPr lang="en-US"/>
           </a:p>
@@ -1069,7 +1069,7 @@
           <a:p>
             <a:fld id="{9863F11F-9756-4F3A-AEAA-DD62EB99D8E4}" type="datetimeFigureOut">
               <a:rPr lang="en-US" smtClean="0"/>
-              <a:t>12-Sep-15</a:t>
+              <a:t>13-Sep-15</a:t>
             </a:fld>
             <a:endParaRPr lang="en-US"/>
           </a:p>
@@ -1239,7 +1239,7 @@
           <a:p>
             <a:fld id="{9863F11F-9756-4F3A-AEAA-DD62EB99D8E4}" type="datetimeFigureOut">
               <a:rPr lang="en-US" smtClean="0"/>
-              <a:t>12-Sep-15</a:t>
+              <a:t>13-Sep-15</a:t>
             </a:fld>
             <a:endParaRPr lang="en-US"/>
           </a:p>
@@ -1485,7 +1485,7 @@
           <a:p>
             <a:fld id="{9863F11F-9756-4F3A-AEAA-DD62EB99D8E4}" type="datetimeFigureOut">
               <a:rPr lang="en-US" smtClean="0"/>
-              <a:t>12-Sep-15</a:t>
+              <a:t>13-Sep-15</a:t>
             </a:fld>
             <a:endParaRPr lang="en-US"/>
           </a:p>
@@ -1717,7 +1717,7 @@
           <a:p>
             <a:fld id="{9863F11F-9756-4F3A-AEAA-DD62EB99D8E4}" type="datetimeFigureOut">
               <a:rPr lang="en-US" smtClean="0"/>
-              <a:t>12-Sep-15</a:t>
+              <a:t>13-Sep-15</a:t>
             </a:fld>
             <a:endParaRPr lang="en-US"/>
           </a:p>
@@ -2084,7 +2084,7 @@
           <a:p>
             <a:fld id="{9863F11F-9756-4F3A-AEAA-DD62EB99D8E4}" type="datetimeFigureOut">
               <a:rPr lang="en-US" smtClean="0"/>
-              <a:t>12-Sep-15</a:t>
+              <a:t>13-Sep-15</a:t>
             </a:fld>
             <a:endParaRPr lang="en-US"/>
           </a:p>
@@ -2202,7 +2202,7 @@
           <a:p>
             <a:fld id="{9863F11F-9756-4F3A-AEAA-DD62EB99D8E4}" type="datetimeFigureOut">
               <a:rPr lang="en-US" smtClean="0"/>
-              <a:t>12-Sep-15</a:t>
+              <a:t>13-Sep-15</a:t>
             </a:fld>
             <a:endParaRPr lang="en-US"/>
           </a:p>
@@ -2297,7 +2297,7 @@
           <a:p>
             <a:fld id="{9863F11F-9756-4F3A-AEAA-DD62EB99D8E4}" type="datetimeFigureOut">
               <a:rPr lang="en-US" smtClean="0"/>
-              <a:t>12-Sep-15</a:t>
+              <a:t>13-Sep-15</a:t>
             </a:fld>
             <a:endParaRPr lang="en-US"/>
           </a:p>
@@ -2574,7 +2574,7 @@
           <a:p>
             <a:fld id="{9863F11F-9756-4F3A-AEAA-DD62EB99D8E4}" type="datetimeFigureOut">
               <a:rPr lang="en-US" smtClean="0"/>
-              <a:t>12-Sep-15</a:t>
+              <a:t>13-Sep-15</a:t>
             </a:fld>
             <a:endParaRPr lang="en-US"/>
           </a:p>
@@ -2827,7 +2827,7 @@
           <a:p>
             <a:fld id="{9863F11F-9756-4F3A-AEAA-DD62EB99D8E4}" type="datetimeFigureOut">
               <a:rPr lang="en-US" smtClean="0"/>
-              <a:t>12-Sep-15</a:t>
+              <a:t>13-Sep-15</a:t>
             </a:fld>
             <a:endParaRPr lang="en-US"/>
           </a:p>
@@ -3040,7 +3040,7 @@
           <a:p>
             <a:fld id="{9863F11F-9756-4F3A-AEAA-DD62EB99D8E4}" type="datetimeFigureOut">
               <a:rPr lang="en-US" smtClean="0"/>
-              <a:t>12-Sep-15</a:t>
+              <a:t>13-Sep-15</a:t>
             </a:fld>
             <a:endParaRPr lang="en-US"/>
           </a:p>
@@ -6618,11 +6618,7 @@
           <a:p>
             <a:r>
               <a:rPr lang="en-US" dirty="0" smtClean="0"/>
-              <a:t>Example and test cases</a:t>
-            </a:r>
-            <a:r>
-              <a:rPr lang="en-US" dirty="0" smtClean="0"/>
-              <a:t>.</a:t>
+              <a:t>Example and test cases.</a:t>
             </a:r>
           </a:p>
           <a:p>
@@ -13078,7 +13074,7 @@
         <p:spPr>
           <a:xfrm>
             <a:off x="831849" y="788316"/>
-            <a:ext cx="4644173" cy="3139321"/>
+            <a:ext cx="4644173" cy="3416320"/>
           </a:xfrm>
           <a:prstGeom prst="rect">
             <a:avLst/>
@@ -13105,7 +13101,20 @@
             </a:pPr>
             <a:r>
               <a:rPr lang="en-US" dirty="0" smtClean="0"/>
-              <a:t>Less additional frameworks</a:t>
+              <a:t>Great registration system.</a:t>
+            </a:r>
+          </a:p>
+          <a:p>
+            <a:pPr marL="342900" indent="-342900">
+              <a:buAutoNum type="arabicPeriod"/>
+            </a:pPr>
+            <a:r>
+              <a:rPr lang="en-US" dirty="0" smtClean="0"/>
+              <a:t>Less </a:t>
+            </a:r>
+            <a:r>
+              <a:rPr lang="en-US" dirty="0" smtClean="0"/>
+              <a:t>additional frameworks</a:t>
             </a:r>
           </a:p>
           <a:p>
@@ -13221,7 +13230,7 @@
         <p:spPr>
           <a:xfrm>
             <a:off x="6089650" y="788316"/>
-            <a:ext cx="4644173" cy="3139321"/>
+            <a:ext cx="4644173" cy="3416320"/>
           </a:xfrm>
           <a:prstGeom prst="rect">
             <a:avLst/>
@@ -13269,7 +13278,41 @@
                   <a:srgbClr val="FF0000"/>
                 </a:solidFill>
               </a:rPr>
-              <a:t>NO ! </a:t>
+              <a:t>No registration syste</a:t>
+            </a:r>
+            <a:r>
+              <a:rPr lang="en-US" dirty="0" smtClean="0">
+                <a:solidFill>
+                  <a:srgbClr val="FF0000"/>
+                </a:solidFill>
+              </a:rPr>
+              <a:t>m.</a:t>
+            </a:r>
+            <a:endParaRPr lang="en-US" dirty="0" smtClean="0">
+              <a:solidFill>
+                <a:srgbClr val="FF0000"/>
+              </a:solidFill>
+            </a:endParaRPr>
+          </a:p>
+          <a:p>
+            <a:pPr marL="342900" indent="-342900">
+              <a:buAutoNum type="arabicPeriod"/>
+            </a:pPr>
+            <a:r>
+              <a:rPr lang="en-US" dirty="0" smtClean="0">
+                <a:solidFill>
+                  <a:srgbClr val="FF0000"/>
+                </a:solidFill>
+              </a:rPr>
+              <a:t>NO </a:t>
+            </a:r>
+            <a:r>
+              <a:rPr lang="en-US" dirty="0" smtClean="0">
+                <a:solidFill>
+                  <a:srgbClr val="FF0000"/>
+                </a:solidFill>
+              </a:rPr>
+              <a:t>! </a:t>
             </a:r>
             <a:r>
               <a:rPr lang="en-US" dirty="0" smtClean="0"/>
@@ -13950,9 +13993,9 @@
                                           </p:stCondLst>
                                         </p:cTn>
                                         <p:tgtEl>
-                                          <p:spTgt spid="3">
+                                          <p:spTgt spid="6">
                                             <p:txEl>
-                                              <p:pRg st="0" end="0"/>
+                                              <p:pRg st="1" end="1"/>
                                             </p:txEl>
                                           </p:spTgt>
                                         </p:tgtEl>
@@ -13968,9 +14011,9 @@
                                       <p:cBhvr>
                                         <p:cTn id="48" dur="500"/>
                                         <p:tgtEl>
-                                          <p:spTgt spid="3">
+                                          <p:spTgt spid="6">
                                             <p:txEl>
-                                              <p:pRg st="0" end="0"/>
+                                              <p:pRg st="1" end="1"/>
                                             </p:txEl>
                                           </p:spTgt>
                                         </p:tgtEl>
@@ -14011,7 +14054,7 @@
                                           </p:stCondLst>
                                         </p:cTn>
                                         <p:tgtEl>
-                                          <p:spTgt spid="6">
+                                          <p:spTgt spid="19">
                                             <p:txEl>
                                               <p:pRg st="1" end="1"/>
                                             </p:txEl>
@@ -14029,7 +14072,7 @@
                                       <p:cBhvr>
                                         <p:cTn id="53" dur="500"/>
                                         <p:tgtEl>
-                                          <p:spTgt spid="6">
+                                          <p:spTgt spid="19">
                                             <p:txEl>
                                               <p:pRg st="1" end="1"/>
                                             </p:txEl>
@@ -14072,9 +14115,9 @@
                                           </p:stCondLst>
                                         </p:cTn>
                                         <p:tgtEl>
-                                          <p:spTgt spid="19">
+                                          <p:spTgt spid="3">
                                             <p:txEl>
-                                              <p:pRg st="1" end="1"/>
+                                              <p:pRg st="0" end="0"/>
                                             </p:txEl>
                                           </p:spTgt>
                                         </p:tgtEl>
@@ -14090,9 +14133,9 @@
                                       <p:cBhvr>
                                         <p:cTn id="58" dur="500"/>
                                         <p:tgtEl>
-                                          <p:spTgt spid="19">
+                                          <p:spTgt spid="3">
                                             <p:txEl>
-                                              <p:pRg st="1" end="1"/>
+                                              <p:pRg st="0" end="0"/>
                                             </p:txEl>
                                           </p:spTgt>
                                         </p:tgtEl>
@@ -15069,6 +15112,128 @@
                                           <p:spTgt spid="19">
                                             <p:txEl>
                                               <p:pRg st="9" end="9"/>
+                                            </p:txEl>
+                                          </p:spTgt>
+                                        </p:tgtEl>
+                                      </p:cBhvr>
+                                    </p:animEffect>
+                                  </p:childTnLst>
+                                </p:cTn>
+                              </p:par>
+                            </p:childTnLst>
+                          </p:cTn>
+                        </p:par>
+                      </p:childTnLst>
+                    </p:cTn>
+                  </p:par>
+                  <p:par>
+                    <p:cTn id="139" fill="hold">
+                      <p:stCondLst>
+                        <p:cond delay="indefinite"/>
+                      </p:stCondLst>
+                      <p:childTnLst>
+                        <p:par>
+                          <p:cTn id="140" fill="hold">
+                            <p:stCondLst>
+                              <p:cond delay="0"/>
+                            </p:stCondLst>
+                            <p:childTnLst>
+                              <p:par>
+                                <p:cTn id="141" presetID="10" presetClass="entr" presetSubtype="0" fill="hold" grpId="0" nodeType="clickEffect">
+                                  <p:stCondLst>
+                                    <p:cond delay="0"/>
+                                  </p:stCondLst>
+                                  <p:childTnLst>
+                                    <p:set>
+                                      <p:cBhvr>
+                                        <p:cTn id="142" dur="1" fill="hold">
+                                          <p:stCondLst>
+                                            <p:cond delay="0"/>
+                                          </p:stCondLst>
+                                        </p:cTn>
+                                        <p:tgtEl>
+                                          <p:spTgt spid="6">
+                                            <p:txEl>
+                                              <p:pRg st="10" end="10"/>
+                                            </p:txEl>
+                                          </p:spTgt>
+                                        </p:tgtEl>
+                                        <p:attrNameLst>
+                                          <p:attrName>style.visibility</p:attrName>
+                                        </p:attrNameLst>
+                                      </p:cBhvr>
+                                      <p:to>
+                                        <p:strVal val="visible"/>
+                                      </p:to>
+                                    </p:set>
+                                    <p:animEffect transition="in" filter="fade">
+                                      <p:cBhvr>
+                                        <p:cTn id="143" dur="500"/>
+                                        <p:tgtEl>
+                                          <p:spTgt spid="6">
+                                            <p:txEl>
+                                              <p:pRg st="10" end="10"/>
+                                            </p:txEl>
+                                          </p:spTgt>
+                                        </p:tgtEl>
+                                      </p:cBhvr>
+                                    </p:animEffect>
+                                  </p:childTnLst>
+                                </p:cTn>
+                              </p:par>
+                            </p:childTnLst>
+                          </p:cTn>
+                        </p:par>
+                      </p:childTnLst>
+                    </p:cTn>
+                  </p:par>
+                  <p:par>
+                    <p:cTn id="144" fill="hold">
+                      <p:stCondLst>
+                        <p:cond delay="indefinite"/>
+                      </p:stCondLst>
+                      <p:childTnLst>
+                        <p:par>
+                          <p:cTn id="145" fill="hold">
+                            <p:stCondLst>
+                              <p:cond delay="0"/>
+                            </p:stCondLst>
+                            <p:childTnLst>
+                              <p:par>
+                                <p:cTn id="146" presetID="10" presetClass="entr" presetSubtype="0" fill="hold" grpId="0" nodeType="clickEffect">
+                                  <p:stCondLst>
+                                    <p:cond delay="0"/>
+                                  </p:stCondLst>
+                                  <p:childTnLst>
+                                    <p:set>
+                                      <p:cBhvr>
+                                        <p:cTn id="147" dur="1" fill="hold">
+                                          <p:stCondLst>
+                                            <p:cond delay="0"/>
+                                          </p:stCondLst>
+                                        </p:cTn>
+                                        <p:tgtEl>
+                                          <p:spTgt spid="19">
+                                            <p:txEl>
+                                              <p:pRg st="10" end="10"/>
+                                            </p:txEl>
+                                          </p:spTgt>
+                                        </p:tgtEl>
+                                        <p:attrNameLst>
+                                          <p:attrName>style.visibility</p:attrName>
+                                        </p:attrNameLst>
+                                      </p:cBhvr>
+                                      <p:to>
+                                        <p:strVal val="visible"/>
+                                      </p:to>
+                                    </p:set>
+                                    <p:animEffect transition="in" filter="fade">
+                                      <p:cBhvr>
+                                        <p:cTn id="148" dur="500"/>
+                                        <p:tgtEl>
+                                          <p:spTgt spid="19">
+                                            <p:txEl>
+                                              <p:pRg st="10" end="10"/>
                                             </p:txEl>
                                           </p:spTgt>
                                         </p:tgtEl>

--- a/ASP.NET Presentation_2.pptx
+++ b/ASP.NET Presentation_2.pptx
@@ -219,7 +219,7 @@
           <a:p>
             <a:fld id="{08B5203A-E65A-410B-BB27-74539FE81CB7}" type="datetimeFigureOut">
               <a:rPr lang="en-US" smtClean="0"/>
-              <a:t>13-Sep-15</a:t>
+              <a:t>16-Sep-15</a:t>
             </a:fld>
             <a:endParaRPr lang="en-US"/>
           </a:p>
@@ -719,7 +719,7 @@
           <a:p>
             <a:fld id="{9863F11F-9756-4F3A-AEAA-DD62EB99D8E4}" type="datetimeFigureOut">
               <a:rPr lang="en-US" smtClean="0"/>
-              <a:t>13-Sep-15</a:t>
+              <a:t>16-Sep-15</a:t>
             </a:fld>
             <a:endParaRPr lang="en-US"/>
           </a:p>
@@ -889,7 +889,7 @@
           <a:p>
             <a:fld id="{9863F11F-9756-4F3A-AEAA-DD62EB99D8E4}" type="datetimeFigureOut">
               <a:rPr lang="en-US" smtClean="0"/>
-              <a:t>13-Sep-15</a:t>
+              <a:t>16-Sep-15</a:t>
             </a:fld>
             <a:endParaRPr lang="en-US"/>
           </a:p>
@@ -1069,7 +1069,7 @@
           <a:p>
             <a:fld id="{9863F11F-9756-4F3A-AEAA-DD62EB99D8E4}" type="datetimeFigureOut">
               <a:rPr lang="en-US" smtClean="0"/>
-              <a:t>13-Sep-15</a:t>
+              <a:t>16-Sep-15</a:t>
             </a:fld>
             <a:endParaRPr lang="en-US"/>
           </a:p>
@@ -1239,7 +1239,7 @@
           <a:p>
             <a:fld id="{9863F11F-9756-4F3A-AEAA-DD62EB99D8E4}" type="datetimeFigureOut">
               <a:rPr lang="en-US" smtClean="0"/>
-              <a:t>13-Sep-15</a:t>
+              <a:t>16-Sep-15</a:t>
             </a:fld>
             <a:endParaRPr lang="en-US"/>
           </a:p>
@@ -1485,7 +1485,7 @@
           <a:p>
             <a:fld id="{9863F11F-9756-4F3A-AEAA-DD62EB99D8E4}" type="datetimeFigureOut">
               <a:rPr lang="en-US" smtClean="0"/>
-              <a:t>13-Sep-15</a:t>
+              <a:t>16-Sep-15</a:t>
             </a:fld>
             <a:endParaRPr lang="en-US"/>
           </a:p>
@@ -1717,7 +1717,7 @@
           <a:p>
             <a:fld id="{9863F11F-9756-4F3A-AEAA-DD62EB99D8E4}" type="datetimeFigureOut">
               <a:rPr lang="en-US" smtClean="0"/>
-              <a:t>13-Sep-15</a:t>
+              <a:t>16-Sep-15</a:t>
             </a:fld>
             <a:endParaRPr lang="en-US"/>
           </a:p>
@@ -2084,7 +2084,7 @@
           <a:p>
             <a:fld id="{9863F11F-9756-4F3A-AEAA-DD62EB99D8E4}" type="datetimeFigureOut">
               <a:rPr lang="en-US" smtClean="0"/>
-              <a:t>13-Sep-15</a:t>
+              <a:t>16-Sep-15</a:t>
             </a:fld>
             <a:endParaRPr lang="en-US"/>
           </a:p>
@@ -2202,7 +2202,7 @@
           <a:p>
             <a:fld id="{9863F11F-9756-4F3A-AEAA-DD62EB99D8E4}" type="datetimeFigureOut">
               <a:rPr lang="en-US" smtClean="0"/>
-              <a:t>13-Sep-15</a:t>
+              <a:t>16-Sep-15</a:t>
             </a:fld>
             <a:endParaRPr lang="en-US"/>
           </a:p>
@@ -2297,7 +2297,7 @@
           <a:p>
             <a:fld id="{9863F11F-9756-4F3A-AEAA-DD62EB99D8E4}" type="datetimeFigureOut">
               <a:rPr lang="en-US" smtClean="0"/>
-              <a:t>13-Sep-15</a:t>
+              <a:t>16-Sep-15</a:t>
             </a:fld>
             <a:endParaRPr lang="en-US"/>
           </a:p>
@@ -2574,7 +2574,7 @@
           <a:p>
             <a:fld id="{9863F11F-9756-4F3A-AEAA-DD62EB99D8E4}" type="datetimeFigureOut">
               <a:rPr lang="en-US" smtClean="0"/>
-              <a:t>13-Sep-15</a:t>
+              <a:t>16-Sep-15</a:t>
             </a:fld>
             <a:endParaRPr lang="en-US"/>
           </a:p>
@@ -2827,7 +2827,7 @@
           <a:p>
             <a:fld id="{9863F11F-9756-4F3A-AEAA-DD62EB99D8E4}" type="datetimeFigureOut">
               <a:rPr lang="en-US" smtClean="0"/>
-              <a:t>13-Sep-15</a:t>
+              <a:t>16-Sep-15</a:t>
             </a:fld>
             <a:endParaRPr lang="en-US"/>
           </a:p>
@@ -3040,7 +3040,7 @@
           <a:p>
             <a:fld id="{9863F11F-9756-4F3A-AEAA-DD62EB99D8E4}" type="datetimeFigureOut">
               <a:rPr lang="en-US" smtClean="0"/>
-              <a:t>13-Sep-15</a:t>
+              <a:t>16-Sep-15</a:t>
             </a:fld>
             <a:endParaRPr lang="en-US"/>
           </a:p>
@@ -5269,7 +5269,11 @@
             </a:pPr>
             <a:r>
               <a:rPr lang="en-US" dirty="0"/>
-              <a:t>JavaScript Framework : </a:t>
+              <a:t>JavaScript Framework </a:t>
+            </a:r>
+            <a:r>
+              <a:rPr lang="en-US" dirty="0" smtClean="0"/>
+              <a:t>Code: </a:t>
             </a:r>
             <a:r>
               <a:rPr lang="en-US" dirty="0">
@@ -5297,6 +5301,52 @@
           <a:p>
             <a:pPr marL="342900" indent="-342900">
               <a:buAutoNum type="arabicPeriod"/>
+            </a:pPr>
+            <a:endParaRPr lang="en-US" dirty="0"/>
+          </a:p>
+        </p:txBody>
+      </p:sp>
+      <p:sp>
+        <p:nvSpPr>
+          <p:cNvPr id="7" name="TextBox 6"/>
+          <p:cNvSpPr txBox="1"/>
+          <p:nvPr/>
+        </p:nvSpPr>
+        <p:spPr>
+          <a:xfrm>
+            <a:off x="5476022" y="788316"/>
+            <a:ext cx="4644173" cy="1200329"/>
+          </a:xfrm>
+          <a:prstGeom prst="rect">
+            <a:avLst/>
+          </a:prstGeom>
+          <a:noFill/>
+        </p:spPr>
+        <p:txBody>
+          <a:bodyPr wrap="square" rtlCol="0">
+            <a:spAutoFit/>
+          </a:bodyPr>
+          <a:lstStyle/>
+          <a:p>
+            <a:pPr marL="342900" indent="-342900">
+              <a:buFont typeface="+mj-lt"/>
+              <a:buAutoNum type="arabicPeriod" startAt="7"/>
+            </a:pPr>
+            <a:r>
+              <a:rPr lang="en-US" dirty="0" smtClean="0"/>
+              <a:t>JavaScript Framework how it is implemented : </a:t>
+            </a:r>
+            <a:endParaRPr lang="en-US" dirty="0" smtClean="0"/>
+          </a:p>
+          <a:p>
+            <a:pPr marL="342900" indent="-342900">
+              <a:buAutoNum type="arabicPeriod" startAt="7"/>
+            </a:pPr>
+            <a:endParaRPr lang="en-US" dirty="0" smtClean="0"/>
+          </a:p>
+          <a:p>
+            <a:pPr marL="342900" indent="-342900">
+              <a:buAutoNum type="arabicPeriod" startAt="7"/>
             </a:pPr>
             <a:endParaRPr lang="en-US" dirty="0"/>
           </a:p>
@@ -5850,6 +5900,67 @@
                       </p:childTnLst>
                     </p:cTn>
                   </p:par>
+                  <p:par>
+                    <p:cTn id="46" fill="hold">
+                      <p:stCondLst>
+                        <p:cond delay="indefinite"/>
+                      </p:stCondLst>
+                      <p:childTnLst>
+                        <p:par>
+                          <p:cTn id="47" fill="hold">
+                            <p:stCondLst>
+                              <p:cond delay="0"/>
+                            </p:stCondLst>
+                            <p:childTnLst>
+                              <p:par>
+                                <p:cTn id="48" presetID="10" presetClass="entr" presetSubtype="0" fill="hold" grpId="0" nodeType="clickEffect">
+                                  <p:stCondLst>
+                                    <p:cond delay="0"/>
+                                  </p:stCondLst>
+                                  <p:childTnLst>
+                                    <p:set>
+                                      <p:cBhvr>
+                                        <p:cTn id="49" dur="1" fill="hold">
+                                          <p:stCondLst>
+                                            <p:cond delay="0"/>
+                                          </p:stCondLst>
+                                        </p:cTn>
+                                        <p:tgtEl>
+                                          <p:spTgt spid="7">
+                                            <p:txEl>
+                                              <p:pRg st="0" end="0"/>
+                                            </p:txEl>
+                                          </p:spTgt>
+                                        </p:tgtEl>
+                                        <p:attrNameLst>
+                                          <p:attrName>style.visibility</p:attrName>
+                                        </p:attrNameLst>
+                                      </p:cBhvr>
+                                      <p:to>
+                                        <p:strVal val="visible"/>
+                                      </p:to>
+                                    </p:set>
+                                    <p:animEffect transition="in" filter="fade">
+                                      <p:cBhvr>
+                                        <p:cTn id="50" dur="500"/>
+                                        <p:tgtEl>
+                                          <p:spTgt spid="7">
+                                            <p:txEl>
+                                              <p:pRg st="0" end="0"/>
+                                            </p:txEl>
+                                          </p:spTgt>
+                                        </p:tgtEl>
+                                      </p:cBhvr>
+                                    </p:animEffect>
+                                  </p:childTnLst>
+                                </p:cTn>
+                              </p:par>
+                            </p:childTnLst>
+                          </p:cTn>
+                        </p:par>
+                      </p:childTnLst>
+                    </p:cTn>
+                  </p:par>
                 </p:childTnLst>
               </p:cTn>
               <p:prevCondLst>
@@ -5877,6 +5988,7 @@
       <p:bldP spid="13" grpId="2"/>
       <p:bldP spid="13" grpId="3"/>
       <p:bldP spid="6" grpId="0" uiExpand="1" build="p"/>
+      <p:bldP spid="7" grpId="0" build="p"/>
     </p:bldLst>
   </p:timing>
 </p:sld>
@@ -13110,11 +13222,7 @@
             </a:pPr>
             <a:r>
               <a:rPr lang="en-US" dirty="0" smtClean="0"/>
-              <a:t>Less </a:t>
-            </a:r>
-            <a:r>
-              <a:rPr lang="en-US" dirty="0" smtClean="0"/>
-              <a:t>additional frameworks</a:t>
+              <a:t>Less additional frameworks</a:t>
             </a:r>
           </a:p>
           <a:p>
@@ -13278,41 +13386,20 @@
                   <a:srgbClr val="FF0000"/>
                 </a:solidFill>
               </a:rPr>
-              <a:t>No registration syste</a:t>
-            </a:r>
+              <a:t>No registration system.</a:t>
+            </a:r>
+          </a:p>
+          <a:p>
+            <a:pPr marL="342900" indent="-342900">
+              <a:buAutoNum type="arabicPeriod"/>
+            </a:pPr>
             <a:r>
               <a:rPr lang="en-US" dirty="0" smtClean="0">
                 <a:solidFill>
                   <a:srgbClr val="FF0000"/>
                 </a:solidFill>
               </a:rPr>
-              <a:t>m.</a:t>
-            </a:r>
-            <a:endParaRPr lang="en-US" dirty="0" smtClean="0">
-              <a:solidFill>
-                <a:srgbClr val="FF0000"/>
-              </a:solidFill>
-            </a:endParaRPr>
-          </a:p>
-          <a:p>
-            <a:pPr marL="342900" indent="-342900">
-              <a:buAutoNum type="arabicPeriod"/>
-            </a:pPr>
-            <a:r>
-              <a:rPr lang="en-US" dirty="0" smtClean="0">
-                <a:solidFill>
-                  <a:srgbClr val="FF0000"/>
-                </a:solidFill>
-              </a:rPr>
-              <a:t>NO </a:t>
-            </a:r>
-            <a:r>
-              <a:rPr lang="en-US" dirty="0" smtClean="0">
-                <a:solidFill>
-                  <a:srgbClr val="FF0000"/>
-                </a:solidFill>
-              </a:rPr>
-              <a:t>! </a:t>
+              <a:t>NO ! </a:t>
             </a:r>
             <a:r>
               <a:rPr lang="en-US" dirty="0" smtClean="0"/>

--- a/ASP.NET Presentation_2.pptx
+++ b/ASP.NET Presentation_2.pptx
@@ -5,7 +5,7 @@
     <p:sldMasterId id="2147483677" r:id="rId1"/>
   </p:sldMasterIdLst>
   <p:notesMasterIdLst>
-    <p:notesMasterId r:id="rId14"/>
+    <p:notesMasterId r:id="rId15"/>
   </p:notesMasterIdLst>
   <p:sldIdLst>
     <p:sldId id="401" r:id="rId2"/>
@@ -19,7 +19,8 @@
     <p:sldId id="412" r:id="rId10"/>
     <p:sldId id="267" r:id="rId11"/>
     <p:sldId id="417" r:id="rId12"/>
-    <p:sldId id="413" r:id="rId13"/>
+    <p:sldId id="418" r:id="rId13"/>
+    <p:sldId id="413" r:id="rId14"/>
   </p:sldIdLst>
   <p:sldSz cx="12192000" cy="6858000"/>
   <p:notesSz cx="6858000" cy="9144000"/>
@@ -3489,14 +3490,23 @@
             <p:ph type="body" idx="1"/>
           </p:nvPr>
         </p:nvSpPr>
-        <p:spPr/>
+        <p:spPr>
+          <a:xfrm>
+            <a:off x="831850" y="4589464"/>
+            <a:ext cx="10515600" cy="506948"/>
+          </a:xfrm>
+        </p:spPr>
         <p:txBody>
           <a:bodyPr/>
           <a:lstStyle/>
           <a:p>
             <a:r>
               <a:rPr lang="en-US" dirty="0" smtClean="0"/>
-              <a:t>A enterprise development framework which can developer’s life.</a:t>
+              <a:t>A enterprise development framework which can developer’s life</a:t>
+            </a:r>
+            <a:r>
+              <a:rPr lang="en-US" dirty="0" smtClean="0"/>
+              <a:t>.</a:t>
             </a:r>
             <a:endParaRPr lang="en-US" dirty="0"/>
           </a:p>
@@ -5134,7 +5144,7 @@
         <p:spPr>
           <a:xfrm>
             <a:off x="831849" y="788316"/>
-            <a:ext cx="4644173" cy="3416320"/>
+            <a:ext cx="4644173" cy="3139321"/>
           </a:xfrm>
           <a:prstGeom prst="rect">
             <a:avLst/>
@@ -5151,49 +5161,62 @@
               <a:buAutoNum type="arabicPeriod"/>
             </a:pPr>
             <a:r>
+              <a:rPr lang="en-US" dirty="0" smtClean="0">
+                <a:hlinkClick r:id="rId2"/>
+              </a:rPr>
+              <a:t>http</a:t>
+            </a:r>
+            <a:r>
               <a:rPr lang="en-US" dirty="0">
                 <a:hlinkClick r:id="rId2"/>
               </a:rPr>
-              <a:t>http://</a:t>
+              <a:t>://</a:t>
             </a:r>
             <a:r>
               <a:rPr lang="en-US" dirty="0" smtClean="0">
                 <a:hlinkClick r:id="rId2"/>
               </a:rPr>
-              <a:t>www.pluralsight.com/courses/web-security-owasp-top10-big-picture</a:t>
-            </a:r>
-            <a:r>
-              <a:rPr lang="en-US" dirty="0" smtClean="0"/>
+              <a:t>yslow.org</a:t>
+            </a:r>
+            <a:r>
+              <a:rPr lang="en-US" dirty="0"/>
               <a:t> </a:t>
             </a:r>
+            <a:endParaRPr lang="en-US" dirty="0" smtClean="0"/>
           </a:p>
           <a:p>
             <a:pPr marL="342900" indent="-342900">
               <a:buAutoNum type="arabicPeriod"/>
             </a:pPr>
             <a:r>
+              <a:rPr lang="en-US" dirty="0" err="1" smtClean="0"/>
+              <a:t>Yslow</a:t>
+            </a:r>
+            <a:r>
+              <a:rPr lang="en-US" dirty="0" smtClean="0"/>
+              <a:t> Implementation : Bigger</a:t>
+            </a:r>
+            <a:r>
+              <a:rPr lang="en-US" dirty="0"/>
+              <a:t>, Faster, Stronger: Optimizing ASP.NET Applications (</a:t>
+            </a:r>
+            <a:r>
+              <a:rPr lang="en-US" dirty="0">
+                <a:hlinkClick r:id="rId3"/>
+              </a:rPr>
+              <a:t>http://</a:t>
+            </a:r>
+            <a:r>
               <a:rPr lang="en-US" dirty="0" smtClean="0">
                 <a:hlinkClick r:id="rId3"/>
               </a:rPr>
-              <a:t>http</a:t>
-            </a:r>
-            <a:r>
-              <a:rPr lang="en-US" dirty="0">
-                <a:hlinkClick r:id="rId3"/>
-              </a:rPr>
-              <a:t>://</a:t>
-            </a:r>
-            <a:r>
-              <a:rPr lang="en-US" dirty="0" smtClean="0">
-                <a:hlinkClick r:id="rId3"/>
-              </a:rPr>
-              <a:t>yslow.org</a:t>
-            </a:r>
-            <a:r>
-              <a:rPr lang="en-US" dirty="0"/>
-              <a:t> </a:t>
-            </a:r>
-            <a:endParaRPr lang="en-US" dirty="0" smtClean="0"/>
+              <a:t>bit.ly/1UO1uXB</a:t>
+            </a:r>
+            <a:r>
+              <a:rPr lang="en-US" dirty="0" smtClean="0"/>
+              <a:t>)</a:t>
+            </a:r>
+            <a:endParaRPr lang="en-US" dirty="0"/>
           </a:p>
           <a:p>
             <a:pPr marL="342900" indent="-342900">
@@ -5201,7 +5224,7 @@
             </a:pPr>
             <a:r>
               <a:rPr lang="en-US" dirty="0"/>
-              <a:t>Bigger, Faster, Stronger: Optimizing ASP.NET Applications (</a:t>
+              <a:t>Don’t make me think (</a:t>
             </a:r>
             <a:r>
               <a:rPr lang="en-US" dirty="0">
@@ -5213,32 +5236,6 @@
               <a:rPr lang="en-US" dirty="0" smtClean="0">
                 <a:hlinkClick r:id="rId4"/>
               </a:rPr>
-              <a:t>bit.ly/1UO1uXB</a:t>
-            </a:r>
-            <a:r>
-              <a:rPr lang="en-US" dirty="0" smtClean="0"/>
-              <a:t>)</a:t>
-            </a:r>
-            <a:endParaRPr lang="en-US" dirty="0"/>
-          </a:p>
-          <a:p>
-            <a:pPr marL="342900" indent="-342900">
-              <a:buAutoNum type="arabicPeriod"/>
-            </a:pPr>
-            <a:r>
-              <a:rPr lang="en-US" dirty="0"/>
-              <a:t>Don’t make me think (</a:t>
-            </a:r>
-            <a:r>
-              <a:rPr lang="en-US" dirty="0">
-                <a:hlinkClick r:id="rId5"/>
-              </a:rPr>
-              <a:t>http://</a:t>
-            </a:r>
-            <a:r>
-              <a:rPr lang="en-US" dirty="0" smtClean="0">
-                <a:hlinkClick r:id="rId5"/>
-              </a:rPr>
               <a:t>amzn.to/1UO1Ai71</a:t>
             </a:r>
             <a:r>
@@ -5257,7 +5254,7 @@
             </a:r>
             <a:r>
               <a:rPr lang="en-US" u="sng" dirty="0">
-                <a:hlinkClick r:id="rId6"/>
+                <a:hlinkClick r:id="rId5"/>
               </a:rPr>
               <a:t>http://j.mp/asp-net-boot</a:t>
             </a:r>
@@ -5277,13 +5274,13 @@
             </a:r>
             <a:r>
               <a:rPr lang="en-US" dirty="0">
-                <a:hlinkClick r:id="rId7"/>
+                <a:hlinkClick r:id="rId6"/>
               </a:rPr>
               <a:t>http://</a:t>
             </a:r>
             <a:r>
               <a:rPr lang="en-US" dirty="0" smtClean="0">
-                <a:hlinkClick r:id="rId7"/>
+                <a:hlinkClick r:id="rId6"/>
               </a:rPr>
               <a:t>bit.ly/1UO1M0L</a:t>
             </a:r>
@@ -5315,7 +5312,7 @@
         <p:spPr>
           <a:xfrm>
             <a:off x="5476022" y="788316"/>
-            <a:ext cx="4644173" cy="1200329"/>
+            <a:ext cx="6296878" cy="2031325"/>
           </a:xfrm>
           <a:prstGeom prst="rect">
             <a:avLst/>
@@ -5330,23 +5327,146 @@
           <a:p>
             <a:pPr marL="342900" indent="-342900">
               <a:buFont typeface="+mj-lt"/>
-              <a:buAutoNum type="arabicPeriod" startAt="7"/>
+              <a:buAutoNum type="arabicPeriod" startAt="6"/>
             </a:pPr>
             <a:r>
               <a:rPr lang="en-US" dirty="0" smtClean="0"/>
               <a:t>JavaScript Framework how it is implemented : </a:t>
             </a:r>
+            <a:r>
+              <a:rPr lang="en-US" dirty="0"/>
+              <a:t> </a:t>
+            </a:r>
+            <a:r>
+              <a:rPr lang="en-US" dirty="0">
+                <a:hlinkClick r:id="rId7"/>
+              </a:rPr>
+              <a:t>http://</a:t>
+            </a:r>
+            <a:r>
+              <a:rPr lang="en-US" dirty="0" smtClean="0">
+                <a:hlinkClick r:id="rId7"/>
+              </a:rPr>
+              <a:t>bit.ly/1KdWSHD</a:t>
+            </a:r>
+            <a:r>
+              <a:rPr lang="en-US" dirty="0"/>
+              <a:t> | </a:t>
+            </a:r>
+            <a:r>
+              <a:rPr lang="en-US" dirty="0">
+                <a:hlinkClick r:id="rId8"/>
+              </a:rPr>
+              <a:t>http://</a:t>
+            </a:r>
+            <a:r>
+              <a:rPr lang="en-US" dirty="0" smtClean="0">
+                <a:hlinkClick r:id="rId8"/>
+              </a:rPr>
+              <a:t>bit.ly/1KdX0qq</a:t>
+            </a:r>
+            <a:r>
+              <a:rPr lang="en-US" dirty="0" smtClean="0"/>
+              <a:t> </a:t>
+            </a:r>
+          </a:p>
+          <a:p>
+            <a:pPr marL="342900" indent="-342900">
+              <a:buFont typeface="+mj-lt"/>
+              <a:buAutoNum type="arabicPeriod" startAt="6"/>
+            </a:pPr>
+            <a:r>
+              <a:rPr lang="en-US" dirty="0" err="1" smtClean="0"/>
+              <a:t>Lesshat</a:t>
+            </a:r>
+            <a:r>
+              <a:rPr lang="en-US" dirty="0"/>
+              <a:t> : </a:t>
+            </a:r>
+            <a:r>
+              <a:rPr lang="en-US" dirty="0">
+                <a:hlinkClick r:id="rId9"/>
+              </a:rPr>
+              <a:t>http://</a:t>
+            </a:r>
+            <a:r>
+              <a:rPr lang="en-US" dirty="0" smtClean="0">
+                <a:hlinkClick r:id="rId9"/>
+              </a:rPr>
+              <a:t>bit.ly/1KdX75o</a:t>
+            </a:r>
             <a:endParaRPr lang="en-US" dirty="0" smtClean="0"/>
           </a:p>
           <a:p>
             <a:pPr marL="342900" indent="-342900">
-              <a:buAutoNum type="arabicPeriod" startAt="7"/>
+              <a:buFont typeface="+mj-lt"/>
+              <a:buAutoNum type="arabicPeriod" startAt="6"/>
+            </a:pPr>
+            <a:r>
+              <a:rPr lang="en-US" dirty="0"/>
+              <a:t>Twitter Bootstrap : </a:t>
+            </a:r>
+            <a:r>
+              <a:rPr lang="en-US" dirty="0">
+                <a:hlinkClick r:id="rId10"/>
+              </a:rPr>
+              <a:t>http://</a:t>
+            </a:r>
+            <a:r>
+              <a:rPr lang="en-US" dirty="0" smtClean="0">
+                <a:hlinkClick r:id="rId10"/>
+              </a:rPr>
+              <a:t>getbootstrap.com</a:t>
+            </a:r>
+            <a:r>
+              <a:rPr lang="en-US" dirty="0" smtClean="0"/>
+              <a:t> </a:t>
+            </a:r>
+          </a:p>
+          <a:p>
+            <a:pPr marL="342900" indent="-342900">
+              <a:buFont typeface="+mj-lt"/>
+              <a:buAutoNum type="arabicPeriod" startAt="6"/>
+            </a:pPr>
+            <a:r>
+              <a:rPr lang="en-US" b="1" dirty="0" err="1" smtClean="0"/>
+              <a:t>DevMvcComponent</a:t>
+            </a:r>
+            <a:r>
+              <a:rPr lang="en-US" b="1" dirty="0" smtClean="0"/>
+              <a:t> </a:t>
+            </a:r>
+            <a:r>
+              <a:rPr lang="en-US" b="1" dirty="0"/>
+              <a:t>: </a:t>
+            </a:r>
+            <a:r>
+              <a:rPr lang="en-US" b="1" dirty="0">
+                <a:hlinkClick r:id="rId11"/>
+              </a:rPr>
+              <a:t>http://</a:t>
+            </a:r>
+            <a:r>
+              <a:rPr lang="en-US" b="1" dirty="0" smtClean="0">
+                <a:hlinkClick r:id="rId11"/>
+              </a:rPr>
+              <a:t>bit.ly/1KdXhd5</a:t>
+            </a:r>
+            <a:r>
+              <a:rPr lang="en-US" b="1" dirty="0" smtClean="0"/>
+              <a:t> </a:t>
+            </a:r>
+            <a:endParaRPr lang="en-US" b="1" dirty="0" smtClean="0"/>
+          </a:p>
+          <a:p>
+            <a:pPr marL="342900" indent="-342900">
+              <a:buAutoNum type="arabicPeriod" startAt="6"/>
             </a:pPr>
             <a:endParaRPr lang="en-US" dirty="0" smtClean="0"/>
           </a:p>
           <a:p>
             <a:pPr marL="342900" indent="-342900">
-              <a:buAutoNum type="arabicPeriod" startAt="7"/>
+              <a:buAutoNum type="arabicPeriod" startAt="6"/>
             </a:pPr>
             <a:endParaRPr lang="en-US" dirty="0"/>
           </a:p>
@@ -5865,9 +5985,9 @@
                                           </p:stCondLst>
                                         </p:cTn>
                                         <p:tgtEl>
-                                          <p:spTgt spid="6">
+                                          <p:spTgt spid="7">
                                             <p:txEl>
-                                              <p:pRg st="5" end="5"/>
+                                              <p:pRg st="0" end="0"/>
                                             </p:txEl>
                                           </p:spTgt>
                                         </p:tgtEl>
@@ -5883,9 +6003,9 @@
                                       <p:cBhvr>
                                         <p:cTn id="45" dur="500"/>
                                         <p:tgtEl>
-                                          <p:spTgt spid="6">
+                                          <p:spTgt spid="7">
                                             <p:txEl>
-                                              <p:pRg st="5" end="5"/>
+                                              <p:pRg st="0" end="0"/>
                                             </p:txEl>
                                           </p:spTgt>
                                         </p:tgtEl>
@@ -5928,7 +6048,7 @@
                                         <p:tgtEl>
                                           <p:spTgt spid="7">
                                             <p:txEl>
-                                              <p:pRg st="0" end="0"/>
+                                              <p:pRg st="1" end="1"/>
                                             </p:txEl>
                                           </p:spTgt>
                                         </p:tgtEl>
@@ -5946,7 +6066,129 @@
                                         <p:tgtEl>
                                           <p:spTgt spid="7">
                                             <p:txEl>
-                                              <p:pRg st="0" end="0"/>
+                                              <p:pRg st="1" end="1"/>
+                                            </p:txEl>
+                                          </p:spTgt>
+                                        </p:tgtEl>
+                                      </p:cBhvr>
+                                    </p:animEffect>
+                                  </p:childTnLst>
+                                </p:cTn>
+                              </p:par>
+                            </p:childTnLst>
+                          </p:cTn>
+                        </p:par>
+                      </p:childTnLst>
+                    </p:cTn>
+                  </p:par>
+                  <p:par>
+                    <p:cTn id="51" fill="hold">
+                      <p:stCondLst>
+                        <p:cond delay="indefinite"/>
+                      </p:stCondLst>
+                      <p:childTnLst>
+                        <p:par>
+                          <p:cTn id="52" fill="hold">
+                            <p:stCondLst>
+                              <p:cond delay="0"/>
+                            </p:stCondLst>
+                            <p:childTnLst>
+                              <p:par>
+                                <p:cTn id="53" presetID="10" presetClass="entr" presetSubtype="0" fill="hold" grpId="0" nodeType="clickEffect">
+                                  <p:stCondLst>
+                                    <p:cond delay="0"/>
+                                  </p:stCondLst>
+                                  <p:childTnLst>
+                                    <p:set>
+                                      <p:cBhvr>
+                                        <p:cTn id="54" dur="1" fill="hold">
+                                          <p:stCondLst>
+                                            <p:cond delay="0"/>
+                                          </p:stCondLst>
+                                        </p:cTn>
+                                        <p:tgtEl>
+                                          <p:spTgt spid="7">
+                                            <p:txEl>
+                                              <p:pRg st="2" end="2"/>
+                                            </p:txEl>
+                                          </p:spTgt>
+                                        </p:tgtEl>
+                                        <p:attrNameLst>
+                                          <p:attrName>style.visibility</p:attrName>
+                                        </p:attrNameLst>
+                                      </p:cBhvr>
+                                      <p:to>
+                                        <p:strVal val="visible"/>
+                                      </p:to>
+                                    </p:set>
+                                    <p:animEffect transition="in" filter="fade">
+                                      <p:cBhvr>
+                                        <p:cTn id="55" dur="500"/>
+                                        <p:tgtEl>
+                                          <p:spTgt spid="7">
+                                            <p:txEl>
+                                              <p:pRg st="2" end="2"/>
+                                            </p:txEl>
+                                          </p:spTgt>
+                                        </p:tgtEl>
+                                      </p:cBhvr>
+                                    </p:animEffect>
+                                  </p:childTnLst>
+                                </p:cTn>
+                              </p:par>
+                            </p:childTnLst>
+                          </p:cTn>
+                        </p:par>
+                      </p:childTnLst>
+                    </p:cTn>
+                  </p:par>
+                  <p:par>
+                    <p:cTn id="56" fill="hold">
+                      <p:stCondLst>
+                        <p:cond delay="indefinite"/>
+                      </p:stCondLst>
+                      <p:childTnLst>
+                        <p:par>
+                          <p:cTn id="57" fill="hold">
+                            <p:stCondLst>
+                              <p:cond delay="0"/>
+                            </p:stCondLst>
+                            <p:childTnLst>
+                              <p:par>
+                                <p:cTn id="58" presetID="10" presetClass="entr" presetSubtype="0" fill="hold" grpId="0" nodeType="clickEffect">
+                                  <p:stCondLst>
+                                    <p:cond delay="0"/>
+                                  </p:stCondLst>
+                                  <p:childTnLst>
+                                    <p:set>
+                                      <p:cBhvr>
+                                        <p:cTn id="59" dur="1" fill="hold">
+                                          <p:stCondLst>
+                                            <p:cond delay="0"/>
+                                          </p:stCondLst>
+                                        </p:cTn>
+                                        <p:tgtEl>
+                                          <p:spTgt spid="7">
+                                            <p:txEl>
+                                              <p:pRg st="3" end="3"/>
+                                            </p:txEl>
+                                          </p:spTgt>
+                                        </p:tgtEl>
+                                        <p:attrNameLst>
+                                          <p:attrName>style.visibility</p:attrName>
+                                        </p:attrNameLst>
+                                      </p:cBhvr>
+                                      <p:to>
+                                        <p:strVal val="visible"/>
+                                      </p:to>
+                                    </p:set>
+                                    <p:animEffect transition="in" filter="fade">
+                                      <p:cBhvr>
+                                        <p:cTn id="60" dur="500"/>
+                                        <p:tgtEl>
+                                          <p:spTgt spid="7">
+                                            <p:txEl>
+                                              <p:pRg st="3" end="3"/>
                                             </p:txEl>
                                           </p:spTgt>
                                         </p:tgtEl>
@@ -6047,7 +6289,7 @@
         <p:spPr/>
         <p:txBody>
           <a:bodyPr>
-            <a:normAutofit/>
+            <a:normAutofit fontScale="77500" lnSpcReduction="20000"/>
           </a:bodyPr>
           <a:lstStyle/>
           <a:p>
@@ -6069,6 +6311,22 @@
               <a:rPr lang="en-US" dirty="0" smtClean="0"/>
               <a:t> Karim</a:t>
             </a:r>
+          </a:p>
+          <a:p>
+            <a:r>
+              <a:rPr lang="en-US" u="sng" dirty="0" smtClean="0">
+                <a:solidFill>
+                  <a:srgbClr val="00B0F0"/>
+                </a:solidFill>
+                <a:hlinkClick r:id="rId2"/>
+              </a:rPr>
+              <a:t>alim.karim.nsu@gmail.com</a:t>
+            </a:r>
+            <a:endParaRPr lang="en-US" u="sng" dirty="0" smtClean="0">
+              <a:solidFill>
+                <a:srgbClr val="00B0F0"/>
+              </a:solidFill>
+            </a:endParaRPr>
           </a:p>
           <a:p>
             <a:r>
@@ -6077,8 +6335,23 @@
                   <a:srgbClr val="00B0F0"/>
                 </a:solidFill>
               </a:rPr>
-              <a:t>alim.karim.nsu@gmail.com</a:t>
-            </a:r>
+              <a:t>North South University</a:t>
+            </a:r>
+          </a:p>
+          <a:p>
+            <a:r>
+              <a:rPr lang="en-US" u="sng" dirty="0" smtClean="0">
+                <a:solidFill>
+                  <a:srgbClr val="00B0F0"/>
+                </a:solidFill>
+              </a:rPr>
+              <a:t>CSE 499 </a:t>
+            </a:r>
+            <a:endParaRPr lang="en-US" u="sng" dirty="0" smtClean="0">
+              <a:solidFill>
+                <a:srgbClr val="00B0F0"/>
+              </a:solidFill>
+            </a:endParaRPr>
           </a:p>
           <a:p>
             <a:endParaRPr lang="en-US" dirty="0" smtClean="0"/>
@@ -6181,16 +6454,25 @@
     </p:spTree>
     <p:extLst>
       <p:ext uri="{BB962C8B-B14F-4D97-AF65-F5344CB8AC3E}">
-        <p14:creationId xmlns:p14="http://schemas.microsoft.com/office/powerpoint/2010/main" val="1408301175"/>
+        <p14:creationId xmlns:p14="http://schemas.microsoft.com/office/powerpoint/2010/main" val="3328098561"/>
       </p:ext>
     </p:extLst>
   </p:cSld>
   <p:clrMapOvr>
     <a:masterClrMapping/>
   </p:clrMapOvr>
-  <p:transition spd="slow">
-    <p:comb/>
-  </p:transition>
+  <mc:AlternateContent xmlns:mc="http://schemas.openxmlformats.org/markup-compatibility/2006">
+    <mc:Choice xmlns:p15="http://schemas.microsoft.com/office/powerpoint/2012/main" Requires="p15">
+      <p:transition xmlns:p14="http://schemas.microsoft.com/office/powerpoint/2010/main" spd="slow" p14:dur="2000">
+        <p15:prstTrans prst="fallOver"/>
+      </p:transition>
+    </mc:Choice>
+    <mc:Fallback>
+      <p:transition spd="slow">
+        <p:fade/>
+      </p:transition>
+    </mc:Fallback>
+  </mc:AlternateContent>
   <p:timing>
     <p:tnLst>
       <p:par>
@@ -6591,6 +6873,59 @@
                       </p:childTnLst>
                     </p:cTn>
                   </p:par>
+                  <p:par>
+                    <p:cTn id="35" fill="hold">
+                      <p:stCondLst>
+                        <p:cond delay="indefinite"/>
+                      </p:stCondLst>
+                      <p:childTnLst>
+                        <p:par>
+                          <p:cTn id="36" fill="hold">
+                            <p:stCondLst>
+                              <p:cond delay="0"/>
+                            </p:stCondLst>
+                            <p:childTnLst>
+                              <p:par>
+                                <p:cTn id="37" presetID="22" presetClass="entr" presetSubtype="1" fill="hold" grpId="0" nodeType="clickEffect">
+                                  <p:stCondLst>
+                                    <p:cond delay="0"/>
+                                  </p:stCondLst>
+                                  <p:childTnLst>
+                                    <p:set>
+                                      <p:cBhvr>
+                                        <p:cTn id="38" dur="1" fill="hold">
+                                          <p:stCondLst>
+                                            <p:cond delay="0"/>
+                                          </p:stCondLst>
+                                        </p:cTn>
+                                        <p:tgtEl>
+                                          <p:spTgt spid="3"/>
+                                        </p:tgtEl>
+                                        <p:attrNameLst>
+                                          <p:attrName>style.visibility</p:attrName>
+                                        </p:attrNameLst>
+                                      </p:cBhvr>
+                                      <p:to>
+                                        <p:strVal val="visible"/>
+                                      </p:to>
+                                    </p:set>
+                                    <p:animEffect transition="in" filter="wipe(up)">
+                                      <p:cBhvr>
+                                        <p:cTn id="39" dur="500"/>
+                                        <p:tgtEl>
+                                          <p:spTgt spid="3"/>
+                                        </p:tgtEl>
+                                      </p:cBhvr>
+                                    </p:animEffect>
+                                  </p:childTnLst>
+                                </p:cTn>
+                              </p:par>
+                            </p:childTnLst>
+                          </p:cTn>
+                        </p:par>
+                      </p:childTnLst>
+                    </p:cTn>
+                  </p:par>
                 </p:childTnLst>
               </p:cTn>
               <p:prevCondLst>
@@ -6613,6 +6948,7 @@
       </p:par>
     </p:tnLst>
     <p:bldLst>
+      <p:bldP spid="3" grpId="0"/>
       <p:bldP spid="8" grpId="0"/>
       <p:bldP spid="8" grpId="1"/>
       <p:bldP spid="8" grpId="2"/>
@@ -6622,6 +6958,218 @@
       <p:bldP spid="6" grpId="2"/>
       <p:bldP spid="6" grpId="3"/>
     </p:bldLst>
+  </p:timing>
+</p:sld>
+</file>
+
+<file path=ppt/slides/slide13.xml><?xml version="1.0" encoding="utf-8"?>
+<p:sld xmlns:a="http://schemas.openxmlformats.org/drawingml/2006/main" xmlns:r="http://schemas.openxmlformats.org/officeDocument/2006/relationships" xmlns:p="http://schemas.openxmlformats.org/presentationml/2006/main">
+  <p:cSld>
+    <p:spTree>
+      <p:nvGrpSpPr>
+        <p:cNvPr id="1" name=""/>
+        <p:cNvGrpSpPr/>
+        <p:nvPr/>
+      </p:nvGrpSpPr>
+      <p:grpSpPr>
+        <a:xfrm>
+          <a:off x="0" y="0"/>
+          <a:ext cx="0" cy="0"/>
+          <a:chOff x="0" y="0"/>
+          <a:chExt cx="0" cy="0"/>
+        </a:xfrm>
+      </p:grpSpPr>
+      <p:sp>
+        <p:nvSpPr>
+          <p:cNvPr id="2" name="Title 1"/>
+          <p:cNvSpPr>
+            <a:spLocks noGrp="1"/>
+          </p:cNvSpPr>
+          <p:nvPr>
+            <p:ph type="ctrTitle"/>
+          </p:nvPr>
+        </p:nvSpPr>
+        <p:spPr/>
+        <p:txBody>
+          <a:bodyPr/>
+          <a:lstStyle/>
+          <a:p>
+            <a:r>
+              <a:rPr lang="en-US" dirty="0" smtClean="0"/>
+              <a:t>Thank you</a:t>
+            </a:r>
+            <a:endParaRPr lang="en-US" dirty="0"/>
+          </a:p>
+        </p:txBody>
+      </p:sp>
+      <p:sp>
+        <p:nvSpPr>
+          <p:cNvPr id="3" name="Subtitle 2"/>
+          <p:cNvSpPr>
+            <a:spLocks noGrp="1"/>
+          </p:cNvSpPr>
+          <p:nvPr>
+            <p:ph type="subTitle" idx="1"/>
+          </p:nvPr>
+        </p:nvSpPr>
+        <p:spPr/>
+        <p:txBody>
+          <a:bodyPr>
+            <a:normAutofit fontScale="77500" lnSpcReduction="20000"/>
+          </a:bodyPr>
+          <a:lstStyle/>
+          <a:p>
+            <a:r>
+              <a:rPr lang="en-US" dirty="0" smtClean="0"/>
+              <a:t>Presented by</a:t>
+            </a:r>
+          </a:p>
+          <a:p>
+            <a:r>
+              <a:rPr lang="en-US" dirty="0" smtClean="0"/>
+              <a:t>Md. Alim </a:t>
+            </a:r>
+            <a:r>
+              <a:rPr lang="en-US" dirty="0" err="1" smtClean="0"/>
+              <a:t>Ul</a:t>
+            </a:r>
+            <a:r>
+              <a:rPr lang="en-US" dirty="0" smtClean="0"/>
+              <a:t> Karim</a:t>
+            </a:r>
+          </a:p>
+          <a:p>
+            <a:r>
+              <a:rPr lang="en-US" u="sng" dirty="0" smtClean="0">
+                <a:solidFill>
+                  <a:srgbClr val="00B0F0"/>
+                </a:solidFill>
+                <a:hlinkClick r:id="rId2"/>
+              </a:rPr>
+              <a:t>alim.karim.nsu@gmail.com</a:t>
+            </a:r>
+            <a:endParaRPr lang="en-US" u="sng" dirty="0" smtClean="0">
+              <a:solidFill>
+                <a:srgbClr val="00B0F0"/>
+              </a:solidFill>
+            </a:endParaRPr>
+          </a:p>
+          <a:p>
+            <a:r>
+              <a:rPr lang="en-US" u="sng" dirty="0" smtClean="0">
+                <a:solidFill>
+                  <a:srgbClr val="00B0F0"/>
+                </a:solidFill>
+              </a:rPr>
+              <a:t>North South University</a:t>
+            </a:r>
+          </a:p>
+          <a:p>
+            <a:r>
+              <a:rPr lang="en-US" u="sng" dirty="0" smtClean="0">
+                <a:solidFill>
+                  <a:srgbClr val="00B0F0"/>
+                </a:solidFill>
+              </a:rPr>
+              <a:t>CSE 499 </a:t>
+            </a:r>
+            <a:endParaRPr lang="en-US" u="sng" dirty="0" smtClean="0">
+              <a:solidFill>
+                <a:srgbClr val="00B0F0"/>
+              </a:solidFill>
+            </a:endParaRPr>
+          </a:p>
+          <a:p>
+            <a:endParaRPr lang="en-US" dirty="0" smtClean="0"/>
+          </a:p>
+        </p:txBody>
+      </p:sp>
+      <p:sp>
+        <p:nvSpPr>
+          <p:cNvPr id="7" name="Slide Number Placeholder 6"/>
+          <p:cNvSpPr>
+            <a:spLocks noGrp="1"/>
+          </p:cNvSpPr>
+          <p:nvPr>
+            <p:ph type="sldNum" sz="quarter" idx="12"/>
+          </p:nvPr>
+        </p:nvSpPr>
+        <p:spPr/>
+        <p:txBody>
+          <a:bodyPr/>
+          <a:lstStyle/>
+          <a:p>
+            <a:fld id="{3405949F-09D4-4823-AF2C-A9E8A428D48D}" type="slidenum">
+              <a:rPr lang="en-US" smtClean="0"/>
+              <a:t>13</a:t>
+            </a:fld>
+            <a:endParaRPr lang="en-US"/>
+          </a:p>
+        </p:txBody>
+      </p:sp>
+      <p:sp>
+        <p:nvSpPr>
+          <p:cNvPr id="8" name="TextBox 7"/>
+          <p:cNvSpPr txBox="1"/>
+          <p:nvPr/>
+        </p:nvSpPr>
+        <p:spPr>
+          <a:xfrm>
+            <a:off x="4533970" y="1672491"/>
+            <a:ext cx="3124060" cy="830997"/>
+          </a:xfrm>
+          <a:prstGeom prst="rect">
+            <a:avLst/>
+          </a:prstGeom>
+          <a:noFill/>
+        </p:spPr>
+        <p:txBody>
+          <a:bodyPr wrap="none" rtlCol="0">
+            <a:spAutoFit/>
+          </a:bodyPr>
+          <a:lstStyle/>
+          <a:p>
+            <a:r>
+              <a:rPr lang="en-US" sz="4800" dirty="0" smtClean="0">
+                <a:solidFill>
+                  <a:schemeClr val="bg1">
+                    <a:lumMod val="50000"/>
+                  </a:schemeClr>
+                </a:solidFill>
+              </a:rPr>
+              <a:t>Questions ?</a:t>
+            </a:r>
+          </a:p>
+        </p:txBody>
+      </p:sp>
+    </p:spTree>
+    <p:extLst>
+      <p:ext uri="{BB962C8B-B14F-4D97-AF65-F5344CB8AC3E}">
+        <p14:creationId xmlns:p14="http://schemas.microsoft.com/office/powerpoint/2010/main" val="1408301175"/>
+      </p:ext>
+    </p:extLst>
+  </p:cSld>
+  <p:clrMapOvr>
+    <a:masterClrMapping/>
+  </p:clrMapOvr>
+  <mc:AlternateContent xmlns:mc="http://schemas.openxmlformats.org/markup-compatibility/2006">
+    <mc:Choice xmlns:p14="http://schemas.microsoft.com/office/powerpoint/2010/main" Requires="p14">
+      <p:transition spd="med" p14:dur="700">
+        <p:fade/>
+      </p:transition>
+    </mc:Choice>
+    <mc:Fallback>
+      <p:transition spd="med">
+        <p:fade/>
+      </p:transition>
+    </mc:Fallback>
+  </mc:AlternateContent>
+  <p:timing>
+    <p:tnLst>
+      <p:par>
+        <p:cTn id="1" dur="indefinite" restart="never" nodeType="tmRoot"/>
+      </p:par>
+    </p:tnLst>
   </p:timing>
 </p:sld>
 </file>
@@ -7437,7 +7985,7 @@
         </p:nvSpPr>
         <p:spPr>
           <a:xfrm>
-            <a:off x="9104954" y="1657420"/>
+            <a:off x="9104954" y="1625297"/>
             <a:ext cx="2567306" cy="400110"/>
           </a:xfrm>
           <a:prstGeom prst="rect">
@@ -7473,7 +8021,7 @@
         </p:nvSpPr>
         <p:spPr>
           <a:xfrm>
-            <a:off x="10969824" y="1182137"/>
+            <a:off x="10969824" y="1166075"/>
             <a:ext cx="702436" cy="400110"/>
           </a:xfrm>
           <a:prstGeom prst="rect">
@@ -7661,6 +8209,89 @@
               <a:latin typeface="Segoe UI" panose="020B0502040204020203" pitchFamily="34" charset="0"/>
               <a:ea typeface="Times New Roman" panose="02020603050405020304" pitchFamily="18" charset="0"/>
               <a:cs typeface="SolaimanLipi" panose="02000500020000020004" pitchFamily="2" charset="0"/>
+            </a:endParaRPr>
+          </a:p>
+        </p:txBody>
+      </p:sp>
+      <p:sp>
+        <p:nvSpPr>
+          <p:cNvPr id="11" name="TextBox 10"/>
+          <p:cNvSpPr txBox="1"/>
+          <p:nvPr/>
+        </p:nvSpPr>
+        <p:spPr>
+          <a:xfrm>
+            <a:off x="4843210" y="2084518"/>
+            <a:ext cx="6829050" cy="400110"/>
+          </a:xfrm>
+          <a:prstGeom prst="rect">
+            <a:avLst/>
+          </a:prstGeom>
+          <a:noFill/>
+        </p:spPr>
+        <p:txBody>
+          <a:bodyPr wrap="none" rtlCol="0">
+            <a:spAutoFit/>
+          </a:bodyPr>
+          <a:lstStyle/>
+          <a:p>
+            <a:pPr algn="r"/>
+            <a:r>
+              <a:rPr lang="en-US" sz="2000" dirty="0" smtClean="0">
+                <a:solidFill>
+                  <a:schemeClr val="accent1">
+                    <a:lumMod val="75000"/>
+                  </a:schemeClr>
+                </a:solidFill>
+              </a:rPr>
+              <a:t>Keeping a close relationship between </a:t>
+            </a:r>
+            <a:r>
+              <a:rPr lang="en-US" sz="2000" b="1" i="1" dirty="0" smtClean="0">
+                <a:solidFill>
+                  <a:schemeClr val="accent1">
+                    <a:lumMod val="75000"/>
+                  </a:schemeClr>
+                </a:solidFill>
+              </a:rPr>
+              <a:t>engineers</a:t>
+            </a:r>
+            <a:r>
+              <a:rPr lang="en-US" sz="2000" dirty="0" smtClean="0">
+                <a:solidFill>
+                  <a:schemeClr val="accent1">
+                    <a:lumMod val="75000"/>
+                  </a:schemeClr>
+                </a:solidFill>
+              </a:rPr>
+              <a:t> and </a:t>
+            </a:r>
+            <a:r>
+              <a:rPr lang="en-US" sz="2000" b="1" i="1" dirty="0" smtClean="0">
+                <a:solidFill>
+                  <a:schemeClr val="accent1">
+                    <a:lumMod val="75000"/>
+                  </a:schemeClr>
+                </a:solidFill>
+              </a:rPr>
+              <a:t>developers</a:t>
+            </a:r>
+            <a:r>
+              <a:rPr lang="en-US" sz="2000" dirty="0" smtClean="0">
+                <a:solidFill>
+                  <a:schemeClr val="accent1">
+                    <a:lumMod val="75000"/>
+                  </a:schemeClr>
+                </a:solidFill>
+              </a:rPr>
+              <a:t>.</a:t>
+            </a:r>
+            <a:endParaRPr lang="en-US" sz="2000" dirty="0" smtClean="0">
+              <a:solidFill>
+                <a:schemeClr val="accent1">
+                  <a:lumMod val="75000"/>
+                </a:schemeClr>
+              </a:solidFill>
             </a:endParaRPr>
           </a:p>
         </p:txBody>
@@ -8625,6 +9256,158 @@
                       </p:childTnLst>
                     </p:cTn>
                   </p:par>
+                  <p:par>
+                    <p:cTn id="78" fill="hold">
+                      <p:stCondLst>
+                        <p:cond delay="indefinite"/>
+                      </p:stCondLst>
+                      <p:childTnLst>
+                        <p:par>
+                          <p:cTn id="79" fill="hold">
+                            <p:stCondLst>
+                              <p:cond delay="0"/>
+                            </p:stCondLst>
+                            <p:childTnLst>
+                              <p:par>
+                                <p:cTn id="80" presetID="10" presetClass="entr" presetSubtype="0" fill="hold" grpId="0" nodeType="clickEffect">
+                                  <p:stCondLst>
+                                    <p:cond delay="0"/>
+                                  </p:stCondLst>
+                                  <p:iterate type="lt">
+                                    <p:tmPct val="0"/>
+                                  </p:iterate>
+                                  <p:childTnLst>
+                                    <p:set>
+                                      <p:cBhvr>
+                                        <p:cTn id="81" dur="1" fill="hold">
+                                          <p:stCondLst>
+                                            <p:cond delay="0"/>
+                                          </p:stCondLst>
+                                        </p:cTn>
+                                        <p:tgtEl>
+                                          <p:spTgt spid="11"/>
+                                        </p:tgtEl>
+                                        <p:attrNameLst>
+                                          <p:attrName>style.visibility</p:attrName>
+                                        </p:attrNameLst>
+                                      </p:cBhvr>
+                                      <p:to>
+                                        <p:strVal val="visible"/>
+                                      </p:to>
+                                    </p:set>
+                                    <p:animEffect transition="in" filter="fade">
+                                      <p:cBhvr>
+                                        <p:cTn id="82" dur="500"/>
+                                        <p:tgtEl>
+                                          <p:spTgt spid="11"/>
+                                        </p:tgtEl>
+                                      </p:cBhvr>
+                                    </p:animEffect>
+                                  </p:childTnLst>
+                                </p:cTn>
+                              </p:par>
+                              <p:par>
+                                <p:cTn id="83" presetID="3" presetClass="emph" presetSubtype="2" fill="hold" grpId="1" nodeType="withEffect">
+                                  <p:stCondLst>
+                                    <p:cond delay="0"/>
+                                  </p:stCondLst>
+                                  <p:iterate type="lt">
+                                    <p:tmPct val="0"/>
+                                  </p:iterate>
+                                  <p:childTnLst>
+                                    <p:animClr clrSpc="rgb" dir="cw">
+                                      <p:cBhvr override="childStyle">
+                                        <p:cTn id="84" dur="900" fill="hold"/>
+                                        <p:tgtEl>
+                                          <p:spTgt spid="11"/>
+                                        </p:tgtEl>
+                                        <p:attrNameLst>
+                                          <p:attrName>style.color</p:attrName>
+                                        </p:attrNameLst>
+                                      </p:cBhvr>
+                                      <p:to>
+                                        <a:srgbClr val="FF0000"/>
+                                      </p:to>
+                                    </p:animClr>
+                                  </p:childTnLst>
+                                </p:cTn>
+                              </p:par>
+                              <p:par>
+                                <p:cTn id="85" presetID="15" presetClass="emph" presetSubtype="0" grpId="3" nodeType="withEffect">
+                                  <p:stCondLst>
+                                    <p:cond delay="0"/>
+                                  </p:stCondLst>
+                                  <p:iterate type="lt">
+                                    <p:tmAbs val="25"/>
+                                  </p:iterate>
+                                  <p:childTnLst>
+                                    <p:set>
+                                      <p:cBhvr override="childStyle">
+                                        <p:cTn id="86" dur="4800"/>
+                                        <p:tgtEl>
+                                          <p:spTgt spid="11"/>
+                                        </p:tgtEl>
+                                        <p:attrNameLst>
+                                          <p:attrName>style.fontWeight</p:attrName>
+                                        </p:attrNameLst>
+                                      </p:cBhvr>
+                                      <p:to>
+                                        <p:strVal val="bold"/>
+                                      </p:to>
+                                    </p:set>
+                                  </p:childTnLst>
+                                </p:cTn>
+                              </p:par>
+                            </p:childTnLst>
+                          </p:cTn>
+                        </p:par>
+                      </p:childTnLst>
+                    </p:cTn>
+                  </p:par>
+                  <p:par>
+                    <p:cTn id="87" fill="hold">
+                      <p:stCondLst>
+                        <p:cond delay="indefinite"/>
+                      </p:stCondLst>
+                      <p:childTnLst>
+                        <p:par>
+                          <p:cTn id="88" fill="hold">
+                            <p:stCondLst>
+                              <p:cond delay="0"/>
+                            </p:stCondLst>
+                            <p:childTnLst>
+                              <p:par>
+                                <p:cTn id="89" presetID="3" presetClass="emph" presetSubtype="2" fill="hold" grpId="2" nodeType="clickEffect">
+                                  <p:stCondLst>
+                                    <p:cond delay="0"/>
+                                  </p:stCondLst>
+                                  <p:iterate type="lt">
+                                    <p:tmPct val="0"/>
+                                  </p:iterate>
+                                  <p:childTnLst>
+                                    <p:animClr clrSpc="rgb" dir="cw">
+                                      <p:cBhvr override="childStyle">
+                                        <p:cTn id="90" dur="1000" fill="hold"/>
+                                        <p:tgtEl>
+                                          <p:spTgt spid="11"/>
+                                        </p:tgtEl>
+                                        <p:attrNameLst>
+                                          <p:attrName>style.color</p:attrName>
+                                        </p:attrNameLst>
+                                      </p:cBhvr>
+                                      <p:to>
+                                        <a:srgbClr val="00B0F0"/>
+                                      </p:to>
+                                    </p:animClr>
+                                  </p:childTnLst>
+                                </p:cTn>
+                              </p:par>
+                            </p:childTnLst>
+                          </p:cTn>
+                        </p:par>
+                      </p:childTnLst>
+                    </p:cTn>
+                  </p:par>
                 </p:childTnLst>
               </p:cTn>
               <p:prevCondLst>
@@ -8668,6 +9451,10 @@
       <p:bldP spid="14" grpId="0" build="allAtOnce"/>
       <p:bldP spid="14" grpId="1" build="allAtOnce"/>
       <p:bldP spid="14" grpId="2" build="allAtOnce"/>
+      <p:bldP spid="11" grpId="0"/>
+      <p:bldP spid="11" grpId="1"/>
+      <p:bldP spid="11" grpId="2"/>
+      <p:bldP spid="11" grpId="3"/>
     </p:bldLst>
   </p:timing>
 </p:sld>
@@ -9111,49 +9898,6 @@
               </a:rPr>
               <a:t>Error logs on each occurrence.</a:t>
             </a:r>
-          </a:p>
-        </p:txBody>
-      </p:sp>
-      <p:sp>
-        <p:nvSpPr>
-          <p:cNvPr id="17" name="TextBox 16"/>
-          <p:cNvSpPr txBox="1"/>
-          <p:nvPr/>
-        </p:nvSpPr>
-        <p:spPr>
-          <a:xfrm>
-            <a:off x="8534412" y="2928055"/>
-            <a:ext cx="3137847" cy="400110"/>
-          </a:xfrm>
-          <a:prstGeom prst="rect">
-            <a:avLst/>
-          </a:prstGeom>
-          <a:noFill/>
-        </p:spPr>
-        <p:txBody>
-          <a:bodyPr wrap="none" rtlCol="0">
-            <a:spAutoFit/>
-          </a:bodyPr>
-          <a:lstStyle/>
-          <a:p>
-            <a:pPr algn="r"/>
-            <a:r>
-              <a:rPr lang="en-US" sz="2000" dirty="0">
-                <a:solidFill>
-                  <a:schemeClr val="accent1">
-                    <a:lumMod val="75000"/>
-                  </a:schemeClr>
-                </a:solidFill>
-              </a:rPr>
-              <a:t>OWASP Top Ten Cheat Sheet</a:t>
-            </a:r>
-            <a:endParaRPr lang="en-US" sz="2000" dirty="0" smtClean="0">
-              <a:solidFill>
-                <a:schemeClr val="accent1">
-                  <a:lumMod val="75000"/>
-                </a:schemeClr>
-              </a:solidFill>
-            </a:endParaRPr>
           </a:p>
         </p:txBody>
       </p:sp>
@@ -10367,158 +11111,6 @@
                                         <p:cTn id="99" dur="1000" fill="hold"/>
                                         <p:tgtEl>
                                           <p:spTgt spid="16"/>
-                                        </p:tgtEl>
-                                        <p:attrNameLst>
-                                          <p:attrName>style.color</p:attrName>
-                                        </p:attrNameLst>
-                                      </p:cBhvr>
-                                      <p:to>
-                                        <a:srgbClr val="00B0F0"/>
-                                      </p:to>
-                                    </p:animClr>
-                                  </p:childTnLst>
-                                </p:cTn>
-                              </p:par>
-                            </p:childTnLst>
-                          </p:cTn>
-                        </p:par>
-                      </p:childTnLst>
-                    </p:cTn>
-                  </p:par>
-                  <p:par>
-                    <p:cTn id="100" fill="hold">
-                      <p:stCondLst>
-                        <p:cond delay="indefinite"/>
-                      </p:stCondLst>
-                      <p:childTnLst>
-                        <p:par>
-                          <p:cTn id="101" fill="hold">
-                            <p:stCondLst>
-                              <p:cond delay="0"/>
-                            </p:stCondLst>
-                            <p:childTnLst>
-                              <p:par>
-                                <p:cTn id="102" presetID="10" presetClass="entr" presetSubtype="0" fill="hold" grpId="0" nodeType="clickEffect">
-                                  <p:stCondLst>
-                                    <p:cond delay="0"/>
-                                  </p:stCondLst>
-                                  <p:iterate type="lt">
-                                    <p:tmPct val="0"/>
-                                  </p:iterate>
-                                  <p:childTnLst>
-                                    <p:set>
-                                      <p:cBhvr>
-                                        <p:cTn id="103" dur="1" fill="hold">
-                                          <p:stCondLst>
-                                            <p:cond delay="0"/>
-                                          </p:stCondLst>
-                                        </p:cTn>
-                                        <p:tgtEl>
-                                          <p:spTgt spid="17"/>
-                                        </p:tgtEl>
-                                        <p:attrNameLst>
-                                          <p:attrName>style.visibility</p:attrName>
-                                        </p:attrNameLst>
-                                      </p:cBhvr>
-                                      <p:to>
-                                        <p:strVal val="visible"/>
-                                      </p:to>
-                                    </p:set>
-                                    <p:animEffect transition="in" filter="fade">
-                                      <p:cBhvr>
-                                        <p:cTn id="104" dur="500"/>
-                                        <p:tgtEl>
-                                          <p:spTgt spid="17"/>
-                                        </p:tgtEl>
-                                      </p:cBhvr>
-                                    </p:animEffect>
-                                  </p:childTnLst>
-                                </p:cTn>
-                              </p:par>
-                              <p:par>
-                                <p:cTn id="105" presetID="3" presetClass="emph" presetSubtype="2" fill="hold" grpId="1" nodeType="withEffect">
-                                  <p:stCondLst>
-                                    <p:cond delay="0"/>
-                                  </p:stCondLst>
-                                  <p:iterate type="lt">
-                                    <p:tmPct val="0"/>
-                                  </p:iterate>
-                                  <p:childTnLst>
-                                    <p:animClr clrSpc="rgb" dir="cw">
-                                      <p:cBhvr override="childStyle">
-                                        <p:cTn id="106" dur="900" fill="hold"/>
-                                        <p:tgtEl>
-                                          <p:spTgt spid="17"/>
-                                        </p:tgtEl>
-                                        <p:attrNameLst>
-                                          <p:attrName>style.color</p:attrName>
-                                        </p:attrNameLst>
-                                      </p:cBhvr>
-                                      <p:to>
-                                        <a:srgbClr val="FF0000"/>
-                                      </p:to>
-                                    </p:animClr>
-                                  </p:childTnLst>
-                                </p:cTn>
-                              </p:par>
-                              <p:par>
-                                <p:cTn id="107" presetID="15" presetClass="emph" presetSubtype="0" grpId="3" nodeType="withEffect">
-                                  <p:stCondLst>
-                                    <p:cond delay="0"/>
-                                  </p:stCondLst>
-                                  <p:iterate type="lt">
-                                    <p:tmAbs val="25"/>
-                                  </p:iterate>
-                                  <p:childTnLst>
-                                    <p:set>
-                                      <p:cBhvr override="childStyle">
-                                        <p:cTn id="108" dur="4800"/>
-                                        <p:tgtEl>
-                                          <p:spTgt spid="17"/>
-                                        </p:tgtEl>
-                                        <p:attrNameLst>
-                                          <p:attrName>style.fontWeight</p:attrName>
-                                        </p:attrNameLst>
-                                      </p:cBhvr>
-                                      <p:to>
-                                        <p:strVal val="bold"/>
-                                      </p:to>
-                                    </p:set>
-                                  </p:childTnLst>
-                                </p:cTn>
-                              </p:par>
-                            </p:childTnLst>
-                          </p:cTn>
-                        </p:par>
-                      </p:childTnLst>
-                    </p:cTn>
-                  </p:par>
-                  <p:par>
-                    <p:cTn id="109" fill="hold">
-                      <p:stCondLst>
-                        <p:cond delay="indefinite"/>
-                      </p:stCondLst>
-                      <p:childTnLst>
-                        <p:par>
-                          <p:cTn id="110" fill="hold">
-                            <p:stCondLst>
-                              <p:cond delay="0"/>
-                            </p:stCondLst>
-                            <p:childTnLst>
-                              <p:par>
-                                <p:cTn id="111" presetID="3" presetClass="emph" presetSubtype="2" fill="hold" grpId="2" nodeType="clickEffect">
-                                  <p:stCondLst>
-                                    <p:cond delay="0"/>
-                                  </p:stCondLst>
-                                  <p:iterate type="lt">
-                                    <p:tmPct val="0"/>
-                                  </p:iterate>
-                                  <p:childTnLst>
-                                    <p:animClr clrSpc="rgb" dir="cw">
-                                      <p:cBhvr override="childStyle">
-                                        <p:cTn id="112" dur="1000" fill="hold"/>
-                                        <p:tgtEl>
-                                          <p:spTgt spid="17"/>
                                         </p:tgtEl>
                                         <p:attrNameLst>
                                           <p:attrName>style.color</p:attrName>
@@ -10588,10 +11180,6 @@
       <p:bldP spid="16" grpId="1"/>
       <p:bldP spid="16" grpId="2"/>
       <p:bldP spid="16" grpId="3"/>
-      <p:bldP spid="17" grpId="0"/>
-      <p:bldP spid="17" grpId="1"/>
-      <p:bldP spid="17" grpId="2"/>
-      <p:bldP spid="17" grpId="3"/>
     </p:bldLst>
   </p:timing>
 </p:sld>
@@ -13075,7 +13663,7 @@
         </p:nvSpPr>
         <p:spPr>
           <a:xfrm>
-            <a:off x="831850" y="350825"/>
+            <a:off x="831850" y="156515"/>
             <a:ext cx="1922578" cy="369332"/>
           </a:xfrm>
           <a:prstGeom prst="rect">
@@ -13120,7 +13708,7 @@
         </p:nvSpPr>
         <p:spPr>
           <a:xfrm>
-            <a:off x="6260258" y="350825"/>
+            <a:off x="6260258" y="156515"/>
             <a:ext cx="1120563" cy="369332"/>
           </a:xfrm>
           <a:prstGeom prst="rect">
@@ -13185,8 +13773,8 @@
         </p:nvSpPr>
         <p:spPr>
           <a:xfrm>
-            <a:off x="831849" y="788316"/>
-            <a:ext cx="4644173" cy="3416320"/>
+            <a:off x="831849" y="536856"/>
+            <a:ext cx="4644173" cy="3693319"/>
           </a:xfrm>
           <a:prstGeom prst="rect">
             <a:avLst/>
@@ -13231,7 +13819,11 @@
             </a:pPr>
             <a:r>
               <a:rPr lang="en-US" dirty="0" smtClean="0"/>
-              <a:t>Tons of components</a:t>
+              <a:t>Faster </a:t>
+            </a:r>
+            <a:r>
+              <a:rPr lang="en-US" dirty="0" smtClean="0"/>
+              <a:t>integration</a:t>
             </a:r>
           </a:p>
           <a:p>
@@ -13240,7 +13832,23 @@
             </a:pPr>
             <a:r>
               <a:rPr lang="en-US" dirty="0" smtClean="0"/>
-              <a:t>Faster integration</a:t>
+              <a:t>Web </a:t>
+            </a:r>
+            <a:r>
+              <a:rPr lang="en-US" dirty="0" smtClean="0"/>
+              <a:t>Optimization Out of the box </a:t>
+            </a:r>
+            <a:r>
+              <a:rPr lang="en-US" dirty="0" smtClean="0"/>
+              <a:t>(</a:t>
+            </a:r>
+            <a:r>
+              <a:rPr lang="en-US" dirty="0" err="1" smtClean="0"/>
+              <a:t>YSlow</a:t>
+            </a:r>
+            <a:r>
+              <a:rPr lang="en-US" dirty="0" smtClean="0"/>
+              <a:t>)</a:t>
             </a:r>
           </a:p>
           <a:p>
@@ -13249,35 +13857,8 @@
             </a:pPr>
             <a:r>
               <a:rPr lang="en-US" dirty="0" smtClean="0"/>
-              <a:t>Web Optimization (</a:t>
-            </a:r>
-            <a:r>
-              <a:rPr lang="en-US" dirty="0" err="1" smtClean="0"/>
-              <a:t>YSlow</a:t>
-            </a:r>
-            <a:r>
-              <a:rPr lang="en-US" dirty="0" smtClean="0"/>
-              <a:t>)</a:t>
-            </a:r>
-          </a:p>
-          <a:p>
-            <a:pPr marL="342900" indent="-342900">
-              <a:buAutoNum type="arabicPeriod"/>
-            </a:pPr>
-            <a:r>
-              <a:rPr lang="en-US" dirty="0" smtClean="0"/>
-              <a:t>OSAWP Security</a:t>
-            </a:r>
-          </a:p>
-          <a:p>
-            <a:pPr marL="342900" indent="-342900">
-              <a:buAutoNum type="arabicPeriod"/>
-            </a:pPr>
-            <a:r>
-              <a:rPr lang="en-US" dirty="0" smtClean="0"/>
               <a:t>Robust scaffolding.</a:t>
             </a:r>
-            <a:endParaRPr lang="en-US" dirty="0"/>
           </a:p>
           <a:p>
             <a:pPr marL="342900" indent="-342900">
@@ -13286,12 +13867,57 @@
             </a:pPr>
             <a:r>
               <a:rPr lang="en-US" dirty="0"/>
-              <a:t>Cache things out of the box</a:t>
+              <a:t>Tons of </a:t>
+            </a:r>
+            <a:r>
+              <a:rPr lang="en-US" dirty="0" smtClean="0"/>
+              <a:t>components</a:t>
+            </a:r>
+            <a:endParaRPr lang="en-US" dirty="0" smtClean="0"/>
+          </a:p>
+          <a:p>
+            <a:pPr marL="342900" indent="-342900">
+              <a:buFontTx/>
+              <a:buAutoNum type="arabicPeriod"/>
+            </a:pPr>
+            <a:r>
+              <a:rPr lang="en-US" dirty="0" smtClean="0"/>
+              <a:t>Cache </a:t>
+            </a:r>
+            <a:r>
+              <a:rPr lang="en-US" dirty="0"/>
+              <a:t>things out of the box</a:t>
             </a:r>
             <a:r>
               <a:rPr lang="en-US" dirty="0" smtClean="0"/>
               <a:t>.</a:t>
             </a:r>
+          </a:p>
+          <a:p>
+            <a:pPr marL="342900" indent="-342900">
+              <a:buFontTx/>
+              <a:buAutoNum type="arabicPeriod"/>
+            </a:pPr>
+            <a:r>
+              <a:rPr lang="en-US" dirty="0" err="1" smtClean="0"/>
+              <a:t>DevMvcComponent</a:t>
+            </a:r>
+            <a:r>
+              <a:rPr lang="en-US" dirty="0" smtClean="0"/>
+              <a:t> integration.</a:t>
+            </a:r>
+            <a:endParaRPr lang="en-US" dirty="0" smtClean="0"/>
+          </a:p>
+          <a:p>
+            <a:pPr marL="342900" indent="-342900">
+              <a:buFontTx/>
+              <a:buAutoNum type="arabicPeriod"/>
+            </a:pPr>
+            <a:r>
+              <a:rPr lang="en-US" dirty="0" smtClean="0"/>
+              <a:t>IP to country detection.</a:t>
+            </a:r>
+            <a:endParaRPr lang="en-US" dirty="0" smtClean="0"/>
           </a:p>
           <a:p>
             <a:pPr marL="342900" indent="-342900">
@@ -13337,8 +13963,8 @@
         </p:nvSpPr>
         <p:spPr>
           <a:xfrm>
-            <a:off x="6089650" y="788316"/>
-            <a:ext cx="4644173" cy="3416320"/>
+            <a:off x="6089650" y="536856"/>
+            <a:ext cx="5820410" cy="3693319"/>
           </a:xfrm>
           <a:prstGeom prst="rect">
             <a:avLst/>
@@ -13416,9 +14042,20 @@
                   <a:srgbClr val="FF0000"/>
                 </a:solidFill>
               </a:rPr>
-              <a:t>No existing component.</a:t>
-            </a:r>
-            <a:endParaRPr lang="en-US" dirty="0" smtClean="0"/>
+              <a:t>NO </a:t>
+            </a:r>
+            <a:r>
+              <a:rPr lang="en-US" dirty="0">
+                <a:solidFill>
+                  <a:srgbClr val="FF0000"/>
+                </a:solidFill>
+              </a:rPr>
+              <a:t>! </a:t>
+            </a:r>
+            <a:r>
+              <a:rPr lang="en-US" dirty="0" smtClean="0"/>
+              <a:t>Faster integration</a:t>
+            </a:r>
           </a:p>
           <a:p>
             <a:pPr marL="342900" indent="-342900">
@@ -13434,28 +14071,42 @@
             </a:r>
             <a:r>
               <a:rPr lang="en-US" dirty="0" smtClean="0"/>
-              <a:t>Faster integration</a:t>
-            </a:r>
+              <a:t>Web </a:t>
+            </a:r>
+            <a:r>
+              <a:rPr lang="en-US" dirty="0" smtClean="0"/>
+              <a:t>Optimization is not integrated out of the box.</a:t>
+            </a:r>
+            <a:endParaRPr lang="en-US" dirty="0" smtClean="0"/>
           </a:p>
           <a:p>
             <a:pPr marL="342900" indent="-342900">
               <a:buAutoNum type="arabicPeriod"/>
             </a:pPr>
+            <a:r>
+              <a:rPr lang="en-US" dirty="0" smtClean="0">
+                <a:solidFill>
+                  <a:srgbClr val="FF0000"/>
+                </a:solidFill>
+              </a:rPr>
+              <a:t>NO </a:t>
+            </a:r>
             <a:r>
               <a:rPr lang="en-US" dirty="0">
                 <a:solidFill>
                   <a:srgbClr val="FF0000"/>
                 </a:solidFill>
               </a:rPr>
-              <a:t>NO ! </a:t>
+              <a:t>! </a:t>
             </a:r>
             <a:r>
               <a:rPr lang="en-US" dirty="0" smtClean="0"/>
-              <a:t>Web Optimization</a:t>
+              <a:t>Robust scaffolding.</a:t>
             </a:r>
           </a:p>
           <a:p>
             <a:pPr marL="342900" indent="-342900">
+              <a:buFontTx/>
               <a:buAutoNum type="arabicPeriod"/>
             </a:pPr>
             <a:r>
@@ -13464,28 +14115,45 @@
                   <a:srgbClr val="FF0000"/>
                 </a:solidFill>
               </a:rPr>
-              <a:t>NO ! </a:t>
-            </a:r>
-            <a:r>
-              <a:rPr lang="en-US" dirty="0" smtClean="0"/>
-              <a:t>OSAWP Security</a:t>
+              <a:t>No existing component</a:t>
+            </a:r>
+            <a:r>
+              <a:rPr lang="en-US" dirty="0" smtClean="0">
+                <a:solidFill>
+                  <a:srgbClr val="FF0000"/>
+                </a:solidFill>
+              </a:rPr>
+              <a:t>.</a:t>
             </a:r>
           </a:p>
           <a:p>
             <a:pPr marL="342900" indent="-342900">
+              <a:buFontTx/>
               <a:buAutoNum type="arabicPeriod"/>
             </a:pPr>
+            <a:r>
+              <a:rPr lang="en-US" dirty="0" smtClean="0">
+                <a:solidFill>
+                  <a:srgbClr val="FF0000"/>
+                </a:solidFill>
+              </a:rPr>
+              <a:t>NO </a:t>
+            </a:r>
             <a:r>
               <a:rPr lang="en-US" dirty="0">
                 <a:solidFill>
                   <a:srgbClr val="FF0000"/>
                 </a:solidFill>
               </a:rPr>
-              <a:t>NO ! </a:t>
+              <a:t>! </a:t>
+            </a:r>
+            <a:r>
+              <a:rPr lang="en-US" dirty="0"/>
+              <a:t>Cache things out of the box</a:t>
             </a:r>
             <a:r>
               <a:rPr lang="en-US" dirty="0" smtClean="0"/>
-              <a:t>Robust scaffolding.</a:t>
+              <a:t>.</a:t>
             </a:r>
           </a:p>
           <a:p>
@@ -13493,39 +14161,90 @@
               <a:buFontTx/>
               <a:buAutoNum type="arabicPeriod"/>
             </a:pPr>
+            <a:r>
+              <a:rPr lang="en-US" dirty="0" err="1" smtClean="0">
+                <a:solidFill>
+                  <a:srgbClr val="FF0000"/>
+                </a:solidFill>
+              </a:rPr>
+              <a:t>DevMvcComponent</a:t>
+            </a:r>
+            <a:r>
+              <a:rPr lang="en-US" dirty="0" smtClean="0">
+                <a:solidFill>
+                  <a:srgbClr val="FF0000"/>
+                </a:solidFill>
+              </a:rPr>
+              <a:t> is not implemented.</a:t>
+            </a:r>
+          </a:p>
+          <a:p>
+            <a:pPr marL="342900" indent="-342900">
+              <a:buFontTx/>
+              <a:buAutoNum type="arabicPeriod"/>
+            </a:pPr>
+            <a:r>
+              <a:rPr lang="en-US" dirty="0" smtClean="0">
+                <a:solidFill>
+                  <a:srgbClr val="FF0000"/>
+                </a:solidFill>
+              </a:rPr>
+              <a:t>NO </a:t>
+            </a:r>
             <a:r>
               <a:rPr lang="en-US" dirty="0">
                 <a:solidFill>
                   <a:srgbClr val="FF0000"/>
                 </a:solidFill>
               </a:rPr>
-              <a:t>NO ! </a:t>
-            </a:r>
-            <a:r>
-              <a:rPr lang="en-US" dirty="0" err="1"/>
-              <a:t>Javascript</a:t>
+              <a:t>! </a:t>
+            </a:r>
+            <a:r>
+              <a:rPr lang="en-US" dirty="0" smtClean="0"/>
+              <a:t>IP </a:t>
             </a:r>
             <a:r>
               <a:rPr lang="en-US" dirty="0"/>
-              <a:t> framework</a:t>
-            </a:r>
+              <a:t>to country detection</a:t>
+            </a:r>
+            <a:r>
+              <a:rPr lang="en-US" dirty="0" smtClean="0"/>
+              <a:t>.</a:t>
+            </a:r>
+            <a:endParaRPr lang="en-US" dirty="0" smtClean="0">
+              <a:solidFill>
+                <a:srgbClr val="FF0000"/>
+              </a:solidFill>
+            </a:endParaRPr>
           </a:p>
           <a:p>
             <a:pPr marL="342900" indent="-342900">
               <a:buFontTx/>
               <a:buAutoNum type="arabicPeriod"/>
             </a:pPr>
+            <a:r>
+              <a:rPr lang="en-US" dirty="0" smtClean="0">
+                <a:solidFill>
+                  <a:srgbClr val="FF0000"/>
+                </a:solidFill>
+              </a:rPr>
+              <a:t>NO </a:t>
+            </a:r>
             <a:r>
               <a:rPr lang="en-US" dirty="0">
                 <a:solidFill>
                   <a:srgbClr val="FF0000"/>
                 </a:solidFill>
               </a:rPr>
-              <a:t>NO ! </a:t>
+              <a:t>! </a:t>
+            </a:r>
+            <a:r>
+              <a:rPr lang="en-US" dirty="0" err="1"/>
+              <a:t>Javascript</a:t>
             </a:r>
             <a:r>
               <a:rPr lang="en-US" dirty="0"/>
-              <a:t>Cache things out of the box.</a:t>
+              <a:t> framework</a:t>
             </a:r>
           </a:p>
           <a:p>
@@ -13534,8 +14253,9 @@
             </a:pPr>
             <a:r>
               <a:rPr lang="en-US" dirty="0" smtClean="0"/>
-              <a:t>Make your own.</a:t>
-            </a:r>
+              <a:t>We have to make our own.</a:t>
+            </a:r>
+            <a:endParaRPr lang="en-US" dirty="0" smtClean="0"/>
           </a:p>
           <a:p>
             <a:pPr marL="342900" indent="-342900">
@@ -15321,6 +16041,128 @@
                                           <p:spTgt spid="19">
                                             <p:txEl>
                                               <p:pRg st="10" end="10"/>
+                                            </p:txEl>
+                                          </p:spTgt>
+                                        </p:tgtEl>
+                                      </p:cBhvr>
+                                    </p:animEffect>
+                                  </p:childTnLst>
+                                </p:cTn>
+                              </p:par>
+                            </p:childTnLst>
+                          </p:cTn>
+                        </p:par>
+                      </p:childTnLst>
+                    </p:cTn>
+                  </p:par>
+                  <p:par>
+                    <p:cTn id="149" fill="hold">
+                      <p:stCondLst>
+                        <p:cond delay="indefinite"/>
+                      </p:stCondLst>
+                      <p:childTnLst>
+                        <p:par>
+                          <p:cTn id="150" fill="hold">
+                            <p:stCondLst>
+                              <p:cond delay="0"/>
+                            </p:stCondLst>
+                            <p:childTnLst>
+                              <p:par>
+                                <p:cTn id="151" presetID="10" presetClass="entr" presetSubtype="0" fill="hold" grpId="0" nodeType="clickEffect">
+                                  <p:stCondLst>
+                                    <p:cond delay="0"/>
+                                  </p:stCondLst>
+                                  <p:childTnLst>
+                                    <p:set>
+                                      <p:cBhvr>
+                                        <p:cTn id="152" dur="1" fill="hold">
+                                          <p:stCondLst>
+                                            <p:cond delay="0"/>
+                                          </p:stCondLst>
+                                        </p:cTn>
+                                        <p:tgtEl>
+                                          <p:spTgt spid="6">
+                                            <p:txEl>
+                                              <p:pRg st="11" end="11"/>
+                                            </p:txEl>
+                                          </p:spTgt>
+                                        </p:tgtEl>
+                                        <p:attrNameLst>
+                                          <p:attrName>style.visibility</p:attrName>
+                                        </p:attrNameLst>
+                                      </p:cBhvr>
+                                      <p:to>
+                                        <p:strVal val="visible"/>
+                                      </p:to>
+                                    </p:set>
+                                    <p:animEffect transition="in" filter="fade">
+                                      <p:cBhvr>
+                                        <p:cTn id="153" dur="500"/>
+                                        <p:tgtEl>
+                                          <p:spTgt spid="6">
+                                            <p:txEl>
+                                              <p:pRg st="11" end="11"/>
+                                            </p:txEl>
+                                          </p:spTgt>
+                                        </p:tgtEl>
+                                      </p:cBhvr>
+                                    </p:animEffect>
+                                  </p:childTnLst>
+                                </p:cTn>
+                              </p:par>
+                            </p:childTnLst>
+                          </p:cTn>
+                        </p:par>
+                      </p:childTnLst>
+                    </p:cTn>
+                  </p:par>
+                  <p:par>
+                    <p:cTn id="154" fill="hold">
+                      <p:stCondLst>
+                        <p:cond delay="indefinite"/>
+                      </p:stCondLst>
+                      <p:childTnLst>
+                        <p:par>
+                          <p:cTn id="155" fill="hold">
+                            <p:stCondLst>
+                              <p:cond delay="0"/>
+                            </p:stCondLst>
+                            <p:childTnLst>
+                              <p:par>
+                                <p:cTn id="156" presetID="10" presetClass="entr" presetSubtype="0" fill="hold" grpId="0" nodeType="clickEffect">
+                                  <p:stCondLst>
+                                    <p:cond delay="0"/>
+                                  </p:stCondLst>
+                                  <p:childTnLst>
+                                    <p:set>
+                                      <p:cBhvr>
+                                        <p:cTn id="157" dur="1" fill="hold">
+                                          <p:stCondLst>
+                                            <p:cond delay="0"/>
+                                          </p:stCondLst>
+                                        </p:cTn>
+                                        <p:tgtEl>
+                                          <p:spTgt spid="19">
+                                            <p:txEl>
+                                              <p:pRg st="11" end="11"/>
+                                            </p:txEl>
+                                          </p:spTgt>
+                                        </p:tgtEl>
+                                        <p:attrNameLst>
+                                          <p:attrName>style.visibility</p:attrName>
+                                        </p:attrNameLst>
+                                      </p:cBhvr>
+                                      <p:to>
+                                        <p:strVal val="visible"/>
+                                      </p:to>
+                                    </p:set>
+                                    <p:animEffect transition="in" filter="fade">
+                                      <p:cBhvr>
+                                        <p:cTn id="158" dur="500"/>
+                                        <p:tgtEl>
+                                          <p:spTgt spid="19">
+                                            <p:txEl>
+                                              <p:pRg st="11" end="11"/>
                                             </p:txEl>
                                           </p:spTgt>
                                         </p:tgtEl>

--- a/ASP.NET Presentation_2.pptx
+++ b/ASP.NET Presentation_2.pptx
@@ -3502,11 +3502,7 @@
           <a:p>
             <a:r>
               <a:rPr lang="en-US" dirty="0" smtClean="0"/>
-              <a:t>A enterprise development framework which can developer’s life</a:t>
-            </a:r>
-            <a:r>
-              <a:rPr lang="en-US" dirty="0" smtClean="0"/>
-              <a:t>.</a:t>
+              <a:t>A enterprise development framework which can developer’s life.</a:t>
             </a:r>
             <a:endParaRPr lang="en-US" dirty="0"/>
           </a:p>
@@ -5144,7 +5140,7 @@
         <p:spPr>
           <a:xfrm>
             <a:off x="831849" y="788316"/>
-            <a:ext cx="4644173" cy="3139321"/>
+            <a:ext cx="4644173" cy="3416320"/>
           </a:xfrm>
           <a:prstGeom prst="rect">
             <a:avLst/>
@@ -5189,16 +5185,12 @@
               <a:buAutoNum type="arabicPeriod"/>
             </a:pPr>
             <a:r>
-              <a:rPr lang="en-US" dirty="0" err="1" smtClean="0"/>
-              <a:t>Yslow</a:t>
-            </a:r>
-            <a:r>
               <a:rPr lang="en-US" dirty="0" smtClean="0"/>
-              <a:t> Implementation : Bigger</a:t>
+              <a:t>ASP.NET MVC </a:t>
             </a:r>
             <a:r>
               <a:rPr lang="en-US" dirty="0"/>
-              <a:t>, Faster, Stronger: Optimizing ASP.NET Applications (</a:t>
+              <a:t>Basics : </a:t>
             </a:r>
             <a:r>
               <a:rPr lang="en-US" dirty="0">
@@ -5210,21 +5202,33 @@
               <a:rPr lang="en-US" dirty="0" smtClean="0">
                 <a:hlinkClick r:id="rId3"/>
               </a:rPr>
-              <a:t>bit.ly/1UO1uXB</a:t>
+              <a:t>bit.ly/1OtU7ow</a:t>
             </a:r>
             <a:r>
               <a:rPr lang="en-US" dirty="0" smtClean="0"/>
-              <a:t>)</a:t>
-            </a:r>
-            <a:endParaRPr lang="en-US" dirty="0"/>
+              <a:t>  </a:t>
+            </a:r>
+            <a:endParaRPr lang="en-US" dirty="0" smtClean="0"/>
           </a:p>
           <a:p>
             <a:pPr marL="342900" indent="-342900">
               <a:buAutoNum type="arabicPeriod"/>
             </a:pPr>
             <a:r>
+              <a:rPr lang="en-US" dirty="0" err="1" smtClean="0"/>
+              <a:t>Yslow</a:t>
+            </a:r>
+            <a:r>
+              <a:rPr lang="en-US" dirty="0" smtClean="0"/>
+              <a:t> </a:t>
+            </a:r>
+            <a:r>
+              <a:rPr lang="en-US" dirty="0" smtClean="0"/>
+              <a:t>Implementation : Bigger</a:t>
+            </a:r>
+            <a:r>
               <a:rPr lang="en-US" dirty="0"/>
-              <a:t>Don’t make me think (</a:t>
+              <a:t>, Faster, Stronger: Optimizing ASP.NET Applications (</a:t>
             </a:r>
             <a:r>
               <a:rPr lang="en-US" dirty="0">
@@ -5236,12 +5240,43 @@
               <a:rPr lang="en-US" dirty="0" smtClean="0">
                 <a:hlinkClick r:id="rId4"/>
               </a:rPr>
-              <a:t>amzn.to/1UO1Ai71</a:t>
+              <a:t>bit.ly/1UO1uXB</a:t>
             </a:r>
             <a:r>
               <a:rPr lang="en-US" dirty="0" smtClean="0"/>
               <a:t>)</a:t>
             </a:r>
+            <a:endParaRPr lang="en-US" dirty="0"/>
+          </a:p>
+          <a:p>
+            <a:pPr marL="342900" indent="-342900">
+              <a:buAutoNum type="arabicPeriod"/>
+            </a:pPr>
+            <a:r>
+              <a:rPr lang="en-US" dirty="0"/>
+              <a:t>Don’t make me think </a:t>
+            </a:r>
+            <a:r>
+              <a:rPr lang="en-US" dirty="0"/>
+              <a:t>(</a:t>
+            </a:r>
+            <a:r>
+              <a:rPr lang="en-US" dirty="0">
+                <a:hlinkClick r:id="rId5"/>
+              </a:rPr>
+              <a:t>http://</a:t>
+            </a:r>
+            <a:r>
+              <a:rPr lang="en-US" dirty="0" smtClean="0">
+                <a:hlinkClick r:id="rId5"/>
+              </a:rPr>
+              <a:t>amzn.to/1OtU9wI</a:t>
+            </a:r>
+            <a:r>
+              <a:rPr lang="en-US" dirty="0" smtClean="0"/>
+              <a:t>)</a:t>
+            </a:r>
+            <a:endParaRPr lang="en-US" dirty="0" smtClean="0"/>
           </a:p>
           <a:p>
             <a:pPr marL="342900" indent="-342900">
@@ -5254,7 +5289,7 @@
             </a:r>
             <a:r>
               <a:rPr lang="en-US" u="sng" dirty="0">
-                <a:hlinkClick r:id="rId5"/>
+                <a:hlinkClick r:id="rId6"/>
               </a:rPr>
               <a:t>http://j.mp/asp-net-boot</a:t>
             </a:r>
@@ -5274,13 +5309,13 @@
             </a:r>
             <a:r>
               <a:rPr lang="en-US" dirty="0">
-                <a:hlinkClick r:id="rId6"/>
+                <a:hlinkClick r:id="rId7"/>
               </a:rPr>
               <a:t>http://</a:t>
             </a:r>
             <a:r>
               <a:rPr lang="en-US" dirty="0" smtClean="0">
-                <a:hlinkClick r:id="rId6"/>
+                <a:hlinkClick r:id="rId7"/>
               </a:rPr>
               <a:t>bit.ly/1UO1M0L</a:t>
             </a:r>
@@ -5312,7 +5347,7 @@
         <p:spPr>
           <a:xfrm>
             <a:off x="5476022" y="788316"/>
-            <a:ext cx="6296878" cy="2031325"/>
+            <a:ext cx="6296878" cy="2308324"/>
           </a:xfrm>
           <a:prstGeom prst="rect">
             <a:avLst/>
@@ -5339,22 +5374,6 @@
             </a:r>
             <a:r>
               <a:rPr lang="en-US" dirty="0">
-                <a:hlinkClick r:id="rId7"/>
-              </a:rPr>
-              <a:t>http://</a:t>
-            </a:r>
-            <a:r>
-              <a:rPr lang="en-US" dirty="0" smtClean="0">
-                <a:hlinkClick r:id="rId7"/>
-              </a:rPr>
-              <a:t>bit.ly/1KdWSHD</a:t>
-            </a:r>
-            <a:r>
-              <a:rPr lang="en-US" dirty="0"/>
-              <a:t> | </a:t>
-            </a:r>
-            <a:r>
-              <a:rPr lang="en-US" dirty="0">
                 <a:hlinkClick r:id="rId8"/>
               </a:rPr>
               <a:t>http://</a:t>
@@ -5362,6 +5381,22 @@
             <a:r>
               <a:rPr lang="en-US" dirty="0" smtClean="0">
                 <a:hlinkClick r:id="rId8"/>
+              </a:rPr>
+              <a:t>bit.ly/1KdWSHD</a:t>
+            </a:r>
+            <a:r>
+              <a:rPr lang="en-US" dirty="0"/>
+              <a:t> | </a:t>
+            </a:r>
+            <a:r>
+              <a:rPr lang="en-US" dirty="0">
+                <a:hlinkClick r:id="rId9"/>
+              </a:rPr>
+              <a:t>http://</a:t>
+            </a:r>
+            <a:r>
+              <a:rPr lang="en-US" dirty="0" smtClean="0">
+                <a:hlinkClick r:id="rId9"/>
               </a:rPr>
               <a:t>bit.ly/1KdX0qq</a:t>
             </a:r>
@@ -5385,13 +5420,13 @@
             </a:r>
             <a:r>
               <a:rPr lang="en-US" dirty="0">
-                <a:hlinkClick r:id="rId9"/>
+                <a:hlinkClick r:id="rId10"/>
               </a:rPr>
               <a:t>http://</a:t>
             </a:r>
             <a:r>
               <a:rPr lang="en-US" dirty="0" smtClean="0">
-                <a:hlinkClick r:id="rId9"/>
+                <a:hlinkClick r:id="rId10"/>
               </a:rPr>
               <a:t>bit.ly/1KdX75o</a:t>
             </a:r>
@@ -5408,13 +5443,13 @@
             </a:r>
             <a:r>
               <a:rPr lang="en-US" dirty="0">
-                <a:hlinkClick r:id="rId10"/>
+                <a:hlinkClick r:id="rId11"/>
               </a:rPr>
               <a:t>http://</a:t>
             </a:r>
             <a:r>
               <a:rPr lang="en-US" dirty="0" smtClean="0">
-                <a:hlinkClick r:id="rId10"/>
+                <a:hlinkClick r:id="rId11"/>
               </a:rPr>
               <a:t>getbootstrap.com</a:t>
             </a:r>
@@ -5442,15 +5477,46 @@
             </a:r>
             <a:r>
               <a:rPr lang="en-US" b="1" dirty="0">
-                <a:hlinkClick r:id="rId11"/>
+                <a:hlinkClick r:id="rId12"/>
               </a:rPr>
               <a:t>http://</a:t>
             </a:r>
             <a:r>
               <a:rPr lang="en-US" b="1" dirty="0" smtClean="0">
-                <a:hlinkClick r:id="rId11"/>
+                <a:hlinkClick r:id="rId12"/>
               </a:rPr>
               <a:t>bit.ly/1KdXhd5</a:t>
+            </a:r>
+            <a:endParaRPr lang="en-US" b="1" dirty="0" smtClean="0"/>
+          </a:p>
+          <a:p>
+            <a:pPr marL="342900" indent="-342900">
+              <a:buFont typeface="+mj-lt"/>
+              <a:buAutoNum type="arabicPeriod" startAt="6"/>
+            </a:pPr>
+            <a:r>
+              <a:rPr lang="en-US" b="1" dirty="0" smtClean="0"/>
+              <a:t>Presentation Codes </a:t>
+            </a:r>
+            <a:r>
+              <a:rPr lang="en-US" b="1" dirty="0"/>
+              <a:t>: </a:t>
+            </a:r>
+            <a:r>
+              <a:rPr lang="en-US" b="1" dirty="0">
+                <a:hlinkClick r:id="rId13"/>
+              </a:rPr>
+              <a:t>http://</a:t>
+            </a:r>
+            <a:r>
+              <a:rPr lang="en-US" b="1" dirty="0" smtClean="0">
+                <a:hlinkClick r:id="rId13"/>
+              </a:rPr>
+              <a:t>bit.ly/1OtTL1f</a:t>
+            </a:r>
+            <a:r>
+              <a:rPr lang="en-US" b="1" dirty="0" smtClean="0"/>
+              <a:t>  </a:t>
             </a:r>
             <a:r>
               <a:rPr lang="en-US" b="1" dirty="0" smtClean="0"/>
@@ -5985,9 +6051,9 @@
                                           </p:stCondLst>
                                         </p:cTn>
                                         <p:tgtEl>
-                                          <p:spTgt spid="7">
+                                          <p:spTgt spid="6">
                                             <p:txEl>
-                                              <p:pRg st="0" end="0"/>
+                                              <p:pRg st="5" end="5"/>
                                             </p:txEl>
                                           </p:spTgt>
                                         </p:tgtEl>
@@ -6003,9 +6069,9 @@
                                       <p:cBhvr>
                                         <p:cTn id="45" dur="500"/>
                                         <p:tgtEl>
-                                          <p:spTgt spid="7">
+                                          <p:spTgt spid="6">
                                             <p:txEl>
-                                              <p:pRg st="0" end="0"/>
+                                              <p:pRg st="5" end="5"/>
                                             </p:txEl>
                                           </p:spTgt>
                                         </p:tgtEl>
@@ -6048,7 +6114,7 @@
                                         <p:tgtEl>
                                           <p:spTgt spid="7">
                                             <p:txEl>
-                                              <p:pRg st="1" end="1"/>
+                                              <p:pRg st="0" end="0"/>
                                             </p:txEl>
                                           </p:spTgt>
                                         </p:tgtEl>
@@ -6066,7 +6132,7 @@
                                         <p:tgtEl>
                                           <p:spTgt spid="7">
                                             <p:txEl>
-                                              <p:pRg st="1" end="1"/>
+                                              <p:pRg st="0" end="0"/>
                                             </p:txEl>
                                           </p:spTgt>
                                         </p:tgtEl>
@@ -6109,7 +6175,7 @@
                                         <p:tgtEl>
                                           <p:spTgt spid="7">
                                             <p:txEl>
-                                              <p:pRg st="2" end="2"/>
+                                              <p:pRg st="1" end="1"/>
                                             </p:txEl>
                                           </p:spTgt>
                                         </p:tgtEl>
@@ -6127,7 +6193,7 @@
                                         <p:tgtEl>
                                           <p:spTgt spid="7">
                                             <p:txEl>
-                                              <p:pRg st="2" end="2"/>
+                                              <p:pRg st="1" end="1"/>
                                             </p:txEl>
                                           </p:spTgt>
                                         </p:tgtEl>
@@ -6170,7 +6236,7 @@
                                         <p:tgtEl>
                                           <p:spTgt spid="7">
                                             <p:txEl>
-                                              <p:pRg st="3" end="3"/>
+                                              <p:pRg st="2" end="2"/>
                                             </p:txEl>
                                           </p:spTgt>
                                         </p:tgtEl>
@@ -6188,7 +6254,129 @@
                                         <p:tgtEl>
                                           <p:spTgt spid="7">
                                             <p:txEl>
+                                              <p:pRg st="2" end="2"/>
+                                            </p:txEl>
+                                          </p:spTgt>
+                                        </p:tgtEl>
+                                      </p:cBhvr>
+                                    </p:animEffect>
+                                  </p:childTnLst>
+                                </p:cTn>
+                              </p:par>
+                            </p:childTnLst>
+                          </p:cTn>
+                        </p:par>
+                      </p:childTnLst>
+                    </p:cTn>
+                  </p:par>
+                  <p:par>
+                    <p:cTn id="61" fill="hold">
+                      <p:stCondLst>
+                        <p:cond delay="indefinite"/>
+                      </p:stCondLst>
+                      <p:childTnLst>
+                        <p:par>
+                          <p:cTn id="62" fill="hold">
+                            <p:stCondLst>
+                              <p:cond delay="0"/>
+                            </p:stCondLst>
+                            <p:childTnLst>
+                              <p:par>
+                                <p:cTn id="63" presetID="10" presetClass="entr" presetSubtype="0" fill="hold" grpId="0" nodeType="clickEffect">
+                                  <p:stCondLst>
+                                    <p:cond delay="0"/>
+                                  </p:stCondLst>
+                                  <p:childTnLst>
+                                    <p:set>
+                                      <p:cBhvr>
+                                        <p:cTn id="64" dur="1" fill="hold">
+                                          <p:stCondLst>
+                                            <p:cond delay="0"/>
+                                          </p:stCondLst>
+                                        </p:cTn>
+                                        <p:tgtEl>
+                                          <p:spTgt spid="7">
+                                            <p:txEl>
                                               <p:pRg st="3" end="3"/>
+                                            </p:txEl>
+                                          </p:spTgt>
+                                        </p:tgtEl>
+                                        <p:attrNameLst>
+                                          <p:attrName>style.visibility</p:attrName>
+                                        </p:attrNameLst>
+                                      </p:cBhvr>
+                                      <p:to>
+                                        <p:strVal val="visible"/>
+                                      </p:to>
+                                    </p:set>
+                                    <p:animEffect transition="in" filter="fade">
+                                      <p:cBhvr>
+                                        <p:cTn id="65" dur="500"/>
+                                        <p:tgtEl>
+                                          <p:spTgt spid="7">
+                                            <p:txEl>
+                                              <p:pRg st="3" end="3"/>
+                                            </p:txEl>
+                                          </p:spTgt>
+                                        </p:tgtEl>
+                                      </p:cBhvr>
+                                    </p:animEffect>
+                                  </p:childTnLst>
+                                </p:cTn>
+                              </p:par>
+                            </p:childTnLst>
+                          </p:cTn>
+                        </p:par>
+                      </p:childTnLst>
+                    </p:cTn>
+                  </p:par>
+                  <p:par>
+                    <p:cTn id="66" fill="hold">
+                      <p:stCondLst>
+                        <p:cond delay="indefinite"/>
+                      </p:stCondLst>
+                      <p:childTnLst>
+                        <p:par>
+                          <p:cTn id="67" fill="hold">
+                            <p:stCondLst>
+                              <p:cond delay="0"/>
+                            </p:stCondLst>
+                            <p:childTnLst>
+                              <p:par>
+                                <p:cTn id="68" presetID="10" presetClass="entr" presetSubtype="0" fill="hold" grpId="0" nodeType="clickEffect">
+                                  <p:stCondLst>
+                                    <p:cond delay="0"/>
+                                  </p:stCondLst>
+                                  <p:childTnLst>
+                                    <p:set>
+                                      <p:cBhvr>
+                                        <p:cTn id="69" dur="1" fill="hold">
+                                          <p:stCondLst>
+                                            <p:cond delay="0"/>
+                                          </p:stCondLst>
+                                        </p:cTn>
+                                        <p:tgtEl>
+                                          <p:spTgt spid="7">
+                                            <p:txEl>
+                                              <p:pRg st="4" end="4"/>
+                                            </p:txEl>
+                                          </p:spTgt>
+                                        </p:tgtEl>
+                                        <p:attrNameLst>
+                                          <p:attrName>style.visibility</p:attrName>
+                                        </p:attrNameLst>
+                                      </p:cBhvr>
+                                      <p:to>
+                                        <p:strVal val="visible"/>
+                                      </p:to>
+                                    </p:set>
+                                    <p:animEffect transition="in" filter="fade">
+                                      <p:cBhvr>
+                                        <p:cTn id="70" dur="500"/>
+                                        <p:tgtEl>
+                                          <p:spTgt spid="7">
+                                            <p:txEl>
+                                              <p:pRg st="4" end="4"/>
                                             </p:txEl>
                                           </p:spTgt>
                                         </p:tgtEl>
@@ -6347,11 +6535,6 @@
               </a:rPr>
               <a:t>CSE 499 </a:t>
             </a:r>
-            <a:endParaRPr lang="en-US" u="sng" dirty="0" smtClean="0">
-              <a:solidFill>
-                <a:srgbClr val="00B0F0"/>
-              </a:solidFill>
-            </a:endParaRPr>
           </a:p>
           <a:p>
             <a:endParaRPr lang="en-US" dirty="0" smtClean="0"/>
@@ -6461,13 +6644,13 @@
   <p:clrMapOvr>
     <a:masterClrMapping/>
   </p:clrMapOvr>
-  <mc:AlternateContent xmlns:mc="http://schemas.openxmlformats.org/markup-compatibility/2006">
-    <mc:Choice xmlns:p15="http://schemas.microsoft.com/office/powerpoint/2012/main" Requires="p15">
+  <mc:AlternateContent xmlns:mc="http://schemas.openxmlformats.org/markup-compatibility/2006" xmlns:p15="http://schemas.microsoft.com/office/powerpoint/2012/main">
+    <mc:Choice Requires="p15">
       <p:transition xmlns:p14="http://schemas.microsoft.com/office/powerpoint/2010/main" spd="slow" p14:dur="2000">
         <p15:prstTrans prst="fallOver"/>
       </p:transition>
     </mc:Choice>
-    <mc:Fallback>
+    <mc:Fallback xmlns="">
       <p:transition spd="slow">
         <p:fade/>
       </p:transition>
@@ -7073,11 +7256,6 @@
               </a:rPr>
               <a:t>CSE 499 </a:t>
             </a:r>
-            <a:endParaRPr lang="en-US" u="sng" dirty="0" smtClean="0">
-              <a:solidFill>
-                <a:srgbClr val="00B0F0"/>
-              </a:solidFill>
-            </a:endParaRPr>
           </a:p>
           <a:p>
             <a:endParaRPr lang="en-US" dirty="0" smtClean="0"/>
@@ -7152,13 +7330,13 @@
   <p:clrMapOvr>
     <a:masterClrMapping/>
   </p:clrMapOvr>
-  <mc:AlternateContent xmlns:mc="http://schemas.openxmlformats.org/markup-compatibility/2006">
-    <mc:Choice xmlns:p14="http://schemas.microsoft.com/office/powerpoint/2010/main" Requires="p14">
+  <mc:AlternateContent xmlns:mc="http://schemas.openxmlformats.org/markup-compatibility/2006" xmlns:p14="http://schemas.microsoft.com/office/powerpoint/2010/main">
+    <mc:Choice Requires="p14">
       <p:transition spd="med" p14:dur="700">
         <p:fade/>
       </p:transition>
     </mc:Choice>
-    <mc:Fallback>
+    <mc:Fallback xmlns="">
       <p:transition spd="med">
         <p:fade/>
       </p:transition>
@@ -8286,13 +8464,6 @@
               </a:rPr>
               <a:t>.</a:t>
             </a:r>
-            <a:endParaRPr lang="en-US" sz="2000" dirty="0" smtClean="0">
-              <a:solidFill>
-                <a:schemeClr val="accent1">
-                  <a:lumMod val="75000"/>
-                </a:schemeClr>
-              </a:solidFill>
-            </a:endParaRPr>
           </a:p>
         </p:txBody>
       </p:sp>
@@ -13819,11 +13990,7 @@
             </a:pPr>
             <a:r>
               <a:rPr lang="en-US" dirty="0" smtClean="0"/>
-              <a:t>Faster </a:t>
-            </a:r>
-            <a:r>
-              <a:rPr lang="en-US" dirty="0" smtClean="0"/>
-              <a:t>integration</a:t>
+              <a:t>Faster integration</a:t>
             </a:r>
           </a:p>
           <a:p>
@@ -13832,15 +13999,7 @@
             </a:pPr>
             <a:r>
               <a:rPr lang="en-US" dirty="0" smtClean="0"/>
-              <a:t>Web </a:t>
-            </a:r>
-            <a:r>
-              <a:rPr lang="en-US" dirty="0" smtClean="0"/>
-              <a:t>Optimization Out of the box </a:t>
-            </a:r>
-            <a:r>
-              <a:rPr lang="en-US" dirty="0" smtClean="0"/>
-              <a:t>(</a:t>
+              <a:t>Web Optimization Out of the box (</a:t>
             </a:r>
             <a:r>
               <a:rPr lang="en-US" dirty="0" err="1" smtClean="0"/>
@@ -13871,7 +14030,15 @@
             </a:r>
             <a:r>
               <a:rPr lang="en-US" dirty="0" smtClean="0"/>
-              <a:t>components</a:t>
+              <a:t>components (Combo, </a:t>
+            </a:r>
+            <a:r>
+              <a:rPr lang="en-US" dirty="0" err="1" smtClean="0"/>
+              <a:t>DateTime</a:t>
+            </a:r>
+            <a:r>
+              <a:rPr lang="en-US" smtClean="0"/>
+              <a:t>…)</a:t>
             </a:r>
             <a:endParaRPr lang="en-US" dirty="0" smtClean="0"/>
           </a:p>
@@ -13906,7 +14073,6 @@
               <a:rPr lang="en-US" dirty="0" smtClean="0"/>
               <a:t> integration.</a:t>
             </a:r>
-            <a:endParaRPr lang="en-US" dirty="0" smtClean="0"/>
           </a:p>
           <a:p>
             <a:pPr marL="342900" indent="-342900">
@@ -13917,7 +14083,6 @@
               <a:rPr lang="en-US" dirty="0" smtClean="0"/>
               <a:t>IP to country detection.</a:t>
             </a:r>
-            <a:endParaRPr lang="en-US" dirty="0" smtClean="0"/>
           </a:p>
           <a:p>
             <a:pPr marL="342900" indent="-342900">
@@ -14071,13 +14236,8 @@
             </a:r>
             <a:r>
               <a:rPr lang="en-US" dirty="0" smtClean="0"/>
-              <a:t>Web </a:t>
-            </a:r>
-            <a:r>
-              <a:rPr lang="en-US" dirty="0" smtClean="0"/>
-              <a:t>Optimization is not integrated out of the box.</a:t>
-            </a:r>
-            <a:endParaRPr lang="en-US" dirty="0" smtClean="0"/>
+              <a:t>Web Optimization is not integrated out of the box.</a:t>
+            </a:r>
           </a:p>
           <a:p>
             <a:pPr marL="342900" indent="-342900">
@@ -14255,7 +14415,6 @@
               <a:rPr lang="en-US" dirty="0" smtClean="0"/>
               <a:t>We have to make our own.</a:t>
             </a:r>
-            <a:endParaRPr lang="en-US" dirty="0" smtClean="0"/>
           </a:p>
           <a:p>
             <a:pPr marL="342900" indent="-342900">

--- a/ASP.NET Presentation_2.pptx
+++ b/ASP.NET Presentation_2.pptx
@@ -489,6 +489,258 @@
 </file>
 
 <file path=ppt/notesSlides/notesSlide1.xml><?xml version="1.0" encoding="utf-8"?>
+<p:notes xmlns:a="http://schemas.openxmlformats.org/drawingml/2006/main" xmlns:r="http://schemas.openxmlformats.org/officeDocument/2006/relationships" xmlns:p="http://schemas.openxmlformats.org/presentationml/2006/main">
+  <p:cSld>
+    <p:spTree>
+      <p:nvGrpSpPr>
+        <p:cNvPr id="1" name=""/>
+        <p:cNvGrpSpPr/>
+        <p:nvPr/>
+      </p:nvGrpSpPr>
+      <p:grpSpPr>
+        <a:xfrm>
+          <a:off x="0" y="0"/>
+          <a:ext cx="0" cy="0"/>
+          <a:chOff x="0" y="0"/>
+          <a:chExt cx="0" cy="0"/>
+        </a:xfrm>
+      </p:grpSpPr>
+      <p:sp>
+        <p:nvSpPr>
+          <p:cNvPr id="2" name="Slide Image Placeholder 1"/>
+          <p:cNvSpPr>
+            <a:spLocks noGrp="1" noRot="1" noChangeAspect="1"/>
+          </p:cNvSpPr>
+          <p:nvPr>
+            <p:ph type="sldImg"/>
+          </p:nvPr>
+        </p:nvSpPr>
+        <p:spPr/>
+      </p:sp>
+      <p:sp>
+        <p:nvSpPr>
+          <p:cNvPr id="3" name="Notes Placeholder 2"/>
+          <p:cNvSpPr>
+            <a:spLocks noGrp="1"/>
+          </p:cNvSpPr>
+          <p:nvPr>
+            <p:ph type="body" idx="1"/>
+          </p:nvPr>
+        </p:nvSpPr>
+        <p:spPr/>
+        <p:txBody>
+          <a:bodyPr/>
+          <a:lstStyle/>
+          <a:p>
+            <a:endParaRPr lang="en-US" dirty="0"/>
+          </a:p>
+        </p:txBody>
+      </p:sp>
+      <p:sp>
+        <p:nvSpPr>
+          <p:cNvPr id="4" name="Slide Number Placeholder 3"/>
+          <p:cNvSpPr>
+            <a:spLocks noGrp="1"/>
+          </p:cNvSpPr>
+          <p:nvPr>
+            <p:ph type="sldNum" sz="quarter" idx="10"/>
+          </p:nvPr>
+        </p:nvSpPr>
+        <p:spPr/>
+        <p:txBody>
+          <a:bodyPr/>
+          <a:lstStyle/>
+          <a:p>
+            <a:fld id="{924ABC8A-E015-49F9-B6B7-D277BB3EECF6}" type="slidenum">
+              <a:rPr lang="en-US" smtClean="0"/>
+              <a:t>1</a:t>
+            </a:fld>
+            <a:endParaRPr lang="en-US"/>
+          </a:p>
+        </p:txBody>
+      </p:sp>
+    </p:spTree>
+    <p:extLst>
+      <p:ext uri="{BB962C8B-B14F-4D97-AF65-F5344CB8AC3E}">
+        <p14:creationId xmlns:p14="http://schemas.microsoft.com/office/powerpoint/2010/main" val="877753582"/>
+      </p:ext>
+    </p:extLst>
+  </p:cSld>
+  <p:clrMapOvr>
+    <a:masterClrMapping/>
+  </p:clrMapOvr>
+</p:notes>
+</file>
+
+<file path=ppt/notesSlides/notesSlide2.xml><?xml version="1.0" encoding="utf-8"?>
+<p:notes xmlns:a="http://schemas.openxmlformats.org/drawingml/2006/main" xmlns:r="http://schemas.openxmlformats.org/officeDocument/2006/relationships" xmlns:p="http://schemas.openxmlformats.org/presentationml/2006/main">
+  <p:cSld>
+    <p:spTree>
+      <p:nvGrpSpPr>
+        <p:cNvPr id="1" name=""/>
+        <p:cNvGrpSpPr/>
+        <p:nvPr/>
+      </p:nvGrpSpPr>
+      <p:grpSpPr>
+        <a:xfrm>
+          <a:off x="0" y="0"/>
+          <a:ext cx="0" cy="0"/>
+          <a:chOff x="0" y="0"/>
+          <a:chExt cx="0" cy="0"/>
+        </a:xfrm>
+      </p:grpSpPr>
+      <p:sp>
+        <p:nvSpPr>
+          <p:cNvPr id="2" name="Slide Image Placeholder 1"/>
+          <p:cNvSpPr>
+            <a:spLocks noGrp="1" noRot="1" noChangeAspect="1"/>
+          </p:cNvSpPr>
+          <p:nvPr>
+            <p:ph type="sldImg"/>
+          </p:nvPr>
+        </p:nvSpPr>
+        <p:spPr/>
+      </p:sp>
+      <p:sp>
+        <p:nvSpPr>
+          <p:cNvPr id="3" name="Notes Placeholder 2"/>
+          <p:cNvSpPr>
+            <a:spLocks noGrp="1"/>
+          </p:cNvSpPr>
+          <p:nvPr>
+            <p:ph type="body" idx="1"/>
+          </p:nvPr>
+        </p:nvSpPr>
+        <p:spPr/>
+        <p:txBody>
+          <a:bodyPr/>
+          <a:lstStyle/>
+          <a:p>
+            <a:endParaRPr lang="en-US"/>
+          </a:p>
+        </p:txBody>
+      </p:sp>
+      <p:sp>
+        <p:nvSpPr>
+          <p:cNvPr id="4" name="Slide Number Placeholder 3"/>
+          <p:cNvSpPr>
+            <a:spLocks noGrp="1"/>
+          </p:cNvSpPr>
+          <p:nvPr>
+            <p:ph type="sldNum" sz="quarter" idx="10"/>
+          </p:nvPr>
+        </p:nvSpPr>
+        <p:spPr/>
+        <p:txBody>
+          <a:bodyPr/>
+          <a:lstStyle/>
+          <a:p>
+            <a:fld id="{924ABC8A-E015-49F9-B6B7-D277BB3EECF6}" type="slidenum">
+              <a:rPr lang="en-US" smtClean="0"/>
+              <a:t>2</a:t>
+            </a:fld>
+            <a:endParaRPr lang="en-US"/>
+          </a:p>
+        </p:txBody>
+      </p:sp>
+    </p:spTree>
+    <p:extLst>
+      <p:ext uri="{BB962C8B-B14F-4D97-AF65-F5344CB8AC3E}">
+        <p14:creationId xmlns:p14="http://schemas.microsoft.com/office/powerpoint/2010/main" val="1929761054"/>
+      </p:ext>
+    </p:extLst>
+  </p:cSld>
+  <p:clrMapOvr>
+    <a:masterClrMapping/>
+  </p:clrMapOvr>
+</p:notes>
+</file>
+
+<file path=ppt/notesSlides/notesSlide3.xml><?xml version="1.0" encoding="utf-8"?>
+<p:notes xmlns:a="http://schemas.openxmlformats.org/drawingml/2006/main" xmlns:r="http://schemas.openxmlformats.org/officeDocument/2006/relationships" xmlns:p="http://schemas.openxmlformats.org/presentationml/2006/main">
+  <p:cSld>
+    <p:spTree>
+      <p:nvGrpSpPr>
+        <p:cNvPr id="1" name=""/>
+        <p:cNvGrpSpPr/>
+        <p:nvPr/>
+      </p:nvGrpSpPr>
+      <p:grpSpPr>
+        <a:xfrm>
+          <a:off x="0" y="0"/>
+          <a:ext cx="0" cy="0"/>
+          <a:chOff x="0" y="0"/>
+          <a:chExt cx="0" cy="0"/>
+        </a:xfrm>
+      </p:grpSpPr>
+      <p:sp>
+        <p:nvSpPr>
+          <p:cNvPr id="2" name="Slide Image Placeholder 1"/>
+          <p:cNvSpPr>
+            <a:spLocks noGrp="1" noRot="1" noChangeAspect="1"/>
+          </p:cNvSpPr>
+          <p:nvPr>
+            <p:ph type="sldImg"/>
+          </p:nvPr>
+        </p:nvSpPr>
+        <p:spPr/>
+      </p:sp>
+      <p:sp>
+        <p:nvSpPr>
+          <p:cNvPr id="3" name="Notes Placeholder 2"/>
+          <p:cNvSpPr>
+            <a:spLocks noGrp="1"/>
+          </p:cNvSpPr>
+          <p:nvPr>
+            <p:ph type="body" idx="1"/>
+          </p:nvPr>
+        </p:nvSpPr>
+        <p:spPr/>
+        <p:txBody>
+          <a:bodyPr/>
+          <a:lstStyle/>
+          <a:p>
+            <a:endParaRPr lang="en-US"/>
+          </a:p>
+        </p:txBody>
+      </p:sp>
+      <p:sp>
+        <p:nvSpPr>
+          <p:cNvPr id="4" name="Slide Number Placeholder 3"/>
+          <p:cNvSpPr>
+            <a:spLocks noGrp="1"/>
+          </p:cNvSpPr>
+          <p:nvPr>
+            <p:ph type="sldNum" sz="quarter" idx="10"/>
+          </p:nvPr>
+        </p:nvSpPr>
+        <p:spPr/>
+        <p:txBody>
+          <a:bodyPr/>
+          <a:lstStyle/>
+          <a:p>
+            <a:fld id="{924ABC8A-E015-49F9-B6B7-D277BB3EECF6}" type="slidenum">
+              <a:rPr lang="en-US" smtClean="0"/>
+              <a:t>3</a:t>
+            </a:fld>
+            <a:endParaRPr lang="en-US"/>
+          </a:p>
+        </p:txBody>
+      </p:sp>
+    </p:spTree>
+    <p:extLst>
+      <p:ext uri="{BB962C8B-B14F-4D97-AF65-F5344CB8AC3E}">
+        <p14:creationId xmlns:p14="http://schemas.microsoft.com/office/powerpoint/2010/main" val="103111010"/>
+      </p:ext>
+    </p:extLst>
+  </p:cSld>
+  <p:clrMapOvr>
+    <a:masterClrMapping/>
+  </p:clrMapOvr>
+</p:notes>
+</file>
+
+<file path=ppt/notesSlides/notesSlide4.xml><?xml version="1.0" encoding="utf-8"?>
 <p:notes xmlns:a="http://schemas.openxmlformats.org/drawingml/2006/main" xmlns:r="http://schemas.openxmlformats.org/officeDocument/2006/relationships" xmlns:p="http://schemas.openxmlformats.org/presentationml/2006/main">
   <p:cSld>
     <p:spTree>
@@ -3502,7 +3754,7 @@
           <a:p>
             <a:r>
               <a:rPr lang="en-US" dirty="0" smtClean="0"/>
-              <a:t>A enterprise development framework which can developer’s life.</a:t>
+              <a:t>An enterprise development framework which can developer’s life.</a:t>
             </a:r>
             <a:endParaRPr lang="en-US" dirty="0"/>
           </a:p>
@@ -5208,7 +5460,6 @@
               <a:rPr lang="en-US" dirty="0" smtClean="0"/>
               <a:t>  </a:t>
             </a:r>
-            <a:endParaRPr lang="en-US" dirty="0" smtClean="0"/>
           </a:p>
           <a:p>
             <a:pPr marL="342900" indent="-342900">
@@ -5220,11 +5471,7 @@
             </a:r>
             <a:r>
               <a:rPr lang="en-US" dirty="0" smtClean="0"/>
-              <a:t> </a:t>
-            </a:r>
-            <a:r>
-              <a:rPr lang="en-US" dirty="0" smtClean="0"/>
-              <a:t>Implementation : Bigger</a:t>
+              <a:t> Implementation : Bigger</a:t>
             </a:r>
             <a:r>
               <a:rPr lang="en-US" dirty="0"/>
@@ -5254,11 +5501,7 @@
             </a:pPr>
             <a:r>
               <a:rPr lang="en-US" dirty="0"/>
-              <a:t>Don’t make me think </a:t>
-            </a:r>
-            <a:r>
-              <a:rPr lang="en-US" dirty="0"/>
-              <a:t>(</a:t>
+              <a:t>Don’t make me think (</a:t>
             </a:r>
             <a:r>
               <a:rPr lang="en-US" dirty="0">
@@ -5276,7 +5519,6 @@
               <a:rPr lang="en-US" dirty="0" smtClean="0"/>
               <a:t>)</a:t>
             </a:r>
-            <a:endParaRPr lang="en-US" dirty="0" smtClean="0"/>
           </a:p>
           <a:p>
             <a:pPr marL="342900" indent="-342900">
@@ -5516,13 +5758,8 @@
             </a:r>
             <a:r>
               <a:rPr lang="en-US" b="1" dirty="0" smtClean="0"/>
-              <a:t>  </a:t>
-            </a:r>
-            <a:r>
-              <a:rPr lang="en-US" b="1" dirty="0" smtClean="0"/>
-              <a:t> </a:t>
-            </a:r>
-            <a:endParaRPr lang="en-US" b="1" dirty="0" smtClean="0"/>
+              <a:t>   </a:t>
+            </a:r>
           </a:p>
           <a:p>
             <a:pPr marL="342900" indent="-342900">
@@ -7444,13 +7681,7 @@
           <a:p>
             <a:r>
               <a:rPr lang="en-US" dirty="0" smtClean="0"/>
-              <a:t>How we are going to install it?</a:t>
-            </a:r>
-          </a:p>
-          <a:p>
-            <a:r>
-              <a:rPr lang="en-US" dirty="0" smtClean="0"/>
-              <a:t>Proof of concepts comparing with another regular project</a:t>
+              <a:t> Proof of concepts comparing with another regular project</a:t>
             </a:r>
           </a:p>
           <a:p>
@@ -7461,10 +7692,9 @@
           </a:p>
           <a:p>
             <a:r>
-              <a:rPr lang="en-US" smtClean="0"/>
+              <a:rPr lang="en-US" dirty="0" smtClean="0"/>
               <a:t>References </a:t>
             </a:r>
-            <a:endParaRPr lang="en-US" dirty="0" smtClean="0"/>
           </a:p>
           <a:p>
             <a:pPr marL="0" indent="0">
@@ -7950,67 +8180,6 @@
                                           <p:spTgt spid="3">
                                             <p:txEl>
                                               <p:pRg st="7" end="7"/>
-                                            </p:txEl>
-                                          </p:spTgt>
-                                        </p:tgtEl>
-                                      </p:cBhvr>
-                                    </p:animEffect>
-                                  </p:childTnLst>
-                                </p:cTn>
-                              </p:par>
-                            </p:childTnLst>
-                          </p:cTn>
-                        </p:par>
-                      </p:childTnLst>
-                    </p:cTn>
-                  </p:par>
-                  <p:par>
-                    <p:cTn id="37" fill="hold">
-                      <p:stCondLst>
-                        <p:cond delay="indefinite"/>
-                      </p:stCondLst>
-                      <p:childTnLst>
-                        <p:par>
-                          <p:cTn id="38" fill="hold">
-                            <p:stCondLst>
-                              <p:cond delay="0"/>
-                            </p:stCondLst>
-                            <p:childTnLst>
-                              <p:par>
-                                <p:cTn id="39" presetID="10" presetClass="entr" presetSubtype="0" fill="hold" grpId="0" nodeType="clickEffect">
-                                  <p:stCondLst>
-                                    <p:cond delay="0"/>
-                                  </p:stCondLst>
-                                  <p:childTnLst>
-                                    <p:set>
-                                      <p:cBhvr>
-                                        <p:cTn id="40" dur="1" fill="hold">
-                                          <p:stCondLst>
-                                            <p:cond delay="0"/>
-                                          </p:stCondLst>
-                                        </p:cTn>
-                                        <p:tgtEl>
-                                          <p:spTgt spid="3">
-                                            <p:txEl>
-                                              <p:pRg st="8" end="8"/>
-                                            </p:txEl>
-                                          </p:spTgt>
-                                        </p:tgtEl>
-                                        <p:attrNameLst>
-                                          <p:attrName>style.visibility</p:attrName>
-                                        </p:attrNameLst>
-                                      </p:cBhvr>
-                                      <p:to>
-                                        <p:strVal val="visible"/>
-                                      </p:to>
-                                    </p:set>
-                                    <p:animEffect transition="in" filter="fade">
-                                      <p:cBhvr>
-                                        <p:cTn id="41" dur="500"/>
-                                        <p:tgtEl>
-                                          <p:spTgt spid="3">
-                                            <p:txEl>
-                                              <p:pRg st="8" end="8"/>
                                             </p:txEl>
                                           </p:spTgt>
                                         </p:tgtEl>
@@ -8127,7 +8296,7 @@
         </p:nvSpPr>
         <p:spPr>
           <a:xfrm>
-            <a:off x="10493732" y="706853"/>
+            <a:off x="10493732" y="1668881"/>
             <a:ext cx="1178528" cy="400110"/>
           </a:xfrm>
           <a:prstGeom prst="rect">
@@ -8163,7 +8332,7 @@
         </p:nvSpPr>
         <p:spPr>
           <a:xfrm>
-            <a:off x="9104954" y="1625297"/>
+            <a:off x="9104954" y="396157"/>
             <a:ext cx="2567306" cy="400110"/>
           </a:xfrm>
           <a:prstGeom prst="rect">
@@ -8199,7 +8368,7 @@
         </p:nvSpPr>
         <p:spPr>
           <a:xfrm>
-            <a:off x="10969824" y="1166075"/>
+            <a:off x="10969824" y="820398"/>
             <a:ext cx="702436" cy="400110"/>
           </a:xfrm>
           <a:prstGeom prst="rect">
@@ -8348,7 +8517,7 @@
         <p:spPr>
           <a:xfrm>
             <a:off x="-127855" y="3283355"/>
-            <a:ext cx="10515600" cy="646331"/>
+            <a:ext cx="10515600" cy="560090"/>
           </a:xfrm>
           <a:prstGeom prst="rect">
             <a:avLst/>
@@ -8372,7 +8541,7 @@
               </a:spcAft>
             </a:pPr>
             <a:r>
-              <a:rPr lang="en-US" i="1" dirty="0" smtClean="0">
+              <a:rPr lang="en-US" i="1" dirty="0">
                 <a:solidFill>
                   <a:srgbClr val="206252"/>
                 </a:solidFill>
@@ -8380,7 +8549,7 @@
                 <a:ea typeface="Times New Roman" panose="02020603050405020304" pitchFamily="18" charset="0"/>
                 <a:cs typeface="SolaimanLipi" panose="02000500020000020004" pitchFamily="2" charset="0"/>
               </a:rPr>
-              <a:t>Last thing we have to remember that humans are not machine. </a:t>
+              <a:t>We have to remember that humans are not machine. </a:t>
             </a:r>
             <a:endParaRPr lang="en-US" sz="1400" dirty="0">
               <a:effectLst/>
@@ -8399,7 +8568,7 @@
         </p:nvSpPr>
         <p:spPr>
           <a:xfrm>
-            <a:off x="4843210" y="2084518"/>
+            <a:off x="4843210" y="1244639"/>
             <a:ext cx="6829050" cy="400110"/>
           </a:xfrm>
           <a:prstGeom prst="rect">
@@ -8526,7 +8695,7 @@
                                           </p:stCondLst>
                                         </p:cTn>
                                         <p:tgtEl>
-                                          <p:spTgt spid="7"/>
+                                          <p:spTgt spid="9"/>
                                         </p:tgtEl>
                                         <p:attrNameLst>
                                           <p:attrName>style.visibility</p:attrName>
@@ -8540,7 +8709,7 @@
                                       <p:cBhvr>
                                         <p:cTn id="7" dur="500"/>
                                         <p:tgtEl>
-                                          <p:spTgt spid="7"/>
+                                          <p:spTgt spid="9"/>
                                         </p:tgtEl>
                                       </p:cBhvr>
                                     </p:animEffect>
@@ -8560,7 +8729,7 @@
                                       <p:cBhvr override="childStyle">
                                         <p:cTn id="9" dur="900" fill="hold"/>
                                         <p:tgtEl>
-                                          <p:spTgt spid="7"/>
+                                          <p:spTgt spid="9"/>
                                         </p:tgtEl>
                                         <p:attrNameLst>
                                           <p:attrName>style.color</p:attrName>
@@ -8586,7 +8755,7 @@
                                       <p:cBhvr override="childStyle">
                                         <p:cTn id="11" dur="4800"/>
                                         <p:tgtEl>
-                                          <p:spTgt spid="7"/>
+                                          <p:spTgt spid="9"/>
                                         </p:tgtEl>
                                         <p:attrNameLst>
                                           <p:attrName>style.fontWeight</p:attrName>
@@ -8630,7 +8799,7 @@
                                       <p:cBhvr override="childStyle">
                                         <p:cTn id="15" dur="1000" fill="hold"/>
                                         <p:tgtEl>
-                                          <p:spTgt spid="7"/>
+                                          <p:spTgt spid="9"/>
                                         </p:tgtEl>
                                         <p:attrNameLst>
                                           <p:attrName>style.color</p:attrName>
@@ -8678,7 +8847,7 @@
                                           </p:stCondLst>
                                         </p:cTn>
                                         <p:tgtEl>
-                                          <p:spTgt spid="12">
+                                          <p:spTgt spid="14">
                                             <p:txEl>
                                               <p:pRg st="0" end="0"/>
                                             </p:txEl>
@@ -8696,7 +8865,7 @@
                                       <p:cBhvr>
                                         <p:cTn id="20" dur="200"/>
                                         <p:tgtEl>
-                                          <p:spTgt spid="12">
+                                          <p:spTgt spid="14">
                                             <p:txEl>
                                               <p:pRg st="0" end="0"/>
                                             </p:txEl>
@@ -8720,7 +8889,7 @@
                                       <p:cBhvr override="childStyle">
                                         <p:cTn id="22" dur="600"/>
                                         <p:tgtEl>
-                                          <p:spTgt spid="12">
+                                          <p:spTgt spid="14">
                                             <p:txEl>
                                               <p:pRg st="0" end="0"/>
                                             </p:txEl>
@@ -8768,7 +8937,7 @@
                                       <p:cBhvr>
                                         <p:cTn id="26" dur="500"/>
                                         <p:tgtEl>
-                                          <p:spTgt spid="12">
+                                          <p:spTgt spid="14">
                                             <p:txEl>
                                               <p:pRg st="0" end="0"/>
                                             </p:txEl>
@@ -8784,7 +8953,7 @@
                                           </p:stCondLst>
                                         </p:cTn>
                                         <p:tgtEl>
-                                          <p:spTgt spid="12">
+                                          <p:spTgt spid="14">
                                             <p:txEl>
                                               <p:pRg st="0" end="0"/>
                                             </p:txEl>
@@ -9146,7 +9315,7 @@
                                           </p:stCondLst>
                                         </p:cTn>
                                         <p:tgtEl>
-                                          <p:spTgt spid="9"/>
+                                          <p:spTgt spid="11"/>
                                         </p:tgtEl>
                                         <p:attrNameLst>
                                           <p:attrName>style.visibility</p:attrName>
@@ -9160,7 +9329,7 @@
                                       <p:cBhvr>
                                         <p:cTn id="57" dur="500"/>
                                         <p:tgtEl>
-                                          <p:spTgt spid="9"/>
+                                          <p:spTgt spid="11"/>
                                         </p:tgtEl>
                                       </p:cBhvr>
                                     </p:animEffect>
@@ -9180,7 +9349,7 @@
                                       <p:cBhvr override="childStyle">
                                         <p:cTn id="59" dur="900" fill="hold"/>
                                         <p:tgtEl>
-                                          <p:spTgt spid="9"/>
+                                          <p:spTgt spid="11"/>
                                         </p:tgtEl>
                                         <p:attrNameLst>
                                           <p:attrName>style.color</p:attrName>
@@ -9206,7 +9375,7 @@
                                       <p:cBhvr override="childStyle">
                                         <p:cTn id="61" dur="4800"/>
                                         <p:tgtEl>
-                                          <p:spTgt spid="9"/>
+                                          <p:spTgt spid="11"/>
                                         </p:tgtEl>
                                         <p:attrNameLst>
                                           <p:attrName>style.fontWeight</p:attrName>
@@ -9250,7 +9419,7 @@
                                       <p:cBhvr override="childStyle">
                                         <p:cTn id="65" dur="1000" fill="hold"/>
                                         <p:tgtEl>
-                                          <p:spTgt spid="9"/>
+                                          <p:spTgt spid="11"/>
                                         </p:tgtEl>
                                         <p:attrNameLst>
                                           <p:attrName>style.color</p:attrName>
@@ -9298,11 +9467,7 @@
                                           </p:stCondLst>
                                         </p:cTn>
                                         <p:tgtEl>
-                                          <p:spTgt spid="14">
-                                            <p:txEl>
-                                              <p:pRg st="0" end="0"/>
-                                            </p:txEl>
-                                          </p:spTgt>
+                                          <p:spTgt spid="7"/>
                                         </p:tgtEl>
                                         <p:attrNameLst>
                                           <p:attrName>style.visibility</p:attrName>
@@ -9314,13 +9479,9 @@
                                     </p:set>
                                     <p:animEffect transition="in" filter="fade">
                                       <p:cBhvr>
-                                        <p:cTn id="70" dur="200"/>
-                                        <p:tgtEl>
-                                          <p:spTgt spid="14">
-                                            <p:txEl>
-                                              <p:pRg st="0" end="0"/>
-                                            </p:txEl>
-                                          </p:spTgt>
+                                        <p:cTn id="70" dur="500"/>
+                                        <p:tgtEl>
+                                          <p:spTgt spid="7"/>
                                         </p:tgtEl>
                                       </p:cBhvr>
                                     </p:animEffect>
@@ -9328,23 +9489,45 @@
                                 </p:cTn>
                               </p:par>
                               <p:par>
-                                <p:cTn id="71" presetID="15" presetClass="emph" presetSubtype="0" grpId="1" nodeType="withEffect">
+                                <p:cTn id="71" presetID="3" presetClass="emph" presetSubtype="2" fill="hold" grpId="1" nodeType="withEffect">
                                   <p:stCondLst>
-                                    <p:cond delay="400"/>
+                                    <p:cond delay="0"/>
                                   </p:stCondLst>
                                   <p:iterate type="lt">
-                                    <p:tmAbs val="15"/>
+                                    <p:tmPct val="0"/>
+                                  </p:iterate>
+                                  <p:childTnLst>
+                                    <p:animClr clrSpc="rgb" dir="cw">
+                                      <p:cBhvr override="childStyle">
+                                        <p:cTn id="72" dur="900" fill="hold"/>
+                                        <p:tgtEl>
+                                          <p:spTgt spid="7"/>
+                                        </p:tgtEl>
+                                        <p:attrNameLst>
+                                          <p:attrName>style.color</p:attrName>
+                                        </p:attrNameLst>
+                                      </p:cBhvr>
+                                      <p:to>
+                                        <a:srgbClr val="FF0000"/>
+                                      </p:to>
+                                    </p:animClr>
+                                  </p:childTnLst>
+                                </p:cTn>
+                              </p:par>
+                              <p:par>
+                                <p:cTn id="73" presetID="15" presetClass="emph" presetSubtype="0" grpId="3" nodeType="withEffect">
+                                  <p:stCondLst>
+                                    <p:cond delay="0"/>
+                                  </p:stCondLst>
+                                  <p:iterate type="lt">
+                                    <p:tmAbs val="25"/>
                                   </p:iterate>
                                   <p:childTnLst>
                                     <p:set>
                                       <p:cBhvr override="childStyle">
-                                        <p:cTn id="72" dur="600"/>
-                                        <p:tgtEl>
-                                          <p:spTgt spid="14">
-                                            <p:txEl>
-                                              <p:pRg st="0" end="0"/>
-                                            </p:txEl>
-                                          </p:spTgt>
+                                        <p:cTn id="74" dur="4800"/>
+                                        <p:tgtEl>
+                                          <p:spTgt spid="7"/>
                                         </p:tgtEl>
                                         <p:attrNameLst>
                                           <p:attrName>style.fontWeight</p:attrName>
@@ -9364,19 +9547,19 @@
                     </p:cTn>
                   </p:par>
                   <p:par>
-                    <p:cTn id="73" fill="hold">
+                    <p:cTn id="75" fill="hold">
                       <p:stCondLst>
                         <p:cond delay="indefinite"/>
                       </p:stCondLst>
                       <p:childTnLst>
                         <p:par>
-                          <p:cTn id="74" fill="hold">
+                          <p:cTn id="76" fill="hold">
                             <p:stCondLst>
                               <p:cond delay="0"/>
                             </p:stCondLst>
                             <p:childTnLst>
                               <p:par>
-                                <p:cTn id="75" presetID="10" presetClass="exit" presetSubtype="0" fill="hold" grpId="2" nodeType="clickEffect">
+                                <p:cTn id="77" presetID="3" presetClass="emph" presetSubtype="2" fill="hold" grpId="2" nodeType="clickEffect">
                                   <p:stCondLst>
                                     <p:cond delay="0"/>
                                   </p:stCondLst>
@@ -9384,40 +9567,20 @@
                                     <p:tmPct val="0"/>
                                   </p:iterate>
                                   <p:childTnLst>
-                                    <p:animEffect transition="out" filter="fade">
-                                      <p:cBhvr>
-                                        <p:cTn id="76" dur="500"/>
-                                        <p:tgtEl>
-                                          <p:spTgt spid="14">
-                                            <p:txEl>
-                                              <p:pRg st="0" end="0"/>
-                                            </p:txEl>
-                                          </p:spTgt>
-                                        </p:tgtEl>
-                                      </p:cBhvr>
-                                    </p:animEffect>
-                                    <p:set>
-                                      <p:cBhvr>
-                                        <p:cTn id="77" dur="1" fill="hold">
-                                          <p:stCondLst>
-                                            <p:cond delay="499"/>
-                                          </p:stCondLst>
-                                        </p:cTn>
-                                        <p:tgtEl>
-                                          <p:spTgt spid="14">
-                                            <p:txEl>
-                                              <p:pRg st="0" end="0"/>
-                                            </p:txEl>
-                                          </p:spTgt>
+                                    <p:animClr clrSpc="rgb" dir="cw">
+                                      <p:cBhvr override="childStyle">
+                                        <p:cTn id="78" dur="1000" fill="hold"/>
+                                        <p:tgtEl>
+                                          <p:spTgt spid="7"/>
                                         </p:tgtEl>
                                         <p:attrNameLst>
-                                          <p:attrName>style.visibility</p:attrName>
+                                          <p:attrName>style.color</p:attrName>
                                         </p:attrNameLst>
                                       </p:cBhvr>
                                       <p:to>
-                                        <p:strVal val="hidden"/>
+                                        <a:srgbClr val="00B0F0"/>
                                       </p:to>
-                                    </p:set>
+                                    </p:animClr>
                                   </p:childTnLst>
                                 </p:cTn>
                               </p:par>
@@ -9428,19 +9591,19 @@
                     </p:cTn>
                   </p:par>
                   <p:par>
-                    <p:cTn id="78" fill="hold">
+                    <p:cTn id="79" fill="hold">
                       <p:stCondLst>
                         <p:cond delay="indefinite"/>
                       </p:stCondLst>
                       <p:childTnLst>
                         <p:par>
-                          <p:cTn id="79" fill="hold">
+                          <p:cTn id="80" fill="hold">
                             <p:stCondLst>
                               <p:cond delay="0"/>
                             </p:stCondLst>
                             <p:childTnLst>
                               <p:par>
-                                <p:cTn id="80" presetID="10" presetClass="entr" presetSubtype="0" fill="hold" grpId="0" nodeType="clickEffect">
+                                <p:cTn id="81" presetID="10" presetClass="entr" presetSubtype="0" fill="hold" grpId="0" nodeType="clickEffect">
                                   <p:stCondLst>
                                     <p:cond delay="0"/>
                                   </p:stCondLst>
@@ -9450,13 +9613,17 @@
                                   <p:childTnLst>
                                     <p:set>
                                       <p:cBhvr>
-                                        <p:cTn id="81" dur="1" fill="hold">
+                                        <p:cTn id="82" dur="1" fill="hold">
                                           <p:stCondLst>
                                             <p:cond delay="0"/>
                                           </p:stCondLst>
                                         </p:cTn>
                                         <p:tgtEl>
-                                          <p:spTgt spid="11"/>
+                                          <p:spTgt spid="12">
+                                            <p:txEl>
+                                              <p:pRg st="0" end="0"/>
+                                            </p:txEl>
+                                          </p:spTgt>
                                         </p:tgtEl>
                                         <p:attrNameLst>
                                           <p:attrName>style.visibility</p:attrName>
@@ -9468,9 +9635,13 @@
                                     </p:set>
                                     <p:animEffect transition="in" filter="fade">
                                       <p:cBhvr>
-                                        <p:cTn id="82" dur="500"/>
-                                        <p:tgtEl>
-                                          <p:spTgt spid="11"/>
+                                        <p:cTn id="83" dur="200"/>
+                                        <p:tgtEl>
+                                          <p:spTgt spid="12">
+                                            <p:txEl>
+                                              <p:pRg st="0" end="0"/>
+                                            </p:txEl>
+                                          </p:spTgt>
                                         </p:tgtEl>
                                       </p:cBhvr>
                                     </p:animEffect>
@@ -9478,45 +9649,23 @@
                                 </p:cTn>
                               </p:par>
                               <p:par>
-                                <p:cTn id="83" presetID="3" presetClass="emph" presetSubtype="2" fill="hold" grpId="1" nodeType="withEffect">
+                                <p:cTn id="84" presetID="15" presetClass="emph" presetSubtype="0" grpId="1" nodeType="withEffect">
                                   <p:stCondLst>
-                                    <p:cond delay="0"/>
+                                    <p:cond delay="400"/>
                                   </p:stCondLst>
                                   <p:iterate type="lt">
-                                    <p:tmPct val="0"/>
-                                  </p:iterate>
-                                  <p:childTnLst>
-                                    <p:animClr clrSpc="rgb" dir="cw">
-                                      <p:cBhvr override="childStyle">
-                                        <p:cTn id="84" dur="900" fill="hold"/>
-                                        <p:tgtEl>
-                                          <p:spTgt spid="11"/>
-                                        </p:tgtEl>
-                                        <p:attrNameLst>
-                                          <p:attrName>style.color</p:attrName>
-                                        </p:attrNameLst>
-                                      </p:cBhvr>
-                                      <p:to>
-                                        <a:srgbClr val="FF0000"/>
-                                      </p:to>
-                                    </p:animClr>
-                                  </p:childTnLst>
-                                </p:cTn>
-                              </p:par>
-                              <p:par>
-                                <p:cTn id="85" presetID="15" presetClass="emph" presetSubtype="0" grpId="3" nodeType="withEffect">
-                                  <p:stCondLst>
-                                    <p:cond delay="0"/>
-                                  </p:stCondLst>
-                                  <p:iterate type="lt">
-                                    <p:tmAbs val="25"/>
+                                    <p:tmAbs val="15"/>
                                   </p:iterate>
                                   <p:childTnLst>
                                     <p:set>
                                       <p:cBhvr override="childStyle">
-                                        <p:cTn id="86" dur="4800"/>
-                                        <p:tgtEl>
-                                          <p:spTgt spid="11"/>
+                                        <p:cTn id="85" dur="600"/>
+                                        <p:tgtEl>
+                                          <p:spTgt spid="12">
+                                            <p:txEl>
+                                              <p:pRg st="0" end="0"/>
+                                            </p:txEl>
+                                          </p:spTgt>
                                         </p:tgtEl>
                                         <p:attrNameLst>
                                           <p:attrName>style.fontWeight</p:attrName>
@@ -9536,19 +9685,19 @@
                     </p:cTn>
                   </p:par>
                   <p:par>
-                    <p:cTn id="87" fill="hold">
+                    <p:cTn id="86" fill="hold">
                       <p:stCondLst>
                         <p:cond delay="indefinite"/>
                       </p:stCondLst>
                       <p:childTnLst>
                         <p:par>
-                          <p:cTn id="88" fill="hold">
+                          <p:cTn id="87" fill="hold">
                             <p:stCondLst>
                               <p:cond delay="0"/>
                             </p:stCondLst>
                             <p:childTnLst>
                               <p:par>
-                                <p:cTn id="89" presetID="3" presetClass="emph" presetSubtype="2" fill="hold" grpId="2" nodeType="clickEffect">
+                                <p:cTn id="88" presetID="10" presetClass="exit" presetSubtype="0" fill="hold" grpId="2" nodeType="clickEffect">
                                   <p:stCondLst>
                                     <p:cond delay="0"/>
                                   </p:stCondLst>
@@ -9556,20 +9705,40 @@
                                     <p:tmPct val="0"/>
                                   </p:iterate>
                                   <p:childTnLst>
-                                    <p:animClr clrSpc="rgb" dir="cw">
-                                      <p:cBhvr override="childStyle">
-                                        <p:cTn id="90" dur="1000" fill="hold"/>
-                                        <p:tgtEl>
-                                          <p:spTgt spid="11"/>
+                                    <p:animEffect transition="out" filter="fade">
+                                      <p:cBhvr>
+                                        <p:cTn id="89" dur="500"/>
+                                        <p:tgtEl>
+                                          <p:spTgt spid="12">
+                                            <p:txEl>
+                                              <p:pRg st="0" end="0"/>
+                                            </p:txEl>
+                                          </p:spTgt>
+                                        </p:tgtEl>
+                                      </p:cBhvr>
+                                    </p:animEffect>
+                                    <p:set>
+                                      <p:cBhvr>
+                                        <p:cTn id="90" dur="1" fill="hold">
+                                          <p:stCondLst>
+                                            <p:cond delay="499"/>
+                                          </p:stCondLst>
+                                        </p:cTn>
+                                        <p:tgtEl>
+                                          <p:spTgt spid="12">
+                                            <p:txEl>
+                                              <p:pRg st="0" end="0"/>
+                                            </p:txEl>
+                                          </p:spTgt>
                                         </p:tgtEl>
                                         <p:attrNameLst>
-                                          <p:attrName>style.color</p:attrName>
+                                          <p:attrName>style.visibility</p:attrName>
                                         </p:attrNameLst>
                                       </p:cBhvr>
                                       <p:to>
-                                        <a:srgbClr val="00B0F0"/>
+                                        <p:strVal val="hidden"/>
                                       </p:to>
-                                    </p:animClr>
+                                    </p:set>
                                   </p:childTnLst>
                                 </p:cTn>
                               </p:par>
@@ -13945,7 +14114,7 @@
         <p:spPr>
           <a:xfrm>
             <a:off x="831849" y="536856"/>
-            <a:ext cx="4644173" cy="3693319"/>
+            <a:ext cx="4644173" cy="3416320"/>
           </a:xfrm>
           <a:prstGeom prst="rect">
             <a:avLst/>
@@ -13972,7 +14141,11 @@
             </a:pPr>
             <a:r>
               <a:rPr lang="en-US" dirty="0" smtClean="0"/>
-              <a:t>Great registration system.</a:t>
+              <a:t>Great registration system</a:t>
+            </a:r>
+            <a:r>
+              <a:rPr lang="en-US" dirty="0" smtClean="0"/>
+              <a:t>.</a:t>
             </a:r>
           </a:p>
           <a:p>
@@ -13981,16 +14154,11 @@
             </a:pPr>
             <a:r>
               <a:rPr lang="en-US" dirty="0" smtClean="0"/>
-              <a:t>Less additional frameworks</a:t>
-            </a:r>
-          </a:p>
-          <a:p>
-            <a:pPr marL="342900" indent="-342900">
-              <a:buAutoNum type="arabicPeriod"/>
-            </a:pPr>
+              <a:t>Faster </a:t>
+            </a:r>
             <a:r>
               <a:rPr lang="en-US" dirty="0" smtClean="0"/>
-              <a:t>Faster integration</a:t>
+              <a:t>integration</a:t>
             </a:r>
           </a:p>
           <a:p>
@@ -14037,10 +14205,9 @@
               <a:t>DateTime</a:t>
             </a:r>
             <a:r>
-              <a:rPr lang="en-US" smtClean="0"/>
+              <a:rPr lang="en-US" dirty="0" smtClean="0"/>
               <a:t>…)</a:t>
             </a:r>
-            <a:endParaRPr lang="en-US" dirty="0" smtClean="0"/>
           </a:p>
           <a:p>
             <a:pPr marL="342900" indent="-342900">
@@ -14129,7 +14296,7 @@
         <p:spPr>
           <a:xfrm>
             <a:off x="6089650" y="536856"/>
-            <a:ext cx="5820410" cy="3693319"/>
+            <a:ext cx="5820410" cy="3416320"/>
           </a:xfrm>
           <a:prstGeom prst="rect">
             <a:avLst/>
@@ -14177,24 +14344,23 @@
                   <a:srgbClr val="FF0000"/>
                 </a:solidFill>
               </a:rPr>
-              <a:t>No registration system.</a:t>
-            </a:r>
-          </a:p>
-          <a:p>
-            <a:pPr marL="342900" indent="-342900">
-              <a:buAutoNum type="arabicPeriod"/>
-            </a:pPr>
-            <a:r>
-              <a:rPr lang="en-US" dirty="0" smtClean="0">
+              <a:t>No registration </a:t>
+            </a:r>
+            <a:r>
+              <a:rPr lang="en-US" smtClean="0">
                 <a:solidFill>
                   <a:srgbClr val="FF0000"/>
                 </a:solidFill>
               </a:rPr>
-              <a:t>NO ! </a:t>
-            </a:r>
-            <a:r>
-              <a:rPr lang="en-US" dirty="0" smtClean="0"/>
-              <a:t>Additional styling framework</a:t>
+              <a:t>system</a:t>
+            </a:r>
+            <a:r>
+              <a:rPr lang="en-US" smtClean="0">
+                <a:solidFill>
+                  <a:srgbClr val="FF0000"/>
+                </a:solidFill>
+              </a:rPr>
+              <a:t>.</a:t>
             </a:r>
           </a:p>
           <a:p>
@@ -14202,7 +14368,7 @@
               <a:buAutoNum type="arabicPeriod"/>
             </a:pPr>
             <a:r>
-              <a:rPr lang="en-US" dirty="0" smtClean="0">
+              <a:rPr lang="en-US" smtClean="0">
                 <a:solidFill>
                   <a:srgbClr val="FF0000"/>
                 </a:solidFill>
@@ -15020,9 +15186,9 @@
                                           </p:stCondLst>
                                         </p:cTn>
                                         <p:tgtEl>
-                                          <p:spTgt spid="19">
+                                          <p:spTgt spid="6">
                                             <p:txEl>
-                                              <p:pRg st="1" end="1"/>
+                                              <p:pRg st="2" end="2"/>
                                             </p:txEl>
                                           </p:spTgt>
                                         </p:tgtEl>
@@ -15038,9 +15204,9 @@
                                       <p:cBhvr>
                                         <p:cTn id="53" dur="500"/>
                                         <p:tgtEl>
-                                          <p:spTgt spid="19">
+                                          <p:spTgt spid="6">
                                             <p:txEl>
-                                              <p:pRg st="1" end="1"/>
+                                              <p:pRg st="2" end="2"/>
                                             </p:txEl>
                                           </p:spTgt>
                                         </p:tgtEl>
@@ -15081,9 +15247,9 @@
                                           </p:stCondLst>
                                         </p:cTn>
                                         <p:tgtEl>
-                                          <p:spTgt spid="3">
+                                          <p:spTgt spid="19">
                                             <p:txEl>
-                                              <p:pRg st="0" end="0"/>
+                                              <p:pRg st="1" end="1"/>
                                             </p:txEl>
                                           </p:spTgt>
                                         </p:tgtEl>
@@ -15099,9 +15265,9 @@
                                       <p:cBhvr>
                                         <p:cTn id="58" dur="500"/>
                                         <p:tgtEl>
-                                          <p:spTgt spid="3">
+                                          <p:spTgt spid="19">
                                             <p:txEl>
-                                              <p:pRg st="0" end="0"/>
+                                              <p:pRg st="1" end="1"/>
                                             </p:txEl>
                                           </p:spTgt>
                                         </p:tgtEl>
@@ -15142,7 +15308,7 @@
                                           </p:stCondLst>
                                         </p:cTn>
                                         <p:tgtEl>
-                                          <p:spTgt spid="6">
+                                          <p:spTgt spid="19">
                                             <p:txEl>
                                               <p:pRg st="2" end="2"/>
                                             </p:txEl>
@@ -15160,7 +15326,7 @@
                                       <p:cBhvr>
                                         <p:cTn id="63" dur="500"/>
                                         <p:tgtEl>
-                                          <p:spTgt spid="6">
+                                          <p:spTgt spid="19">
                                             <p:txEl>
                                               <p:pRg st="2" end="2"/>
                                             </p:txEl>
@@ -15203,9 +15369,9 @@
                                           </p:stCondLst>
                                         </p:cTn>
                                         <p:tgtEl>
-                                          <p:spTgt spid="19">
+                                          <p:spTgt spid="3">
                                             <p:txEl>
-                                              <p:pRg st="2" end="2"/>
+                                              <p:pRg st="0" end="0"/>
                                             </p:txEl>
                                           </p:spTgt>
                                         </p:tgtEl>
@@ -15221,9 +15387,9 @@
                                       <p:cBhvr>
                                         <p:cTn id="68" dur="500"/>
                                         <p:tgtEl>
-                                          <p:spTgt spid="19">
+                                          <p:spTgt spid="3">
                                             <p:txEl>
-                                              <p:pRg st="2" end="2"/>
+                                              <p:pRg st="0" end="0"/>
                                             </p:txEl>
                                           </p:spTgt>
                                         </p:tgtEl>
@@ -16200,128 +16366,6 @@
                                           <p:spTgt spid="19">
                                             <p:txEl>
                                               <p:pRg st="10" end="10"/>
-                                            </p:txEl>
-                                          </p:spTgt>
-                                        </p:tgtEl>
-                                      </p:cBhvr>
-                                    </p:animEffect>
-                                  </p:childTnLst>
-                                </p:cTn>
-                              </p:par>
-                            </p:childTnLst>
-                          </p:cTn>
-                        </p:par>
-                      </p:childTnLst>
-                    </p:cTn>
-                  </p:par>
-                  <p:par>
-                    <p:cTn id="149" fill="hold">
-                      <p:stCondLst>
-                        <p:cond delay="indefinite"/>
-                      </p:stCondLst>
-                      <p:childTnLst>
-                        <p:par>
-                          <p:cTn id="150" fill="hold">
-                            <p:stCondLst>
-                              <p:cond delay="0"/>
-                            </p:stCondLst>
-                            <p:childTnLst>
-                              <p:par>
-                                <p:cTn id="151" presetID="10" presetClass="entr" presetSubtype="0" fill="hold" grpId="0" nodeType="clickEffect">
-                                  <p:stCondLst>
-                                    <p:cond delay="0"/>
-                                  </p:stCondLst>
-                                  <p:childTnLst>
-                                    <p:set>
-                                      <p:cBhvr>
-                                        <p:cTn id="152" dur="1" fill="hold">
-                                          <p:stCondLst>
-                                            <p:cond delay="0"/>
-                                          </p:stCondLst>
-                                        </p:cTn>
-                                        <p:tgtEl>
-                                          <p:spTgt spid="6">
-                                            <p:txEl>
-                                              <p:pRg st="11" end="11"/>
-                                            </p:txEl>
-                                          </p:spTgt>
-                                        </p:tgtEl>
-                                        <p:attrNameLst>
-                                          <p:attrName>style.visibility</p:attrName>
-                                        </p:attrNameLst>
-                                      </p:cBhvr>
-                                      <p:to>
-                                        <p:strVal val="visible"/>
-                                      </p:to>
-                                    </p:set>
-                                    <p:animEffect transition="in" filter="fade">
-                                      <p:cBhvr>
-                                        <p:cTn id="153" dur="500"/>
-                                        <p:tgtEl>
-                                          <p:spTgt spid="6">
-                                            <p:txEl>
-                                              <p:pRg st="11" end="11"/>
-                                            </p:txEl>
-                                          </p:spTgt>
-                                        </p:tgtEl>
-                                      </p:cBhvr>
-                                    </p:animEffect>
-                                  </p:childTnLst>
-                                </p:cTn>
-                              </p:par>
-                            </p:childTnLst>
-                          </p:cTn>
-                        </p:par>
-                      </p:childTnLst>
-                    </p:cTn>
-                  </p:par>
-                  <p:par>
-                    <p:cTn id="154" fill="hold">
-                      <p:stCondLst>
-                        <p:cond delay="indefinite"/>
-                      </p:stCondLst>
-                      <p:childTnLst>
-                        <p:par>
-                          <p:cTn id="155" fill="hold">
-                            <p:stCondLst>
-                              <p:cond delay="0"/>
-                            </p:stCondLst>
-                            <p:childTnLst>
-                              <p:par>
-                                <p:cTn id="156" presetID="10" presetClass="entr" presetSubtype="0" fill="hold" grpId="0" nodeType="clickEffect">
-                                  <p:stCondLst>
-                                    <p:cond delay="0"/>
-                                  </p:stCondLst>
-                                  <p:childTnLst>
-                                    <p:set>
-                                      <p:cBhvr>
-                                        <p:cTn id="157" dur="1" fill="hold">
-                                          <p:stCondLst>
-                                            <p:cond delay="0"/>
-                                          </p:stCondLst>
-                                        </p:cTn>
-                                        <p:tgtEl>
-                                          <p:spTgt spid="19">
-                                            <p:txEl>
-                                              <p:pRg st="11" end="11"/>
-                                            </p:txEl>
-                                          </p:spTgt>
-                                        </p:tgtEl>
-                                        <p:attrNameLst>
-                                          <p:attrName>style.visibility</p:attrName>
-                                        </p:attrNameLst>
-                                      </p:cBhvr>
-                                      <p:to>
-                                        <p:strVal val="visible"/>
-                                      </p:to>
-                                    </p:set>
-                                    <p:animEffect transition="in" filter="fade">
-                                      <p:cBhvr>
-                                        <p:cTn id="158" dur="500"/>
-                                        <p:tgtEl>
-                                          <p:spTgt spid="19">
-                                            <p:txEl>
-                                              <p:pRg st="11" end="11"/>
                                             </p:txEl>
                                           </p:spTgt>
                                         </p:tgtEl>

--- a/ASP.NET Presentation_2.pptx
+++ b/ASP.NET Presentation_2.pptx
@@ -5,7 +5,7 @@
     <p:sldMasterId id="2147483677" r:id="rId1"/>
   </p:sldMasterIdLst>
   <p:notesMasterIdLst>
-    <p:notesMasterId r:id="rId14"/>
+    <p:notesMasterId r:id="rId15"/>
   </p:notesMasterIdLst>
   <p:sldIdLst>
     <p:sldId id="401" r:id="rId2"/>
@@ -19,7 +19,8 @@
     <p:sldId id="412" r:id="rId10"/>
     <p:sldId id="267" r:id="rId11"/>
     <p:sldId id="417" r:id="rId12"/>
-    <p:sldId id="413" r:id="rId13"/>
+    <p:sldId id="418" r:id="rId13"/>
+    <p:sldId id="413" r:id="rId14"/>
   </p:sldIdLst>
   <p:sldSz cx="12192000" cy="6858000"/>
   <p:notesSz cx="6858000" cy="9144000"/>
@@ -219,7 +220,7 @@
           <a:p>
             <a:fld id="{08B5203A-E65A-410B-BB27-74539FE81CB7}" type="datetimeFigureOut">
               <a:rPr lang="en-US" smtClean="0"/>
-              <a:t>12-Sep-15</a:t>
+              <a:t>16-Sep-15</a:t>
             </a:fld>
             <a:endParaRPr lang="en-US"/>
           </a:p>
@@ -531,6 +532,258 @@
           <a:bodyPr/>
           <a:lstStyle/>
           <a:p>
+            <a:endParaRPr lang="en-US" dirty="0"/>
+          </a:p>
+        </p:txBody>
+      </p:sp>
+      <p:sp>
+        <p:nvSpPr>
+          <p:cNvPr id="4" name="Slide Number Placeholder 3"/>
+          <p:cNvSpPr>
+            <a:spLocks noGrp="1"/>
+          </p:cNvSpPr>
+          <p:nvPr>
+            <p:ph type="sldNum" sz="quarter" idx="10"/>
+          </p:nvPr>
+        </p:nvSpPr>
+        <p:spPr/>
+        <p:txBody>
+          <a:bodyPr/>
+          <a:lstStyle/>
+          <a:p>
+            <a:fld id="{924ABC8A-E015-49F9-B6B7-D277BB3EECF6}" type="slidenum">
+              <a:rPr lang="en-US" smtClean="0"/>
+              <a:t>1</a:t>
+            </a:fld>
+            <a:endParaRPr lang="en-US"/>
+          </a:p>
+        </p:txBody>
+      </p:sp>
+    </p:spTree>
+    <p:extLst>
+      <p:ext uri="{BB962C8B-B14F-4D97-AF65-F5344CB8AC3E}">
+        <p14:creationId xmlns:p14="http://schemas.microsoft.com/office/powerpoint/2010/main" val="877753582"/>
+      </p:ext>
+    </p:extLst>
+  </p:cSld>
+  <p:clrMapOvr>
+    <a:masterClrMapping/>
+  </p:clrMapOvr>
+</p:notes>
+</file>
+
+<file path=ppt/notesSlides/notesSlide2.xml><?xml version="1.0" encoding="utf-8"?>
+<p:notes xmlns:a="http://schemas.openxmlformats.org/drawingml/2006/main" xmlns:r="http://schemas.openxmlformats.org/officeDocument/2006/relationships" xmlns:p="http://schemas.openxmlformats.org/presentationml/2006/main">
+  <p:cSld>
+    <p:spTree>
+      <p:nvGrpSpPr>
+        <p:cNvPr id="1" name=""/>
+        <p:cNvGrpSpPr/>
+        <p:nvPr/>
+      </p:nvGrpSpPr>
+      <p:grpSpPr>
+        <a:xfrm>
+          <a:off x="0" y="0"/>
+          <a:ext cx="0" cy="0"/>
+          <a:chOff x="0" y="0"/>
+          <a:chExt cx="0" cy="0"/>
+        </a:xfrm>
+      </p:grpSpPr>
+      <p:sp>
+        <p:nvSpPr>
+          <p:cNvPr id="2" name="Slide Image Placeholder 1"/>
+          <p:cNvSpPr>
+            <a:spLocks noGrp="1" noRot="1" noChangeAspect="1"/>
+          </p:cNvSpPr>
+          <p:nvPr>
+            <p:ph type="sldImg"/>
+          </p:nvPr>
+        </p:nvSpPr>
+        <p:spPr/>
+      </p:sp>
+      <p:sp>
+        <p:nvSpPr>
+          <p:cNvPr id="3" name="Notes Placeholder 2"/>
+          <p:cNvSpPr>
+            <a:spLocks noGrp="1"/>
+          </p:cNvSpPr>
+          <p:nvPr>
+            <p:ph type="body" idx="1"/>
+          </p:nvPr>
+        </p:nvSpPr>
+        <p:spPr/>
+        <p:txBody>
+          <a:bodyPr/>
+          <a:lstStyle/>
+          <a:p>
+            <a:endParaRPr lang="en-US"/>
+          </a:p>
+        </p:txBody>
+      </p:sp>
+      <p:sp>
+        <p:nvSpPr>
+          <p:cNvPr id="4" name="Slide Number Placeholder 3"/>
+          <p:cNvSpPr>
+            <a:spLocks noGrp="1"/>
+          </p:cNvSpPr>
+          <p:nvPr>
+            <p:ph type="sldNum" sz="quarter" idx="10"/>
+          </p:nvPr>
+        </p:nvSpPr>
+        <p:spPr/>
+        <p:txBody>
+          <a:bodyPr/>
+          <a:lstStyle/>
+          <a:p>
+            <a:fld id="{924ABC8A-E015-49F9-B6B7-D277BB3EECF6}" type="slidenum">
+              <a:rPr lang="en-US" smtClean="0"/>
+              <a:t>2</a:t>
+            </a:fld>
+            <a:endParaRPr lang="en-US"/>
+          </a:p>
+        </p:txBody>
+      </p:sp>
+    </p:spTree>
+    <p:extLst>
+      <p:ext uri="{BB962C8B-B14F-4D97-AF65-F5344CB8AC3E}">
+        <p14:creationId xmlns:p14="http://schemas.microsoft.com/office/powerpoint/2010/main" val="1929761054"/>
+      </p:ext>
+    </p:extLst>
+  </p:cSld>
+  <p:clrMapOvr>
+    <a:masterClrMapping/>
+  </p:clrMapOvr>
+</p:notes>
+</file>
+
+<file path=ppt/notesSlides/notesSlide3.xml><?xml version="1.0" encoding="utf-8"?>
+<p:notes xmlns:a="http://schemas.openxmlformats.org/drawingml/2006/main" xmlns:r="http://schemas.openxmlformats.org/officeDocument/2006/relationships" xmlns:p="http://schemas.openxmlformats.org/presentationml/2006/main">
+  <p:cSld>
+    <p:spTree>
+      <p:nvGrpSpPr>
+        <p:cNvPr id="1" name=""/>
+        <p:cNvGrpSpPr/>
+        <p:nvPr/>
+      </p:nvGrpSpPr>
+      <p:grpSpPr>
+        <a:xfrm>
+          <a:off x="0" y="0"/>
+          <a:ext cx="0" cy="0"/>
+          <a:chOff x="0" y="0"/>
+          <a:chExt cx="0" cy="0"/>
+        </a:xfrm>
+      </p:grpSpPr>
+      <p:sp>
+        <p:nvSpPr>
+          <p:cNvPr id="2" name="Slide Image Placeholder 1"/>
+          <p:cNvSpPr>
+            <a:spLocks noGrp="1" noRot="1" noChangeAspect="1"/>
+          </p:cNvSpPr>
+          <p:nvPr>
+            <p:ph type="sldImg"/>
+          </p:nvPr>
+        </p:nvSpPr>
+        <p:spPr/>
+      </p:sp>
+      <p:sp>
+        <p:nvSpPr>
+          <p:cNvPr id="3" name="Notes Placeholder 2"/>
+          <p:cNvSpPr>
+            <a:spLocks noGrp="1"/>
+          </p:cNvSpPr>
+          <p:nvPr>
+            <p:ph type="body" idx="1"/>
+          </p:nvPr>
+        </p:nvSpPr>
+        <p:spPr/>
+        <p:txBody>
+          <a:bodyPr/>
+          <a:lstStyle/>
+          <a:p>
+            <a:endParaRPr lang="en-US"/>
+          </a:p>
+        </p:txBody>
+      </p:sp>
+      <p:sp>
+        <p:nvSpPr>
+          <p:cNvPr id="4" name="Slide Number Placeholder 3"/>
+          <p:cNvSpPr>
+            <a:spLocks noGrp="1"/>
+          </p:cNvSpPr>
+          <p:nvPr>
+            <p:ph type="sldNum" sz="quarter" idx="10"/>
+          </p:nvPr>
+        </p:nvSpPr>
+        <p:spPr/>
+        <p:txBody>
+          <a:bodyPr/>
+          <a:lstStyle/>
+          <a:p>
+            <a:fld id="{924ABC8A-E015-49F9-B6B7-D277BB3EECF6}" type="slidenum">
+              <a:rPr lang="en-US" smtClean="0"/>
+              <a:t>3</a:t>
+            </a:fld>
+            <a:endParaRPr lang="en-US"/>
+          </a:p>
+        </p:txBody>
+      </p:sp>
+    </p:spTree>
+    <p:extLst>
+      <p:ext uri="{BB962C8B-B14F-4D97-AF65-F5344CB8AC3E}">
+        <p14:creationId xmlns:p14="http://schemas.microsoft.com/office/powerpoint/2010/main" val="103111010"/>
+      </p:ext>
+    </p:extLst>
+  </p:cSld>
+  <p:clrMapOvr>
+    <a:masterClrMapping/>
+  </p:clrMapOvr>
+</p:notes>
+</file>
+
+<file path=ppt/notesSlides/notesSlide4.xml><?xml version="1.0" encoding="utf-8"?>
+<p:notes xmlns:a="http://schemas.openxmlformats.org/drawingml/2006/main" xmlns:r="http://schemas.openxmlformats.org/officeDocument/2006/relationships" xmlns:p="http://schemas.openxmlformats.org/presentationml/2006/main">
+  <p:cSld>
+    <p:spTree>
+      <p:nvGrpSpPr>
+        <p:cNvPr id="1" name=""/>
+        <p:cNvGrpSpPr/>
+        <p:nvPr/>
+      </p:nvGrpSpPr>
+      <p:grpSpPr>
+        <a:xfrm>
+          <a:off x="0" y="0"/>
+          <a:ext cx="0" cy="0"/>
+          <a:chOff x="0" y="0"/>
+          <a:chExt cx="0" cy="0"/>
+        </a:xfrm>
+      </p:grpSpPr>
+      <p:sp>
+        <p:nvSpPr>
+          <p:cNvPr id="2" name="Slide Image Placeholder 1"/>
+          <p:cNvSpPr>
+            <a:spLocks noGrp="1" noRot="1" noChangeAspect="1"/>
+          </p:cNvSpPr>
+          <p:nvPr>
+            <p:ph type="sldImg"/>
+          </p:nvPr>
+        </p:nvSpPr>
+        <p:spPr/>
+      </p:sp>
+      <p:sp>
+        <p:nvSpPr>
+          <p:cNvPr id="3" name="Notes Placeholder 2"/>
+          <p:cNvSpPr>
+            <a:spLocks noGrp="1"/>
+          </p:cNvSpPr>
+          <p:nvPr>
+            <p:ph type="body" idx="1"/>
+          </p:nvPr>
+        </p:nvSpPr>
+        <p:spPr/>
+        <p:txBody>
+          <a:bodyPr/>
+          <a:lstStyle/>
+          <a:p>
             <a:r>
               <a:rPr lang="en-US" smtClean="0"/>
               <a:t>You are not giving</a:t>
@@ -719,7 +972,7 @@
           <a:p>
             <a:fld id="{9863F11F-9756-4F3A-AEAA-DD62EB99D8E4}" type="datetimeFigureOut">
               <a:rPr lang="en-US" smtClean="0"/>
-              <a:t>12-Sep-15</a:t>
+              <a:t>16-Sep-15</a:t>
             </a:fld>
             <a:endParaRPr lang="en-US"/>
           </a:p>
@@ -889,7 +1142,7 @@
           <a:p>
             <a:fld id="{9863F11F-9756-4F3A-AEAA-DD62EB99D8E4}" type="datetimeFigureOut">
               <a:rPr lang="en-US" smtClean="0"/>
-              <a:t>12-Sep-15</a:t>
+              <a:t>16-Sep-15</a:t>
             </a:fld>
             <a:endParaRPr lang="en-US"/>
           </a:p>
@@ -1069,7 +1322,7 @@
           <a:p>
             <a:fld id="{9863F11F-9756-4F3A-AEAA-DD62EB99D8E4}" type="datetimeFigureOut">
               <a:rPr lang="en-US" smtClean="0"/>
-              <a:t>12-Sep-15</a:t>
+              <a:t>16-Sep-15</a:t>
             </a:fld>
             <a:endParaRPr lang="en-US"/>
           </a:p>
@@ -1239,7 +1492,7 @@
           <a:p>
             <a:fld id="{9863F11F-9756-4F3A-AEAA-DD62EB99D8E4}" type="datetimeFigureOut">
               <a:rPr lang="en-US" smtClean="0"/>
-              <a:t>12-Sep-15</a:t>
+              <a:t>16-Sep-15</a:t>
             </a:fld>
             <a:endParaRPr lang="en-US"/>
           </a:p>
@@ -1485,7 +1738,7 @@
           <a:p>
             <a:fld id="{9863F11F-9756-4F3A-AEAA-DD62EB99D8E4}" type="datetimeFigureOut">
               <a:rPr lang="en-US" smtClean="0"/>
-              <a:t>12-Sep-15</a:t>
+              <a:t>16-Sep-15</a:t>
             </a:fld>
             <a:endParaRPr lang="en-US"/>
           </a:p>
@@ -1717,7 +1970,7 @@
           <a:p>
             <a:fld id="{9863F11F-9756-4F3A-AEAA-DD62EB99D8E4}" type="datetimeFigureOut">
               <a:rPr lang="en-US" smtClean="0"/>
-              <a:t>12-Sep-15</a:t>
+              <a:t>16-Sep-15</a:t>
             </a:fld>
             <a:endParaRPr lang="en-US"/>
           </a:p>
@@ -2084,7 +2337,7 @@
           <a:p>
             <a:fld id="{9863F11F-9756-4F3A-AEAA-DD62EB99D8E4}" type="datetimeFigureOut">
               <a:rPr lang="en-US" smtClean="0"/>
-              <a:t>12-Sep-15</a:t>
+              <a:t>16-Sep-15</a:t>
             </a:fld>
             <a:endParaRPr lang="en-US"/>
           </a:p>
@@ -2202,7 +2455,7 @@
           <a:p>
             <a:fld id="{9863F11F-9756-4F3A-AEAA-DD62EB99D8E4}" type="datetimeFigureOut">
               <a:rPr lang="en-US" smtClean="0"/>
-              <a:t>12-Sep-15</a:t>
+              <a:t>16-Sep-15</a:t>
             </a:fld>
             <a:endParaRPr lang="en-US"/>
           </a:p>
@@ -2297,7 +2550,7 @@
           <a:p>
             <a:fld id="{9863F11F-9756-4F3A-AEAA-DD62EB99D8E4}" type="datetimeFigureOut">
               <a:rPr lang="en-US" smtClean="0"/>
-              <a:t>12-Sep-15</a:t>
+              <a:t>16-Sep-15</a:t>
             </a:fld>
             <a:endParaRPr lang="en-US"/>
           </a:p>
@@ -2574,7 +2827,7 @@
           <a:p>
             <a:fld id="{9863F11F-9756-4F3A-AEAA-DD62EB99D8E4}" type="datetimeFigureOut">
               <a:rPr lang="en-US" smtClean="0"/>
-              <a:t>12-Sep-15</a:t>
+              <a:t>16-Sep-15</a:t>
             </a:fld>
             <a:endParaRPr lang="en-US"/>
           </a:p>
@@ -2827,7 +3080,7 @@
           <a:p>
             <a:fld id="{9863F11F-9756-4F3A-AEAA-DD62EB99D8E4}" type="datetimeFigureOut">
               <a:rPr lang="en-US" smtClean="0"/>
-              <a:t>12-Sep-15</a:t>
+              <a:t>16-Sep-15</a:t>
             </a:fld>
             <a:endParaRPr lang="en-US"/>
           </a:p>
@@ -3040,7 +3293,7 @@
           <a:p>
             <a:fld id="{9863F11F-9756-4F3A-AEAA-DD62EB99D8E4}" type="datetimeFigureOut">
               <a:rPr lang="en-US" smtClean="0"/>
-              <a:t>12-Sep-15</a:t>
+              <a:t>16-Sep-15</a:t>
             </a:fld>
             <a:endParaRPr lang="en-US"/>
           </a:p>
@@ -3489,14 +3742,19 @@
             <p:ph type="body" idx="1"/>
           </p:nvPr>
         </p:nvSpPr>
-        <p:spPr/>
+        <p:spPr>
+          <a:xfrm>
+            <a:off x="831850" y="4589464"/>
+            <a:ext cx="10515600" cy="506948"/>
+          </a:xfrm>
+        </p:spPr>
         <p:txBody>
           <a:bodyPr/>
           <a:lstStyle/>
           <a:p>
             <a:r>
               <a:rPr lang="en-US" dirty="0" smtClean="0"/>
-              <a:t>A enterprise development framework which can developer’s life.</a:t>
+              <a:t>An enterprise development framework which can developer’s life.</a:t>
             </a:r>
             <a:endParaRPr lang="en-US" dirty="0"/>
           </a:p>
@@ -5151,57 +5409,73 @@
               <a:buAutoNum type="arabicPeriod"/>
             </a:pPr>
             <a:r>
+              <a:rPr lang="en-US" dirty="0" smtClean="0">
+                <a:hlinkClick r:id="rId2"/>
+              </a:rPr>
+              <a:t>http</a:t>
+            </a:r>
+            <a:r>
               <a:rPr lang="en-US" dirty="0">
                 <a:hlinkClick r:id="rId2"/>
               </a:rPr>
-              <a:t>http://</a:t>
+              <a:t>://</a:t>
             </a:r>
             <a:r>
               <a:rPr lang="en-US" dirty="0" smtClean="0">
                 <a:hlinkClick r:id="rId2"/>
               </a:rPr>
-              <a:t>www.pluralsight.com/courses/web-security-owasp-top10-big-picture</a:t>
-            </a:r>
-            <a:r>
-              <a:rPr lang="en-US" dirty="0" smtClean="0"/>
+              <a:t>yslow.org</a:t>
+            </a:r>
+            <a:r>
+              <a:rPr lang="en-US" dirty="0"/>
               <a:t> </a:t>
             </a:r>
+            <a:endParaRPr lang="en-US" dirty="0" smtClean="0"/>
           </a:p>
           <a:p>
             <a:pPr marL="342900" indent="-342900">
               <a:buAutoNum type="arabicPeriod"/>
             </a:pPr>
             <a:r>
+              <a:rPr lang="en-US" dirty="0" smtClean="0"/>
+              <a:t>ASP.NET MVC </a:t>
+            </a:r>
+            <a:r>
+              <a:rPr lang="en-US" dirty="0"/>
+              <a:t>Basics : </a:t>
+            </a:r>
+            <a:r>
+              <a:rPr lang="en-US" dirty="0">
+                <a:hlinkClick r:id="rId3"/>
+              </a:rPr>
+              <a:t>http://</a:t>
+            </a:r>
+            <a:r>
               <a:rPr lang="en-US" dirty="0" smtClean="0">
                 <a:hlinkClick r:id="rId3"/>
               </a:rPr>
-              <a:t>http</a:t>
-            </a:r>
-            <a:r>
-              <a:rPr lang="en-US" dirty="0">
-                <a:hlinkClick r:id="rId3"/>
-              </a:rPr>
-              <a:t>://</a:t>
-            </a:r>
-            <a:r>
-              <a:rPr lang="en-US" dirty="0" smtClean="0">
-                <a:hlinkClick r:id="rId3"/>
-              </a:rPr>
-              <a:t>yslow.org</a:t>
-            </a:r>
-            <a:r>
-              <a:rPr lang="en-US" dirty="0"/>
-              <a:t> </a:t>
-            </a:r>
-            <a:endParaRPr lang="en-US" dirty="0" smtClean="0"/>
+              <a:t>bit.ly/1OtU7ow</a:t>
+            </a:r>
+            <a:r>
+              <a:rPr lang="en-US" dirty="0" smtClean="0"/>
+              <a:t>  </a:t>
+            </a:r>
           </a:p>
           <a:p>
             <a:pPr marL="342900" indent="-342900">
               <a:buAutoNum type="arabicPeriod"/>
             </a:pPr>
             <a:r>
+              <a:rPr lang="en-US" dirty="0" err="1" smtClean="0"/>
+              <a:t>Yslow</a:t>
+            </a:r>
+            <a:r>
+              <a:rPr lang="en-US" dirty="0" smtClean="0"/>
+              <a:t> Implementation : Bigger</a:t>
+            </a:r>
+            <a:r>
               <a:rPr lang="en-US" dirty="0"/>
-              <a:t>Bigger, Faster, Stronger: Optimizing ASP.NET Applications (</a:t>
+              <a:t>, Faster, Stronger: Optimizing ASP.NET Applications (</a:t>
             </a:r>
             <a:r>
               <a:rPr lang="en-US" dirty="0">
@@ -5239,7 +5513,7 @@
               <a:rPr lang="en-US" dirty="0" smtClean="0">
                 <a:hlinkClick r:id="rId5"/>
               </a:rPr>
-              <a:t>amzn.to/1UO1Ai71</a:t>
+              <a:t>amzn.to/1OtU9wI</a:t>
             </a:r>
             <a:r>
               <a:rPr lang="en-US" dirty="0" smtClean="0"/>
@@ -5269,7 +5543,11 @@
             </a:pPr>
             <a:r>
               <a:rPr lang="en-US" dirty="0"/>
-              <a:t>JavaScript Framework : </a:t>
+              <a:t>JavaScript Framework </a:t>
+            </a:r>
+            <a:r>
+              <a:rPr lang="en-US" dirty="0" smtClean="0"/>
+              <a:t>Code: </a:t>
             </a:r>
             <a:r>
               <a:rPr lang="en-US" dirty="0">
@@ -5297,6 +5575,201 @@
           <a:p>
             <a:pPr marL="342900" indent="-342900">
               <a:buAutoNum type="arabicPeriod"/>
+            </a:pPr>
+            <a:endParaRPr lang="en-US" dirty="0"/>
+          </a:p>
+        </p:txBody>
+      </p:sp>
+      <p:sp>
+        <p:nvSpPr>
+          <p:cNvPr id="7" name="TextBox 6"/>
+          <p:cNvSpPr txBox="1"/>
+          <p:nvPr/>
+        </p:nvSpPr>
+        <p:spPr>
+          <a:xfrm>
+            <a:off x="5476022" y="788316"/>
+            <a:ext cx="6296878" cy="2308324"/>
+          </a:xfrm>
+          <a:prstGeom prst="rect">
+            <a:avLst/>
+          </a:prstGeom>
+          <a:noFill/>
+        </p:spPr>
+        <p:txBody>
+          <a:bodyPr wrap="square" rtlCol="0">
+            <a:spAutoFit/>
+          </a:bodyPr>
+          <a:lstStyle/>
+          <a:p>
+            <a:pPr marL="342900" indent="-342900">
+              <a:buFont typeface="+mj-lt"/>
+              <a:buAutoNum type="arabicPeriod" startAt="6"/>
+            </a:pPr>
+            <a:r>
+              <a:rPr lang="en-US" dirty="0" smtClean="0"/>
+              <a:t>JavaScript Framework how it is implemented : </a:t>
+            </a:r>
+            <a:r>
+              <a:rPr lang="en-US" dirty="0"/>
+              <a:t> </a:t>
+            </a:r>
+            <a:r>
+              <a:rPr lang="en-US" dirty="0">
+                <a:hlinkClick r:id="rId8"/>
+              </a:rPr>
+              <a:t>http://</a:t>
+            </a:r>
+            <a:r>
+              <a:rPr lang="en-US" dirty="0" smtClean="0">
+                <a:hlinkClick r:id="rId8"/>
+              </a:rPr>
+              <a:t>bit.ly/1KdWSHD</a:t>
+            </a:r>
+            <a:r>
+              <a:rPr lang="en-US" dirty="0"/>
+              <a:t> | </a:t>
+            </a:r>
+            <a:r>
+              <a:rPr lang="en-US" dirty="0">
+                <a:hlinkClick r:id="rId9"/>
+              </a:rPr>
+              <a:t>http://</a:t>
+            </a:r>
+            <a:r>
+              <a:rPr lang="en-US" dirty="0" smtClean="0">
+                <a:hlinkClick r:id="rId9"/>
+              </a:rPr>
+              <a:t>bit.ly/1KdX0qq</a:t>
+            </a:r>
+            <a:r>
+              <a:rPr lang="en-US" dirty="0" smtClean="0"/>
+              <a:t> </a:t>
+            </a:r>
+          </a:p>
+          <a:p>
+            <a:pPr marL="342900" indent="-342900">
+              <a:buFont typeface="+mj-lt"/>
+              <a:buAutoNum type="arabicPeriod" startAt="6"/>
+            </a:pPr>
+            <a:r>
+              <a:rPr lang="en-US" dirty="0" err="1" smtClean="0"/>
+              <a:t>Lesshat</a:t>
+            </a:r>
+            <a:r>
+              <a:rPr lang="en-US" dirty="0"/>
+              <a:t> : </a:t>
+            </a:r>
+            <a:r>
+              <a:rPr lang="en-US" dirty="0">
+                <a:hlinkClick r:id="rId10"/>
+              </a:rPr>
+              <a:t>http://</a:t>
+            </a:r>
+            <a:r>
+              <a:rPr lang="en-US" dirty="0" smtClean="0">
+                <a:hlinkClick r:id="rId10"/>
+              </a:rPr>
+              <a:t>bit.ly/1KdX75o</a:t>
+            </a:r>
+            <a:endParaRPr lang="en-US" dirty="0" smtClean="0"/>
+          </a:p>
+          <a:p>
+            <a:pPr marL="342900" indent="-342900">
+              <a:buFont typeface="+mj-lt"/>
+              <a:buAutoNum type="arabicPeriod" startAt="6"/>
+            </a:pPr>
+            <a:r>
+              <a:rPr lang="en-US" dirty="0"/>
+              <a:t>Twitter Bootstrap : </a:t>
+            </a:r>
+            <a:r>
+              <a:rPr lang="en-US" dirty="0">
+                <a:hlinkClick r:id="rId11"/>
+              </a:rPr>
+              <a:t>http://</a:t>
+            </a:r>
+            <a:r>
+              <a:rPr lang="en-US" dirty="0" smtClean="0">
+                <a:hlinkClick r:id="rId11"/>
+              </a:rPr>
+              <a:t>getbootstrap.com</a:t>
+            </a:r>
+            <a:r>
+              <a:rPr lang="en-US" dirty="0" smtClean="0"/>
+              <a:t> </a:t>
+            </a:r>
+          </a:p>
+          <a:p>
+            <a:pPr marL="342900" indent="-342900">
+              <a:buFont typeface="+mj-lt"/>
+              <a:buAutoNum type="arabicPeriod" startAt="6"/>
+            </a:pPr>
+            <a:r>
+              <a:rPr lang="en-US" b="1" dirty="0" err="1" smtClean="0"/>
+              <a:t>DevMvcComponent</a:t>
+            </a:r>
+            <a:r>
+              <a:rPr lang="en-US" b="1" dirty="0" smtClean="0"/>
+              <a:t> </a:t>
+            </a:r>
+            <a:r>
+              <a:rPr lang="en-US" b="1" dirty="0"/>
+              <a:t>: </a:t>
+            </a:r>
+            <a:r>
+              <a:rPr lang="en-US" b="1" dirty="0">
+                <a:hlinkClick r:id="rId12"/>
+              </a:rPr>
+              <a:t>http://</a:t>
+            </a:r>
+            <a:r>
+              <a:rPr lang="en-US" b="1" dirty="0" smtClean="0">
+                <a:hlinkClick r:id="rId12"/>
+              </a:rPr>
+              <a:t>bit.ly/1KdXhd5</a:t>
+            </a:r>
+            <a:endParaRPr lang="en-US" b="1" dirty="0" smtClean="0"/>
+          </a:p>
+          <a:p>
+            <a:pPr marL="342900" indent="-342900">
+              <a:buFont typeface="+mj-lt"/>
+              <a:buAutoNum type="arabicPeriod" startAt="6"/>
+            </a:pPr>
+            <a:r>
+              <a:rPr lang="en-US" b="1" dirty="0" smtClean="0"/>
+              <a:t>Presentation Codes </a:t>
+            </a:r>
+            <a:r>
+              <a:rPr lang="en-US" b="1" dirty="0"/>
+              <a:t>: </a:t>
+            </a:r>
+            <a:r>
+              <a:rPr lang="en-US" b="1" dirty="0">
+                <a:hlinkClick r:id="rId13"/>
+              </a:rPr>
+              <a:t>http://</a:t>
+            </a:r>
+            <a:r>
+              <a:rPr lang="en-US" b="1" dirty="0" smtClean="0">
+                <a:hlinkClick r:id="rId13"/>
+              </a:rPr>
+              <a:t>bit.ly/1OtTL1f</a:t>
+            </a:r>
+            <a:r>
+              <a:rPr lang="en-US" b="1" dirty="0" smtClean="0"/>
+              <a:t>   </a:t>
+            </a:r>
+          </a:p>
+          <a:p>
+            <a:pPr marL="342900" indent="-342900">
+              <a:buAutoNum type="arabicPeriod" startAt="6"/>
+            </a:pPr>
+            <a:endParaRPr lang="en-US" dirty="0" smtClean="0"/>
+          </a:p>
+          <a:p>
+            <a:pPr marL="342900" indent="-342900">
+              <a:buAutoNum type="arabicPeriod" startAt="6"/>
             </a:pPr>
             <a:endParaRPr lang="en-US" dirty="0"/>
           </a:p>
@@ -5850,6 +6323,311 @@
                       </p:childTnLst>
                     </p:cTn>
                   </p:par>
+                  <p:par>
+                    <p:cTn id="46" fill="hold">
+                      <p:stCondLst>
+                        <p:cond delay="indefinite"/>
+                      </p:stCondLst>
+                      <p:childTnLst>
+                        <p:par>
+                          <p:cTn id="47" fill="hold">
+                            <p:stCondLst>
+                              <p:cond delay="0"/>
+                            </p:stCondLst>
+                            <p:childTnLst>
+                              <p:par>
+                                <p:cTn id="48" presetID="10" presetClass="entr" presetSubtype="0" fill="hold" grpId="0" nodeType="clickEffect">
+                                  <p:stCondLst>
+                                    <p:cond delay="0"/>
+                                  </p:stCondLst>
+                                  <p:childTnLst>
+                                    <p:set>
+                                      <p:cBhvr>
+                                        <p:cTn id="49" dur="1" fill="hold">
+                                          <p:stCondLst>
+                                            <p:cond delay="0"/>
+                                          </p:stCondLst>
+                                        </p:cTn>
+                                        <p:tgtEl>
+                                          <p:spTgt spid="7">
+                                            <p:txEl>
+                                              <p:pRg st="0" end="0"/>
+                                            </p:txEl>
+                                          </p:spTgt>
+                                        </p:tgtEl>
+                                        <p:attrNameLst>
+                                          <p:attrName>style.visibility</p:attrName>
+                                        </p:attrNameLst>
+                                      </p:cBhvr>
+                                      <p:to>
+                                        <p:strVal val="visible"/>
+                                      </p:to>
+                                    </p:set>
+                                    <p:animEffect transition="in" filter="fade">
+                                      <p:cBhvr>
+                                        <p:cTn id="50" dur="500"/>
+                                        <p:tgtEl>
+                                          <p:spTgt spid="7">
+                                            <p:txEl>
+                                              <p:pRg st="0" end="0"/>
+                                            </p:txEl>
+                                          </p:spTgt>
+                                        </p:tgtEl>
+                                      </p:cBhvr>
+                                    </p:animEffect>
+                                  </p:childTnLst>
+                                </p:cTn>
+                              </p:par>
+                            </p:childTnLst>
+                          </p:cTn>
+                        </p:par>
+                      </p:childTnLst>
+                    </p:cTn>
+                  </p:par>
+                  <p:par>
+                    <p:cTn id="51" fill="hold">
+                      <p:stCondLst>
+                        <p:cond delay="indefinite"/>
+                      </p:stCondLst>
+                      <p:childTnLst>
+                        <p:par>
+                          <p:cTn id="52" fill="hold">
+                            <p:stCondLst>
+                              <p:cond delay="0"/>
+                            </p:stCondLst>
+                            <p:childTnLst>
+                              <p:par>
+                                <p:cTn id="53" presetID="10" presetClass="entr" presetSubtype="0" fill="hold" grpId="0" nodeType="clickEffect">
+                                  <p:stCondLst>
+                                    <p:cond delay="0"/>
+                                  </p:stCondLst>
+                                  <p:childTnLst>
+                                    <p:set>
+                                      <p:cBhvr>
+                                        <p:cTn id="54" dur="1" fill="hold">
+                                          <p:stCondLst>
+                                            <p:cond delay="0"/>
+                                          </p:stCondLst>
+                                        </p:cTn>
+                                        <p:tgtEl>
+                                          <p:spTgt spid="7">
+                                            <p:txEl>
+                                              <p:pRg st="1" end="1"/>
+                                            </p:txEl>
+                                          </p:spTgt>
+                                        </p:tgtEl>
+                                        <p:attrNameLst>
+                                          <p:attrName>style.visibility</p:attrName>
+                                        </p:attrNameLst>
+                                      </p:cBhvr>
+                                      <p:to>
+                                        <p:strVal val="visible"/>
+                                      </p:to>
+                                    </p:set>
+                                    <p:animEffect transition="in" filter="fade">
+                                      <p:cBhvr>
+                                        <p:cTn id="55" dur="500"/>
+                                        <p:tgtEl>
+                                          <p:spTgt spid="7">
+                                            <p:txEl>
+                                              <p:pRg st="1" end="1"/>
+                                            </p:txEl>
+                                          </p:spTgt>
+                                        </p:tgtEl>
+                                      </p:cBhvr>
+                                    </p:animEffect>
+                                  </p:childTnLst>
+                                </p:cTn>
+                              </p:par>
+                            </p:childTnLst>
+                          </p:cTn>
+                        </p:par>
+                      </p:childTnLst>
+                    </p:cTn>
+                  </p:par>
+                  <p:par>
+                    <p:cTn id="56" fill="hold">
+                      <p:stCondLst>
+                        <p:cond delay="indefinite"/>
+                      </p:stCondLst>
+                      <p:childTnLst>
+                        <p:par>
+                          <p:cTn id="57" fill="hold">
+                            <p:stCondLst>
+                              <p:cond delay="0"/>
+                            </p:stCondLst>
+                            <p:childTnLst>
+                              <p:par>
+                                <p:cTn id="58" presetID="10" presetClass="entr" presetSubtype="0" fill="hold" grpId="0" nodeType="clickEffect">
+                                  <p:stCondLst>
+                                    <p:cond delay="0"/>
+                                  </p:stCondLst>
+                                  <p:childTnLst>
+                                    <p:set>
+                                      <p:cBhvr>
+                                        <p:cTn id="59" dur="1" fill="hold">
+                                          <p:stCondLst>
+                                            <p:cond delay="0"/>
+                                          </p:stCondLst>
+                                        </p:cTn>
+                                        <p:tgtEl>
+                                          <p:spTgt spid="7">
+                                            <p:txEl>
+                                              <p:pRg st="2" end="2"/>
+                                            </p:txEl>
+                                          </p:spTgt>
+                                        </p:tgtEl>
+                                        <p:attrNameLst>
+                                          <p:attrName>style.visibility</p:attrName>
+                                        </p:attrNameLst>
+                                      </p:cBhvr>
+                                      <p:to>
+                                        <p:strVal val="visible"/>
+                                      </p:to>
+                                    </p:set>
+                                    <p:animEffect transition="in" filter="fade">
+                                      <p:cBhvr>
+                                        <p:cTn id="60" dur="500"/>
+                                        <p:tgtEl>
+                                          <p:spTgt spid="7">
+                                            <p:txEl>
+                                              <p:pRg st="2" end="2"/>
+                                            </p:txEl>
+                                          </p:spTgt>
+                                        </p:tgtEl>
+                                      </p:cBhvr>
+                                    </p:animEffect>
+                                  </p:childTnLst>
+                                </p:cTn>
+                              </p:par>
+                            </p:childTnLst>
+                          </p:cTn>
+                        </p:par>
+                      </p:childTnLst>
+                    </p:cTn>
+                  </p:par>
+                  <p:par>
+                    <p:cTn id="61" fill="hold">
+                      <p:stCondLst>
+                        <p:cond delay="indefinite"/>
+                      </p:stCondLst>
+                      <p:childTnLst>
+                        <p:par>
+                          <p:cTn id="62" fill="hold">
+                            <p:stCondLst>
+                              <p:cond delay="0"/>
+                            </p:stCondLst>
+                            <p:childTnLst>
+                              <p:par>
+                                <p:cTn id="63" presetID="10" presetClass="entr" presetSubtype="0" fill="hold" grpId="0" nodeType="clickEffect">
+                                  <p:stCondLst>
+                                    <p:cond delay="0"/>
+                                  </p:stCondLst>
+                                  <p:childTnLst>
+                                    <p:set>
+                                      <p:cBhvr>
+                                        <p:cTn id="64" dur="1" fill="hold">
+                                          <p:stCondLst>
+                                            <p:cond delay="0"/>
+                                          </p:stCondLst>
+                                        </p:cTn>
+                                        <p:tgtEl>
+                                          <p:spTgt spid="7">
+                                            <p:txEl>
+                                              <p:pRg st="3" end="3"/>
+                                            </p:txEl>
+                                          </p:spTgt>
+                                        </p:tgtEl>
+                                        <p:attrNameLst>
+                                          <p:attrName>style.visibility</p:attrName>
+                                        </p:attrNameLst>
+                                      </p:cBhvr>
+                                      <p:to>
+                                        <p:strVal val="visible"/>
+                                      </p:to>
+                                    </p:set>
+                                    <p:animEffect transition="in" filter="fade">
+                                      <p:cBhvr>
+                                        <p:cTn id="65" dur="500"/>
+                                        <p:tgtEl>
+                                          <p:spTgt spid="7">
+                                            <p:txEl>
+                                              <p:pRg st="3" end="3"/>
+                                            </p:txEl>
+                                          </p:spTgt>
+                                        </p:tgtEl>
+                                      </p:cBhvr>
+                                    </p:animEffect>
+                                  </p:childTnLst>
+                                </p:cTn>
+                              </p:par>
+                            </p:childTnLst>
+                          </p:cTn>
+                        </p:par>
+                      </p:childTnLst>
+                    </p:cTn>
+                  </p:par>
+                  <p:par>
+                    <p:cTn id="66" fill="hold">
+                      <p:stCondLst>
+                        <p:cond delay="indefinite"/>
+                      </p:stCondLst>
+                      <p:childTnLst>
+                        <p:par>
+                          <p:cTn id="67" fill="hold">
+                            <p:stCondLst>
+                              <p:cond delay="0"/>
+                            </p:stCondLst>
+                            <p:childTnLst>
+                              <p:par>
+                                <p:cTn id="68" presetID="10" presetClass="entr" presetSubtype="0" fill="hold" grpId="0" nodeType="clickEffect">
+                                  <p:stCondLst>
+                                    <p:cond delay="0"/>
+                                  </p:stCondLst>
+                                  <p:childTnLst>
+                                    <p:set>
+                                      <p:cBhvr>
+                                        <p:cTn id="69" dur="1" fill="hold">
+                                          <p:stCondLst>
+                                            <p:cond delay="0"/>
+                                          </p:stCondLst>
+                                        </p:cTn>
+                                        <p:tgtEl>
+                                          <p:spTgt spid="7">
+                                            <p:txEl>
+                                              <p:pRg st="4" end="4"/>
+                                            </p:txEl>
+                                          </p:spTgt>
+                                        </p:tgtEl>
+                                        <p:attrNameLst>
+                                          <p:attrName>style.visibility</p:attrName>
+                                        </p:attrNameLst>
+                                      </p:cBhvr>
+                                      <p:to>
+                                        <p:strVal val="visible"/>
+                                      </p:to>
+                                    </p:set>
+                                    <p:animEffect transition="in" filter="fade">
+                                      <p:cBhvr>
+                                        <p:cTn id="70" dur="500"/>
+                                        <p:tgtEl>
+                                          <p:spTgt spid="7">
+                                            <p:txEl>
+                                              <p:pRg st="4" end="4"/>
+                                            </p:txEl>
+                                          </p:spTgt>
+                                        </p:tgtEl>
+                                      </p:cBhvr>
+                                    </p:animEffect>
+                                  </p:childTnLst>
+                                </p:cTn>
+                              </p:par>
+                            </p:childTnLst>
+                          </p:cTn>
+                        </p:par>
+                      </p:childTnLst>
+                    </p:cTn>
+                  </p:par>
                 </p:childTnLst>
               </p:cTn>
               <p:prevCondLst>
@@ -5877,6 +6655,7 @@
       <p:bldP spid="13" grpId="2"/>
       <p:bldP spid="13" grpId="3"/>
       <p:bldP spid="6" grpId="0" uiExpand="1" build="p"/>
+      <p:bldP spid="7" grpId="0" build="p"/>
     </p:bldLst>
   </p:timing>
 </p:sld>
@@ -5935,7 +6714,7 @@
         <p:spPr/>
         <p:txBody>
           <a:bodyPr>
-            <a:normAutofit/>
+            <a:normAutofit fontScale="77500" lnSpcReduction="20000"/>
           </a:bodyPr>
           <a:lstStyle/>
           <a:p>
@@ -5957,6 +6736,22 @@
               <a:rPr lang="en-US" dirty="0" smtClean="0"/>
               <a:t> Karim</a:t>
             </a:r>
+          </a:p>
+          <a:p>
+            <a:r>
+              <a:rPr lang="en-US" u="sng" dirty="0" smtClean="0">
+                <a:solidFill>
+                  <a:srgbClr val="00B0F0"/>
+                </a:solidFill>
+                <a:hlinkClick r:id="rId2"/>
+              </a:rPr>
+              <a:t>alim.karim.nsu@gmail.com</a:t>
+            </a:r>
+            <a:endParaRPr lang="en-US" u="sng" dirty="0" smtClean="0">
+              <a:solidFill>
+                <a:srgbClr val="00B0F0"/>
+              </a:solidFill>
+            </a:endParaRPr>
           </a:p>
           <a:p>
             <a:r>
@@ -5965,7 +6760,17 @@
                   <a:srgbClr val="00B0F0"/>
                 </a:solidFill>
               </a:rPr>
-              <a:t>alim.karim.nsu@gmail.com</a:t>
+              <a:t>North South University</a:t>
+            </a:r>
+          </a:p>
+          <a:p>
+            <a:r>
+              <a:rPr lang="en-US" u="sng" dirty="0" smtClean="0">
+                <a:solidFill>
+                  <a:srgbClr val="00B0F0"/>
+                </a:solidFill>
+              </a:rPr>
+              <a:t>CSE 499 </a:t>
             </a:r>
           </a:p>
           <a:p>
@@ -6069,16 +6874,25 @@
     </p:spTree>
     <p:extLst>
       <p:ext uri="{BB962C8B-B14F-4D97-AF65-F5344CB8AC3E}">
-        <p14:creationId xmlns:p14="http://schemas.microsoft.com/office/powerpoint/2010/main" val="1408301175"/>
+        <p14:creationId xmlns:p14="http://schemas.microsoft.com/office/powerpoint/2010/main" val="3328098561"/>
       </p:ext>
     </p:extLst>
   </p:cSld>
   <p:clrMapOvr>
     <a:masterClrMapping/>
   </p:clrMapOvr>
-  <p:transition spd="slow">
-    <p:comb/>
-  </p:transition>
+  <mc:AlternateContent xmlns:mc="http://schemas.openxmlformats.org/markup-compatibility/2006" xmlns:p15="http://schemas.microsoft.com/office/powerpoint/2012/main">
+    <mc:Choice Requires="p15">
+      <p:transition xmlns:p14="http://schemas.microsoft.com/office/powerpoint/2010/main" spd="slow" p14:dur="2000">
+        <p15:prstTrans prst="fallOver"/>
+      </p:transition>
+    </mc:Choice>
+    <mc:Fallback xmlns="">
+      <p:transition spd="slow">
+        <p:fade/>
+      </p:transition>
+    </mc:Fallback>
+  </mc:AlternateContent>
   <p:timing>
     <p:tnLst>
       <p:par>
@@ -6479,6 +7293,59 @@
                       </p:childTnLst>
                     </p:cTn>
                   </p:par>
+                  <p:par>
+                    <p:cTn id="35" fill="hold">
+                      <p:stCondLst>
+                        <p:cond delay="indefinite"/>
+                      </p:stCondLst>
+                      <p:childTnLst>
+                        <p:par>
+                          <p:cTn id="36" fill="hold">
+                            <p:stCondLst>
+                              <p:cond delay="0"/>
+                            </p:stCondLst>
+                            <p:childTnLst>
+                              <p:par>
+                                <p:cTn id="37" presetID="22" presetClass="entr" presetSubtype="1" fill="hold" grpId="0" nodeType="clickEffect">
+                                  <p:stCondLst>
+                                    <p:cond delay="0"/>
+                                  </p:stCondLst>
+                                  <p:childTnLst>
+                                    <p:set>
+                                      <p:cBhvr>
+                                        <p:cTn id="38" dur="1" fill="hold">
+                                          <p:stCondLst>
+                                            <p:cond delay="0"/>
+                                          </p:stCondLst>
+                                        </p:cTn>
+                                        <p:tgtEl>
+                                          <p:spTgt spid="3"/>
+                                        </p:tgtEl>
+                                        <p:attrNameLst>
+                                          <p:attrName>style.visibility</p:attrName>
+                                        </p:attrNameLst>
+                                      </p:cBhvr>
+                                      <p:to>
+                                        <p:strVal val="visible"/>
+                                      </p:to>
+                                    </p:set>
+                                    <p:animEffect transition="in" filter="wipe(up)">
+                                      <p:cBhvr>
+                                        <p:cTn id="39" dur="500"/>
+                                        <p:tgtEl>
+                                          <p:spTgt spid="3"/>
+                                        </p:tgtEl>
+                                      </p:cBhvr>
+                                    </p:animEffect>
+                                  </p:childTnLst>
+                                </p:cTn>
+                              </p:par>
+                            </p:childTnLst>
+                          </p:cTn>
+                        </p:par>
+                      </p:childTnLst>
+                    </p:cTn>
+                  </p:par>
                 </p:childTnLst>
               </p:cTn>
               <p:prevCondLst>
@@ -6501,6 +7368,7 @@
       </p:par>
     </p:tnLst>
     <p:bldLst>
+      <p:bldP spid="3" grpId="0"/>
       <p:bldP spid="8" grpId="0"/>
       <p:bldP spid="8" grpId="1"/>
       <p:bldP spid="8" grpId="2"/>
@@ -6510,6 +7378,213 @@
       <p:bldP spid="6" grpId="2"/>
       <p:bldP spid="6" grpId="3"/>
     </p:bldLst>
+  </p:timing>
+</p:sld>
+</file>
+
+<file path=ppt/slides/slide13.xml><?xml version="1.0" encoding="utf-8"?>
+<p:sld xmlns:a="http://schemas.openxmlformats.org/drawingml/2006/main" xmlns:r="http://schemas.openxmlformats.org/officeDocument/2006/relationships" xmlns:p="http://schemas.openxmlformats.org/presentationml/2006/main">
+  <p:cSld>
+    <p:spTree>
+      <p:nvGrpSpPr>
+        <p:cNvPr id="1" name=""/>
+        <p:cNvGrpSpPr/>
+        <p:nvPr/>
+      </p:nvGrpSpPr>
+      <p:grpSpPr>
+        <a:xfrm>
+          <a:off x="0" y="0"/>
+          <a:ext cx="0" cy="0"/>
+          <a:chOff x="0" y="0"/>
+          <a:chExt cx="0" cy="0"/>
+        </a:xfrm>
+      </p:grpSpPr>
+      <p:sp>
+        <p:nvSpPr>
+          <p:cNvPr id="2" name="Title 1"/>
+          <p:cNvSpPr>
+            <a:spLocks noGrp="1"/>
+          </p:cNvSpPr>
+          <p:nvPr>
+            <p:ph type="ctrTitle"/>
+          </p:nvPr>
+        </p:nvSpPr>
+        <p:spPr/>
+        <p:txBody>
+          <a:bodyPr/>
+          <a:lstStyle/>
+          <a:p>
+            <a:r>
+              <a:rPr lang="en-US" dirty="0" smtClean="0"/>
+              <a:t>Thank you</a:t>
+            </a:r>
+            <a:endParaRPr lang="en-US" dirty="0"/>
+          </a:p>
+        </p:txBody>
+      </p:sp>
+      <p:sp>
+        <p:nvSpPr>
+          <p:cNvPr id="3" name="Subtitle 2"/>
+          <p:cNvSpPr>
+            <a:spLocks noGrp="1"/>
+          </p:cNvSpPr>
+          <p:nvPr>
+            <p:ph type="subTitle" idx="1"/>
+          </p:nvPr>
+        </p:nvSpPr>
+        <p:spPr/>
+        <p:txBody>
+          <a:bodyPr>
+            <a:normAutofit fontScale="77500" lnSpcReduction="20000"/>
+          </a:bodyPr>
+          <a:lstStyle/>
+          <a:p>
+            <a:r>
+              <a:rPr lang="en-US" dirty="0" smtClean="0"/>
+              <a:t>Presented by</a:t>
+            </a:r>
+          </a:p>
+          <a:p>
+            <a:r>
+              <a:rPr lang="en-US" dirty="0" smtClean="0"/>
+              <a:t>Md. Alim </a:t>
+            </a:r>
+            <a:r>
+              <a:rPr lang="en-US" dirty="0" err="1" smtClean="0"/>
+              <a:t>Ul</a:t>
+            </a:r>
+            <a:r>
+              <a:rPr lang="en-US" dirty="0" smtClean="0"/>
+              <a:t> Karim</a:t>
+            </a:r>
+          </a:p>
+          <a:p>
+            <a:r>
+              <a:rPr lang="en-US" u="sng" dirty="0" smtClean="0">
+                <a:solidFill>
+                  <a:srgbClr val="00B0F0"/>
+                </a:solidFill>
+                <a:hlinkClick r:id="rId2"/>
+              </a:rPr>
+              <a:t>alim.karim.nsu@gmail.com</a:t>
+            </a:r>
+            <a:endParaRPr lang="en-US" u="sng" dirty="0" smtClean="0">
+              <a:solidFill>
+                <a:srgbClr val="00B0F0"/>
+              </a:solidFill>
+            </a:endParaRPr>
+          </a:p>
+          <a:p>
+            <a:r>
+              <a:rPr lang="en-US" u="sng" dirty="0" smtClean="0">
+                <a:solidFill>
+                  <a:srgbClr val="00B0F0"/>
+                </a:solidFill>
+              </a:rPr>
+              <a:t>North South University</a:t>
+            </a:r>
+          </a:p>
+          <a:p>
+            <a:r>
+              <a:rPr lang="en-US" u="sng" dirty="0" smtClean="0">
+                <a:solidFill>
+                  <a:srgbClr val="00B0F0"/>
+                </a:solidFill>
+              </a:rPr>
+              <a:t>CSE 499 </a:t>
+            </a:r>
+          </a:p>
+          <a:p>
+            <a:endParaRPr lang="en-US" dirty="0" smtClean="0"/>
+          </a:p>
+        </p:txBody>
+      </p:sp>
+      <p:sp>
+        <p:nvSpPr>
+          <p:cNvPr id="7" name="Slide Number Placeholder 6"/>
+          <p:cNvSpPr>
+            <a:spLocks noGrp="1"/>
+          </p:cNvSpPr>
+          <p:nvPr>
+            <p:ph type="sldNum" sz="quarter" idx="12"/>
+          </p:nvPr>
+        </p:nvSpPr>
+        <p:spPr/>
+        <p:txBody>
+          <a:bodyPr/>
+          <a:lstStyle/>
+          <a:p>
+            <a:fld id="{3405949F-09D4-4823-AF2C-A9E8A428D48D}" type="slidenum">
+              <a:rPr lang="en-US" smtClean="0"/>
+              <a:t>13</a:t>
+            </a:fld>
+            <a:endParaRPr lang="en-US"/>
+          </a:p>
+        </p:txBody>
+      </p:sp>
+      <p:sp>
+        <p:nvSpPr>
+          <p:cNvPr id="8" name="TextBox 7"/>
+          <p:cNvSpPr txBox="1"/>
+          <p:nvPr/>
+        </p:nvSpPr>
+        <p:spPr>
+          <a:xfrm>
+            <a:off x="4533970" y="1672491"/>
+            <a:ext cx="3124060" cy="830997"/>
+          </a:xfrm>
+          <a:prstGeom prst="rect">
+            <a:avLst/>
+          </a:prstGeom>
+          <a:noFill/>
+        </p:spPr>
+        <p:txBody>
+          <a:bodyPr wrap="none" rtlCol="0">
+            <a:spAutoFit/>
+          </a:bodyPr>
+          <a:lstStyle/>
+          <a:p>
+            <a:r>
+              <a:rPr lang="en-US" sz="4800" dirty="0" smtClean="0">
+                <a:solidFill>
+                  <a:schemeClr val="bg1">
+                    <a:lumMod val="50000"/>
+                  </a:schemeClr>
+                </a:solidFill>
+              </a:rPr>
+              <a:t>Questions ?</a:t>
+            </a:r>
+          </a:p>
+        </p:txBody>
+      </p:sp>
+    </p:spTree>
+    <p:extLst>
+      <p:ext uri="{BB962C8B-B14F-4D97-AF65-F5344CB8AC3E}">
+        <p14:creationId xmlns:p14="http://schemas.microsoft.com/office/powerpoint/2010/main" val="1408301175"/>
+      </p:ext>
+    </p:extLst>
+  </p:cSld>
+  <p:clrMapOvr>
+    <a:masterClrMapping/>
+  </p:clrMapOvr>
+  <mc:AlternateContent xmlns:mc="http://schemas.openxmlformats.org/markup-compatibility/2006" xmlns:p14="http://schemas.microsoft.com/office/powerpoint/2010/main">
+    <mc:Choice Requires="p14">
+      <p:transition spd="med" p14:dur="700">
+        <p:fade/>
+      </p:transition>
+    </mc:Choice>
+    <mc:Fallback xmlns="">
+      <p:transition spd="med">
+        <p:fade/>
+      </p:transition>
+    </mc:Fallback>
+  </mc:AlternateContent>
+  <p:timing>
+    <p:tnLst>
+      <p:par>
+        <p:cTn id="1" dur="indefinite" restart="never" nodeType="tmRoot"/>
+      </p:par>
+    </p:tnLst>
   </p:timing>
 </p:sld>
 </file>
@@ -6606,31 +7681,20 @@
           <a:p>
             <a:r>
               <a:rPr lang="en-US" dirty="0" smtClean="0"/>
-              <a:t>How we are going to install it?</a:t>
+              <a:t> Proof of concepts comparing with another regular project</a:t>
             </a:r>
           </a:p>
           <a:p>
             <a:r>
               <a:rPr lang="en-US" dirty="0" smtClean="0"/>
-              <a:t>Proof of concepts comparing with another regular project</a:t>
+              <a:t>Example and test cases.</a:t>
             </a:r>
           </a:p>
           <a:p>
             <a:r>
               <a:rPr lang="en-US" dirty="0" smtClean="0"/>
-              <a:t>Example and test cases</a:t>
-            </a:r>
-            <a:r>
-              <a:rPr lang="en-US" dirty="0" smtClean="0"/>
-              <a:t>.</a:t>
-            </a:r>
-          </a:p>
-          <a:p>
-            <a:r>
-              <a:rPr lang="en-US" smtClean="0"/>
               <a:t>References </a:t>
             </a:r>
-            <a:endParaRPr lang="en-US" dirty="0" smtClean="0"/>
           </a:p>
           <a:p>
             <a:pPr marL="0" indent="0">
@@ -7116,67 +8180,6 @@
                                           <p:spTgt spid="3">
                                             <p:txEl>
                                               <p:pRg st="7" end="7"/>
-                                            </p:txEl>
-                                          </p:spTgt>
-                                        </p:tgtEl>
-                                      </p:cBhvr>
-                                    </p:animEffect>
-                                  </p:childTnLst>
-                                </p:cTn>
-                              </p:par>
-                            </p:childTnLst>
-                          </p:cTn>
-                        </p:par>
-                      </p:childTnLst>
-                    </p:cTn>
-                  </p:par>
-                  <p:par>
-                    <p:cTn id="37" fill="hold">
-                      <p:stCondLst>
-                        <p:cond delay="indefinite"/>
-                      </p:stCondLst>
-                      <p:childTnLst>
-                        <p:par>
-                          <p:cTn id="38" fill="hold">
-                            <p:stCondLst>
-                              <p:cond delay="0"/>
-                            </p:stCondLst>
-                            <p:childTnLst>
-                              <p:par>
-                                <p:cTn id="39" presetID="10" presetClass="entr" presetSubtype="0" fill="hold" grpId="0" nodeType="clickEffect">
-                                  <p:stCondLst>
-                                    <p:cond delay="0"/>
-                                  </p:stCondLst>
-                                  <p:childTnLst>
-                                    <p:set>
-                                      <p:cBhvr>
-                                        <p:cTn id="40" dur="1" fill="hold">
-                                          <p:stCondLst>
-                                            <p:cond delay="0"/>
-                                          </p:stCondLst>
-                                        </p:cTn>
-                                        <p:tgtEl>
-                                          <p:spTgt spid="3">
-                                            <p:txEl>
-                                              <p:pRg st="8" end="8"/>
-                                            </p:txEl>
-                                          </p:spTgt>
-                                        </p:tgtEl>
-                                        <p:attrNameLst>
-                                          <p:attrName>style.visibility</p:attrName>
-                                        </p:attrNameLst>
-                                      </p:cBhvr>
-                                      <p:to>
-                                        <p:strVal val="visible"/>
-                                      </p:to>
-                                    </p:set>
-                                    <p:animEffect transition="in" filter="fade">
-                                      <p:cBhvr>
-                                        <p:cTn id="41" dur="500"/>
-                                        <p:tgtEl>
-                                          <p:spTgt spid="3">
-                                            <p:txEl>
-                                              <p:pRg st="8" end="8"/>
                                             </p:txEl>
                                           </p:spTgt>
                                         </p:tgtEl>
@@ -7293,7 +8296,7 @@
         </p:nvSpPr>
         <p:spPr>
           <a:xfrm>
-            <a:off x="10493732" y="706853"/>
+            <a:off x="10493732" y="1668881"/>
             <a:ext cx="1178528" cy="400110"/>
           </a:xfrm>
           <a:prstGeom prst="rect">
@@ -7329,7 +8332,7 @@
         </p:nvSpPr>
         <p:spPr>
           <a:xfrm>
-            <a:off x="9104954" y="1657420"/>
+            <a:off x="9104954" y="396157"/>
             <a:ext cx="2567306" cy="400110"/>
           </a:xfrm>
           <a:prstGeom prst="rect">
@@ -7365,7 +8368,7 @@
         </p:nvSpPr>
         <p:spPr>
           <a:xfrm>
-            <a:off x="10969824" y="1182137"/>
+            <a:off x="10969824" y="820398"/>
             <a:ext cx="702436" cy="400110"/>
           </a:xfrm>
           <a:prstGeom prst="rect">
@@ -7514,7 +8517,7 @@
         <p:spPr>
           <a:xfrm>
             <a:off x="-127855" y="3283355"/>
-            <a:ext cx="10515600" cy="646331"/>
+            <a:ext cx="10515600" cy="560090"/>
           </a:xfrm>
           <a:prstGeom prst="rect">
             <a:avLst/>
@@ -7538,7 +8541,7 @@
               </a:spcAft>
             </a:pPr>
             <a:r>
-              <a:rPr lang="en-US" i="1" dirty="0" smtClean="0">
+              <a:rPr lang="en-US" i="1" dirty="0">
                 <a:solidFill>
                   <a:srgbClr val="206252"/>
                 </a:solidFill>
@@ -7546,7 +8549,7 @@
                 <a:ea typeface="Times New Roman" panose="02020603050405020304" pitchFamily="18" charset="0"/>
                 <a:cs typeface="SolaimanLipi" panose="02000500020000020004" pitchFamily="2" charset="0"/>
               </a:rPr>
-              <a:t>Last thing we have to remember that humans are not machine. </a:t>
+              <a:t>We have to remember that humans are not machine. </a:t>
             </a:r>
             <a:endParaRPr lang="en-US" sz="1400" dirty="0">
               <a:effectLst/>
@@ -7554,6 +8557,82 @@
               <a:ea typeface="Times New Roman" panose="02020603050405020304" pitchFamily="18" charset="0"/>
               <a:cs typeface="SolaimanLipi" panose="02000500020000020004" pitchFamily="2" charset="0"/>
             </a:endParaRPr>
+          </a:p>
+        </p:txBody>
+      </p:sp>
+      <p:sp>
+        <p:nvSpPr>
+          <p:cNvPr id="11" name="TextBox 10"/>
+          <p:cNvSpPr txBox="1"/>
+          <p:nvPr/>
+        </p:nvSpPr>
+        <p:spPr>
+          <a:xfrm>
+            <a:off x="4843210" y="1244639"/>
+            <a:ext cx="6829050" cy="400110"/>
+          </a:xfrm>
+          <a:prstGeom prst="rect">
+            <a:avLst/>
+          </a:prstGeom>
+          <a:noFill/>
+        </p:spPr>
+        <p:txBody>
+          <a:bodyPr wrap="none" rtlCol="0">
+            <a:spAutoFit/>
+          </a:bodyPr>
+          <a:lstStyle/>
+          <a:p>
+            <a:pPr algn="r"/>
+            <a:r>
+              <a:rPr lang="en-US" sz="2000" dirty="0" smtClean="0">
+                <a:solidFill>
+                  <a:schemeClr val="accent1">
+                    <a:lumMod val="75000"/>
+                  </a:schemeClr>
+                </a:solidFill>
+              </a:rPr>
+              <a:t>Keeping a close relationship between </a:t>
+            </a:r>
+            <a:r>
+              <a:rPr lang="en-US" sz="2000" b="1" i="1" dirty="0" smtClean="0">
+                <a:solidFill>
+                  <a:schemeClr val="accent1">
+                    <a:lumMod val="75000"/>
+                  </a:schemeClr>
+                </a:solidFill>
+              </a:rPr>
+              <a:t>engineers</a:t>
+            </a:r>
+            <a:r>
+              <a:rPr lang="en-US" sz="2000" dirty="0" smtClean="0">
+                <a:solidFill>
+                  <a:schemeClr val="accent1">
+                    <a:lumMod val="75000"/>
+                  </a:schemeClr>
+                </a:solidFill>
+              </a:rPr>
+              <a:t> and </a:t>
+            </a:r>
+            <a:r>
+              <a:rPr lang="en-US" sz="2000" b="1" i="1" dirty="0" smtClean="0">
+                <a:solidFill>
+                  <a:schemeClr val="accent1">
+                    <a:lumMod val="75000"/>
+                  </a:schemeClr>
+                </a:solidFill>
+              </a:rPr>
+              <a:t>developers</a:t>
+            </a:r>
+            <a:r>
+              <a:rPr lang="en-US" sz="2000" dirty="0" smtClean="0">
+                <a:solidFill>
+                  <a:schemeClr val="accent1">
+                    <a:lumMod val="75000"/>
+                  </a:schemeClr>
+                </a:solidFill>
+              </a:rPr>
+              <a:t>.</a:t>
+            </a:r>
           </a:p>
         </p:txBody>
       </p:sp>
@@ -7616,7 +8695,7 @@
                                           </p:stCondLst>
                                         </p:cTn>
                                         <p:tgtEl>
-                                          <p:spTgt spid="7"/>
+                                          <p:spTgt spid="9"/>
                                         </p:tgtEl>
                                         <p:attrNameLst>
                                           <p:attrName>style.visibility</p:attrName>
@@ -7630,7 +8709,7 @@
                                       <p:cBhvr>
                                         <p:cTn id="7" dur="500"/>
                                         <p:tgtEl>
-                                          <p:spTgt spid="7"/>
+                                          <p:spTgt spid="9"/>
                                         </p:tgtEl>
                                       </p:cBhvr>
                                     </p:animEffect>
@@ -7650,7 +8729,7 @@
                                       <p:cBhvr override="childStyle">
                                         <p:cTn id="9" dur="900" fill="hold"/>
                                         <p:tgtEl>
-                                          <p:spTgt spid="7"/>
+                                          <p:spTgt spid="9"/>
                                         </p:tgtEl>
                                         <p:attrNameLst>
                                           <p:attrName>style.color</p:attrName>
@@ -7676,7 +8755,7 @@
                                       <p:cBhvr override="childStyle">
                                         <p:cTn id="11" dur="4800"/>
                                         <p:tgtEl>
-                                          <p:spTgt spid="7"/>
+                                          <p:spTgt spid="9"/>
                                         </p:tgtEl>
                                         <p:attrNameLst>
                                           <p:attrName>style.fontWeight</p:attrName>
@@ -7720,7 +8799,7 @@
                                       <p:cBhvr override="childStyle">
                                         <p:cTn id="15" dur="1000" fill="hold"/>
                                         <p:tgtEl>
-                                          <p:spTgt spid="7"/>
+                                          <p:spTgt spid="9"/>
                                         </p:tgtEl>
                                         <p:attrNameLst>
                                           <p:attrName>style.color</p:attrName>
@@ -7768,7 +8847,7 @@
                                           </p:stCondLst>
                                         </p:cTn>
                                         <p:tgtEl>
-                                          <p:spTgt spid="12">
+                                          <p:spTgt spid="14">
                                             <p:txEl>
                                               <p:pRg st="0" end="0"/>
                                             </p:txEl>
@@ -7786,7 +8865,7 @@
                                       <p:cBhvr>
                                         <p:cTn id="20" dur="200"/>
                                         <p:tgtEl>
-                                          <p:spTgt spid="12">
+                                          <p:spTgt spid="14">
                                             <p:txEl>
                                               <p:pRg st="0" end="0"/>
                                             </p:txEl>
@@ -7810,7 +8889,7 @@
                                       <p:cBhvr override="childStyle">
                                         <p:cTn id="22" dur="600"/>
                                         <p:tgtEl>
-                                          <p:spTgt spid="12">
+                                          <p:spTgt spid="14">
                                             <p:txEl>
                                               <p:pRg st="0" end="0"/>
                                             </p:txEl>
@@ -7858,7 +8937,7 @@
                                       <p:cBhvr>
                                         <p:cTn id="26" dur="500"/>
                                         <p:tgtEl>
-                                          <p:spTgt spid="12">
+                                          <p:spTgt spid="14">
                                             <p:txEl>
                                               <p:pRg st="0" end="0"/>
                                             </p:txEl>
@@ -7874,7 +8953,7 @@
                                           </p:stCondLst>
                                         </p:cTn>
                                         <p:tgtEl>
-                                          <p:spTgt spid="12">
+                                          <p:spTgt spid="14">
                                             <p:txEl>
                                               <p:pRg st="0" end="0"/>
                                             </p:txEl>
@@ -8236,7 +9315,7 @@
                                           </p:stCondLst>
                                         </p:cTn>
                                         <p:tgtEl>
-                                          <p:spTgt spid="9"/>
+                                          <p:spTgt spid="11"/>
                                         </p:tgtEl>
                                         <p:attrNameLst>
                                           <p:attrName>style.visibility</p:attrName>
@@ -8250,7 +9329,7 @@
                                       <p:cBhvr>
                                         <p:cTn id="57" dur="500"/>
                                         <p:tgtEl>
-                                          <p:spTgt spid="9"/>
+                                          <p:spTgt spid="11"/>
                                         </p:tgtEl>
                                       </p:cBhvr>
                                     </p:animEffect>
@@ -8270,7 +9349,7 @@
                                       <p:cBhvr override="childStyle">
                                         <p:cTn id="59" dur="900" fill="hold"/>
                                         <p:tgtEl>
-                                          <p:spTgt spid="9"/>
+                                          <p:spTgt spid="11"/>
                                         </p:tgtEl>
                                         <p:attrNameLst>
                                           <p:attrName>style.color</p:attrName>
@@ -8296,7 +9375,7 @@
                                       <p:cBhvr override="childStyle">
                                         <p:cTn id="61" dur="4800"/>
                                         <p:tgtEl>
-                                          <p:spTgt spid="9"/>
+                                          <p:spTgt spid="11"/>
                                         </p:tgtEl>
                                         <p:attrNameLst>
                                           <p:attrName>style.fontWeight</p:attrName>
@@ -8340,7 +9419,7 @@
                                       <p:cBhvr override="childStyle">
                                         <p:cTn id="65" dur="1000" fill="hold"/>
                                         <p:tgtEl>
-                                          <p:spTgt spid="9"/>
+                                          <p:spTgt spid="11"/>
                                         </p:tgtEl>
                                         <p:attrNameLst>
                                           <p:attrName>style.color</p:attrName>
@@ -8388,11 +9467,7 @@
                                           </p:stCondLst>
                                         </p:cTn>
                                         <p:tgtEl>
-                                          <p:spTgt spid="14">
-                                            <p:txEl>
-                                              <p:pRg st="0" end="0"/>
-                                            </p:txEl>
-                                          </p:spTgt>
+                                          <p:spTgt spid="7"/>
                                         </p:tgtEl>
                                         <p:attrNameLst>
                                           <p:attrName>style.visibility</p:attrName>
@@ -8404,13 +9479,9 @@
                                     </p:set>
                                     <p:animEffect transition="in" filter="fade">
                                       <p:cBhvr>
-                                        <p:cTn id="70" dur="200"/>
-                                        <p:tgtEl>
-                                          <p:spTgt spid="14">
-                                            <p:txEl>
-                                              <p:pRg st="0" end="0"/>
-                                            </p:txEl>
-                                          </p:spTgt>
+                                        <p:cTn id="70" dur="500"/>
+                                        <p:tgtEl>
+                                          <p:spTgt spid="7"/>
                                         </p:tgtEl>
                                       </p:cBhvr>
                                     </p:animEffect>
@@ -8418,23 +9489,45 @@
                                 </p:cTn>
                               </p:par>
                               <p:par>
-                                <p:cTn id="71" presetID="15" presetClass="emph" presetSubtype="0" grpId="1" nodeType="withEffect">
+                                <p:cTn id="71" presetID="3" presetClass="emph" presetSubtype="2" fill="hold" grpId="1" nodeType="withEffect">
                                   <p:stCondLst>
-                                    <p:cond delay="400"/>
+                                    <p:cond delay="0"/>
                                   </p:stCondLst>
                                   <p:iterate type="lt">
-                                    <p:tmAbs val="15"/>
+                                    <p:tmPct val="0"/>
+                                  </p:iterate>
+                                  <p:childTnLst>
+                                    <p:animClr clrSpc="rgb" dir="cw">
+                                      <p:cBhvr override="childStyle">
+                                        <p:cTn id="72" dur="900" fill="hold"/>
+                                        <p:tgtEl>
+                                          <p:spTgt spid="7"/>
+                                        </p:tgtEl>
+                                        <p:attrNameLst>
+                                          <p:attrName>style.color</p:attrName>
+                                        </p:attrNameLst>
+                                      </p:cBhvr>
+                                      <p:to>
+                                        <a:srgbClr val="FF0000"/>
+                                      </p:to>
+                                    </p:animClr>
+                                  </p:childTnLst>
+                                </p:cTn>
+                              </p:par>
+                              <p:par>
+                                <p:cTn id="73" presetID="15" presetClass="emph" presetSubtype="0" grpId="3" nodeType="withEffect">
+                                  <p:stCondLst>
+                                    <p:cond delay="0"/>
+                                  </p:stCondLst>
+                                  <p:iterate type="lt">
+                                    <p:tmAbs val="25"/>
                                   </p:iterate>
                                   <p:childTnLst>
                                     <p:set>
                                       <p:cBhvr override="childStyle">
-                                        <p:cTn id="72" dur="600"/>
-                                        <p:tgtEl>
-                                          <p:spTgt spid="14">
-                                            <p:txEl>
-                                              <p:pRg st="0" end="0"/>
-                                            </p:txEl>
-                                          </p:spTgt>
+                                        <p:cTn id="74" dur="4800"/>
+                                        <p:tgtEl>
+                                          <p:spTgt spid="7"/>
                                         </p:tgtEl>
                                         <p:attrNameLst>
                                           <p:attrName>style.fontWeight</p:attrName>
@@ -8454,19 +9547,157 @@
                     </p:cTn>
                   </p:par>
                   <p:par>
-                    <p:cTn id="73" fill="hold">
+                    <p:cTn id="75" fill="hold">
                       <p:stCondLst>
                         <p:cond delay="indefinite"/>
                       </p:stCondLst>
                       <p:childTnLst>
                         <p:par>
-                          <p:cTn id="74" fill="hold">
+                          <p:cTn id="76" fill="hold">
                             <p:stCondLst>
                               <p:cond delay="0"/>
                             </p:stCondLst>
                             <p:childTnLst>
                               <p:par>
-                                <p:cTn id="75" presetID="10" presetClass="exit" presetSubtype="0" fill="hold" grpId="2" nodeType="clickEffect">
+                                <p:cTn id="77" presetID="3" presetClass="emph" presetSubtype="2" fill="hold" grpId="2" nodeType="clickEffect">
+                                  <p:stCondLst>
+                                    <p:cond delay="0"/>
+                                  </p:stCondLst>
+                                  <p:iterate type="lt">
+                                    <p:tmPct val="0"/>
+                                  </p:iterate>
+                                  <p:childTnLst>
+                                    <p:animClr clrSpc="rgb" dir="cw">
+                                      <p:cBhvr override="childStyle">
+                                        <p:cTn id="78" dur="1000" fill="hold"/>
+                                        <p:tgtEl>
+                                          <p:spTgt spid="7"/>
+                                        </p:tgtEl>
+                                        <p:attrNameLst>
+                                          <p:attrName>style.color</p:attrName>
+                                        </p:attrNameLst>
+                                      </p:cBhvr>
+                                      <p:to>
+                                        <a:srgbClr val="00B0F0"/>
+                                      </p:to>
+                                    </p:animClr>
+                                  </p:childTnLst>
+                                </p:cTn>
+                              </p:par>
+                            </p:childTnLst>
+                          </p:cTn>
+                        </p:par>
+                      </p:childTnLst>
+                    </p:cTn>
+                  </p:par>
+                  <p:par>
+                    <p:cTn id="79" fill="hold">
+                      <p:stCondLst>
+                        <p:cond delay="indefinite"/>
+                      </p:stCondLst>
+                      <p:childTnLst>
+                        <p:par>
+                          <p:cTn id="80" fill="hold">
+                            <p:stCondLst>
+                              <p:cond delay="0"/>
+                            </p:stCondLst>
+                            <p:childTnLst>
+                              <p:par>
+                                <p:cTn id="81" presetID="10" presetClass="entr" presetSubtype="0" fill="hold" grpId="0" nodeType="clickEffect">
+                                  <p:stCondLst>
+                                    <p:cond delay="0"/>
+                                  </p:stCondLst>
+                                  <p:iterate type="lt">
+                                    <p:tmPct val="0"/>
+                                  </p:iterate>
+                                  <p:childTnLst>
+                                    <p:set>
+                                      <p:cBhvr>
+                                        <p:cTn id="82" dur="1" fill="hold">
+                                          <p:stCondLst>
+                                            <p:cond delay="0"/>
+                                          </p:stCondLst>
+                                        </p:cTn>
+                                        <p:tgtEl>
+                                          <p:spTgt spid="12">
+                                            <p:txEl>
+                                              <p:pRg st="0" end="0"/>
+                                            </p:txEl>
+                                          </p:spTgt>
+                                        </p:tgtEl>
+                                        <p:attrNameLst>
+                                          <p:attrName>style.visibility</p:attrName>
+                                        </p:attrNameLst>
+                                      </p:cBhvr>
+                                      <p:to>
+                                        <p:strVal val="visible"/>
+                                      </p:to>
+                                    </p:set>
+                                    <p:animEffect transition="in" filter="fade">
+                                      <p:cBhvr>
+                                        <p:cTn id="83" dur="200"/>
+                                        <p:tgtEl>
+                                          <p:spTgt spid="12">
+                                            <p:txEl>
+                                              <p:pRg st="0" end="0"/>
+                                            </p:txEl>
+                                          </p:spTgt>
+                                        </p:tgtEl>
+                                      </p:cBhvr>
+                                    </p:animEffect>
+                                  </p:childTnLst>
+                                </p:cTn>
+                              </p:par>
+                              <p:par>
+                                <p:cTn id="84" presetID="15" presetClass="emph" presetSubtype="0" grpId="1" nodeType="withEffect">
+                                  <p:stCondLst>
+                                    <p:cond delay="400"/>
+                                  </p:stCondLst>
+                                  <p:iterate type="lt">
+                                    <p:tmAbs val="15"/>
+                                  </p:iterate>
+                                  <p:childTnLst>
+                                    <p:set>
+                                      <p:cBhvr override="childStyle">
+                                        <p:cTn id="85" dur="600"/>
+                                        <p:tgtEl>
+                                          <p:spTgt spid="12">
+                                            <p:txEl>
+                                              <p:pRg st="0" end="0"/>
+                                            </p:txEl>
+                                          </p:spTgt>
+                                        </p:tgtEl>
+                                        <p:attrNameLst>
+                                          <p:attrName>style.fontWeight</p:attrName>
+                                        </p:attrNameLst>
+                                      </p:cBhvr>
+                                      <p:to>
+                                        <p:strVal val="bold"/>
+                                      </p:to>
+                                    </p:set>
+                                  </p:childTnLst>
+                                </p:cTn>
+                              </p:par>
+                            </p:childTnLst>
+                          </p:cTn>
+                        </p:par>
+                      </p:childTnLst>
+                    </p:cTn>
+                  </p:par>
+                  <p:par>
+                    <p:cTn id="86" fill="hold">
+                      <p:stCondLst>
+                        <p:cond delay="indefinite"/>
+                      </p:stCondLst>
+                      <p:childTnLst>
+                        <p:par>
+                          <p:cTn id="87" fill="hold">
+                            <p:stCondLst>
+                              <p:cond delay="0"/>
+                            </p:stCondLst>
+                            <p:childTnLst>
+                              <p:par>
+                                <p:cTn id="88" presetID="10" presetClass="exit" presetSubtype="0" fill="hold" grpId="2" nodeType="clickEffect">
                                   <p:stCondLst>
                                     <p:cond delay="0"/>
                                   </p:stCondLst>
@@ -8476,9 +9707,9 @@
                                   <p:childTnLst>
                                     <p:animEffect transition="out" filter="fade">
                                       <p:cBhvr>
-                                        <p:cTn id="76" dur="500"/>
-                                        <p:tgtEl>
-                                          <p:spTgt spid="14">
+                                        <p:cTn id="89" dur="500"/>
+                                        <p:tgtEl>
+                                          <p:spTgt spid="12">
                                             <p:txEl>
                                               <p:pRg st="0" end="0"/>
                                             </p:txEl>
@@ -8488,13 +9719,13 @@
                                     </p:animEffect>
                                     <p:set>
                                       <p:cBhvr>
-                                        <p:cTn id="77" dur="1" fill="hold">
+                                        <p:cTn id="90" dur="1" fill="hold">
                                           <p:stCondLst>
                                             <p:cond delay="499"/>
                                           </p:stCondLst>
                                         </p:cTn>
                                         <p:tgtEl>
-                                          <p:spTgt spid="14">
+                                          <p:spTgt spid="12">
                                             <p:txEl>
                                               <p:pRg st="0" end="0"/>
                                             </p:txEl>
@@ -8560,6 +9791,10 @@
       <p:bldP spid="14" grpId="0" build="allAtOnce"/>
       <p:bldP spid="14" grpId="1" build="allAtOnce"/>
       <p:bldP spid="14" grpId="2" build="allAtOnce"/>
+      <p:bldP spid="11" grpId="0"/>
+      <p:bldP spid="11" grpId="1"/>
+      <p:bldP spid="11" grpId="2"/>
+      <p:bldP spid="11" grpId="3"/>
     </p:bldLst>
   </p:timing>
 </p:sld>
@@ -9003,49 +10238,6 @@
               </a:rPr>
               <a:t>Error logs on each occurrence.</a:t>
             </a:r>
-          </a:p>
-        </p:txBody>
-      </p:sp>
-      <p:sp>
-        <p:nvSpPr>
-          <p:cNvPr id="17" name="TextBox 16"/>
-          <p:cNvSpPr txBox="1"/>
-          <p:nvPr/>
-        </p:nvSpPr>
-        <p:spPr>
-          <a:xfrm>
-            <a:off x="8534412" y="2928055"/>
-            <a:ext cx="3137847" cy="400110"/>
-          </a:xfrm>
-          <a:prstGeom prst="rect">
-            <a:avLst/>
-          </a:prstGeom>
-          <a:noFill/>
-        </p:spPr>
-        <p:txBody>
-          <a:bodyPr wrap="none" rtlCol="0">
-            <a:spAutoFit/>
-          </a:bodyPr>
-          <a:lstStyle/>
-          <a:p>
-            <a:pPr algn="r"/>
-            <a:r>
-              <a:rPr lang="en-US" sz="2000" dirty="0">
-                <a:solidFill>
-                  <a:schemeClr val="accent1">
-                    <a:lumMod val="75000"/>
-                  </a:schemeClr>
-                </a:solidFill>
-              </a:rPr>
-              <a:t>OWASP Top Ten Cheat Sheet</a:t>
-            </a:r>
-            <a:endParaRPr lang="en-US" sz="2000" dirty="0" smtClean="0">
-              <a:solidFill>
-                <a:schemeClr val="accent1">
-                  <a:lumMod val="75000"/>
-                </a:schemeClr>
-              </a:solidFill>
-            </a:endParaRPr>
           </a:p>
         </p:txBody>
       </p:sp>
@@ -10259,158 +11451,6 @@
                                         <p:cTn id="99" dur="1000" fill="hold"/>
                                         <p:tgtEl>
                                           <p:spTgt spid="16"/>
-                                        </p:tgtEl>
-                                        <p:attrNameLst>
-                                          <p:attrName>style.color</p:attrName>
-                                        </p:attrNameLst>
-                                      </p:cBhvr>
-                                      <p:to>
-                                        <a:srgbClr val="00B0F0"/>
-                                      </p:to>
-                                    </p:animClr>
-                                  </p:childTnLst>
-                                </p:cTn>
-                              </p:par>
-                            </p:childTnLst>
-                          </p:cTn>
-                        </p:par>
-                      </p:childTnLst>
-                    </p:cTn>
-                  </p:par>
-                  <p:par>
-                    <p:cTn id="100" fill="hold">
-                      <p:stCondLst>
-                        <p:cond delay="indefinite"/>
-                      </p:stCondLst>
-                      <p:childTnLst>
-                        <p:par>
-                          <p:cTn id="101" fill="hold">
-                            <p:stCondLst>
-                              <p:cond delay="0"/>
-                            </p:stCondLst>
-                            <p:childTnLst>
-                              <p:par>
-                                <p:cTn id="102" presetID="10" presetClass="entr" presetSubtype="0" fill="hold" grpId="0" nodeType="clickEffect">
-                                  <p:stCondLst>
-                                    <p:cond delay="0"/>
-                                  </p:stCondLst>
-                                  <p:iterate type="lt">
-                                    <p:tmPct val="0"/>
-                                  </p:iterate>
-                                  <p:childTnLst>
-                                    <p:set>
-                                      <p:cBhvr>
-                                        <p:cTn id="103" dur="1" fill="hold">
-                                          <p:stCondLst>
-                                            <p:cond delay="0"/>
-                                          </p:stCondLst>
-                                        </p:cTn>
-                                        <p:tgtEl>
-                                          <p:spTgt spid="17"/>
-                                        </p:tgtEl>
-                                        <p:attrNameLst>
-                                          <p:attrName>style.visibility</p:attrName>
-                                        </p:attrNameLst>
-                                      </p:cBhvr>
-                                      <p:to>
-                                        <p:strVal val="visible"/>
-                                      </p:to>
-                                    </p:set>
-                                    <p:animEffect transition="in" filter="fade">
-                                      <p:cBhvr>
-                                        <p:cTn id="104" dur="500"/>
-                                        <p:tgtEl>
-                                          <p:spTgt spid="17"/>
-                                        </p:tgtEl>
-                                      </p:cBhvr>
-                                    </p:animEffect>
-                                  </p:childTnLst>
-                                </p:cTn>
-                              </p:par>
-                              <p:par>
-                                <p:cTn id="105" presetID="3" presetClass="emph" presetSubtype="2" fill="hold" grpId="1" nodeType="withEffect">
-                                  <p:stCondLst>
-                                    <p:cond delay="0"/>
-                                  </p:stCondLst>
-                                  <p:iterate type="lt">
-                                    <p:tmPct val="0"/>
-                                  </p:iterate>
-                                  <p:childTnLst>
-                                    <p:animClr clrSpc="rgb" dir="cw">
-                                      <p:cBhvr override="childStyle">
-                                        <p:cTn id="106" dur="900" fill="hold"/>
-                                        <p:tgtEl>
-                                          <p:spTgt spid="17"/>
-                                        </p:tgtEl>
-                                        <p:attrNameLst>
-                                          <p:attrName>style.color</p:attrName>
-                                        </p:attrNameLst>
-                                      </p:cBhvr>
-                                      <p:to>
-                                        <a:srgbClr val="FF0000"/>
-                                      </p:to>
-                                    </p:animClr>
-                                  </p:childTnLst>
-                                </p:cTn>
-                              </p:par>
-                              <p:par>
-                                <p:cTn id="107" presetID="15" presetClass="emph" presetSubtype="0" grpId="3" nodeType="withEffect">
-                                  <p:stCondLst>
-                                    <p:cond delay="0"/>
-                                  </p:stCondLst>
-                                  <p:iterate type="lt">
-                                    <p:tmAbs val="25"/>
-                                  </p:iterate>
-                                  <p:childTnLst>
-                                    <p:set>
-                                      <p:cBhvr override="childStyle">
-                                        <p:cTn id="108" dur="4800"/>
-                                        <p:tgtEl>
-                                          <p:spTgt spid="17"/>
-                                        </p:tgtEl>
-                                        <p:attrNameLst>
-                                          <p:attrName>style.fontWeight</p:attrName>
-                                        </p:attrNameLst>
-                                      </p:cBhvr>
-                                      <p:to>
-                                        <p:strVal val="bold"/>
-                                      </p:to>
-                                    </p:set>
-                                  </p:childTnLst>
-                                </p:cTn>
-                              </p:par>
-                            </p:childTnLst>
-                          </p:cTn>
-                        </p:par>
-                      </p:childTnLst>
-                    </p:cTn>
-                  </p:par>
-                  <p:par>
-                    <p:cTn id="109" fill="hold">
-                      <p:stCondLst>
-                        <p:cond delay="indefinite"/>
-                      </p:stCondLst>
-                      <p:childTnLst>
-                        <p:par>
-                          <p:cTn id="110" fill="hold">
-                            <p:stCondLst>
-                              <p:cond delay="0"/>
-                            </p:stCondLst>
-                            <p:childTnLst>
-                              <p:par>
-                                <p:cTn id="111" presetID="3" presetClass="emph" presetSubtype="2" fill="hold" grpId="2" nodeType="clickEffect">
-                                  <p:stCondLst>
-                                    <p:cond delay="0"/>
-                                  </p:stCondLst>
-                                  <p:iterate type="lt">
-                                    <p:tmPct val="0"/>
-                                  </p:iterate>
-                                  <p:childTnLst>
-                                    <p:animClr clrSpc="rgb" dir="cw">
-                                      <p:cBhvr override="childStyle">
-                                        <p:cTn id="112" dur="1000" fill="hold"/>
-                                        <p:tgtEl>
-                                          <p:spTgt spid="17"/>
                                         </p:tgtEl>
                                         <p:attrNameLst>
                                           <p:attrName>style.color</p:attrName>
@@ -10480,10 +11520,6 @@
       <p:bldP spid="16" grpId="1"/>
       <p:bldP spid="16" grpId="2"/>
       <p:bldP spid="16" grpId="3"/>
-      <p:bldP spid="17" grpId="0"/>
-      <p:bldP spid="17" grpId="1"/>
-      <p:bldP spid="17" grpId="2"/>
-      <p:bldP spid="17" grpId="3"/>
     </p:bldLst>
   </p:timing>
 </p:sld>
@@ -12967,7 +14003,7 @@
         </p:nvSpPr>
         <p:spPr>
           <a:xfrm>
-            <a:off x="831850" y="350825"/>
+            <a:off x="831850" y="156515"/>
             <a:ext cx="1922578" cy="369332"/>
           </a:xfrm>
           <a:prstGeom prst="rect">
@@ -13012,7 +14048,7 @@
         </p:nvSpPr>
         <p:spPr>
           <a:xfrm>
-            <a:off x="6260258" y="350825"/>
+            <a:off x="6260258" y="156515"/>
             <a:ext cx="1120563" cy="369332"/>
           </a:xfrm>
           <a:prstGeom prst="rect">
@@ -13077,8 +14113,8 @@
         </p:nvSpPr>
         <p:spPr>
           <a:xfrm>
-            <a:off x="831849" y="788316"/>
-            <a:ext cx="4644173" cy="3139321"/>
+            <a:off x="831849" y="536856"/>
+            <a:ext cx="4644173" cy="3416320"/>
           </a:xfrm>
           <a:prstGeom prst="rect">
             <a:avLst/>
@@ -13105,7 +14141,11 @@
             </a:pPr>
             <a:r>
               <a:rPr lang="en-US" dirty="0" smtClean="0"/>
-              <a:t>Less additional frameworks</a:t>
+              <a:t>Great registration system</a:t>
+            </a:r>
+            <a:r>
+              <a:rPr lang="en-US" dirty="0" smtClean="0"/>
+              <a:t>.</a:t>
             </a:r>
           </a:p>
           <a:p>
@@ -13114,7 +14154,11 @@
             </a:pPr>
             <a:r>
               <a:rPr lang="en-US" dirty="0" smtClean="0"/>
-              <a:t>Tons of components</a:t>
+              <a:t>Faster </a:t>
+            </a:r>
+            <a:r>
+              <a:rPr lang="en-US" dirty="0" smtClean="0"/>
+              <a:t>integration</a:t>
             </a:r>
           </a:p>
           <a:p>
@@ -13123,7 +14167,15 @@
             </a:pPr>
             <a:r>
               <a:rPr lang="en-US" dirty="0" smtClean="0"/>
-              <a:t>Faster integration</a:t>
+              <a:t>Web Optimization Out of the box (</a:t>
+            </a:r>
+            <a:r>
+              <a:rPr lang="en-US" dirty="0" err="1" smtClean="0"/>
+              <a:t>YSlow</a:t>
+            </a:r>
+            <a:r>
+              <a:rPr lang="en-US" dirty="0" smtClean="0"/>
+              <a:t>)</a:t>
             </a:r>
           </a:p>
           <a:p>
@@ -13132,35 +14184,8 @@
             </a:pPr>
             <a:r>
               <a:rPr lang="en-US" dirty="0" smtClean="0"/>
-              <a:t>Web Optimization (</a:t>
-            </a:r>
-            <a:r>
-              <a:rPr lang="en-US" dirty="0" err="1" smtClean="0"/>
-              <a:t>YSlow</a:t>
-            </a:r>
-            <a:r>
-              <a:rPr lang="en-US" dirty="0" smtClean="0"/>
-              <a:t>)</a:t>
-            </a:r>
-          </a:p>
-          <a:p>
-            <a:pPr marL="342900" indent="-342900">
-              <a:buAutoNum type="arabicPeriod"/>
-            </a:pPr>
-            <a:r>
-              <a:rPr lang="en-US" dirty="0" smtClean="0"/>
-              <a:t>OSAWP Security</a:t>
-            </a:r>
-          </a:p>
-          <a:p>
-            <a:pPr marL="342900" indent="-342900">
-              <a:buAutoNum type="arabicPeriod"/>
-            </a:pPr>
-            <a:r>
-              <a:rPr lang="en-US" dirty="0" smtClean="0"/>
               <a:t>Robust scaffolding.</a:t>
             </a:r>
-            <a:endParaRPr lang="en-US" dirty="0"/>
           </a:p>
           <a:p>
             <a:pPr marL="342900" indent="-342900">
@@ -13169,11 +14194,61 @@
             </a:pPr>
             <a:r>
               <a:rPr lang="en-US" dirty="0"/>
-              <a:t>Cache things out of the box</a:t>
+              <a:t>Tons of </a:t>
+            </a:r>
+            <a:r>
+              <a:rPr lang="en-US" dirty="0" smtClean="0"/>
+              <a:t>components (Combo, </a:t>
+            </a:r>
+            <a:r>
+              <a:rPr lang="en-US" dirty="0" err="1" smtClean="0"/>
+              <a:t>DateTime</a:t>
+            </a:r>
+            <a:r>
+              <a:rPr lang="en-US" dirty="0" smtClean="0"/>
+              <a:t>…)</a:t>
+            </a:r>
+          </a:p>
+          <a:p>
+            <a:pPr marL="342900" indent="-342900">
+              <a:buFontTx/>
+              <a:buAutoNum type="arabicPeriod"/>
+            </a:pPr>
+            <a:r>
+              <a:rPr lang="en-US" dirty="0" smtClean="0"/>
+              <a:t>Cache </a:t>
+            </a:r>
+            <a:r>
+              <a:rPr lang="en-US" dirty="0"/>
+              <a:t>things out of the box</a:t>
             </a:r>
             <a:r>
               <a:rPr lang="en-US" dirty="0" smtClean="0"/>
               <a:t>.</a:t>
+            </a:r>
+          </a:p>
+          <a:p>
+            <a:pPr marL="342900" indent="-342900">
+              <a:buFontTx/>
+              <a:buAutoNum type="arabicPeriod"/>
+            </a:pPr>
+            <a:r>
+              <a:rPr lang="en-US" dirty="0" err="1" smtClean="0"/>
+              <a:t>DevMvcComponent</a:t>
+            </a:r>
+            <a:r>
+              <a:rPr lang="en-US" dirty="0" smtClean="0"/>
+              <a:t> integration.</a:t>
+            </a:r>
+          </a:p>
+          <a:p>
+            <a:pPr marL="342900" indent="-342900">
+              <a:buFontTx/>
+              <a:buAutoNum type="arabicPeriod"/>
+            </a:pPr>
+            <a:r>
+              <a:rPr lang="en-US" dirty="0" smtClean="0"/>
+              <a:t>IP to country detection.</a:t>
             </a:r>
           </a:p>
           <a:p>
@@ -13220,8 +14295,8 @@
         </p:nvSpPr>
         <p:spPr>
           <a:xfrm>
-            <a:off x="6089650" y="788316"/>
-            <a:ext cx="4644173" cy="3139321"/>
+            <a:off x="6089650" y="536856"/>
+            <a:ext cx="5820410" cy="3416320"/>
           </a:xfrm>
           <a:prstGeom prst="rect">
             <a:avLst/>
@@ -13269,26 +14344,49 @@
                   <a:srgbClr val="FF0000"/>
                 </a:solidFill>
               </a:rPr>
-              <a:t>NO ! </a:t>
-            </a:r>
-            <a:r>
-              <a:rPr lang="en-US" dirty="0" smtClean="0"/>
-              <a:t>Additional styling framework</a:t>
-            </a:r>
-          </a:p>
-          <a:p>
-            <a:pPr marL="342900" indent="-342900">
-              <a:buAutoNum type="arabicPeriod"/>
-            </a:pPr>
-            <a:r>
-              <a:rPr lang="en-US" dirty="0" smtClean="0">
+              <a:t>No registration </a:t>
+            </a:r>
+            <a:r>
+              <a:rPr lang="en-US" smtClean="0">
                 <a:solidFill>
                   <a:srgbClr val="FF0000"/>
                 </a:solidFill>
               </a:rPr>
-              <a:t>No existing component.</a:t>
-            </a:r>
-            <a:endParaRPr lang="en-US" dirty="0" smtClean="0"/>
+              <a:t>system</a:t>
+            </a:r>
+            <a:r>
+              <a:rPr lang="en-US" smtClean="0">
+                <a:solidFill>
+                  <a:srgbClr val="FF0000"/>
+                </a:solidFill>
+              </a:rPr>
+              <a:t>.</a:t>
+            </a:r>
+          </a:p>
+          <a:p>
+            <a:pPr marL="342900" indent="-342900">
+              <a:buAutoNum type="arabicPeriod"/>
+            </a:pPr>
+            <a:r>
+              <a:rPr lang="en-US" smtClean="0">
+                <a:solidFill>
+                  <a:srgbClr val="FF0000"/>
+                </a:solidFill>
+              </a:rPr>
+              <a:t>NO </a:t>
+            </a:r>
+            <a:r>
+              <a:rPr lang="en-US" dirty="0">
+                <a:solidFill>
+                  <a:srgbClr val="FF0000"/>
+                </a:solidFill>
+              </a:rPr>
+              <a:t>! </a:t>
+            </a:r>
+            <a:r>
+              <a:rPr lang="en-US" dirty="0" smtClean="0"/>
+              <a:t>Faster integration</a:t>
+            </a:r>
           </a:p>
           <a:p>
             <a:pPr marL="342900" indent="-342900">
@@ -13304,28 +14402,37 @@
             </a:r>
             <a:r>
               <a:rPr lang="en-US" dirty="0" smtClean="0"/>
-              <a:t>Faster integration</a:t>
+              <a:t>Web Optimization is not integrated out of the box.</a:t>
             </a:r>
           </a:p>
           <a:p>
             <a:pPr marL="342900" indent="-342900">
               <a:buAutoNum type="arabicPeriod"/>
             </a:pPr>
+            <a:r>
+              <a:rPr lang="en-US" dirty="0" smtClean="0">
+                <a:solidFill>
+                  <a:srgbClr val="FF0000"/>
+                </a:solidFill>
+              </a:rPr>
+              <a:t>NO </a:t>
+            </a:r>
             <a:r>
               <a:rPr lang="en-US" dirty="0">
                 <a:solidFill>
                   <a:srgbClr val="FF0000"/>
                 </a:solidFill>
               </a:rPr>
-              <a:t>NO ! </a:t>
+              <a:t>! </a:t>
             </a:r>
             <a:r>
               <a:rPr lang="en-US" dirty="0" smtClean="0"/>
-              <a:t>Web Optimization</a:t>
+              <a:t>Robust scaffolding.</a:t>
             </a:r>
           </a:p>
           <a:p>
             <a:pPr marL="342900" indent="-342900">
+              <a:buFontTx/>
               <a:buAutoNum type="arabicPeriod"/>
             </a:pPr>
             <a:r>
@@ -13334,28 +14441,45 @@
                   <a:srgbClr val="FF0000"/>
                 </a:solidFill>
               </a:rPr>
-              <a:t>NO ! </a:t>
-            </a:r>
-            <a:r>
-              <a:rPr lang="en-US" dirty="0" smtClean="0"/>
-              <a:t>OSAWP Security</a:t>
+              <a:t>No existing component</a:t>
+            </a:r>
+            <a:r>
+              <a:rPr lang="en-US" dirty="0" smtClean="0">
+                <a:solidFill>
+                  <a:srgbClr val="FF0000"/>
+                </a:solidFill>
+              </a:rPr>
+              <a:t>.</a:t>
             </a:r>
           </a:p>
           <a:p>
             <a:pPr marL="342900" indent="-342900">
+              <a:buFontTx/>
               <a:buAutoNum type="arabicPeriod"/>
             </a:pPr>
+            <a:r>
+              <a:rPr lang="en-US" dirty="0" smtClean="0">
+                <a:solidFill>
+                  <a:srgbClr val="FF0000"/>
+                </a:solidFill>
+              </a:rPr>
+              <a:t>NO </a:t>
+            </a:r>
             <a:r>
               <a:rPr lang="en-US" dirty="0">
                 <a:solidFill>
                   <a:srgbClr val="FF0000"/>
                 </a:solidFill>
               </a:rPr>
-              <a:t>NO ! </a:t>
+              <a:t>! </a:t>
+            </a:r>
+            <a:r>
+              <a:rPr lang="en-US" dirty="0"/>
+              <a:t>Cache things out of the box</a:t>
             </a:r>
             <a:r>
               <a:rPr lang="en-US" dirty="0" smtClean="0"/>
-              <a:t>Robust scaffolding.</a:t>
+              <a:t>.</a:t>
             </a:r>
           </a:p>
           <a:p>
@@ -13363,39 +14487,90 @@
               <a:buFontTx/>
               <a:buAutoNum type="arabicPeriod"/>
             </a:pPr>
+            <a:r>
+              <a:rPr lang="en-US" dirty="0" err="1" smtClean="0">
+                <a:solidFill>
+                  <a:srgbClr val="FF0000"/>
+                </a:solidFill>
+              </a:rPr>
+              <a:t>DevMvcComponent</a:t>
+            </a:r>
+            <a:r>
+              <a:rPr lang="en-US" dirty="0" smtClean="0">
+                <a:solidFill>
+                  <a:srgbClr val="FF0000"/>
+                </a:solidFill>
+              </a:rPr>
+              <a:t> is not implemented.</a:t>
+            </a:r>
+          </a:p>
+          <a:p>
+            <a:pPr marL="342900" indent="-342900">
+              <a:buFontTx/>
+              <a:buAutoNum type="arabicPeriod"/>
+            </a:pPr>
+            <a:r>
+              <a:rPr lang="en-US" dirty="0" smtClean="0">
+                <a:solidFill>
+                  <a:srgbClr val="FF0000"/>
+                </a:solidFill>
+              </a:rPr>
+              <a:t>NO </a:t>
+            </a:r>
             <a:r>
               <a:rPr lang="en-US" dirty="0">
                 <a:solidFill>
                   <a:srgbClr val="FF0000"/>
                 </a:solidFill>
               </a:rPr>
-              <a:t>NO ! </a:t>
-            </a:r>
-            <a:r>
-              <a:rPr lang="en-US" dirty="0" err="1"/>
-              <a:t>Javascript</a:t>
+              <a:t>! </a:t>
+            </a:r>
+            <a:r>
+              <a:rPr lang="en-US" dirty="0" smtClean="0"/>
+              <a:t>IP </a:t>
             </a:r>
             <a:r>
               <a:rPr lang="en-US" dirty="0"/>
-              <a:t> framework</a:t>
-            </a:r>
+              <a:t>to country detection</a:t>
+            </a:r>
+            <a:r>
+              <a:rPr lang="en-US" dirty="0" smtClean="0"/>
+              <a:t>.</a:t>
+            </a:r>
+            <a:endParaRPr lang="en-US" dirty="0" smtClean="0">
+              <a:solidFill>
+                <a:srgbClr val="FF0000"/>
+              </a:solidFill>
+            </a:endParaRPr>
           </a:p>
           <a:p>
             <a:pPr marL="342900" indent="-342900">
               <a:buFontTx/>
               <a:buAutoNum type="arabicPeriod"/>
             </a:pPr>
+            <a:r>
+              <a:rPr lang="en-US" dirty="0" smtClean="0">
+                <a:solidFill>
+                  <a:srgbClr val="FF0000"/>
+                </a:solidFill>
+              </a:rPr>
+              <a:t>NO </a:t>
+            </a:r>
             <a:r>
               <a:rPr lang="en-US" dirty="0">
                 <a:solidFill>
                   <a:srgbClr val="FF0000"/>
                 </a:solidFill>
               </a:rPr>
-              <a:t>NO ! </a:t>
+              <a:t>! </a:t>
+            </a:r>
+            <a:r>
+              <a:rPr lang="en-US" dirty="0" err="1"/>
+              <a:t>Javascript</a:t>
             </a:r>
             <a:r>
               <a:rPr lang="en-US" dirty="0"/>
-              <a:t>Cache things out of the box.</a:t>
+              <a:t> framework</a:t>
             </a:r>
           </a:p>
           <a:p>
@@ -13404,7 +14579,7 @@
             </a:pPr>
             <a:r>
               <a:rPr lang="en-US" dirty="0" smtClean="0"/>
-              <a:t>Make your own.</a:t>
+              <a:t>We have to make our own.</a:t>
             </a:r>
           </a:p>
           <a:p>
@@ -13950,9 +15125,9 @@
                                           </p:stCondLst>
                                         </p:cTn>
                                         <p:tgtEl>
-                                          <p:spTgt spid="3">
+                                          <p:spTgt spid="6">
                                             <p:txEl>
-                                              <p:pRg st="0" end="0"/>
+                                              <p:pRg st="1" end="1"/>
                                             </p:txEl>
                                           </p:spTgt>
                                         </p:tgtEl>
@@ -13968,9 +15143,9 @@
                                       <p:cBhvr>
                                         <p:cTn id="48" dur="500"/>
                                         <p:tgtEl>
-                                          <p:spTgt spid="3">
+                                          <p:spTgt spid="6">
                                             <p:txEl>
-                                              <p:pRg st="0" end="0"/>
+                                              <p:pRg st="1" end="1"/>
                                             </p:txEl>
                                           </p:spTgt>
                                         </p:tgtEl>
@@ -14013,7 +15188,7 @@
                                         <p:tgtEl>
                                           <p:spTgt spid="6">
                                             <p:txEl>
-                                              <p:pRg st="1" end="1"/>
+                                              <p:pRg st="2" end="2"/>
                                             </p:txEl>
                                           </p:spTgt>
                                         </p:tgtEl>
@@ -14031,7 +15206,7 @@
                                         <p:tgtEl>
                                           <p:spTgt spid="6">
                                             <p:txEl>
-                                              <p:pRg st="1" end="1"/>
+                                              <p:pRg st="2" end="2"/>
                                             </p:txEl>
                                           </p:spTgt>
                                         </p:tgtEl>
@@ -14133,7 +15308,7 @@
                                           </p:stCondLst>
                                         </p:cTn>
                                         <p:tgtEl>
-                                          <p:spTgt spid="6">
+                                          <p:spTgt spid="19">
                                             <p:txEl>
                                               <p:pRg st="2" end="2"/>
                                             </p:txEl>
@@ -14151,7 +15326,7 @@
                                       <p:cBhvr>
                                         <p:cTn id="63" dur="500"/>
                                         <p:tgtEl>
-                                          <p:spTgt spid="6">
+                                          <p:spTgt spid="19">
                                             <p:txEl>
                                               <p:pRg st="2" end="2"/>
                                             </p:txEl>
@@ -14194,9 +15369,9 @@
                                           </p:stCondLst>
                                         </p:cTn>
                                         <p:tgtEl>
-                                          <p:spTgt spid="19">
+                                          <p:spTgt spid="3">
                                             <p:txEl>
-                                              <p:pRg st="2" end="2"/>
+                                              <p:pRg st="0" end="0"/>
                                             </p:txEl>
                                           </p:spTgt>
                                         </p:tgtEl>
@@ -14212,9 +15387,9 @@
                                       <p:cBhvr>
                                         <p:cTn id="68" dur="500"/>
                                         <p:tgtEl>
-                                          <p:spTgt spid="19">
+                                          <p:spTgt spid="3">
                                             <p:txEl>
-                                              <p:pRg st="2" end="2"/>
+                                              <p:pRg st="0" end="0"/>
                                             </p:txEl>
                                           </p:spTgt>
                                         </p:tgtEl>
@@ -15069,6 +16244,128 @@
                                           <p:spTgt spid="19">
                                             <p:txEl>
                                               <p:pRg st="9" end="9"/>
+                                            </p:txEl>
+                                          </p:spTgt>
+                                        </p:tgtEl>
+                                      </p:cBhvr>
+                                    </p:animEffect>
+                                  </p:childTnLst>
+                                </p:cTn>
+                              </p:par>
+                            </p:childTnLst>
+                          </p:cTn>
+                        </p:par>
+                      </p:childTnLst>
+                    </p:cTn>
+                  </p:par>
+                  <p:par>
+                    <p:cTn id="139" fill="hold">
+                      <p:stCondLst>
+                        <p:cond delay="indefinite"/>
+                      </p:stCondLst>
+                      <p:childTnLst>
+                        <p:par>
+                          <p:cTn id="140" fill="hold">
+                            <p:stCondLst>
+                              <p:cond delay="0"/>
+                            </p:stCondLst>
+                            <p:childTnLst>
+                              <p:par>
+                                <p:cTn id="141" presetID="10" presetClass="entr" presetSubtype="0" fill="hold" grpId="0" nodeType="clickEffect">
+                                  <p:stCondLst>
+                                    <p:cond delay="0"/>
+                                  </p:stCondLst>
+                                  <p:childTnLst>
+                                    <p:set>
+                                      <p:cBhvr>
+                                        <p:cTn id="142" dur="1" fill="hold">
+                                          <p:stCondLst>
+                                            <p:cond delay="0"/>
+                                          </p:stCondLst>
+                                        </p:cTn>
+                                        <p:tgtEl>
+                                          <p:spTgt spid="6">
+                                            <p:txEl>
+                                              <p:pRg st="10" end="10"/>
+                                            </p:txEl>
+                                          </p:spTgt>
+                                        </p:tgtEl>
+                                        <p:attrNameLst>
+                                          <p:attrName>style.visibility</p:attrName>
+                                        </p:attrNameLst>
+                                      </p:cBhvr>
+                                      <p:to>
+                                        <p:strVal val="visible"/>
+                                      </p:to>
+                                    </p:set>
+                                    <p:animEffect transition="in" filter="fade">
+                                      <p:cBhvr>
+                                        <p:cTn id="143" dur="500"/>
+                                        <p:tgtEl>
+                                          <p:spTgt spid="6">
+                                            <p:txEl>
+                                              <p:pRg st="10" end="10"/>
+                                            </p:txEl>
+                                          </p:spTgt>
+                                        </p:tgtEl>
+                                      </p:cBhvr>
+                                    </p:animEffect>
+                                  </p:childTnLst>
+                                </p:cTn>
+                              </p:par>
+                            </p:childTnLst>
+                          </p:cTn>
+                        </p:par>
+                      </p:childTnLst>
+                    </p:cTn>
+                  </p:par>
+                  <p:par>
+                    <p:cTn id="144" fill="hold">
+                      <p:stCondLst>
+                        <p:cond delay="indefinite"/>
+                      </p:stCondLst>
+                      <p:childTnLst>
+                        <p:par>
+                          <p:cTn id="145" fill="hold">
+                            <p:stCondLst>
+                              <p:cond delay="0"/>
+                            </p:stCondLst>
+                            <p:childTnLst>
+                              <p:par>
+                                <p:cTn id="146" presetID="10" presetClass="entr" presetSubtype="0" fill="hold" grpId="0" nodeType="clickEffect">
+                                  <p:stCondLst>
+                                    <p:cond delay="0"/>
+                                  </p:stCondLst>
+                                  <p:childTnLst>
+                                    <p:set>
+                                      <p:cBhvr>
+                                        <p:cTn id="147" dur="1" fill="hold">
+                                          <p:stCondLst>
+                                            <p:cond delay="0"/>
+                                          </p:stCondLst>
+                                        </p:cTn>
+                                        <p:tgtEl>
+                                          <p:spTgt spid="19">
+                                            <p:txEl>
+                                              <p:pRg st="10" end="10"/>
+                                            </p:txEl>
+                                          </p:spTgt>
+                                        </p:tgtEl>
+                                        <p:attrNameLst>
+                                          <p:attrName>style.visibility</p:attrName>
+                                        </p:attrNameLst>
+                                      </p:cBhvr>
+                                      <p:to>
+                                        <p:strVal val="visible"/>
+                                      </p:to>
+                                    </p:set>
+                                    <p:animEffect transition="in" filter="fade">
+                                      <p:cBhvr>
+                                        <p:cTn id="148" dur="500"/>
+                                        <p:tgtEl>
+                                          <p:spTgt spid="19">
+                                            <p:txEl>
+                                              <p:pRg st="10" end="10"/>
                                             </p:txEl>
                                           </p:spTgt>
                                         </p:tgtEl>

--- a/ASP.NET Presentation_2.pptx
+++ b/ASP.NET Presentation_2.pptx
@@ -220,7 +220,7 @@
           <a:p>
             <a:fld id="{08B5203A-E65A-410B-BB27-74539FE81CB7}" type="datetimeFigureOut">
               <a:rPr lang="en-US" smtClean="0"/>
-              <a:t>16-Sep-15</a:t>
+              <a:t>17-Sep-15</a:t>
             </a:fld>
             <a:endParaRPr lang="en-US"/>
           </a:p>
@@ -972,7 +972,7 @@
           <a:p>
             <a:fld id="{9863F11F-9756-4F3A-AEAA-DD62EB99D8E4}" type="datetimeFigureOut">
               <a:rPr lang="en-US" smtClean="0"/>
-              <a:t>16-Sep-15</a:t>
+              <a:t>17-Sep-15</a:t>
             </a:fld>
             <a:endParaRPr lang="en-US"/>
           </a:p>
@@ -1142,7 +1142,7 @@
           <a:p>
             <a:fld id="{9863F11F-9756-4F3A-AEAA-DD62EB99D8E4}" type="datetimeFigureOut">
               <a:rPr lang="en-US" smtClean="0"/>
-              <a:t>16-Sep-15</a:t>
+              <a:t>17-Sep-15</a:t>
             </a:fld>
             <a:endParaRPr lang="en-US"/>
           </a:p>
@@ -1322,7 +1322,7 @@
           <a:p>
             <a:fld id="{9863F11F-9756-4F3A-AEAA-DD62EB99D8E4}" type="datetimeFigureOut">
               <a:rPr lang="en-US" smtClean="0"/>
-              <a:t>16-Sep-15</a:t>
+              <a:t>17-Sep-15</a:t>
             </a:fld>
             <a:endParaRPr lang="en-US"/>
           </a:p>
@@ -1492,7 +1492,7 @@
           <a:p>
             <a:fld id="{9863F11F-9756-4F3A-AEAA-DD62EB99D8E4}" type="datetimeFigureOut">
               <a:rPr lang="en-US" smtClean="0"/>
-              <a:t>16-Sep-15</a:t>
+              <a:t>17-Sep-15</a:t>
             </a:fld>
             <a:endParaRPr lang="en-US"/>
           </a:p>
@@ -1738,7 +1738,7 @@
           <a:p>
             <a:fld id="{9863F11F-9756-4F3A-AEAA-DD62EB99D8E4}" type="datetimeFigureOut">
               <a:rPr lang="en-US" smtClean="0"/>
-              <a:t>16-Sep-15</a:t>
+              <a:t>17-Sep-15</a:t>
             </a:fld>
             <a:endParaRPr lang="en-US"/>
           </a:p>
@@ -1970,7 +1970,7 @@
           <a:p>
             <a:fld id="{9863F11F-9756-4F3A-AEAA-DD62EB99D8E4}" type="datetimeFigureOut">
               <a:rPr lang="en-US" smtClean="0"/>
-              <a:t>16-Sep-15</a:t>
+              <a:t>17-Sep-15</a:t>
             </a:fld>
             <a:endParaRPr lang="en-US"/>
           </a:p>
@@ -2337,7 +2337,7 @@
           <a:p>
             <a:fld id="{9863F11F-9756-4F3A-AEAA-DD62EB99D8E4}" type="datetimeFigureOut">
               <a:rPr lang="en-US" smtClean="0"/>
-              <a:t>16-Sep-15</a:t>
+              <a:t>17-Sep-15</a:t>
             </a:fld>
             <a:endParaRPr lang="en-US"/>
           </a:p>
@@ -2455,7 +2455,7 @@
           <a:p>
             <a:fld id="{9863F11F-9756-4F3A-AEAA-DD62EB99D8E4}" type="datetimeFigureOut">
               <a:rPr lang="en-US" smtClean="0"/>
-              <a:t>16-Sep-15</a:t>
+              <a:t>17-Sep-15</a:t>
             </a:fld>
             <a:endParaRPr lang="en-US"/>
           </a:p>
@@ -2550,7 +2550,7 @@
           <a:p>
             <a:fld id="{9863F11F-9756-4F3A-AEAA-DD62EB99D8E4}" type="datetimeFigureOut">
               <a:rPr lang="en-US" smtClean="0"/>
-              <a:t>16-Sep-15</a:t>
+              <a:t>17-Sep-15</a:t>
             </a:fld>
             <a:endParaRPr lang="en-US"/>
           </a:p>
@@ -2827,7 +2827,7 @@
           <a:p>
             <a:fld id="{9863F11F-9756-4F3A-AEAA-DD62EB99D8E4}" type="datetimeFigureOut">
               <a:rPr lang="en-US" smtClean="0"/>
-              <a:t>16-Sep-15</a:t>
+              <a:t>17-Sep-15</a:t>
             </a:fld>
             <a:endParaRPr lang="en-US"/>
           </a:p>
@@ -3080,7 +3080,7 @@
           <a:p>
             <a:fld id="{9863F11F-9756-4F3A-AEAA-DD62EB99D8E4}" type="datetimeFigureOut">
               <a:rPr lang="en-US" smtClean="0"/>
-              <a:t>16-Sep-15</a:t>
+              <a:t>17-Sep-15</a:t>
             </a:fld>
             <a:endParaRPr lang="en-US"/>
           </a:p>
@@ -3293,7 +3293,7 @@
           <a:p>
             <a:fld id="{9863F11F-9756-4F3A-AEAA-DD62EB99D8E4}" type="datetimeFigureOut">
               <a:rPr lang="en-US" smtClean="0"/>
-              <a:t>16-Sep-15</a:t>
+              <a:t>17-Sep-15</a:t>
             </a:fld>
             <a:endParaRPr lang="en-US"/>
           </a:p>
@@ -14141,11 +14141,7 @@
             </a:pPr>
             <a:r>
               <a:rPr lang="en-US" dirty="0" smtClean="0"/>
-              <a:t>Great registration system</a:t>
-            </a:r>
-            <a:r>
-              <a:rPr lang="en-US" dirty="0" smtClean="0"/>
-              <a:t>.</a:t>
+              <a:t>Great registration system.</a:t>
             </a:r>
           </a:p>
           <a:p>
@@ -14154,11 +14150,7 @@
             </a:pPr>
             <a:r>
               <a:rPr lang="en-US" dirty="0" smtClean="0"/>
-              <a:t>Faster </a:t>
-            </a:r>
-            <a:r>
-              <a:rPr lang="en-US" dirty="0" smtClean="0"/>
-              <a:t>integration</a:t>
+              <a:t>Faster integration</a:t>
             </a:r>
           </a:p>
           <a:p>
@@ -14344,7 +14336,7 @@
                   <a:srgbClr val="FF0000"/>
                 </a:solidFill>
               </a:rPr>
-              <a:t>No registration </a:t>
+              <a:t>Basic registration system with inefficient </a:t>
             </a:r>
             <a:r>
               <a:rPr lang="en-US" smtClean="0">
@@ -14352,23 +14344,20 @@
                   <a:srgbClr val="FF0000"/>
                 </a:solidFill>
               </a:rPr>
-              <a:t>system</a:t>
-            </a:r>
-            <a:r>
-              <a:rPr lang="en-US" smtClean="0">
-                <a:solidFill>
-                  <a:srgbClr val="FF0000"/>
-                </a:solidFill>
-              </a:rPr>
-              <a:t>.</a:t>
-            </a:r>
+              <a:t>primary key.</a:t>
+            </a:r>
+            <a:endParaRPr lang="en-US" dirty="0" smtClean="0">
+              <a:solidFill>
+                <a:srgbClr val="FF0000"/>
+              </a:solidFill>
+            </a:endParaRPr>
           </a:p>
           <a:p>
             <a:pPr marL="342900" indent="-342900">
               <a:buAutoNum type="arabicPeriod"/>
             </a:pPr>
             <a:r>
-              <a:rPr lang="en-US" smtClean="0">
+              <a:rPr lang="en-US" dirty="0" smtClean="0">
                 <a:solidFill>
                   <a:srgbClr val="FF0000"/>
                 </a:solidFill>

--- a/ASP.NET Presentation_2.pptx
+++ b/ASP.NET Presentation_2.pptx
@@ -14141,7 +14141,11 @@
             </a:pPr>
             <a:r>
               <a:rPr lang="en-US" dirty="0" smtClean="0"/>
-              <a:t>Great registration system.</a:t>
+              <a:t>Rich optimized registration </a:t>
+            </a:r>
+            <a:r>
+              <a:rPr lang="en-US" dirty="0" smtClean="0"/>
+              <a:t>system.</a:t>
             </a:r>
           </a:p>
           <a:p>
@@ -14336,21 +14340,8 @@
                   <a:srgbClr val="FF0000"/>
                 </a:solidFill>
               </a:rPr>
-              <a:t>Basic registration system with inefficient </a:t>
-            </a:r>
-            <a:r>
-              <a:rPr lang="en-US" smtClean="0">
-                <a:solidFill>
-                  <a:srgbClr val="FF0000"/>
-                </a:solidFill>
-              </a:rPr>
-              <a:t>primary key.</a:t>
-            </a:r>
-            <a:endParaRPr lang="en-US" dirty="0" smtClean="0">
-              <a:solidFill>
-                <a:srgbClr val="FF0000"/>
-              </a:solidFill>
-            </a:endParaRPr>
+              <a:t>Basic registration system with inefficient primary key.</a:t>
+            </a:r>
           </a:p>
           <a:p>
             <a:pPr marL="342900" indent="-342900">
@@ -14382,16 +14373,16 @@
               <a:buAutoNum type="arabicPeriod"/>
             </a:pPr>
             <a:r>
-              <a:rPr lang="en-US" dirty="0">
-                <a:solidFill>
-                  <a:srgbClr val="FF0000"/>
-                </a:solidFill>
-              </a:rPr>
-              <a:t>NO ! </a:t>
-            </a:r>
-            <a:r>
               <a:rPr lang="en-US" dirty="0" smtClean="0"/>
-              <a:t>Web Optimization is not integrated out of the box.</a:t>
+              <a:t>Web </a:t>
+            </a:r>
+            <a:r>
+              <a:rPr lang="en-US" dirty="0" smtClean="0"/>
+              <a:t>Optimization is not </a:t>
+            </a:r>
+            <a:r>
+              <a:rPr lang="en-US" dirty="0" smtClean="0"/>
+              <a:t>integrated efficiently.</a:t>
             </a:r>
           </a:p>
           <a:p>
@@ -15114,9 +15105,9 @@
                                           </p:stCondLst>
                                         </p:cTn>
                                         <p:tgtEl>
-                                          <p:spTgt spid="6">
+                                          <p:spTgt spid="3">
                                             <p:txEl>
-                                              <p:pRg st="1" end="1"/>
+                                              <p:pRg st="0" end="0"/>
                                             </p:txEl>
                                           </p:spTgt>
                                         </p:tgtEl>
@@ -15132,9 +15123,9 @@
                                       <p:cBhvr>
                                         <p:cTn id="48" dur="500"/>
                                         <p:tgtEl>
-                                          <p:spTgt spid="6">
+                                          <p:spTgt spid="3">
                                             <p:txEl>
-                                              <p:pRg st="1" end="1"/>
+                                              <p:pRg st="0" end="0"/>
                                             </p:txEl>
                                           </p:spTgt>
                                         </p:tgtEl>
@@ -15177,7 +15168,7 @@
                                         <p:tgtEl>
                                           <p:spTgt spid="6">
                                             <p:txEl>
-                                              <p:pRg st="2" end="2"/>
+                                              <p:pRg st="1" end="1"/>
                                             </p:txEl>
                                           </p:spTgt>
                                         </p:tgtEl>
@@ -15195,7 +15186,7 @@
                                         <p:tgtEl>
                                           <p:spTgt spid="6">
                                             <p:txEl>
-                                              <p:pRg st="2" end="2"/>
+                                              <p:pRg st="1" end="1"/>
                                             </p:txEl>
                                           </p:spTgt>
                                         </p:tgtEl>
@@ -15297,7 +15288,7 @@
                                           </p:stCondLst>
                                         </p:cTn>
                                         <p:tgtEl>
-                                          <p:spTgt spid="19">
+                                          <p:spTgt spid="6">
                                             <p:txEl>
                                               <p:pRg st="2" end="2"/>
                                             </p:txEl>
@@ -15315,7 +15306,7 @@
                                       <p:cBhvr>
                                         <p:cTn id="63" dur="500"/>
                                         <p:tgtEl>
-                                          <p:spTgt spid="19">
+                                          <p:spTgt spid="6">
                                             <p:txEl>
                                               <p:pRg st="2" end="2"/>
                                             </p:txEl>
@@ -15358,9 +15349,9 @@
                                           </p:stCondLst>
                                         </p:cTn>
                                         <p:tgtEl>
-                                          <p:spTgt spid="3">
+                                          <p:spTgt spid="19">
                                             <p:txEl>
-                                              <p:pRg st="0" end="0"/>
+                                              <p:pRg st="2" end="2"/>
                                             </p:txEl>
                                           </p:spTgt>
                                         </p:tgtEl>
@@ -15376,9 +15367,9 @@
                                       <p:cBhvr>
                                         <p:cTn id="68" dur="500"/>
                                         <p:tgtEl>
-                                          <p:spTgt spid="3">
+                                          <p:spTgt spid="19">
                                             <p:txEl>
-                                              <p:pRg st="0" end="0"/>
+                                              <p:pRg st="2" end="2"/>
                                             </p:txEl>
                                           </p:spTgt>
                                         </p:tgtEl>

--- a/ASP.NET Presentation_2.pptx
+++ b/ASP.NET Presentation_2.pptx
@@ -11847,12 +11847,16 @@
   <p:clrMapOvr>
     <a:masterClrMapping/>
   </p:clrMapOvr>
-  <mc:AlternateContent xmlns:mc="http://schemas.openxmlformats.org/markup-compatibility/2006" xmlns:p14="http://schemas.microsoft.com/office/powerpoint/2010/main">
-    <mc:Choice Requires="p14">
-      <p:transition p14:dur="0"/>
+  <mc:AlternateContent xmlns:mc="http://schemas.openxmlformats.org/markup-compatibility/2006">
+    <mc:Choice xmlns:p14="http://schemas.microsoft.com/office/powerpoint/2010/main" Requires="p14">
+      <p:transition spd="slow" p14:dur="1250">
+        <p14:flip dir="r"/>
+      </p:transition>
     </mc:Choice>
-    <mc:Fallback xmlns="">
-      <p:transition/>
+    <mc:Fallback>
+      <p:transition spd="slow">
+        <p:fade/>
+      </p:transition>
     </mc:Fallback>
   </mc:AlternateContent>
   <p:timing>
@@ -13750,82 +13754,6 @@
           </a:p>
         </p:txBody>
       </p:sp>
-      <p:grpSp>
-        <p:nvGrpSpPr>
-          <p:cNvPr id="4" name="Group 3"/>
-          <p:cNvGrpSpPr/>
-          <p:nvPr/>
-        </p:nvGrpSpPr>
-        <p:grpSpPr>
-          <a:xfrm>
-            <a:off x="-179658" y="1559738"/>
-            <a:ext cx="2850861" cy="1901601"/>
-            <a:chOff x="-351936" y="1053986"/>
-            <a:chExt cx="2850861" cy="1901601"/>
-          </a:xfrm>
-        </p:grpSpPr>
-        <p:pic>
-          <p:nvPicPr>
-            <p:cNvPr id="44" name="Content Placeholder 3"/>
-            <p:cNvPicPr>
-              <a:picLocks noChangeAspect="1"/>
-            </p:cNvPicPr>
-            <p:nvPr/>
-          </p:nvPicPr>
-          <p:blipFill>
-            <a:blip r:embed="rId8" cstate="print">
-              <a:extLst>
-                <a:ext uri="{28A0092B-C50C-407E-A947-70E740481C1C}">
-                  <a14:useLocalDpi xmlns:a14="http://schemas.microsoft.com/office/drawing/2010/main" val="0"/>
-                </a:ext>
-              </a:extLst>
-            </a:blip>
-            <a:stretch>
-              <a:fillRect/>
-            </a:stretch>
-          </p:blipFill>
-          <p:spPr>
-            <a:xfrm>
-              <a:off x="70175" y="1053986"/>
-              <a:ext cx="1654164" cy="1520156"/>
-            </a:xfrm>
-            <a:prstGeom prst="rect">
-              <a:avLst/>
-            </a:prstGeom>
-          </p:spPr>
-        </p:pic>
-        <p:sp>
-          <p:nvSpPr>
-            <p:cNvPr id="45" name="TextBox 44"/>
-            <p:cNvSpPr txBox="1"/>
-            <p:nvPr/>
-          </p:nvSpPr>
-          <p:spPr>
-            <a:xfrm>
-              <a:off x="-351936" y="2586255"/>
-              <a:ext cx="2850861" cy="369332"/>
-            </a:xfrm>
-            <a:prstGeom prst="rect">
-              <a:avLst/>
-            </a:prstGeom>
-            <a:noFill/>
-          </p:spPr>
-          <p:txBody>
-            <a:bodyPr wrap="square" rtlCol="0">
-              <a:spAutoFit/>
-            </a:bodyPr>
-            <a:lstStyle/>
-            <a:p>
-              <a:pPr algn="ctr"/>
-              <a:r>
-                <a:rPr lang="en-US" dirty="0" smtClean="0"/>
-                <a:t>Seems like modern</a:t>
-              </a:r>
-              <a:endParaRPr lang="en-US" dirty="0"/>
-            </a:p>
-          </p:txBody>
-        </p:sp>
-      </p:grpSp>
     </p:spTree>
     <p:extLst>
       <p:ext uri="{BB962C8B-B14F-4D97-AF65-F5344CB8AC3E}">
@@ -13842,83 +13770,7 @@
   <p:timing>
     <p:tnLst>
       <p:par>
-        <p:cTn id="1" dur="indefinite" restart="never" nodeType="tmRoot">
-          <p:childTnLst>
-            <p:seq concurrent="1" nextAc="seek">
-              <p:cTn id="2" dur="indefinite" nodeType="mainSeq">
-                <p:childTnLst>
-                  <p:par>
-                    <p:cTn id="3" fill="hold">
-                      <p:stCondLst>
-                        <p:cond delay="indefinite"/>
-                      </p:stCondLst>
-                      <p:childTnLst>
-                        <p:par>
-                          <p:cTn id="4" fill="hold">
-                            <p:stCondLst>
-                              <p:cond delay="0"/>
-                            </p:stCondLst>
-                            <p:childTnLst>
-                              <p:par>
-                                <p:cTn id="5" presetID="10" presetClass="entr" presetSubtype="0" fill="hold" nodeType="clickEffect">
-                                  <p:stCondLst>
-                                    <p:cond delay="0"/>
-                                  </p:stCondLst>
-                                  <p:childTnLst>
-                                    <p:set>
-                                      <p:cBhvr>
-                                        <p:cTn id="6" dur="1" fill="hold">
-                                          <p:stCondLst>
-                                            <p:cond delay="0"/>
-                                          </p:stCondLst>
-                                        </p:cTn>
-                                        <p:tgtEl>
-                                          <p:spTgt spid="4"/>
-                                        </p:tgtEl>
-                                        <p:attrNameLst>
-                                          <p:attrName>style.visibility</p:attrName>
-                                        </p:attrNameLst>
-                                      </p:cBhvr>
-                                      <p:to>
-                                        <p:strVal val="visible"/>
-                                      </p:to>
-                                    </p:set>
-                                    <p:animEffect transition="in" filter="fade">
-                                      <p:cBhvr>
-                                        <p:cTn id="7" dur="500"/>
-                                        <p:tgtEl>
-                                          <p:spTgt spid="4"/>
-                                        </p:tgtEl>
-                                      </p:cBhvr>
-                                    </p:animEffect>
-                                  </p:childTnLst>
-                                </p:cTn>
-                              </p:par>
-                            </p:childTnLst>
-                          </p:cTn>
-                        </p:par>
-                      </p:childTnLst>
-                    </p:cTn>
-                  </p:par>
-                </p:childTnLst>
-              </p:cTn>
-              <p:prevCondLst>
-                <p:cond evt="onPrev" delay="0">
-                  <p:tgtEl>
-                    <p:sldTgt/>
-                  </p:tgtEl>
-                </p:cond>
-              </p:prevCondLst>
-              <p:nextCondLst>
-                <p:cond evt="onNext" delay="0">
-                  <p:tgtEl>
-                    <p:sldTgt/>
-                  </p:tgtEl>
-                </p:cond>
-              </p:nextCondLst>
-            </p:seq>
-          </p:childTnLst>
-        </p:cTn>
+        <p:cTn id="1" dur="indefinite" restart="never" nodeType="tmRoot"/>
       </p:par>
     </p:tnLst>
   </p:timing>
@@ -14114,7 +13966,7 @@
         <p:spPr>
           <a:xfrm>
             <a:off x="831849" y="536856"/>
-            <a:ext cx="4644173" cy="3416320"/>
+            <a:ext cx="4644173" cy="3139321"/>
           </a:xfrm>
           <a:prstGeom prst="rect">
             <a:avLst/>
@@ -14141,11 +13993,7 @@
             </a:pPr>
             <a:r>
               <a:rPr lang="en-US" dirty="0" smtClean="0"/>
-              <a:t>Rich optimized registration </a:t>
-            </a:r>
-            <a:r>
-              <a:rPr lang="en-US" dirty="0" smtClean="0"/>
-              <a:t>system.</a:t>
+              <a:t>Rich optimized registration system.</a:t>
             </a:r>
           </a:p>
           <a:p>
@@ -14154,34 +14002,35 @@
             </a:pPr>
             <a:r>
               <a:rPr lang="en-US" dirty="0" smtClean="0"/>
-              <a:t>Faster integration</a:t>
+              <a:t>Robust </a:t>
+            </a:r>
+            <a:r>
+              <a:rPr lang="en-US" dirty="0" smtClean="0"/>
+              <a:t>scaffolding</a:t>
+            </a:r>
+            <a:r>
+              <a:rPr lang="en-US" dirty="0" smtClean="0"/>
+              <a:t>.</a:t>
             </a:r>
           </a:p>
           <a:p>
             <a:pPr marL="342900" indent="-342900">
+              <a:buFontTx/>
               <a:buAutoNum type="arabicPeriod"/>
             </a:pPr>
             <a:r>
-              <a:rPr lang="en-US" dirty="0" smtClean="0"/>
+              <a:rPr lang="en-US" dirty="0"/>
               <a:t>Web Optimization Out of the box (</a:t>
             </a:r>
             <a:r>
-              <a:rPr lang="en-US" dirty="0" err="1" smtClean="0"/>
+              <a:rPr lang="en-US" dirty="0" err="1"/>
               <a:t>YSlow</a:t>
             </a:r>
             <a:r>
               <a:rPr lang="en-US" dirty="0" smtClean="0"/>
               <a:t>)</a:t>
             </a:r>
-          </a:p>
-          <a:p>
-            <a:pPr marL="342900" indent="-342900">
-              <a:buAutoNum type="arabicPeriod"/>
-            </a:pPr>
-            <a:r>
-              <a:rPr lang="en-US" dirty="0" smtClean="0"/>
-              <a:t>Robust scaffolding.</a:t>
-            </a:r>
+            <a:endParaRPr lang="en-US" dirty="0" smtClean="0"/>
           </a:p>
           <a:p>
             <a:pPr marL="342900" indent="-342900">
@@ -14292,7 +14141,7 @@
         <p:spPr>
           <a:xfrm>
             <a:off x="6089650" y="536856"/>
-            <a:ext cx="5820410" cy="3416320"/>
+            <a:ext cx="5820410" cy="3139321"/>
           </a:xfrm>
           <a:prstGeom prst="rect">
             <a:avLst/>
@@ -14365,50 +14214,27 @@
             </a:r>
             <a:r>
               <a:rPr lang="en-US" dirty="0" smtClean="0"/>
-              <a:t>Faster integration</a:t>
+              <a:t>Robust scaffolding</a:t>
+            </a:r>
+            <a:r>
+              <a:rPr lang="en-US" dirty="0" smtClean="0"/>
+              <a:t>.</a:t>
             </a:r>
           </a:p>
           <a:p>
             <a:pPr marL="342900" indent="-342900">
+              <a:buFontTx/>
               <a:buAutoNum type="arabicPeriod"/>
             </a:pPr>
             <a:r>
+              <a:rPr lang="en-US" dirty="0"/>
+              <a:t>Web Optimization is not integrated efficiently</a:t>
+            </a:r>
+            <a:r>
               <a:rPr lang="en-US" dirty="0" smtClean="0"/>
-              <a:t>Web </a:t>
-            </a:r>
-            <a:r>
-              <a:rPr lang="en-US" dirty="0" smtClean="0"/>
-              <a:t>Optimization is not </a:t>
-            </a:r>
-            <a:r>
-              <a:rPr lang="en-US" dirty="0" smtClean="0"/>
-              <a:t>integrated efficiently.</a:t>
-            </a:r>
-          </a:p>
-          <a:p>
-            <a:pPr marL="342900" indent="-342900">
-              <a:buAutoNum type="arabicPeriod"/>
-            </a:pPr>
-            <a:r>
-              <a:rPr lang="en-US" dirty="0" smtClean="0">
-                <a:solidFill>
-                  <a:srgbClr val="FF0000"/>
-                </a:solidFill>
-              </a:rPr>
-              <a:t>NO </a:t>
-            </a:r>
-            <a:r>
-              <a:rPr lang="en-US" dirty="0">
-                <a:solidFill>
-                  <a:srgbClr val="FF0000"/>
-                </a:solidFill>
-              </a:rPr>
-              <a:t>! </a:t>
-            </a:r>
-            <a:r>
-              <a:rPr lang="en-US" dirty="0" smtClean="0"/>
-              <a:t>Robust scaffolding.</a:t>
-            </a:r>
+              <a:t>.</a:t>
+            </a:r>
+            <a:endParaRPr lang="en-US" dirty="0" smtClean="0"/>
           </a:p>
           <a:p>
             <a:pPr marL="342900" indent="-342900">
@@ -16224,128 +16050,6 @@
                                           <p:spTgt spid="19">
                                             <p:txEl>
                                               <p:pRg st="9" end="9"/>
-                                            </p:txEl>
-                                          </p:spTgt>
-                                        </p:tgtEl>
-                                      </p:cBhvr>
-                                    </p:animEffect>
-                                  </p:childTnLst>
-                                </p:cTn>
-                              </p:par>
-                            </p:childTnLst>
-                          </p:cTn>
-                        </p:par>
-                      </p:childTnLst>
-                    </p:cTn>
-                  </p:par>
-                  <p:par>
-                    <p:cTn id="139" fill="hold">
-                      <p:stCondLst>
-                        <p:cond delay="indefinite"/>
-                      </p:stCondLst>
-                      <p:childTnLst>
-                        <p:par>
-                          <p:cTn id="140" fill="hold">
-                            <p:stCondLst>
-                              <p:cond delay="0"/>
-                            </p:stCondLst>
-                            <p:childTnLst>
-                              <p:par>
-                                <p:cTn id="141" presetID="10" presetClass="entr" presetSubtype="0" fill="hold" grpId="0" nodeType="clickEffect">
-                                  <p:stCondLst>
-                                    <p:cond delay="0"/>
-                                  </p:stCondLst>
-                                  <p:childTnLst>
-                                    <p:set>
-                                      <p:cBhvr>
-                                        <p:cTn id="142" dur="1" fill="hold">
-                                          <p:stCondLst>
-                                            <p:cond delay="0"/>
-                                          </p:stCondLst>
-                                        </p:cTn>
-                                        <p:tgtEl>
-                                          <p:spTgt spid="6">
-                                            <p:txEl>
-                                              <p:pRg st="10" end="10"/>
-                                            </p:txEl>
-                                          </p:spTgt>
-                                        </p:tgtEl>
-                                        <p:attrNameLst>
-                                          <p:attrName>style.visibility</p:attrName>
-                                        </p:attrNameLst>
-                                      </p:cBhvr>
-                                      <p:to>
-                                        <p:strVal val="visible"/>
-                                      </p:to>
-                                    </p:set>
-                                    <p:animEffect transition="in" filter="fade">
-                                      <p:cBhvr>
-                                        <p:cTn id="143" dur="500"/>
-                                        <p:tgtEl>
-                                          <p:spTgt spid="6">
-                                            <p:txEl>
-                                              <p:pRg st="10" end="10"/>
-                                            </p:txEl>
-                                          </p:spTgt>
-                                        </p:tgtEl>
-                                      </p:cBhvr>
-                                    </p:animEffect>
-                                  </p:childTnLst>
-                                </p:cTn>
-                              </p:par>
-                            </p:childTnLst>
-                          </p:cTn>
-                        </p:par>
-                      </p:childTnLst>
-                    </p:cTn>
-                  </p:par>
-                  <p:par>
-                    <p:cTn id="144" fill="hold">
-                      <p:stCondLst>
-                        <p:cond delay="indefinite"/>
-                      </p:stCondLst>
-                      <p:childTnLst>
-                        <p:par>
-                          <p:cTn id="145" fill="hold">
-                            <p:stCondLst>
-                              <p:cond delay="0"/>
-                            </p:stCondLst>
-                            <p:childTnLst>
-                              <p:par>
-                                <p:cTn id="146" presetID="10" presetClass="entr" presetSubtype="0" fill="hold" grpId="0" nodeType="clickEffect">
-                                  <p:stCondLst>
-                                    <p:cond delay="0"/>
-                                  </p:stCondLst>
-                                  <p:childTnLst>
-                                    <p:set>
-                                      <p:cBhvr>
-                                        <p:cTn id="147" dur="1" fill="hold">
-                                          <p:stCondLst>
-                                            <p:cond delay="0"/>
-                                          </p:stCondLst>
-                                        </p:cTn>
-                                        <p:tgtEl>
-                                          <p:spTgt spid="19">
-                                            <p:txEl>
-                                              <p:pRg st="10" end="10"/>
-                                            </p:txEl>
-                                          </p:spTgt>
-                                        </p:tgtEl>
-                                        <p:attrNameLst>
-                                          <p:attrName>style.visibility</p:attrName>
-                                        </p:attrNameLst>
-                                      </p:cBhvr>
-                                      <p:to>
-                                        <p:strVal val="visible"/>
-                                      </p:to>
-                                    </p:set>
-                                    <p:animEffect transition="in" filter="fade">
-                                      <p:cBhvr>
-                                        <p:cTn id="148" dur="500"/>
-                                        <p:tgtEl>
-                                          <p:spTgt spid="19">
-                                            <p:txEl>
-                                              <p:pRg st="10" end="10"/>
                                             </p:txEl>
                                           </p:spTgt>
                                         </p:tgtEl>
